--- a/Algorithm Ykkonena.pptx
+++ b/Algorithm Ykkonena.pptx
@@ -4,6 +4,9 @@
   <p:sldMasterIdLst>
     <p:sldMasterId id="2147483648" r:id="rId1"/>
   </p:sldMasterIdLst>
+  <p:notesMasterIdLst>
+    <p:notesMasterId r:id="rId23"/>
+  </p:notesMasterIdLst>
   <p:sldIdLst>
     <p:sldId id="256" r:id="rId2"/>
     <p:sldId id="257" r:id="rId3"/>
@@ -26,7 +29,6 @@
     <p:sldId id="279" r:id="rId20"/>
     <p:sldId id="280" r:id="rId21"/>
     <p:sldId id="281" r:id="rId22"/>
-    <p:sldId id="282" r:id="rId23"/>
   </p:sldIdLst>
   <p:sldSz cx="12192000" cy="6858000"/>
   <p:notesSz cx="6858000" cy="9144000"/>
@@ -125,7 +127,3478 @@
       </a:defRPr>
     </a:lvl9pPr>
   </p:defaultTextStyle>
+  <p:extLst>
+    <p:ext uri="{EFAFB233-063F-42B5-8137-9DF3F51BA10A}">
+      <p15:sldGuideLst xmlns:p15="http://schemas.microsoft.com/office/powerpoint/2012/main"/>
+    </p:ext>
+  </p:extLst>
 </p:presentation>
+</file>
+
+<file path=ppt/diagrams/colors1.xml><?xml version="1.0" encoding="utf-8"?>
+<dgm:colorsDef xmlns:dgm="http://schemas.openxmlformats.org/drawingml/2006/diagram" xmlns:a="http://schemas.openxmlformats.org/drawingml/2006/main" uniqueId="urn:microsoft.com/office/officeart/2005/8/colors/accent1_2">
+  <dgm:title val=""/>
+  <dgm:desc val=""/>
+  <dgm:catLst>
+    <dgm:cat type="accent1" pri="11200"/>
+  </dgm:catLst>
+  <dgm:styleLbl name="node0">
+    <dgm:fillClrLst meth="repeat">
+      <a:schemeClr val="accent1"/>
+    </dgm:fillClrLst>
+    <dgm:linClrLst meth="repeat">
+      <a:schemeClr val="lt1"/>
+    </dgm:linClrLst>
+    <dgm:effectClrLst/>
+    <dgm:txLinClrLst/>
+    <dgm:txFillClrLst/>
+    <dgm:txEffectClrLst/>
+  </dgm:styleLbl>
+  <dgm:styleLbl name="alignNode1">
+    <dgm:fillClrLst meth="repeat">
+      <a:schemeClr val="accent1"/>
+    </dgm:fillClrLst>
+    <dgm:linClrLst meth="repeat">
+      <a:schemeClr val="accent1"/>
+    </dgm:linClrLst>
+    <dgm:effectClrLst/>
+    <dgm:txLinClrLst/>
+    <dgm:txFillClrLst/>
+    <dgm:txEffectClrLst/>
+  </dgm:styleLbl>
+  <dgm:styleLbl name="node1">
+    <dgm:fillClrLst meth="repeat">
+      <a:schemeClr val="accent1"/>
+    </dgm:fillClrLst>
+    <dgm:linClrLst meth="repeat">
+      <a:schemeClr val="lt1"/>
+    </dgm:linClrLst>
+    <dgm:effectClrLst/>
+    <dgm:txLinClrLst/>
+    <dgm:txFillClrLst/>
+    <dgm:txEffectClrLst/>
+  </dgm:styleLbl>
+  <dgm:styleLbl name="lnNode1">
+    <dgm:fillClrLst meth="repeat">
+      <a:schemeClr val="accent1"/>
+    </dgm:fillClrLst>
+    <dgm:linClrLst meth="repeat">
+      <a:schemeClr val="lt1"/>
+    </dgm:linClrLst>
+    <dgm:effectClrLst/>
+    <dgm:txLinClrLst/>
+    <dgm:txFillClrLst/>
+    <dgm:txEffectClrLst/>
+  </dgm:styleLbl>
+  <dgm:styleLbl name="vennNode1">
+    <dgm:fillClrLst meth="repeat">
+      <a:schemeClr val="accent1">
+        <a:alpha val="50000"/>
+      </a:schemeClr>
+    </dgm:fillClrLst>
+    <dgm:linClrLst meth="repeat">
+      <a:schemeClr val="lt1"/>
+    </dgm:linClrLst>
+    <dgm:effectClrLst/>
+    <dgm:txLinClrLst/>
+    <dgm:txFillClrLst/>
+    <dgm:txEffectClrLst/>
+  </dgm:styleLbl>
+  <dgm:styleLbl name="node2">
+    <dgm:fillClrLst meth="repeat">
+      <a:schemeClr val="accent1"/>
+    </dgm:fillClrLst>
+    <dgm:linClrLst meth="repeat">
+      <a:schemeClr val="lt1"/>
+    </dgm:linClrLst>
+    <dgm:effectClrLst/>
+    <dgm:txLinClrLst/>
+    <dgm:txFillClrLst/>
+    <dgm:txEffectClrLst/>
+  </dgm:styleLbl>
+  <dgm:styleLbl name="node3">
+    <dgm:fillClrLst meth="repeat">
+      <a:schemeClr val="accent1"/>
+    </dgm:fillClrLst>
+    <dgm:linClrLst meth="repeat">
+      <a:schemeClr val="lt1"/>
+    </dgm:linClrLst>
+    <dgm:effectClrLst/>
+    <dgm:txLinClrLst/>
+    <dgm:txFillClrLst/>
+    <dgm:txEffectClrLst/>
+  </dgm:styleLbl>
+  <dgm:styleLbl name="node4">
+    <dgm:fillClrLst meth="repeat">
+      <a:schemeClr val="accent1"/>
+    </dgm:fillClrLst>
+    <dgm:linClrLst meth="repeat">
+      <a:schemeClr val="lt1"/>
+    </dgm:linClrLst>
+    <dgm:effectClrLst/>
+    <dgm:txLinClrLst/>
+    <dgm:txFillClrLst/>
+    <dgm:txEffectClrLst/>
+  </dgm:styleLbl>
+  <dgm:styleLbl name="fgImgPlace1">
+    <dgm:fillClrLst meth="repeat">
+      <a:schemeClr val="accent1">
+        <a:tint val="50000"/>
+      </a:schemeClr>
+    </dgm:fillClrLst>
+    <dgm:linClrLst meth="repeat">
+      <a:schemeClr val="lt1"/>
+    </dgm:linClrLst>
+    <dgm:effectClrLst/>
+    <dgm:txLinClrLst/>
+    <dgm:txFillClrLst meth="repeat">
+      <a:schemeClr val="lt1"/>
+    </dgm:txFillClrLst>
+    <dgm:txEffectClrLst/>
+  </dgm:styleLbl>
+  <dgm:styleLbl name="alignImgPlace1">
+    <dgm:fillClrLst meth="repeat">
+      <a:schemeClr val="accent1">
+        <a:tint val="50000"/>
+      </a:schemeClr>
+    </dgm:fillClrLst>
+    <dgm:linClrLst meth="repeat">
+      <a:schemeClr val="lt1"/>
+    </dgm:linClrLst>
+    <dgm:effectClrLst/>
+    <dgm:txLinClrLst/>
+    <dgm:txFillClrLst meth="repeat">
+      <a:schemeClr val="lt1"/>
+    </dgm:txFillClrLst>
+    <dgm:txEffectClrLst/>
+  </dgm:styleLbl>
+  <dgm:styleLbl name="bgImgPlace1">
+    <dgm:fillClrLst meth="repeat">
+      <a:schemeClr val="accent1">
+        <a:tint val="50000"/>
+      </a:schemeClr>
+    </dgm:fillClrLst>
+    <dgm:linClrLst meth="repeat">
+      <a:schemeClr val="lt1"/>
+    </dgm:linClrLst>
+    <dgm:effectClrLst/>
+    <dgm:txLinClrLst/>
+    <dgm:txFillClrLst meth="repeat">
+      <a:schemeClr val="lt1"/>
+    </dgm:txFillClrLst>
+    <dgm:txEffectClrLst/>
+  </dgm:styleLbl>
+  <dgm:styleLbl name="sibTrans2D1">
+    <dgm:fillClrLst meth="repeat">
+      <a:schemeClr val="accent1">
+        <a:tint val="60000"/>
+      </a:schemeClr>
+    </dgm:fillClrLst>
+    <dgm:linClrLst meth="repeat">
+      <a:schemeClr val="accent1">
+        <a:tint val="60000"/>
+      </a:schemeClr>
+    </dgm:linClrLst>
+    <dgm:effectClrLst/>
+    <dgm:txLinClrLst/>
+    <dgm:txFillClrLst/>
+    <dgm:txEffectClrLst/>
+  </dgm:styleLbl>
+  <dgm:styleLbl name="fgSibTrans2D1">
+    <dgm:fillClrLst meth="repeat">
+      <a:schemeClr val="accent1">
+        <a:tint val="60000"/>
+      </a:schemeClr>
+    </dgm:fillClrLst>
+    <dgm:linClrLst meth="repeat">
+      <a:schemeClr val="accent1">
+        <a:tint val="60000"/>
+      </a:schemeClr>
+    </dgm:linClrLst>
+    <dgm:effectClrLst/>
+    <dgm:txLinClrLst/>
+    <dgm:txFillClrLst/>
+    <dgm:txEffectClrLst/>
+  </dgm:styleLbl>
+  <dgm:styleLbl name="bgSibTrans2D1">
+    <dgm:fillClrLst meth="repeat">
+      <a:schemeClr val="accent1">
+        <a:tint val="60000"/>
+      </a:schemeClr>
+    </dgm:fillClrLst>
+    <dgm:linClrLst meth="repeat">
+      <a:schemeClr val="accent1">
+        <a:tint val="60000"/>
+      </a:schemeClr>
+    </dgm:linClrLst>
+    <dgm:effectClrLst/>
+    <dgm:txLinClrLst/>
+    <dgm:txFillClrLst/>
+    <dgm:txEffectClrLst/>
+  </dgm:styleLbl>
+  <dgm:styleLbl name="sibTrans1D1">
+    <dgm:fillClrLst meth="repeat">
+      <a:schemeClr val="accent1"/>
+    </dgm:fillClrLst>
+    <dgm:linClrLst meth="repeat">
+      <a:schemeClr val="accent1"/>
+    </dgm:linClrLst>
+    <dgm:effectClrLst/>
+    <dgm:txLinClrLst/>
+    <dgm:txFillClrLst meth="repeat">
+      <a:schemeClr val="tx1"/>
+    </dgm:txFillClrLst>
+    <dgm:txEffectClrLst/>
+  </dgm:styleLbl>
+  <dgm:styleLbl name="callout">
+    <dgm:fillClrLst meth="repeat">
+      <a:schemeClr val="accent1"/>
+    </dgm:fillClrLst>
+    <dgm:linClrLst meth="repeat">
+      <a:schemeClr val="accent1">
+        <a:tint val="50000"/>
+      </a:schemeClr>
+    </dgm:linClrLst>
+    <dgm:effectClrLst/>
+    <dgm:txLinClrLst/>
+    <dgm:txFillClrLst meth="repeat">
+      <a:schemeClr val="tx1"/>
+    </dgm:txFillClrLst>
+    <dgm:txEffectClrLst/>
+  </dgm:styleLbl>
+  <dgm:styleLbl name="asst0">
+    <dgm:fillClrLst meth="repeat">
+      <a:schemeClr val="accent1"/>
+    </dgm:fillClrLst>
+    <dgm:linClrLst meth="repeat">
+      <a:schemeClr val="lt1"/>
+    </dgm:linClrLst>
+    <dgm:effectClrLst/>
+    <dgm:txLinClrLst/>
+    <dgm:txFillClrLst/>
+    <dgm:txEffectClrLst/>
+  </dgm:styleLbl>
+  <dgm:styleLbl name="asst1">
+    <dgm:fillClrLst meth="repeat">
+      <a:schemeClr val="accent1"/>
+    </dgm:fillClrLst>
+    <dgm:linClrLst meth="repeat">
+      <a:schemeClr val="lt1"/>
+    </dgm:linClrLst>
+    <dgm:effectClrLst/>
+    <dgm:txLinClrLst/>
+    <dgm:txFillClrLst/>
+    <dgm:txEffectClrLst/>
+  </dgm:styleLbl>
+  <dgm:styleLbl name="asst2">
+    <dgm:fillClrLst meth="repeat">
+      <a:schemeClr val="accent1"/>
+    </dgm:fillClrLst>
+    <dgm:linClrLst meth="repeat">
+      <a:schemeClr val="lt1"/>
+    </dgm:linClrLst>
+    <dgm:effectClrLst/>
+    <dgm:txLinClrLst/>
+    <dgm:txFillClrLst/>
+    <dgm:txEffectClrLst/>
+  </dgm:styleLbl>
+  <dgm:styleLbl name="asst3">
+    <dgm:fillClrLst meth="repeat">
+      <a:schemeClr val="accent1"/>
+    </dgm:fillClrLst>
+    <dgm:linClrLst meth="repeat">
+      <a:schemeClr val="lt1"/>
+    </dgm:linClrLst>
+    <dgm:effectClrLst/>
+    <dgm:txLinClrLst/>
+    <dgm:txFillClrLst/>
+    <dgm:txEffectClrLst/>
+  </dgm:styleLbl>
+  <dgm:styleLbl name="asst4">
+    <dgm:fillClrLst meth="repeat">
+      <a:schemeClr val="accent1"/>
+    </dgm:fillClrLst>
+    <dgm:linClrLst meth="repeat">
+      <a:schemeClr val="lt1"/>
+    </dgm:linClrLst>
+    <dgm:effectClrLst/>
+    <dgm:txLinClrLst/>
+    <dgm:txFillClrLst/>
+    <dgm:txEffectClrLst/>
+  </dgm:styleLbl>
+  <dgm:styleLbl name="parChTrans2D1">
+    <dgm:fillClrLst meth="repeat">
+      <a:schemeClr val="accent1">
+        <a:tint val="60000"/>
+      </a:schemeClr>
+    </dgm:fillClrLst>
+    <dgm:linClrLst meth="repeat">
+      <a:schemeClr val="accent1">
+        <a:tint val="60000"/>
+      </a:schemeClr>
+    </dgm:linClrLst>
+    <dgm:effectClrLst/>
+    <dgm:txLinClrLst/>
+    <dgm:txFillClrLst meth="repeat">
+      <a:schemeClr val="lt1"/>
+    </dgm:txFillClrLst>
+    <dgm:txEffectClrLst/>
+  </dgm:styleLbl>
+  <dgm:styleLbl name="parChTrans2D2">
+    <dgm:fillClrLst meth="repeat">
+      <a:schemeClr val="accent1"/>
+    </dgm:fillClrLst>
+    <dgm:linClrLst meth="repeat">
+      <a:schemeClr val="accent1"/>
+    </dgm:linClrLst>
+    <dgm:effectClrLst/>
+    <dgm:txLinClrLst/>
+    <dgm:txFillClrLst meth="repeat">
+      <a:schemeClr val="lt1"/>
+    </dgm:txFillClrLst>
+    <dgm:txEffectClrLst/>
+  </dgm:styleLbl>
+  <dgm:styleLbl name="parChTrans2D3">
+    <dgm:fillClrLst meth="repeat">
+      <a:schemeClr val="accent1"/>
+    </dgm:fillClrLst>
+    <dgm:linClrLst meth="repeat">
+      <a:schemeClr val="accent1"/>
+    </dgm:linClrLst>
+    <dgm:effectClrLst/>
+    <dgm:txLinClrLst/>
+    <dgm:txFillClrLst meth="repeat">
+      <a:schemeClr val="lt1"/>
+    </dgm:txFillClrLst>
+    <dgm:txEffectClrLst/>
+  </dgm:styleLbl>
+  <dgm:styleLbl name="parChTrans2D4">
+    <dgm:fillClrLst meth="repeat">
+      <a:schemeClr val="accent1"/>
+    </dgm:fillClrLst>
+    <dgm:linClrLst meth="repeat">
+      <a:schemeClr val="accent1"/>
+    </dgm:linClrLst>
+    <dgm:effectClrLst/>
+    <dgm:txLinClrLst/>
+    <dgm:txFillClrLst meth="repeat">
+      <a:schemeClr val="lt1"/>
+    </dgm:txFillClrLst>
+    <dgm:txEffectClrLst/>
+  </dgm:styleLbl>
+  <dgm:styleLbl name="parChTrans1D1">
+    <dgm:fillClrLst meth="repeat">
+      <a:schemeClr val="accent1"/>
+    </dgm:fillClrLst>
+    <dgm:linClrLst meth="repeat">
+      <a:schemeClr val="accent1">
+        <a:shade val="60000"/>
+      </a:schemeClr>
+    </dgm:linClrLst>
+    <dgm:effectClrLst/>
+    <dgm:txLinClrLst/>
+    <dgm:txFillClrLst meth="repeat">
+      <a:schemeClr val="tx1"/>
+    </dgm:txFillClrLst>
+    <dgm:txEffectClrLst/>
+  </dgm:styleLbl>
+  <dgm:styleLbl name="parChTrans1D2">
+    <dgm:fillClrLst meth="repeat">
+      <a:schemeClr val="accent1"/>
+    </dgm:fillClrLst>
+    <dgm:linClrLst meth="repeat">
+      <a:schemeClr val="accent1">
+        <a:shade val="60000"/>
+      </a:schemeClr>
+    </dgm:linClrLst>
+    <dgm:effectClrLst/>
+    <dgm:txLinClrLst/>
+    <dgm:txFillClrLst meth="repeat">
+      <a:schemeClr val="tx1"/>
+    </dgm:txFillClrLst>
+    <dgm:txEffectClrLst/>
+  </dgm:styleLbl>
+  <dgm:styleLbl name="parChTrans1D3">
+    <dgm:fillClrLst meth="repeat">
+      <a:schemeClr val="accent1"/>
+    </dgm:fillClrLst>
+    <dgm:linClrLst meth="repeat">
+      <a:schemeClr val="accent1">
+        <a:shade val="80000"/>
+      </a:schemeClr>
+    </dgm:linClrLst>
+    <dgm:effectClrLst/>
+    <dgm:txLinClrLst/>
+    <dgm:txFillClrLst meth="repeat">
+      <a:schemeClr val="tx1"/>
+    </dgm:txFillClrLst>
+    <dgm:txEffectClrLst/>
+  </dgm:styleLbl>
+  <dgm:styleLbl name="parChTrans1D4">
+    <dgm:fillClrLst meth="repeat">
+      <a:schemeClr val="accent1"/>
+    </dgm:fillClrLst>
+    <dgm:linClrLst meth="repeat">
+      <a:schemeClr val="accent1">
+        <a:shade val="80000"/>
+      </a:schemeClr>
+    </dgm:linClrLst>
+    <dgm:effectClrLst/>
+    <dgm:txLinClrLst/>
+    <dgm:txFillClrLst meth="repeat">
+      <a:schemeClr val="tx1"/>
+    </dgm:txFillClrLst>
+    <dgm:txEffectClrLst/>
+  </dgm:styleLbl>
+  <dgm:styleLbl name="fgAcc1">
+    <dgm:fillClrLst meth="repeat">
+      <a:schemeClr val="lt1">
+        <a:alpha val="90000"/>
+      </a:schemeClr>
+    </dgm:fillClrLst>
+    <dgm:linClrLst meth="repeat">
+      <a:schemeClr val="accent1"/>
+    </dgm:linClrLst>
+    <dgm:effectClrLst/>
+    <dgm:txLinClrLst/>
+    <dgm:txFillClrLst meth="repeat">
+      <a:schemeClr val="dk1"/>
+    </dgm:txFillClrLst>
+    <dgm:txEffectClrLst/>
+  </dgm:styleLbl>
+  <dgm:styleLbl name="conFgAcc1">
+    <dgm:fillClrLst meth="repeat">
+      <a:schemeClr val="lt1">
+        <a:alpha val="90000"/>
+      </a:schemeClr>
+    </dgm:fillClrLst>
+    <dgm:linClrLst meth="repeat">
+      <a:schemeClr val="accent1"/>
+    </dgm:linClrLst>
+    <dgm:effectClrLst/>
+    <dgm:txLinClrLst/>
+    <dgm:txFillClrLst meth="repeat">
+      <a:schemeClr val="dk1"/>
+    </dgm:txFillClrLst>
+    <dgm:txEffectClrLst/>
+  </dgm:styleLbl>
+  <dgm:styleLbl name="alignAcc1">
+    <dgm:fillClrLst meth="repeat">
+      <a:schemeClr val="lt1">
+        <a:alpha val="90000"/>
+      </a:schemeClr>
+    </dgm:fillClrLst>
+    <dgm:linClrLst meth="repeat">
+      <a:schemeClr val="accent1"/>
+    </dgm:linClrLst>
+    <dgm:effectClrLst/>
+    <dgm:txLinClrLst/>
+    <dgm:txFillClrLst meth="repeat">
+      <a:schemeClr val="dk1"/>
+    </dgm:txFillClrLst>
+    <dgm:txEffectClrLst/>
+  </dgm:styleLbl>
+  <dgm:styleLbl name="trAlignAcc1">
+    <dgm:fillClrLst meth="repeat">
+      <a:schemeClr val="lt1">
+        <a:alpha val="40000"/>
+      </a:schemeClr>
+    </dgm:fillClrLst>
+    <dgm:linClrLst meth="repeat">
+      <a:schemeClr val="accent1"/>
+    </dgm:linClrLst>
+    <dgm:effectClrLst/>
+    <dgm:txLinClrLst/>
+    <dgm:txFillClrLst meth="repeat">
+      <a:schemeClr val="dk1"/>
+    </dgm:txFillClrLst>
+    <dgm:txEffectClrLst/>
+  </dgm:styleLbl>
+  <dgm:styleLbl name="bgAcc1">
+    <dgm:fillClrLst meth="repeat">
+      <a:schemeClr val="lt1">
+        <a:alpha val="90000"/>
+      </a:schemeClr>
+    </dgm:fillClrLst>
+    <dgm:linClrLst meth="repeat">
+      <a:schemeClr val="accent1"/>
+    </dgm:linClrLst>
+    <dgm:effectClrLst/>
+    <dgm:txLinClrLst/>
+    <dgm:txFillClrLst meth="repeat">
+      <a:schemeClr val="dk1"/>
+    </dgm:txFillClrLst>
+    <dgm:txEffectClrLst/>
+  </dgm:styleLbl>
+  <dgm:styleLbl name="solidFgAcc1">
+    <dgm:fillClrLst meth="repeat">
+      <a:schemeClr val="lt1"/>
+    </dgm:fillClrLst>
+    <dgm:linClrLst meth="repeat">
+      <a:schemeClr val="accent1"/>
+    </dgm:linClrLst>
+    <dgm:effectClrLst/>
+    <dgm:txLinClrLst/>
+    <dgm:txFillClrLst meth="repeat">
+      <a:schemeClr val="dk1"/>
+    </dgm:txFillClrLst>
+    <dgm:txEffectClrLst/>
+  </dgm:styleLbl>
+  <dgm:styleLbl name="solidAlignAcc1">
+    <dgm:fillClrLst meth="repeat">
+      <a:schemeClr val="lt1"/>
+    </dgm:fillClrLst>
+    <dgm:linClrLst meth="repeat">
+      <a:schemeClr val="accent1"/>
+    </dgm:linClrLst>
+    <dgm:effectClrLst/>
+    <dgm:txLinClrLst/>
+    <dgm:txFillClrLst meth="repeat">
+      <a:schemeClr val="dk1"/>
+    </dgm:txFillClrLst>
+    <dgm:txEffectClrLst/>
+  </dgm:styleLbl>
+  <dgm:styleLbl name="solidBgAcc1">
+    <dgm:fillClrLst meth="repeat">
+      <a:schemeClr val="lt1"/>
+    </dgm:fillClrLst>
+    <dgm:linClrLst meth="repeat">
+      <a:schemeClr val="accent1"/>
+    </dgm:linClrLst>
+    <dgm:effectClrLst/>
+    <dgm:txLinClrLst/>
+    <dgm:txFillClrLst meth="repeat">
+      <a:schemeClr val="dk1"/>
+    </dgm:txFillClrLst>
+    <dgm:txEffectClrLst/>
+  </dgm:styleLbl>
+  <dgm:styleLbl name="fgAccFollowNode1">
+    <dgm:fillClrLst meth="repeat">
+      <a:schemeClr val="accent1">
+        <a:alpha val="90000"/>
+        <a:tint val="40000"/>
+      </a:schemeClr>
+    </dgm:fillClrLst>
+    <dgm:linClrLst meth="repeat">
+      <a:schemeClr val="accent1">
+        <a:alpha val="90000"/>
+        <a:tint val="40000"/>
+      </a:schemeClr>
+    </dgm:linClrLst>
+    <dgm:effectClrLst/>
+    <dgm:txLinClrLst/>
+    <dgm:txFillClrLst meth="repeat">
+      <a:schemeClr val="dk1"/>
+    </dgm:txFillClrLst>
+    <dgm:txEffectClrLst/>
+  </dgm:styleLbl>
+  <dgm:styleLbl name="alignAccFollowNode1">
+    <dgm:fillClrLst meth="repeat">
+      <a:schemeClr val="accent1">
+        <a:alpha val="90000"/>
+        <a:tint val="40000"/>
+      </a:schemeClr>
+    </dgm:fillClrLst>
+    <dgm:linClrLst meth="repeat">
+      <a:schemeClr val="accent1">
+        <a:alpha val="90000"/>
+        <a:tint val="40000"/>
+      </a:schemeClr>
+    </dgm:linClrLst>
+    <dgm:effectClrLst/>
+    <dgm:txLinClrLst/>
+    <dgm:txFillClrLst meth="repeat">
+      <a:schemeClr val="dk1"/>
+    </dgm:txFillClrLst>
+    <dgm:txEffectClrLst/>
+  </dgm:styleLbl>
+  <dgm:styleLbl name="bgAccFollowNode1">
+    <dgm:fillClrLst meth="repeat">
+      <a:schemeClr val="accent1">
+        <a:alpha val="90000"/>
+        <a:tint val="40000"/>
+      </a:schemeClr>
+    </dgm:fillClrLst>
+    <dgm:linClrLst meth="repeat">
+      <a:schemeClr val="accent1">
+        <a:alpha val="90000"/>
+        <a:tint val="40000"/>
+      </a:schemeClr>
+    </dgm:linClrLst>
+    <dgm:effectClrLst/>
+    <dgm:txLinClrLst/>
+    <dgm:txFillClrLst meth="repeat">
+      <a:schemeClr val="dk1"/>
+    </dgm:txFillClrLst>
+    <dgm:txEffectClrLst/>
+  </dgm:styleLbl>
+  <dgm:styleLbl name="fgAcc0">
+    <dgm:fillClrLst meth="repeat">
+      <a:schemeClr val="lt1">
+        <a:alpha val="90000"/>
+      </a:schemeClr>
+    </dgm:fillClrLst>
+    <dgm:linClrLst meth="repeat">
+      <a:schemeClr val="accent1"/>
+    </dgm:linClrLst>
+    <dgm:effectClrLst/>
+    <dgm:txLinClrLst/>
+    <dgm:txFillClrLst meth="repeat">
+      <a:schemeClr val="dk1"/>
+    </dgm:txFillClrLst>
+    <dgm:txEffectClrLst/>
+  </dgm:styleLbl>
+  <dgm:styleLbl name="fgAcc2">
+    <dgm:fillClrLst meth="repeat">
+      <a:schemeClr val="lt1">
+        <a:alpha val="90000"/>
+      </a:schemeClr>
+    </dgm:fillClrLst>
+    <dgm:linClrLst meth="repeat">
+      <a:schemeClr val="accent1"/>
+    </dgm:linClrLst>
+    <dgm:effectClrLst/>
+    <dgm:txLinClrLst/>
+    <dgm:txFillClrLst meth="repeat">
+      <a:schemeClr val="dk1"/>
+    </dgm:txFillClrLst>
+    <dgm:txEffectClrLst/>
+  </dgm:styleLbl>
+  <dgm:styleLbl name="fgAcc3">
+    <dgm:fillClrLst meth="repeat">
+      <a:schemeClr val="lt1">
+        <a:alpha val="90000"/>
+      </a:schemeClr>
+    </dgm:fillClrLst>
+    <dgm:linClrLst meth="repeat">
+      <a:schemeClr val="accent1"/>
+    </dgm:linClrLst>
+    <dgm:effectClrLst/>
+    <dgm:txLinClrLst/>
+    <dgm:txFillClrLst meth="repeat">
+      <a:schemeClr val="dk1"/>
+    </dgm:txFillClrLst>
+    <dgm:txEffectClrLst/>
+  </dgm:styleLbl>
+  <dgm:styleLbl name="fgAcc4">
+    <dgm:fillClrLst meth="repeat">
+      <a:schemeClr val="lt1">
+        <a:alpha val="90000"/>
+      </a:schemeClr>
+    </dgm:fillClrLst>
+    <dgm:linClrLst meth="repeat">
+      <a:schemeClr val="accent1"/>
+    </dgm:linClrLst>
+    <dgm:effectClrLst/>
+    <dgm:txLinClrLst/>
+    <dgm:txFillClrLst meth="repeat">
+      <a:schemeClr val="dk1"/>
+    </dgm:txFillClrLst>
+    <dgm:txEffectClrLst/>
+  </dgm:styleLbl>
+  <dgm:styleLbl name="bgShp">
+    <dgm:fillClrLst meth="repeat">
+      <a:schemeClr val="accent1">
+        <a:tint val="40000"/>
+      </a:schemeClr>
+    </dgm:fillClrLst>
+    <dgm:linClrLst meth="repeat">
+      <a:schemeClr val="accent1"/>
+    </dgm:linClrLst>
+    <dgm:effectClrLst/>
+    <dgm:txLinClrLst/>
+    <dgm:txFillClrLst meth="repeat">
+      <a:schemeClr val="dk1"/>
+    </dgm:txFillClrLst>
+    <dgm:txEffectClrLst/>
+  </dgm:styleLbl>
+  <dgm:styleLbl name="dkBgShp">
+    <dgm:fillClrLst meth="repeat">
+      <a:schemeClr val="accent1">
+        <a:shade val="80000"/>
+      </a:schemeClr>
+    </dgm:fillClrLst>
+    <dgm:linClrLst meth="repeat">
+      <a:schemeClr val="accent1"/>
+    </dgm:linClrLst>
+    <dgm:effectClrLst/>
+    <dgm:txLinClrLst/>
+    <dgm:txFillClrLst meth="repeat">
+      <a:schemeClr val="lt1"/>
+    </dgm:txFillClrLst>
+    <dgm:txEffectClrLst/>
+  </dgm:styleLbl>
+  <dgm:styleLbl name="trBgShp">
+    <dgm:fillClrLst meth="repeat">
+      <a:schemeClr val="accent1">
+        <a:tint val="50000"/>
+        <a:alpha val="40000"/>
+      </a:schemeClr>
+    </dgm:fillClrLst>
+    <dgm:linClrLst meth="repeat">
+      <a:schemeClr val="accent1"/>
+    </dgm:linClrLst>
+    <dgm:effectClrLst/>
+    <dgm:txLinClrLst/>
+    <dgm:txFillClrLst meth="repeat">
+      <a:schemeClr val="lt1"/>
+    </dgm:txFillClrLst>
+    <dgm:txEffectClrLst/>
+  </dgm:styleLbl>
+  <dgm:styleLbl name="fgShp">
+    <dgm:fillClrLst meth="repeat">
+      <a:schemeClr val="accent1">
+        <a:tint val="60000"/>
+      </a:schemeClr>
+    </dgm:fillClrLst>
+    <dgm:linClrLst meth="repeat">
+      <a:schemeClr val="lt1"/>
+    </dgm:linClrLst>
+    <dgm:effectClrLst/>
+    <dgm:txLinClrLst/>
+    <dgm:txFillClrLst meth="repeat">
+      <a:schemeClr val="dk1"/>
+    </dgm:txFillClrLst>
+    <dgm:txEffectClrLst/>
+  </dgm:styleLbl>
+  <dgm:styleLbl name="revTx">
+    <dgm:fillClrLst meth="repeat">
+      <a:schemeClr val="lt1">
+        <a:alpha val="0"/>
+      </a:schemeClr>
+    </dgm:fillClrLst>
+    <dgm:linClrLst meth="repeat">
+      <a:schemeClr val="dk1">
+        <a:alpha val="0"/>
+      </a:schemeClr>
+    </dgm:linClrLst>
+    <dgm:effectClrLst/>
+    <dgm:txLinClrLst/>
+    <dgm:txFillClrLst meth="repeat">
+      <a:schemeClr val="tx1"/>
+    </dgm:txFillClrLst>
+    <dgm:txEffectClrLst/>
+  </dgm:styleLbl>
+</dgm:colorsDef>
+</file>
+
+<file path=ppt/diagrams/data1.xml><?xml version="1.0" encoding="utf-8"?>
+<dgm:dataModel xmlns:dgm="http://schemas.openxmlformats.org/drawingml/2006/diagram" xmlns:a="http://schemas.openxmlformats.org/drawingml/2006/main">
+  <dgm:ptLst>
+    <dgm:pt modelId="{430D2A41-4096-48FB-AC9A-ABC421E551AA}" type="doc">
+      <dgm:prSet loTypeId="urn:microsoft.com/office/officeart/2005/8/layout/vList2" loCatId="list" qsTypeId="urn:microsoft.com/office/officeart/2005/8/quickstyle/simple1" qsCatId="simple" csTypeId="urn:microsoft.com/office/officeart/2005/8/colors/accent1_2" csCatId="accent1"/>
+      <dgm:spPr/>
+      <dgm:t>
+        <a:bodyPr/>
+        <a:lstStyle/>
+        <a:p>
+          <a:endParaRPr lang="en-US"/>
+        </a:p>
+      </dgm:t>
+    </dgm:pt>
+    <dgm:pt modelId="{6C905DD4-CA3D-4124-948E-076C5E88C88E}">
+      <dgm:prSet/>
+      <dgm:spPr/>
+      <dgm:t>
+        <a:bodyPr/>
+        <a:lstStyle/>
+        <a:p>
+          <a:r>
+            <a:rPr lang="ru-RU"/>
+            <a:t>Дана строка Т</a:t>
+          </a:r>
+          <a:endParaRPr lang="en-US"/>
+        </a:p>
+      </dgm:t>
+    </dgm:pt>
+    <dgm:pt modelId="{C7E25811-B15A-4CCB-B4B3-33A0B8939B91}" type="parTrans" cxnId="{C08E885B-9DD2-41A3-A797-33E484FF10F6}">
+      <dgm:prSet/>
+      <dgm:spPr/>
+      <dgm:t>
+        <a:bodyPr/>
+        <a:lstStyle/>
+        <a:p>
+          <a:endParaRPr lang="en-US"/>
+        </a:p>
+      </dgm:t>
+    </dgm:pt>
+    <dgm:pt modelId="{E9740D3A-4D8F-470C-8223-1A4C3DD7471D}" type="sibTrans" cxnId="{C08E885B-9DD2-41A3-A797-33E484FF10F6}">
+      <dgm:prSet/>
+      <dgm:spPr/>
+      <dgm:t>
+        <a:bodyPr/>
+        <a:lstStyle/>
+        <a:p>
+          <a:endParaRPr lang="en-US"/>
+        </a:p>
+      </dgm:t>
+    </dgm:pt>
+    <dgm:pt modelId="{A1A11868-B70A-4F2F-80DD-B321E862A4E1}">
+      <dgm:prSet/>
+      <dgm:spPr/>
+      <dgm:t>
+        <a:bodyPr/>
+        <a:lstStyle/>
+        <a:p>
+          <a:r>
+            <a:rPr lang="ru-RU"/>
+            <a:t>предобработка за </a:t>
+          </a:r>
+          <a:r>
+            <a:rPr lang="en-US"/>
+            <a:t>O(T</a:t>
+          </a:r>
+          <a:r>
+            <a:rPr lang="ru-RU"/>
+            <a:t>) </a:t>
+          </a:r>
+          <a:endParaRPr lang="en-US"/>
+        </a:p>
+      </dgm:t>
+    </dgm:pt>
+    <dgm:pt modelId="{5D117ACD-A785-462E-9902-2D0521191B70}" type="parTrans" cxnId="{454AAAA0-4295-4EA1-942A-0679444865F8}">
+      <dgm:prSet/>
+      <dgm:spPr/>
+      <dgm:t>
+        <a:bodyPr/>
+        <a:lstStyle/>
+        <a:p>
+          <a:endParaRPr lang="en-US"/>
+        </a:p>
+      </dgm:t>
+    </dgm:pt>
+    <dgm:pt modelId="{7FC534EA-4E3A-41AC-A47C-569C97E9C8D8}" type="sibTrans" cxnId="{454AAAA0-4295-4EA1-942A-0679444865F8}">
+      <dgm:prSet/>
+      <dgm:spPr/>
+      <dgm:t>
+        <a:bodyPr/>
+        <a:lstStyle/>
+        <a:p>
+          <a:endParaRPr lang="en-US"/>
+        </a:p>
+      </dgm:t>
+    </dgm:pt>
+    <dgm:pt modelId="{60FB0EF1-8906-41E0-B83D-5278835EE39E}">
+      <dgm:prSet/>
+      <dgm:spPr/>
+      <dgm:t>
+        <a:bodyPr/>
+        <a:lstStyle/>
+        <a:p>
+          <a:r>
+            <a:rPr lang="ru-RU"/>
+            <a:t>Подстроки </a:t>
+          </a:r>
+          <a:r>
+            <a:rPr lang="en-US"/>
+            <a:t>P</a:t>
+          </a:r>
+          <a:r>
+            <a:rPr lang="en-US" baseline="-25000"/>
+            <a:t>i  </a:t>
+          </a:r>
+          <a:r>
+            <a:rPr lang="ru-RU"/>
+            <a:t>приходят один за другим</a:t>
+          </a:r>
+          <a:endParaRPr lang="en-US"/>
+        </a:p>
+      </dgm:t>
+    </dgm:pt>
+    <dgm:pt modelId="{49717DCB-B828-42DA-843B-EF1D18A17E0E}" type="parTrans" cxnId="{130E26AE-5078-4327-A0B6-BD41DEFBDCDC}">
+      <dgm:prSet/>
+      <dgm:spPr/>
+      <dgm:t>
+        <a:bodyPr/>
+        <a:lstStyle/>
+        <a:p>
+          <a:endParaRPr lang="en-US"/>
+        </a:p>
+      </dgm:t>
+    </dgm:pt>
+    <dgm:pt modelId="{145B1491-06F8-4D1D-8FA4-8B664CEA8183}" type="sibTrans" cxnId="{130E26AE-5078-4327-A0B6-BD41DEFBDCDC}">
+      <dgm:prSet/>
+      <dgm:spPr/>
+      <dgm:t>
+        <a:bodyPr/>
+        <a:lstStyle/>
+        <a:p>
+          <a:endParaRPr lang="en-US"/>
+        </a:p>
+      </dgm:t>
+    </dgm:pt>
+    <dgm:pt modelId="{F0D72F53-7092-46E5-BA4E-9934776FF92D}">
+      <dgm:prSet/>
+      <dgm:spPr/>
+      <dgm:t>
+        <a:bodyPr/>
+        <a:lstStyle/>
+        <a:p>
+          <a:r>
+            <a:rPr lang="ru-RU"/>
+            <a:t>Хочется отвечать на запрос за О(</a:t>
+          </a:r>
+          <a:r>
+            <a:rPr lang="en-US"/>
+            <a:t>| P</a:t>
+          </a:r>
+          <a:r>
+            <a:rPr lang="en-US" baseline="-25000"/>
+            <a:t>i </a:t>
+          </a:r>
+          <a:r>
+            <a:rPr lang="en-US"/>
+            <a:t>|</a:t>
+          </a:r>
+          <a:r>
+            <a:rPr lang="ru-RU"/>
+            <a:t>)</a:t>
+          </a:r>
+          <a:endParaRPr lang="en-US"/>
+        </a:p>
+      </dgm:t>
+    </dgm:pt>
+    <dgm:pt modelId="{0F6680B7-A47A-4F83-B53F-6A102BEC816C}" type="parTrans" cxnId="{32C45059-A89F-40B2-BF8B-2F0F3CCD9EC4}">
+      <dgm:prSet/>
+      <dgm:spPr/>
+      <dgm:t>
+        <a:bodyPr/>
+        <a:lstStyle/>
+        <a:p>
+          <a:endParaRPr lang="en-US"/>
+        </a:p>
+      </dgm:t>
+    </dgm:pt>
+    <dgm:pt modelId="{DBC11975-152D-4789-9DA4-4F40B0A22A76}" type="sibTrans" cxnId="{32C45059-A89F-40B2-BF8B-2F0F3CCD9EC4}">
+      <dgm:prSet/>
+      <dgm:spPr/>
+      <dgm:t>
+        <a:bodyPr/>
+        <a:lstStyle/>
+        <a:p>
+          <a:endParaRPr lang="en-US"/>
+        </a:p>
+      </dgm:t>
+    </dgm:pt>
+    <dgm:pt modelId="{93D3DFB8-1C39-484B-A1CC-37965741CE00}">
+      <dgm:prSet/>
+      <dgm:spPr/>
+      <dgm:t>
+        <a:bodyPr/>
+        <a:lstStyle/>
+        <a:p>
+          <a:r>
+            <a:rPr lang="ru-RU"/>
+            <a:t>Как предобработать строку?</a:t>
+          </a:r>
+          <a:endParaRPr lang="en-US"/>
+        </a:p>
+      </dgm:t>
+    </dgm:pt>
+    <dgm:pt modelId="{E9BD50DE-C13F-4B8D-8625-1C42600518EF}" type="parTrans" cxnId="{C9BA135C-C55A-4388-B6FA-77FE51218853}">
+      <dgm:prSet/>
+      <dgm:spPr/>
+      <dgm:t>
+        <a:bodyPr/>
+        <a:lstStyle/>
+        <a:p>
+          <a:endParaRPr lang="en-US"/>
+        </a:p>
+      </dgm:t>
+    </dgm:pt>
+    <dgm:pt modelId="{6B97FEFE-2915-4937-9A5A-9AC266BB0945}" type="sibTrans" cxnId="{C9BA135C-C55A-4388-B6FA-77FE51218853}">
+      <dgm:prSet/>
+      <dgm:spPr/>
+      <dgm:t>
+        <a:bodyPr/>
+        <a:lstStyle/>
+        <a:p>
+          <a:endParaRPr lang="en-US"/>
+        </a:p>
+      </dgm:t>
+    </dgm:pt>
+    <dgm:pt modelId="{0017F1B2-D95F-4F71-A3D6-5C2774B0ECA2}">
+      <dgm:prSet/>
+      <dgm:spPr/>
+      <dgm:t>
+        <a:bodyPr/>
+        <a:lstStyle/>
+        <a:p>
+          <a:r>
+            <a:rPr lang="ru-RU"/>
+            <a:t>Подстрока - это префикс суффикса</a:t>
+          </a:r>
+          <a:endParaRPr lang="en-US"/>
+        </a:p>
+      </dgm:t>
+    </dgm:pt>
+    <dgm:pt modelId="{5505E527-CF82-4434-A8E2-CBAB26F45750}" type="parTrans" cxnId="{CBBE8431-AE35-4F73-9B79-CBE40D3F2292}">
+      <dgm:prSet/>
+      <dgm:spPr/>
+      <dgm:t>
+        <a:bodyPr/>
+        <a:lstStyle/>
+        <a:p>
+          <a:endParaRPr lang="en-US"/>
+        </a:p>
+      </dgm:t>
+    </dgm:pt>
+    <dgm:pt modelId="{04B15ECA-E2B6-46F5-A271-66ADE143AAF1}" type="sibTrans" cxnId="{CBBE8431-AE35-4F73-9B79-CBE40D3F2292}">
+      <dgm:prSet/>
+      <dgm:spPr/>
+      <dgm:t>
+        <a:bodyPr/>
+        <a:lstStyle/>
+        <a:p>
+          <a:endParaRPr lang="en-US"/>
+        </a:p>
+      </dgm:t>
+    </dgm:pt>
+    <dgm:pt modelId="{B2FCE55C-64CC-4095-89E5-AC6EE35CCECE}">
+      <dgm:prSet/>
+      <dgm:spPr/>
+      <dgm:t>
+        <a:bodyPr/>
+        <a:lstStyle/>
+        <a:p>
+          <a:r>
+            <a:rPr lang="ru-RU"/>
+            <a:t>Нужно выяснить</a:t>
+          </a:r>
+          <a:r>
+            <a:rPr lang="en-US"/>
+            <a:t>:</a:t>
+          </a:r>
+          <a:r>
+            <a:rPr lang="ru-RU"/>
+            <a:t> Р – префикс какого-либо суффикса за Т?</a:t>
+          </a:r>
+          <a:endParaRPr lang="en-US"/>
+        </a:p>
+      </dgm:t>
+    </dgm:pt>
+    <dgm:pt modelId="{7A4E2C2D-5EEC-4BBE-91D4-38685D0C1233}" type="parTrans" cxnId="{FBBDE24B-98C6-4CBC-94E1-1D717E8E4C34}">
+      <dgm:prSet/>
+      <dgm:spPr/>
+      <dgm:t>
+        <a:bodyPr/>
+        <a:lstStyle/>
+        <a:p>
+          <a:endParaRPr lang="en-US"/>
+        </a:p>
+      </dgm:t>
+    </dgm:pt>
+    <dgm:pt modelId="{9C8DF894-EA0C-4B8E-9639-E5C4713F7AD1}" type="sibTrans" cxnId="{FBBDE24B-98C6-4CBC-94E1-1D717E8E4C34}">
+      <dgm:prSet/>
+      <dgm:spPr/>
+      <dgm:t>
+        <a:bodyPr/>
+        <a:lstStyle/>
+        <a:p>
+          <a:endParaRPr lang="en-US"/>
+        </a:p>
+      </dgm:t>
+    </dgm:pt>
+    <dgm:pt modelId="{20977FF0-9868-4FC9-90FD-6F847EC24436}">
+      <dgm:prSet/>
+      <dgm:spPr/>
+      <dgm:t>
+        <a:bodyPr/>
+        <a:lstStyle/>
+        <a:p>
+          <a:r>
+            <a:rPr lang="ru-RU"/>
+            <a:t>Как эффективно закодировать все суффиксы Т?</a:t>
+          </a:r>
+          <a:endParaRPr lang="en-US"/>
+        </a:p>
+      </dgm:t>
+    </dgm:pt>
+    <dgm:pt modelId="{0BAE8F4F-A50B-4E26-A8AC-22126A1BE6B8}" type="parTrans" cxnId="{59C32D14-8102-4A31-B95D-2E4ABED31CFB}">
+      <dgm:prSet/>
+      <dgm:spPr/>
+      <dgm:t>
+        <a:bodyPr/>
+        <a:lstStyle/>
+        <a:p>
+          <a:endParaRPr lang="en-US"/>
+        </a:p>
+      </dgm:t>
+    </dgm:pt>
+    <dgm:pt modelId="{254AA93D-951F-4133-8B37-BCFFC90EC543}" type="sibTrans" cxnId="{59C32D14-8102-4A31-B95D-2E4ABED31CFB}">
+      <dgm:prSet/>
+      <dgm:spPr/>
+      <dgm:t>
+        <a:bodyPr/>
+        <a:lstStyle/>
+        <a:p>
+          <a:endParaRPr lang="en-US"/>
+        </a:p>
+      </dgm:t>
+    </dgm:pt>
+    <dgm:pt modelId="{5C3F36AE-6A64-46DF-B628-A091161949CA}" type="pres">
+      <dgm:prSet presAssocID="{430D2A41-4096-48FB-AC9A-ABC421E551AA}" presName="linear" presStyleCnt="0">
+        <dgm:presLayoutVars>
+          <dgm:animLvl val="lvl"/>
+          <dgm:resizeHandles val="exact"/>
+        </dgm:presLayoutVars>
+      </dgm:prSet>
+      <dgm:spPr/>
+    </dgm:pt>
+    <dgm:pt modelId="{3EBDB24F-A150-430D-8285-DC9082797A97}" type="pres">
+      <dgm:prSet presAssocID="{6C905DD4-CA3D-4124-948E-076C5E88C88E}" presName="parentText" presStyleLbl="node1" presStyleIdx="0" presStyleCnt="4">
+        <dgm:presLayoutVars>
+          <dgm:chMax val="0"/>
+          <dgm:bulletEnabled val="1"/>
+        </dgm:presLayoutVars>
+      </dgm:prSet>
+      <dgm:spPr/>
+    </dgm:pt>
+    <dgm:pt modelId="{A9FCC314-7387-4D47-AE3D-35AD8C083328}" type="pres">
+      <dgm:prSet presAssocID="{6C905DD4-CA3D-4124-948E-076C5E88C88E}" presName="childText" presStyleLbl="revTx" presStyleIdx="0" presStyleCnt="4">
+        <dgm:presLayoutVars>
+          <dgm:bulletEnabled val="1"/>
+        </dgm:presLayoutVars>
+      </dgm:prSet>
+      <dgm:spPr/>
+    </dgm:pt>
+    <dgm:pt modelId="{54B347B8-8D4C-41F1-B8D8-1914A868290F}" type="pres">
+      <dgm:prSet presAssocID="{60FB0EF1-8906-41E0-B83D-5278835EE39E}" presName="parentText" presStyleLbl="node1" presStyleIdx="1" presStyleCnt="4">
+        <dgm:presLayoutVars>
+          <dgm:chMax val="0"/>
+          <dgm:bulletEnabled val="1"/>
+        </dgm:presLayoutVars>
+      </dgm:prSet>
+      <dgm:spPr/>
+    </dgm:pt>
+    <dgm:pt modelId="{F1EAF136-8D28-4195-ADE0-FE179A6FCA06}" type="pres">
+      <dgm:prSet presAssocID="{60FB0EF1-8906-41E0-B83D-5278835EE39E}" presName="childText" presStyleLbl="revTx" presStyleIdx="1" presStyleCnt="4">
+        <dgm:presLayoutVars>
+          <dgm:bulletEnabled val="1"/>
+        </dgm:presLayoutVars>
+      </dgm:prSet>
+      <dgm:spPr/>
+    </dgm:pt>
+    <dgm:pt modelId="{FF8E1AF9-E6B7-4143-A2B6-40A4E1815DEA}" type="pres">
+      <dgm:prSet presAssocID="{93D3DFB8-1C39-484B-A1CC-37965741CE00}" presName="parentText" presStyleLbl="node1" presStyleIdx="2" presStyleCnt="4">
+        <dgm:presLayoutVars>
+          <dgm:chMax val="0"/>
+          <dgm:bulletEnabled val="1"/>
+        </dgm:presLayoutVars>
+      </dgm:prSet>
+      <dgm:spPr/>
+    </dgm:pt>
+    <dgm:pt modelId="{6BA81DAA-A1D8-4DB0-A077-907865576BA1}" type="pres">
+      <dgm:prSet presAssocID="{93D3DFB8-1C39-484B-A1CC-37965741CE00}" presName="childText" presStyleLbl="revTx" presStyleIdx="2" presStyleCnt="4">
+        <dgm:presLayoutVars>
+          <dgm:bulletEnabled val="1"/>
+        </dgm:presLayoutVars>
+      </dgm:prSet>
+      <dgm:spPr/>
+    </dgm:pt>
+    <dgm:pt modelId="{B8B73F11-5DA3-497C-BC08-8A91A3589049}" type="pres">
+      <dgm:prSet presAssocID="{B2FCE55C-64CC-4095-89E5-AC6EE35CCECE}" presName="parentText" presStyleLbl="node1" presStyleIdx="3" presStyleCnt="4">
+        <dgm:presLayoutVars>
+          <dgm:chMax val="0"/>
+          <dgm:bulletEnabled val="1"/>
+        </dgm:presLayoutVars>
+      </dgm:prSet>
+      <dgm:spPr/>
+    </dgm:pt>
+    <dgm:pt modelId="{BA1DA39A-1217-4B11-A746-5D160FDA5879}" type="pres">
+      <dgm:prSet presAssocID="{B2FCE55C-64CC-4095-89E5-AC6EE35CCECE}" presName="childText" presStyleLbl="revTx" presStyleIdx="3" presStyleCnt="4">
+        <dgm:presLayoutVars>
+          <dgm:bulletEnabled val="1"/>
+        </dgm:presLayoutVars>
+      </dgm:prSet>
+      <dgm:spPr/>
+    </dgm:pt>
+  </dgm:ptLst>
+  <dgm:cxnLst>
+    <dgm:cxn modelId="{59C32D14-8102-4A31-B95D-2E4ABED31CFB}" srcId="{B2FCE55C-64CC-4095-89E5-AC6EE35CCECE}" destId="{20977FF0-9868-4FC9-90FD-6F847EC24436}" srcOrd="0" destOrd="0" parTransId="{0BAE8F4F-A50B-4E26-A8AC-22126A1BE6B8}" sibTransId="{254AA93D-951F-4133-8B37-BCFFC90EC543}"/>
+    <dgm:cxn modelId="{08F26E18-5DC9-489D-9A1E-662DB2818B6A}" type="presOf" srcId="{60FB0EF1-8906-41E0-B83D-5278835EE39E}" destId="{54B347B8-8D4C-41F1-B8D8-1914A868290F}" srcOrd="0" destOrd="0" presId="urn:microsoft.com/office/officeart/2005/8/layout/vList2"/>
+    <dgm:cxn modelId="{CBBE8431-AE35-4F73-9B79-CBE40D3F2292}" srcId="{93D3DFB8-1C39-484B-A1CC-37965741CE00}" destId="{0017F1B2-D95F-4F71-A3D6-5C2774B0ECA2}" srcOrd="0" destOrd="0" parTransId="{5505E527-CF82-4434-A8E2-CBAB26F45750}" sibTransId="{04B15ECA-E2B6-46F5-A271-66ADE143AAF1}"/>
+    <dgm:cxn modelId="{C08E885B-9DD2-41A3-A797-33E484FF10F6}" srcId="{430D2A41-4096-48FB-AC9A-ABC421E551AA}" destId="{6C905DD4-CA3D-4124-948E-076C5E88C88E}" srcOrd="0" destOrd="0" parTransId="{C7E25811-B15A-4CCB-B4B3-33A0B8939B91}" sibTransId="{E9740D3A-4D8F-470C-8223-1A4C3DD7471D}"/>
+    <dgm:cxn modelId="{C9BA135C-C55A-4388-B6FA-77FE51218853}" srcId="{430D2A41-4096-48FB-AC9A-ABC421E551AA}" destId="{93D3DFB8-1C39-484B-A1CC-37965741CE00}" srcOrd="2" destOrd="0" parTransId="{E9BD50DE-C13F-4B8D-8625-1C42600518EF}" sibTransId="{6B97FEFE-2915-4937-9A5A-9AC266BB0945}"/>
+    <dgm:cxn modelId="{3A6A5F6B-5DD2-477B-A9FB-F888B6979888}" type="presOf" srcId="{6C905DD4-CA3D-4124-948E-076C5E88C88E}" destId="{3EBDB24F-A150-430D-8285-DC9082797A97}" srcOrd="0" destOrd="0" presId="urn:microsoft.com/office/officeart/2005/8/layout/vList2"/>
+    <dgm:cxn modelId="{FBBDE24B-98C6-4CBC-94E1-1D717E8E4C34}" srcId="{430D2A41-4096-48FB-AC9A-ABC421E551AA}" destId="{B2FCE55C-64CC-4095-89E5-AC6EE35CCECE}" srcOrd="3" destOrd="0" parTransId="{7A4E2C2D-5EEC-4BBE-91D4-38685D0C1233}" sibTransId="{9C8DF894-EA0C-4B8E-9639-E5C4713F7AD1}"/>
+    <dgm:cxn modelId="{2FA12C55-E581-45B2-9A20-0927EAE14F32}" type="presOf" srcId="{A1A11868-B70A-4F2F-80DD-B321E862A4E1}" destId="{A9FCC314-7387-4D47-AE3D-35AD8C083328}" srcOrd="0" destOrd="0" presId="urn:microsoft.com/office/officeart/2005/8/layout/vList2"/>
+    <dgm:cxn modelId="{32C45059-A89F-40B2-BF8B-2F0F3CCD9EC4}" srcId="{60FB0EF1-8906-41E0-B83D-5278835EE39E}" destId="{F0D72F53-7092-46E5-BA4E-9934776FF92D}" srcOrd="0" destOrd="0" parTransId="{0F6680B7-A47A-4F83-B53F-6A102BEC816C}" sibTransId="{DBC11975-152D-4789-9DA4-4F40B0A22A76}"/>
+    <dgm:cxn modelId="{ECEBE07B-D00D-4B9D-8A06-F44543191337}" type="presOf" srcId="{F0D72F53-7092-46E5-BA4E-9934776FF92D}" destId="{F1EAF136-8D28-4195-ADE0-FE179A6FCA06}" srcOrd="0" destOrd="0" presId="urn:microsoft.com/office/officeart/2005/8/layout/vList2"/>
+    <dgm:cxn modelId="{B06A808E-AE5A-44CF-9531-EA92D0D2947B}" type="presOf" srcId="{93D3DFB8-1C39-484B-A1CC-37965741CE00}" destId="{FF8E1AF9-E6B7-4143-A2B6-40A4E1815DEA}" srcOrd="0" destOrd="0" presId="urn:microsoft.com/office/officeart/2005/8/layout/vList2"/>
+    <dgm:cxn modelId="{454AAAA0-4295-4EA1-942A-0679444865F8}" srcId="{6C905DD4-CA3D-4124-948E-076C5E88C88E}" destId="{A1A11868-B70A-4F2F-80DD-B321E862A4E1}" srcOrd="0" destOrd="0" parTransId="{5D117ACD-A785-462E-9902-2D0521191B70}" sibTransId="{7FC534EA-4E3A-41AC-A47C-569C97E9C8D8}"/>
+    <dgm:cxn modelId="{130E26AE-5078-4327-A0B6-BD41DEFBDCDC}" srcId="{430D2A41-4096-48FB-AC9A-ABC421E551AA}" destId="{60FB0EF1-8906-41E0-B83D-5278835EE39E}" srcOrd="1" destOrd="0" parTransId="{49717DCB-B828-42DA-843B-EF1D18A17E0E}" sibTransId="{145B1491-06F8-4D1D-8FA4-8B664CEA8183}"/>
+    <dgm:cxn modelId="{01A7F8AE-08AC-4ED7-BA0C-3B2630252BF6}" type="presOf" srcId="{430D2A41-4096-48FB-AC9A-ABC421E551AA}" destId="{5C3F36AE-6A64-46DF-B628-A091161949CA}" srcOrd="0" destOrd="0" presId="urn:microsoft.com/office/officeart/2005/8/layout/vList2"/>
+    <dgm:cxn modelId="{C40AF7BA-C6C1-409A-B2B6-4BD4C6E999AB}" type="presOf" srcId="{B2FCE55C-64CC-4095-89E5-AC6EE35CCECE}" destId="{B8B73F11-5DA3-497C-BC08-8A91A3589049}" srcOrd="0" destOrd="0" presId="urn:microsoft.com/office/officeart/2005/8/layout/vList2"/>
+    <dgm:cxn modelId="{8DE590D6-A48E-4BAB-BEC6-F9009A8951BA}" type="presOf" srcId="{20977FF0-9868-4FC9-90FD-6F847EC24436}" destId="{BA1DA39A-1217-4B11-A746-5D160FDA5879}" srcOrd="0" destOrd="0" presId="urn:microsoft.com/office/officeart/2005/8/layout/vList2"/>
+    <dgm:cxn modelId="{24C3D8E4-064E-4CD2-8821-D0DE50A1B8DA}" type="presOf" srcId="{0017F1B2-D95F-4F71-A3D6-5C2774B0ECA2}" destId="{6BA81DAA-A1D8-4DB0-A077-907865576BA1}" srcOrd="0" destOrd="0" presId="urn:microsoft.com/office/officeart/2005/8/layout/vList2"/>
+    <dgm:cxn modelId="{3373C87D-97B0-4A4B-A36D-16D1032E7BC6}" type="presParOf" srcId="{5C3F36AE-6A64-46DF-B628-A091161949CA}" destId="{3EBDB24F-A150-430D-8285-DC9082797A97}" srcOrd="0" destOrd="0" presId="urn:microsoft.com/office/officeart/2005/8/layout/vList2"/>
+    <dgm:cxn modelId="{D528A201-0590-464F-97FC-2919F81CA71B}" type="presParOf" srcId="{5C3F36AE-6A64-46DF-B628-A091161949CA}" destId="{A9FCC314-7387-4D47-AE3D-35AD8C083328}" srcOrd="1" destOrd="0" presId="urn:microsoft.com/office/officeart/2005/8/layout/vList2"/>
+    <dgm:cxn modelId="{1CECFAEE-2C31-4A66-8144-E65768026AA1}" type="presParOf" srcId="{5C3F36AE-6A64-46DF-B628-A091161949CA}" destId="{54B347B8-8D4C-41F1-B8D8-1914A868290F}" srcOrd="2" destOrd="0" presId="urn:microsoft.com/office/officeart/2005/8/layout/vList2"/>
+    <dgm:cxn modelId="{80D22DEC-A0B0-4091-8966-F8A690118717}" type="presParOf" srcId="{5C3F36AE-6A64-46DF-B628-A091161949CA}" destId="{F1EAF136-8D28-4195-ADE0-FE179A6FCA06}" srcOrd="3" destOrd="0" presId="urn:microsoft.com/office/officeart/2005/8/layout/vList2"/>
+    <dgm:cxn modelId="{4A7D4121-7D0B-45BF-AB2D-6896FE724F1B}" type="presParOf" srcId="{5C3F36AE-6A64-46DF-B628-A091161949CA}" destId="{FF8E1AF9-E6B7-4143-A2B6-40A4E1815DEA}" srcOrd="4" destOrd="0" presId="urn:microsoft.com/office/officeart/2005/8/layout/vList2"/>
+    <dgm:cxn modelId="{B9C81AA5-ACC1-4A96-B173-E90B6361E639}" type="presParOf" srcId="{5C3F36AE-6A64-46DF-B628-A091161949CA}" destId="{6BA81DAA-A1D8-4DB0-A077-907865576BA1}" srcOrd="5" destOrd="0" presId="urn:microsoft.com/office/officeart/2005/8/layout/vList2"/>
+    <dgm:cxn modelId="{008BE6D5-FB7D-4544-AEB5-81F2551A8C15}" type="presParOf" srcId="{5C3F36AE-6A64-46DF-B628-A091161949CA}" destId="{B8B73F11-5DA3-497C-BC08-8A91A3589049}" srcOrd="6" destOrd="0" presId="urn:microsoft.com/office/officeart/2005/8/layout/vList2"/>
+    <dgm:cxn modelId="{B0564B5D-0219-4F2D-9303-338D0D4DE76D}" type="presParOf" srcId="{5C3F36AE-6A64-46DF-B628-A091161949CA}" destId="{BA1DA39A-1217-4B11-A746-5D160FDA5879}" srcOrd="7" destOrd="0" presId="urn:microsoft.com/office/officeart/2005/8/layout/vList2"/>
+  </dgm:cxnLst>
+  <dgm:bg/>
+  <dgm:whole/>
+  <dgm:extLst>
+    <a:ext uri="http://schemas.microsoft.com/office/drawing/2008/diagram">
+      <dsp:dataModelExt xmlns:dsp="http://schemas.microsoft.com/office/drawing/2008/diagram" relId="rId6" minVer="http://schemas.openxmlformats.org/drawingml/2006/diagram"/>
+    </a:ext>
+  </dgm:extLst>
+</dgm:dataModel>
+</file>
+
+<file path=ppt/diagrams/drawing1.xml><?xml version="1.0" encoding="utf-8"?>
+<dsp:drawing xmlns:dgm="http://schemas.openxmlformats.org/drawingml/2006/diagram" xmlns:dsp="http://schemas.microsoft.com/office/drawing/2008/diagram" xmlns:a="http://schemas.openxmlformats.org/drawingml/2006/main">
+  <dsp:spTree>
+    <dsp:nvGrpSpPr>
+      <dsp:cNvPr id="0" name=""/>
+      <dsp:cNvGrpSpPr/>
+    </dsp:nvGrpSpPr>
+    <dsp:grpSpPr/>
+    <dsp:sp modelId="{3EBDB24F-A150-430D-8285-DC9082797A97}">
+      <dsp:nvSpPr>
+        <dsp:cNvPr id="0" name=""/>
+        <dsp:cNvSpPr/>
+      </dsp:nvSpPr>
+      <dsp:spPr>
+        <a:xfrm>
+          <a:off x="0" y="67328"/>
+          <a:ext cx="10515600" cy="623610"/>
+        </a:xfrm>
+        <a:prstGeom prst="roundRect">
+          <a:avLst/>
+        </a:prstGeom>
+        <a:solidFill>
+          <a:schemeClr val="accent1">
+            <a:hueOff val="0"/>
+            <a:satOff val="0"/>
+            <a:lumOff val="0"/>
+            <a:alphaOff val="0"/>
+          </a:schemeClr>
+        </a:solidFill>
+        <a:ln w="12700" cap="flat" cmpd="sng" algn="ctr">
+          <a:solidFill>
+            <a:schemeClr val="lt1">
+              <a:hueOff val="0"/>
+              <a:satOff val="0"/>
+              <a:lumOff val="0"/>
+              <a:alphaOff val="0"/>
+            </a:schemeClr>
+          </a:solidFill>
+          <a:prstDash val="solid"/>
+          <a:miter lim="800000"/>
+        </a:ln>
+        <a:effectLst/>
+      </dsp:spPr>
+      <dsp:style>
+        <a:lnRef idx="2">
+          <a:scrgbClr r="0" g="0" b="0"/>
+        </a:lnRef>
+        <a:fillRef idx="1">
+          <a:scrgbClr r="0" g="0" b="0"/>
+        </a:fillRef>
+        <a:effectRef idx="0">
+          <a:scrgbClr r="0" g="0" b="0"/>
+        </a:effectRef>
+        <a:fontRef idx="minor">
+          <a:schemeClr val="lt1"/>
+        </a:fontRef>
+      </dsp:style>
+      <dsp:txBody>
+        <a:bodyPr spcFirstLastPara="0" vert="horz" wrap="square" lIns="99060" tIns="99060" rIns="99060" bIns="99060" numCol="1" spcCol="1270" anchor="ctr" anchorCtr="0">
+          <a:noAutofit/>
+        </a:bodyPr>
+        <a:lstStyle/>
+        <a:p>
+          <a:pPr marL="0" lvl="0" indent="0" algn="l" defTabSz="1155700">
+            <a:lnSpc>
+              <a:spcPct val="90000"/>
+            </a:lnSpc>
+            <a:spcBef>
+              <a:spcPct val="0"/>
+            </a:spcBef>
+            <a:spcAft>
+              <a:spcPct val="35000"/>
+            </a:spcAft>
+            <a:buNone/>
+          </a:pPr>
+          <a:r>
+            <a:rPr lang="ru-RU" sz="2600" kern="1200"/>
+            <a:t>Дана строка Т</a:t>
+          </a:r>
+          <a:endParaRPr lang="en-US" sz="2600" kern="1200"/>
+        </a:p>
+      </dsp:txBody>
+      <dsp:txXfrm>
+        <a:off x="30442" y="97770"/>
+        <a:ext cx="10454716" cy="562726"/>
+      </dsp:txXfrm>
+    </dsp:sp>
+    <dsp:sp modelId="{A9FCC314-7387-4D47-AE3D-35AD8C083328}">
+      <dsp:nvSpPr>
+        <dsp:cNvPr id="0" name=""/>
+        <dsp:cNvSpPr/>
+      </dsp:nvSpPr>
+      <dsp:spPr>
+        <a:xfrm>
+          <a:off x="0" y="690938"/>
+          <a:ext cx="10515600" cy="430560"/>
+        </a:xfrm>
+        <a:prstGeom prst="rect">
+          <a:avLst/>
+        </a:prstGeom>
+        <a:noFill/>
+        <a:ln>
+          <a:noFill/>
+        </a:ln>
+        <a:effectLst/>
+      </dsp:spPr>
+      <dsp:style>
+        <a:lnRef idx="0">
+          <a:scrgbClr r="0" g="0" b="0"/>
+        </a:lnRef>
+        <a:fillRef idx="0">
+          <a:scrgbClr r="0" g="0" b="0"/>
+        </a:fillRef>
+        <a:effectRef idx="0">
+          <a:scrgbClr r="0" g="0" b="0"/>
+        </a:effectRef>
+        <a:fontRef idx="minor"/>
+      </dsp:style>
+      <dsp:txBody>
+        <a:bodyPr spcFirstLastPara="0" vert="horz" wrap="square" lIns="333870" tIns="33020" rIns="184912" bIns="33020" numCol="1" spcCol="1270" anchor="t" anchorCtr="0">
+          <a:noAutofit/>
+        </a:bodyPr>
+        <a:lstStyle/>
+        <a:p>
+          <a:pPr marL="228600" lvl="1" indent="-228600" algn="l" defTabSz="889000">
+            <a:lnSpc>
+              <a:spcPct val="90000"/>
+            </a:lnSpc>
+            <a:spcBef>
+              <a:spcPct val="0"/>
+            </a:spcBef>
+            <a:spcAft>
+              <a:spcPct val="20000"/>
+            </a:spcAft>
+            <a:buChar char="•"/>
+          </a:pPr>
+          <a:r>
+            <a:rPr lang="ru-RU" sz="2000" kern="1200"/>
+            <a:t>предобработка за </a:t>
+          </a:r>
+          <a:r>
+            <a:rPr lang="en-US" sz="2000" kern="1200"/>
+            <a:t>O(T</a:t>
+          </a:r>
+          <a:r>
+            <a:rPr lang="ru-RU" sz="2000" kern="1200"/>
+            <a:t>) </a:t>
+          </a:r>
+          <a:endParaRPr lang="en-US" sz="2000" kern="1200"/>
+        </a:p>
+      </dsp:txBody>
+      <dsp:txXfrm>
+        <a:off x="0" y="690938"/>
+        <a:ext cx="10515600" cy="430560"/>
+      </dsp:txXfrm>
+    </dsp:sp>
+    <dsp:sp modelId="{54B347B8-8D4C-41F1-B8D8-1914A868290F}">
+      <dsp:nvSpPr>
+        <dsp:cNvPr id="0" name=""/>
+        <dsp:cNvSpPr/>
+      </dsp:nvSpPr>
+      <dsp:spPr>
+        <a:xfrm>
+          <a:off x="0" y="1121499"/>
+          <a:ext cx="10515600" cy="623610"/>
+        </a:xfrm>
+        <a:prstGeom prst="roundRect">
+          <a:avLst/>
+        </a:prstGeom>
+        <a:solidFill>
+          <a:schemeClr val="accent1">
+            <a:hueOff val="0"/>
+            <a:satOff val="0"/>
+            <a:lumOff val="0"/>
+            <a:alphaOff val="0"/>
+          </a:schemeClr>
+        </a:solidFill>
+        <a:ln w="12700" cap="flat" cmpd="sng" algn="ctr">
+          <a:solidFill>
+            <a:schemeClr val="lt1">
+              <a:hueOff val="0"/>
+              <a:satOff val="0"/>
+              <a:lumOff val="0"/>
+              <a:alphaOff val="0"/>
+            </a:schemeClr>
+          </a:solidFill>
+          <a:prstDash val="solid"/>
+          <a:miter lim="800000"/>
+        </a:ln>
+        <a:effectLst/>
+      </dsp:spPr>
+      <dsp:style>
+        <a:lnRef idx="2">
+          <a:scrgbClr r="0" g="0" b="0"/>
+        </a:lnRef>
+        <a:fillRef idx="1">
+          <a:scrgbClr r="0" g="0" b="0"/>
+        </a:fillRef>
+        <a:effectRef idx="0">
+          <a:scrgbClr r="0" g="0" b="0"/>
+        </a:effectRef>
+        <a:fontRef idx="minor">
+          <a:schemeClr val="lt1"/>
+        </a:fontRef>
+      </dsp:style>
+      <dsp:txBody>
+        <a:bodyPr spcFirstLastPara="0" vert="horz" wrap="square" lIns="99060" tIns="99060" rIns="99060" bIns="99060" numCol="1" spcCol="1270" anchor="ctr" anchorCtr="0">
+          <a:noAutofit/>
+        </a:bodyPr>
+        <a:lstStyle/>
+        <a:p>
+          <a:pPr marL="0" lvl="0" indent="0" algn="l" defTabSz="1155700">
+            <a:lnSpc>
+              <a:spcPct val="90000"/>
+            </a:lnSpc>
+            <a:spcBef>
+              <a:spcPct val="0"/>
+            </a:spcBef>
+            <a:spcAft>
+              <a:spcPct val="35000"/>
+            </a:spcAft>
+            <a:buNone/>
+          </a:pPr>
+          <a:r>
+            <a:rPr lang="ru-RU" sz="2600" kern="1200"/>
+            <a:t>Подстроки </a:t>
+          </a:r>
+          <a:r>
+            <a:rPr lang="en-US" sz="2600" kern="1200"/>
+            <a:t>P</a:t>
+          </a:r>
+          <a:r>
+            <a:rPr lang="en-US" sz="2600" kern="1200" baseline="-25000"/>
+            <a:t>i  </a:t>
+          </a:r>
+          <a:r>
+            <a:rPr lang="ru-RU" sz="2600" kern="1200"/>
+            <a:t>приходят один за другим</a:t>
+          </a:r>
+          <a:endParaRPr lang="en-US" sz="2600" kern="1200"/>
+        </a:p>
+      </dsp:txBody>
+      <dsp:txXfrm>
+        <a:off x="30442" y="1151941"/>
+        <a:ext cx="10454716" cy="562726"/>
+      </dsp:txXfrm>
+    </dsp:sp>
+    <dsp:sp modelId="{F1EAF136-8D28-4195-ADE0-FE179A6FCA06}">
+      <dsp:nvSpPr>
+        <dsp:cNvPr id="0" name=""/>
+        <dsp:cNvSpPr/>
+      </dsp:nvSpPr>
+      <dsp:spPr>
+        <a:xfrm>
+          <a:off x="0" y="1745109"/>
+          <a:ext cx="10515600" cy="430560"/>
+        </a:xfrm>
+        <a:prstGeom prst="rect">
+          <a:avLst/>
+        </a:prstGeom>
+        <a:noFill/>
+        <a:ln>
+          <a:noFill/>
+        </a:ln>
+        <a:effectLst/>
+      </dsp:spPr>
+      <dsp:style>
+        <a:lnRef idx="0">
+          <a:scrgbClr r="0" g="0" b="0"/>
+        </a:lnRef>
+        <a:fillRef idx="0">
+          <a:scrgbClr r="0" g="0" b="0"/>
+        </a:fillRef>
+        <a:effectRef idx="0">
+          <a:scrgbClr r="0" g="0" b="0"/>
+        </a:effectRef>
+        <a:fontRef idx="minor"/>
+      </dsp:style>
+      <dsp:txBody>
+        <a:bodyPr spcFirstLastPara="0" vert="horz" wrap="square" lIns="333870" tIns="33020" rIns="184912" bIns="33020" numCol="1" spcCol="1270" anchor="t" anchorCtr="0">
+          <a:noAutofit/>
+        </a:bodyPr>
+        <a:lstStyle/>
+        <a:p>
+          <a:pPr marL="228600" lvl="1" indent="-228600" algn="l" defTabSz="889000">
+            <a:lnSpc>
+              <a:spcPct val="90000"/>
+            </a:lnSpc>
+            <a:spcBef>
+              <a:spcPct val="0"/>
+            </a:spcBef>
+            <a:spcAft>
+              <a:spcPct val="20000"/>
+            </a:spcAft>
+            <a:buChar char="•"/>
+          </a:pPr>
+          <a:r>
+            <a:rPr lang="ru-RU" sz="2000" kern="1200"/>
+            <a:t>Хочется отвечать на запрос за О(</a:t>
+          </a:r>
+          <a:r>
+            <a:rPr lang="en-US" sz="2000" kern="1200"/>
+            <a:t>| P</a:t>
+          </a:r>
+          <a:r>
+            <a:rPr lang="en-US" sz="2000" kern="1200" baseline="-25000"/>
+            <a:t>i </a:t>
+          </a:r>
+          <a:r>
+            <a:rPr lang="en-US" sz="2000" kern="1200"/>
+            <a:t>|</a:t>
+          </a:r>
+          <a:r>
+            <a:rPr lang="ru-RU" sz="2000" kern="1200"/>
+            <a:t>)</a:t>
+          </a:r>
+          <a:endParaRPr lang="en-US" sz="2000" kern="1200"/>
+        </a:p>
+      </dsp:txBody>
+      <dsp:txXfrm>
+        <a:off x="0" y="1745109"/>
+        <a:ext cx="10515600" cy="430560"/>
+      </dsp:txXfrm>
+    </dsp:sp>
+    <dsp:sp modelId="{FF8E1AF9-E6B7-4143-A2B6-40A4E1815DEA}">
+      <dsp:nvSpPr>
+        <dsp:cNvPr id="0" name=""/>
+        <dsp:cNvSpPr/>
+      </dsp:nvSpPr>
+      <dsp:spPr>
+        <a:xfrm>
+          <a:off x="0" y="2175669"/>
+          <a:ext cx="10515600" cy="623610"/>
+        </a:xfrm>
+        <a:prstGeom prst="roundRect">
+          <a:avLst/>
+        </a:prstGeom>
+        <a:solidFill>
+          <a:schemeClr val="accent1">
+            <a:hueOff val="0"/>
+            <a:satOff val="0"/>
+            <a:lumOff val="0"/>
+            <a:alphaOff val="0"/>
+          </a:schemeClr>
+        </a:solidFill>
+        <a:ln w="12700" cap="flat" cmpd="sng" algn="ctr">
+          <a:solidFill>
+            <a:schemeClr val="lt1">
+              <a:hueOff val="0"/>
+              <a:satOff val="0"/>
+              <a:lumOff val="0"/>
+              <a:alphaOff val="0"/>
+            </a:schemeClr>
+          </a:solidFill>
+          <a:prstDash val="solid"/>
+          <a:miter lim="800000"/>
+        </a:ln>
+        <a:effectLst/>
+      </dsp:spPr>
+      <dsp:style>
+        <a:lnRef idx="2">
+          <a:scrgbClr r="0" g="0" b="0"/>
+        </a:lnRef>
+        <a:fillRef idx="1">
+          <a:scrgbClr r="0" g="0" b="0"/>
+        </a:fillRef>
+        <a:effectRef idx="0">
+          <a:scrgbClr r="0" g="0" b="0"/>
+        </a:effectRef>
+        <a:fontRef idx="minor">
+          <a:schemeClr val="lt1"/>
+        </a:fontRef>
+      </dsp:style>
+      <dsp:txBody>
+        <a:bodyPr spcFirstLastPara="0" vert="horz" wrap="square" lIns="99060" tIns="99060" rIns="99060" bIns="99060" numCol="1" spcCol="1270" anchor="ctr" anchorCtr="0">
+          <a:noAutofit/>
+        </a:bodyPr>
+        <a:lstStyle/>
+        <a:p>
+          <a:pPr marL="0" lvl="0" indent="0" algn="l" defTabSz="1155700">
+            <a:lnSpc>
+              <a:spcPct val="90000"/>
+            </a:lnSpc>
+            <a:spcBef>
+              <a:spcPct val="0"/>
+            </a:spcBef>
+            <a:spcAft>
+              <a:spcPct val="35000"/>
+            </a:spcAft>
+            <a:buNone/>
+          </a:pPr>
+          <a:r>
+            <a:rPr lang="ru-RU" sz="2600" kern="1200"/>
+            <a:t>Как предобработать строку?</a:t>
+          </a:r>
+          <a:endParaRPr lang="en-US" sz="2600" kern="1200"/>
+        </a:p>
+      </dsp:txBody>
+      <dsp:txXfrm>
+        <a:off x="30442" y="2206111"/>
+        <a:ext cx="10454716" cy="562726"/>
+      </dsp:txXfrm>
+    </dsp:sp>
+    <dsp:sp modelId="{6BA81DAA-A1D8-4DB0-A077-907865576BA1}">
+      <dsp:nvSpPr>
+        <dsp:cNvPr id="0" name=""/>
+        <dsp:cNvSpPr/>
+      </dsp:nvSpPr>
+      <dsp:spPr>
+        <a:xfrm>
+          <a:off x="0" y="2799279"/>
+          <a:ext cx="10515600" cy="430560"/>
+        </a:xfrm>
+        <a:prstGeom prst="rect">
+          <a:avLst/>
+        </a:prstGeom>
+        <a:noFill/>
+        <a:ln>
+          <a:noFill/>
+        </a:ln>
+        <a:effectLst/>
+      </dsp:spPr>
+      <dsp:style>
+        <a:lnRef idx="0">
+          <a:scrgbClr r="0" g="0" b="0"/>
+        </a:lnRef>
+        <a:fillRef idx="0">
+          <a:scrgbClr r="0" g="0" b="0"/>
+        </a:fillRef>
+        <a:effectRef idx="0">
+          <a:scrgbClr r="0" g="0" b="0"/>
+        </a:effectRef>
+        <a:fontRef idx="minor"/>
+      </dsp:style>
+      <dsp:txBody>
+        <a:bodyPr spcFirstLastPara="0" vert="horz" wrap="square" lIns="333870" tIns="33020" rIns="184912" bIns="33020" numCol="1" spcCol="1270" anchor="t" anchorCtr="0">
+          <a:noAutofit/>
+        </a:bodyPr>
+        <a:lstStyle/>
+        <a:p>
+          <a:pPr marL="228600" lvl="1" indent="-228600" algn="l" defTabSz="889000">
+            <a:lnSpc>
+              <a:spcPct val="90000"/>
+            </a:lnSpc>
+            <a:spcBef>
+              <a:spcPct val="0"/>
+            </a:spcBef>
+            <a:spcAft>
+              <a:spcPct val="20000"/>
+            </a:spcAft>
+            <a:buChar char="•"/>
+          </a:pPr>
+          <a:r>
+            <a:rPr lang="ru-RU" sz="2000" kern="1200"/>
+            <a:t>Подстрока - это префикс суффикса</a:t>
+          </a:r>
+          <a:endParaRPr lang="en-US" sz="2000" kern="1200"/>
+        </a:p>
+      </dsp:txBody>
+      <dsp:txXfrm>
+        <a:off x="0" y="2799279"/>
+        <a:ext cx="10515600" cy="430560"/>
+      </dsp:txXfrm>
+    </dsp:sp>
+    <dsp:sp modelId="{B8B73F11-5DA3-497C-BC08-8A91A3589049}">
+      <dsp:nvSpPr>
+        <dsp:cNvPr id="0" name=""/>
+        <dsp:cNvSpPr/>
+      </dsp:nvSpPr>
+      <dsp:spPr>
+        <a:xfrm>
+          <a:off x="0" y="3229839"/>
+          <a:ext cx="10515600" cy="623610"/>
+        </a:xfrm>
+        <a:prstGeom prst="roundRect">
+          <a:avLst/>
+        </a:prstGeom>
+        <a:solidFill>
+          <a:schemeClr val="accent1">
+            <a:hueOff val="0"/>
+            <a:satOff val="0"/>
+            <a:lumOff val="0"/>
+            <a:alphaOff val="0"/>
+          </a:schemeClr>
+        </a:solidFill>
+        <a:ln w="12700" cap="flat" cmpd="sng" algn="ctr">
+          <a:solidFill>
+            <a:schemeClr val="lt1">
+              <a:hueOff val="0"/>
+              <a:satOff val="0"/>
+              <a:lumOff val="0"/>
+              <a:alphaOff val="0"/>
+            </a:schemeClr>
+          </a:solidFill>
+          <a:prstDash val="solid"/>
+          <a:miter lim="800000"/>
+        </a:ln>
+        <a:effectLst/>
+      </dsp:spPr>
+      <dsp:style>
+        <a:lnRef idx="2">
+          <a:scrgbClr r="0" g="0" b="0"/>
+        </a:lnRef>
+        <a:fillRef idx="1">
+          <a:scrgbClr r="0" g="0" b="0"/>
+        </a:fillRef>
+        <a:effectRef idx="0">
+          <a:scrgbClr r="0" g="0" b="0"/>
+        </a:effectRef>
+        <a:fontRef idx="minor">
+          <a:schemeClr val="lt1"/>
+        </a:fontRef>
+      </dsp:style>
+      <dsp:txBody>
+        <a:bodyPr spcFirstLastPara="0" vert="horz" wrap="square" lIns="99060" tIns="99060" rIns="99060" bIns="99060" numCol="1" spcCol="1270" anchor="ctr" anchorCtr="0">
+          <a:noAutofit/>
+        </a:bodyPr>
+        <a:lstStyle/>
+        <a:p>
+          <a:pPr marL="0" lvl="0" indent="0" algn="l" defTabSz="1155700">
+            <a:lnSpc>
+              <a:spcPct val="90000"/>
+            </a:lnSpc>
+            <a:spcBef>
+              <a:spcPct val="0"/>
+            </a:spcBef>
+            <a:spcAft>
+              <a:spcPct val="35000"/>
+            </a:spcAft>
+            <a:buNone/>
+          </a:pPr>
+          <a:r>
+            <a:rPr lang="ru-RU" sz="2600" kern="1200"/>
+            <a:t>Нужно выяснить</a:t>
+          </a:r>
+          <a:r>
+            <a:rPr lang="en-US" sz="2600" kern="1200"/>
+            <a:t>:</a:t>
+          </a:r>
+          <a:r>
+            <a:rPr lang="ru-RU" sz="2600" kern="1200"/>
+            <a:t> Р – префикс какого-либо суффикса за Т?</a:t>
+          </a:r>
+          <a:endParaRPr lang="en-US" sz="2600" kern="1200"/>
+        </a:p>
+      </dsp:txBody>
+      <dsp:txXfrm>
+        <a:off x="30442" y="3260281"/>
+        <a:ext cx="10454716" cy="562726"/>
+      </dsp:txXfrm>
+    </dsp:sp>
+    <dsp:sp modelId="{BA1DA39A-1217-4B11-A746-5D160FDA5879}">
+      <dsp:nvSpPr>
+        <dsp:cNvPr id="0" name=""/>
+        <dsp:cNvSpPr/>
+      </dsp:nvSpPr>
+      <dsp:spPr>
+        <a:xfrm>
+          <a:off x="0" y="3853449"/>
+          <a:ext cx="10515600" cy="430560"/>
+        </a:xfrm>
+        <a:prstGeom prst="rect">
+          <a:avLst/>
+        </a:prstGeom>
+        <a:noFill/>
+        <a:ln>
+          <a:noFill/>
+        </a:ln>
+        <a:effectLst/>
+      </dsp:spPr>
+      <dsp:style>
+        <a:lnRef idx="0">
+          <a:scrgbClr r="0" g="0" b="0"/>
+        </a:lnRef>
+        <a:fillRef idx="0">
+          <a:scrgbClr r="0" g="0" b="0"/>
+        </a:fillRef>
+        <a:effectRef idx="0">
+          <a:scrgbClr r="0" g="0" b="0"/>
+        </a:effectRef>
+        <a:fontRef idx="minor"/>
+      </dsp:style>
+      <dsp:txBody>
+        <a:bodyPr spcFirstLastPara="0" vert="horz" wrap="square" lIns="333870" tIns="33020" rIns="184912" bIns="33020" numCol="1" spcCol="1270" anchor="t" anchorCtr="0">
+          <a:noAutofit/>
+        </a:bodyPr>
+        <a:lstStyle/>
+        <a:p>
+          <a:pPr marL="228600" lvl="1" indent="-228600" algn="l" defTabSz="889000">
+            <a:lnSpc>
+              <a:spcPct val="90000"/>
+            </a:lnSpc>
+            <a:spcBef>
+              <a:spcPct val="0"/>
+            </a:spcBef>
+            <a:spcAft>
+              <a:spcPct val="20000"/>
+            </a:spcAft>
+            <a:buChar char="•"/>
+          </a:pPr>
+          <a:r>
+            <a:rPr lang="ru-RU" sz="2000" kern="1200"/>
+            <a:t>Как эффективно закодировать все суффиксы Т?</a:t>
+          </a:r>
+          <a:endParaRPr lang="en-US" sz="2000" kern="1200"/>
+        </a:p>
+      </dsp:txBody>
+      <dsp:txXfrm>
+        <a:off x="0" y="3853449"/>
+        <a:ext cx="10515600" cy="430560"/>
+      </dsp:txXfrm>
+    </dsp:sp>
+  </dsp:spTree>
+</dsp:drawing>
+</file>
+
+<file path=ppt/diagrams/layout1.xml><?xml version="1.0" encoding="utf-8"?>
+<dgm:layoutDef xmlns:dgm="http://schemas.openxmlformats.org/drawingml/2006/diagram" xmlns:a="http://schemas.openxmlformats.org/drawingml/2006/main" uniqueId="urn:microsoft.com/office/officeart/2005/8/layout/vList2">
+  <dgm:title val=""/>
+  <dgm:desc val=""/>
+  <dgm:catLst>
+    <dgm:cat type="list" pri="3000"/>
+    <dgm:cat type="convert" pri="1000"/>
+  </dgm:catLst>
+  <dgm:sampData>
+    <dgm:dataModel>
+      <dgm:ptLst>
+        <dgm:pt modelId="0" type="doc"/>
+        <dgm:pt modelId="1">
+          <dgm:prSet phldr="1"/>
+        </dgm:pt>
+        <dgm:pt modelId="11">
+          <dgm:prSet phldr="1"/>
+        </dgm:pt>
+        <dgm:pt modelId="2">
+          <dgm:prSet phldr="1"/>
+        </dgm:pt>
+        <dgm:pt modelId="21">
+          <dgm:prSet phldr="1"/>
+        </dgm:pt>
+      </dgm:ptLst>
+      <dgm:cxnLst>
+        <dgm:cxn modelId="4" srcId="0" destId="1" srcOrd="0" destOrd="0"/>
+        <dgm:cxn modelId="5" srcId="0" destId="2" srcOrd="1" destOrd="0"/>
+        <dgm:cxn modelId="12" srcId="1" destId="11" srcOrd="0" destOrd="0"/>
+        <dgm:cxn modelId="23" srcId="2" destId="21" srcOrd="0" destOrd="0"/>
+      </dgm:cxnLst>
+      <dgm:bg/>
+      <dgm:whole/>
+    </dgm:dataModel>
+  </dgm:sampData>
+  <dgm:styleData>
+    <dgm:dataModel>
+      <dgm:ptLst>
+        <dgm:pt modelId="0" type="doc"/>
+        <dgm:pt modelId="1"/>
+        <dgm:pt modelId="2"/>
+      </dgm:ptLst>
+      <dgm:cxnLst>
+        <dgm:cxn modelId="3" srcId="0" destId="1" srcOrd="0" destOrd="0"/>
+        <dgm:cxn modelId="4" srcId="0" destId="2" srcOrd="1" destOrd="0"/>
+      </dgm:cxnLst>
+      <dgm:bg/>
+      <dgm:whole/>
+    </dgm:dataModel>
+  </dgm:styleData>
+  <dgm:clrData>
+    <dgm:dataModel>
+      <dgm:ptLst>
+        <dgm:pt modelId="0" type="doc"/>
+        <dgm:pt modelId="1"/>
+        <dgm:pt modelId="2"/>
+        <dgm:pt modelId="3"/>
+        <dgm:pt modelId="4"/>
+      </dgm:ptLst>
+      <dgm:cxnLst>
+        <dgm:cxn modelId="5" srcId="0" destId="1" srcOrd="0" destOrd="0"/>
+        <dgm:cxn modelId="6" srcId="0" destId="2" srcOrd="1" destOrd="0"/>
+        <dgm:cxn modelId="7" srcId="0" destId="3" srcOrd="2" destOrd="0"/>
+        <dgm:cxn modelId="8" srcId="0" destId="4" srcOrd="3" destOrd="0"/>
+      </dgm:cxnLst>
+      <dgm:bg/>
+      <dgm:whole/>
+    </dgm:dataModel>
+  </dgm:clrData>
+  <dgm:layoutNode name="linear">
+    <dgm:varLst>
+      <dgm:animLvl val="lvl"/>
+      <dgm:resizeHandles val="exact"/>
+    </dgm:varLst>
+    <dgm:alg type="lin">
+      <dgm:param type="linDir" val="fromT"/>
+      <dgm:param type="vertAlign" val="mid"/>
+    </dgm:alg>
+    <dgm:shape xmlns:r="http://schemas.openxmlformats.org/officeDocument/2006/relationships" r:blip="">
+      <dgm:adjLst/>
+    </dgm:shape>
+    <dgm:presOf/>
+    <dgm:constrLst>
+      <dgm:constr type="w" for="ch" forName="parentText" refType="w"/>
+      <dgm:constr type="h" for="ch" forName="parentText" refType="primFontSz" refFor="ch" refForName="parentText" fact="0.52"/>
+      <dgm:constr type="w" for="ch" forName="childText" refType="w"/>
+      <dgm:constr type="h" for="ch" forName="childText" refType="primFontSz" refFor="ch" refForName="parentText" fact="0.46"/>
+      <dgm:constr type="h" for="ch" forName="parentText" op="equ"/>
+      <dgm:constr type="primFontSz" for="ch" forName="parentText" op="equ" val="65"/>
+      <dgm:constr type="primFontSz" for="ch" forName="childText" refType="primFontSz" refFor="ch" refForName="parentText" op="equ"/>
+      <dgm:constr type="h" for="ch" forName="spacer" refType="primFontSz" refFor="ch" refForName="parentText" fact="0.08"/>
+    </dgm:constrLst>
+    <dgm:ruleLst>
+      <dgm:rule type="primFontSz" for="ch" forName="parentText" val="5" fact="NaN" max="NaN"/>
+    </dgm:ruleLst>
+    <dgm:forEach name="Name0" axis="ch" ptType="node">
+      <dgm:layoutNode name="parentText" styleLbl="node1">
+        <dgm:varLst>
+          <dgm:chMax val="0"/>
+          <dgm:bulletEnabled val="1"/>
+        </dgm:varLst>
+        <dgm:alg type="tx">
+          <dgm:param type="parTxLTRAlign" val="l"/>
+          <dgm:param type="parTxRTLAlign" val="r"/>
+        </dgm:alg>
+        <dgm:shape xmlns:r="http://schemas.openxmlformats.org/officeDocument/2006/relationships" type="roundRect" r:blip="">
+          <dgm:adjLst/>
+        </dgm:shape>
+        <dgm:presOf axis="self"/>
+        <dgm:constrLst>
+          <dgm:constr type="tMarg" refType="primFontSz" fact="0.3"/>
+          <dgm:constr type="bMarg" refType="primFontSz" fact="0.3"/>
+          <dgm:constr type="lMarg" refType="primFontSz" fact="0.3"/>
+          <dgm:constr type="rMarg" refType="primFontSz" fact="0.3"/>
+        </dgm:constrLst>
+        <dgm:ruleLst>
+          <dgm:rule type="h" val="INF" fact="NaN" max="NaN"/>
+        </dgm:ruleLst>
+      </dgm:layoutNode>
+      <dgm:choose name="Name1">
+        <dgm:if name="Name2" axis="ch" ptType="node" func="cnt" op="gte" val="1">
+          <dgm:layoutNode name="childText" styleLbl="revTx">
+            <dgm:varLst>
+              <dgm:bulletEnabled val="1"/>
+            </dgm:varLst>
+            <dgm:alg type="tx">
+              <dgm:param type="stBulletLvl" val="1"/>
+              <dgm:param type="lnSpAfChP" val="20"/>
+            </dgm:alg>
+            <dgm:shape xmlns:r="http://schemas.openxmlformats.org/officeDocument/2006/relationships" type="rect" r:blip="">
+              <dgm:adjLst/>
+            </dgm:shape>
+            <dgm:presOf axis="des" ptType="node"/>
+            <dgm:constrLst>
+              <dgm:constr type="tMarg" refType="primFontSz" fact="0.1"/>
+              <dgm:constr type="bMarg" refType="primFontSz" fact="0.1"/>
+              <dgm:constr type="lMarg" refType="w" fact="0.09"/>
+            </dgm:constrLst>
+            <dgm:ruleLst>
+              <dgm:rule type="h" val="INF" fact="NaN" max="NaN"/>
+            </dgm:ruleLst>
+          </dgm:layoutNode>
+        </dgm:if>
+        <dgm:else name="Name3">
+          <dgm:choose name="Name4">
+            <dgm:if name="Name5" axis="par ch" ptType="doc node" func="cnt" op="gte" val="2">
+              <dgm:forEach name="Name6" axis="followSib" ptType="sibTrans" cnt="1">
+                <dgm:layoutNode name="spacer">
+                  <dgm:alg type="sp"/>
+                  <dgm:shape xmlns:r="http://schemas.openxmlformats.org/officeDocument/2006/relationships" r:blip="">
+                    <dgm:adjLst/>
+                  </dgm:shape>
+                  <dgm:presOf/>
+                  <dgm:constrLst/>
+                  <dgm:ruleLst/>
+                </dgm:layoutNode>
+              </dgm:forEach>
+            </dgm:if>
+            <dgm:else name="Name7"/>
+          </dgm:choose>
+        </dgm:else>
+      </dgm:choose>
+    </dgm:forEach>
+  </dgm:layoutNode>
+</dgm:layoutDef>
+</file>
+
+<file path=ppt/diagrams/quickStyle1.xml><?xml version="1.0" encoding="utf-8"?>
+<dgm:styleDef xmlns:dgm="http://schemas.openxmlformats.org/drawingml/2006/diagram" xmlns:a="http://schemas.openxmlformats.org/drawingml/2006/main" uniqueId="urn:microsoft.com/office/officeart/2005/8/quickstyle/simple1">
+  <dgm:title val=""/>
+  <dgm:desc val=""/>
+  <dgm:catLst>
+    <dgm:cat type="simple" pri="10100"/>
+  </dgm:catLst>
+  <dgm:scene3d>
+    <a:camera prst="orthographicFront"/>
+    <a:lightRig rig="threePt" dir="t"/>
+  </dgm:scene3d>
+  <dgm:styleLbl name="node0">
+    <dgm:scene3d>
+      <a:camera prst="orthographicFront"/>
+      <a:lightRig rig="threePt" dir="t"/>
+    </dgm:scene3d>
+    <dgm:sp3d/>
+    <dgm:txPr/>
+    <dgm:style>
+      <a:lnRef idx="2">
+        <a:scrgbClr r="0" g="0" b="0"/>
+      </a:lnRef>
+      <a:fillRef idx="1">
+        <a:scrgbClr r="0" g="0" b="0"/>
+      </a:fillRef>
+      <a:effectRef idx="0">
+        <a:scrgbClr r="0" g="0" b="0"/>
+      </a:effectRef>
+      <a:fontRef idx="minor">
+        <a:schemeClr val="lt1"/>
+      </a:fontRef>
+    </dgm:style>
+  </dgm:styleLbl>
+  <dgm:styleLbl name="lnNode1">
+    <dgm:scene3d>
+      <a:camera prst="orthographicFront"/>
+      <a:lightRig rig="threePt" dir="t"/>
+    </dgm:scene3d>
+    <dgm:sp3d/>
+    <dgm:txPr/>
+    <dgm:style>
+      <a:lnRef idx="2">
+        <a:scrgbClr r="0" g="0" b="0"/>
+      </a:lnRef>
+      <a:fillRef idx="1">
+        <a:scrgbClr r="0" g="0" b="0"/>
+      </a:fillRef>
+      <a:effectRef idx="0">
+        <a:scrgbClr r="0" g="0" b="0"/>
+      </a:effectRef>
+      <a:fontRef idx="minor">
+        <a:schemeClr val="lt1"/>
+      </a:fontRef>
+    </dgm:style>
+  </dgm:styleLbl>
+  <dgm:styleLbl name="vennNode1">
+    <dgm:scene3d>
+      <a:camera prst="orthographicFront"/>
+      <a:lightRig rig="threePt" dir="t"/>
+    </dgm:scene3d>
+    <dgm:sp3d/>
+    <dgm:txPr/>
+    <dgm:style>
+      <a:lnRef idx="2">
+        <a:scrgbClr r="0" g="0" b="0"/>
+      </a:lnRef>
+      <a:fillRef idx="1">
+        <a:scrgbClr r="0" g="0" b="0"/>
+      </a:fillRef>
+      <a:effectRef idx="0">
+        <a:scrgbClr r="0" g="0" b="0"/>
+      </a:effectRef>
+      <a:fontRef idx="minor">
+        <a:schemeClr val="tx1"/>
+      </a:fontRef>
+    </dgm:style>
+  </dgm:styleLbl>
+  <dgm:styleLbl name="alignNode1">
+    <dgm:scene3d>
+      <a:camera prst="orthographicFront"/>
+      <a:lightRig rig="threePt" dir="t"/>
+    </dgm:scene3d>
+    <dgm:sp3d/>
+    <dgm:txPr/>
+    <dgm:style>
+      <a:lnRef idx="2">
+        <a:scrgbClr r="0" g="0" b="0"/>
+      </a:lnRef>
+      <a:fillRef idx="1">
+        <a:scrgbClr r="0" g="0" b="0"/>
+      </a:fillRef>
+      <a:effectRef idx="0">
+        <a:scrgbClr r="0" g="0" b="0"/>
+      </a:effectRef>
+      <a:fontRef idx="minor">
+        <a:schemeClr val="lt1"/>
+      </a:fontRef>
+    </dgm:style>
+  </dgm:styleLbl>
+  <dgm:styleLbl name="node1">
+    <dgm:scene3d>
+      <a:camera prst="orthographicFront"/>
+      <a:lightRig rig="threePt" dir="t"/>
+    </dgm:scene3d>
+    <dgm:sp3d/>
+    <dgm:txPr/>
+    <dgm:style>
+      <a:lnRef idx="2">
+        <a:scrgbClr r="0" g="0" b="0"/>
+      </a:lnRef>
+      <a:fillRef idx="1">
+        <a:scrgbClr r="0" g="0" b="0"/>
+      </a:fillRef>
+      <a:effectRef idx="0">
+        <a:scrgbClr r="0" g="0" b="0"/>
+      </a:effectRef>
+      <a:fontRef idx="minor">
+        <a:schemeClr val="lt1"/>
+      </a:fontRef>
+    </dgm:style>
+  </dgm:styleLbl>
+  <dgm:styleLbl name="node2">
+    <dgm:scene3d>
+      <a:camera prst="orthographicFront"/>
+      <a:lightRig rig="threePt" dir="t"/>
+    </dgm:scene3d>
+    <dgm:sp3d/>
+    <dgm:txPr/>
+    <dgm:style>
+      <a:lnRef idx="2">
+        <a:scrgbClr r="0" g="0" b="0"/>
+      </a:lnRef>
+      <a:fillRef idx="1">
+        <a:scrgbClr r="0" g="0" b="0"/>
+      </a:fillRef>
+      <a:effectRef idx="0">
+        <a:scrgbClr r="0" g="0" b="0"/>
+      </a:effectRef>
+      <a:fontRef idx="minor">
+        <a:schemeClr val="lt1"/>
+      </a:fontRef>
+    </dgm:style>
+  </dgm:styleLbl>
+  <dgm:styleLbl name="node3">
+    <dgm:scene3d>
+      <a:camera prst="orthographicFront"/>
+      <a:lightRig rig="threePt" dir="t"/>
+    </dgm:scene3d>
+    <dgm:sp3d/>
+    <dgm:txPr/>
+    <dgm:style>
+      <a:lnRef idx="2">
+        <a:scrgbClr r="0" g="0" b="0"/>
+      </a:lnRef>
+      <a:fillRef idx="1">
+        <a:scrgbClr r="0" g="0" b="0"/>
+      </a:fillRef>
+      <a:effectRef idx="0">
+        <a:scrgbClr r="0" g="0" b="0"/>
+      </a:effectRef>
+      <a:fontRef idx="minor">
+        <a:schemeClr val="lt1"/>
+      </a:fontRef>
+    </dgm:style>
+  </dgm:styleLbl>
+  <dgm:styleLbl name="node4">
+    <dgm:scene3d>
+      <a:camera prst="orthographicFront"/>
+      <a:lightRig rig="threePt" dir="t"/>
+    </dgm:scene3d>
+    <dgm:sp3d/>
+    <dgm:txPr/>
+    <dgm:style>
+      <a:lnRef idx="2">
+        <a:scrgbClr r="0" g="0" b="0"/>
+      </a:lnRef>
+      <a:fillRef idx="1">
+        <a:scrgbClr r="0" g="0" b="0"/>
+      </a:fillRef>
+      <a:effectRef idx="0">
+        <a:scrgbClr r="0" g="0" b="0"/>
+      </a:effectRef>
+      <a:fontRef idx="minor">
+        <a:schemeClr val="lt1"/>
+      </a:fontRef>
+    </dgm:style>
+  </dgm:styleLbl>
+  <dgm:styleLbl name="fgImgPlace1">
+    <dgm:scene3d>
+      <a:camera prst="orthographicFront"/>
+      <a:lightRig rig="threePt" dir="t"/>
+    </dgm:scene3d>
+    <dgm:sp3d/>
+    <dgm:txPr/>
+    <dgm:style>
+      <a:lnRef idx="2">
+        <a:scrgbClr r="0" g="0" b="0"/>
+      </a:lnRef>
+      <a:fillRef idx="1">
+        <a:scrgbClr r="0" g="0" b="0"/>
+      </a:fillRef>
+      <a:effectRef idx="0">
+        <a:scrgbClr r="0" g="0" b="0"/>
+      </a:effectRef>
+      <a:fontRef idx="minor"/>
+    </dgm:style>
+  </dgm:styleLbl>
+  <dgm:styleLbl name="alignImgPlace1">
+    <dgm:scene3d>
+      <a:camera prst="orthographicFront"/>
+      <a:lightRig rig="threePt" dir="t"/>
+    </dgm:scene3d>
+    <dgm:sp3d/>
+    <dgm:txPr/>
+    <dgm:style>
+      <a:lnRef idx="2">
+        <a:scrgbClr r="0" g="0" b="0"/>
+      </a:lnRef>
+      <a:fillRef idx="1">
+        <a:scrgbClr r="0" g="0" b="0"/>
+      </a:fillRef>
+      <a:effectRef idx="0">
+        <a:scrgbClr r="0" g="0" b="0"/>
+      </a:effectRef>
+      <a:fontRef idx="minor"/>
+    </dgm:style>
+  </dgm:styleLbl>
+  <dgm:styleLbl name="bgImgPlace1">
+    <dgm:scene3d>
+      <a:camera prst="orthographicFront"/>
+      <a:lightRig rig="threePt" dir="t"/>
+    </dgm:scene3d>
+    <dgm:sp3d/>
+    <dgm:txPr/>
+    <dgm:style>
+      <a:lnRef idx="2">
+        <a:scrgbClr r="0" g="0" b="0"/>
+      </a:lnRef>
+      <a:fillRef idx="1">
+        <a:scrgbClr r="0" g="0" b="0"/>
+      </a:fillRef>
+      <a:effectRef idx="0">
+        <a:scrgbClr r="0" g="0" b="0"/>
+      </a:effectRef>
+      <a:fontRef idx="minor"/>
+    </dgm:style>
+  </dgm:styleLbl>
+  <dgm:styleLbl name="sibTrans2D1">
+    <dgm:scene3d>
+      <a:camera prst="orthographicFront"/>
+      <a:lightRig rig="threePt" dir="t"/>
+    </dgm:scene3d>
+    <dgm:sp3d/>
+    <dgm:txPr/>
+    <dgm:style>
+      <a:lnRef idx="0">
+        <a:scrgbClr r="0" g="0" b="0"/>
+      </a:lnRef>
+      <a:fillRef idx="1">
+        <a:scrgbClr r="0" g="0" b="0"/>
+      </a:fillRef>
+      <a:effectRef idx="0">
+        <a:scrgbClr r="0" g="0" b="0"/>
+      </a:effectRef>
+      <a:fontRef idx="minor">
+        <a:schemeClr val="lt1"/>
+      </a:fontRef>
+    </dgm:style>
+  </dgm:styleLbl>
+  <dgm:styleLbl name="fgSibTrans2D1">
+    <dgm:scene3d>
+      <a:camera prst="orthographicFront"/>
+      <a:lightRig rig="threePt" dir="t"/>
+    </dgm:scene3d>
+    <dgm:sp3d/>
+    <dgm:txPr/>
+    <dgm:style>
+      <a:lnRef idx="0">
+        <a:scrgbClr r="0" g="0" b="0"/>
+      </a:lnRef>
+      <a:fillRef idx="1">
+        <a:scrgbClr r="0" g="0" b="0"/>
+      </a:fillRef>
+      <a:effectRef idx="0">
+        <a:scrgbClr r="0" g="0" b="0"/>
+      </a:effectRef>
+      <a:fontRef idx="minor">
+        <a:schemeClr val="lt1"/>
+      </a:fontRef>
+    </dgm:style>
+  </dgm:styleLbl>
+  <dgm:styleLbl name="bgSibTrans2D1">
+    <dgm:scene3d>
+      <a:camera prst="orthographicFront"/>
+      <a:lightRig rig="threePt" dir="t"/>
+    </dgm:scene3d>
+    <dgm:sp3d/>
+    <dgm:txPr/>
+    <dgm:style>
+      <a:lnRef idx="0">
+        <a:scrgbClr r="0" g="0" b="0"/>
+      </a:lnRef>
+      <a:fillRef idx="1">
+        <a:scrgbClr r="0" g="0" b="0"/>
+      </a:fillRef>
+      <a:effectRef idx="0">
+        <a:scrgbClr r="0" g="0" b="0"/>
+      </a:effectRef>
+      <a:fontRef idx="minor">
+        <a:schemeClr val="lt1"/>
+      </a:fontRef>
+    </dgm:style>
+  </dgm:styleLbl>
+  <dgm:styleLbl name="sibTrans1D1">
+    <dgm:scene3d>
+      <a:camera prst="orthographicFront"/>
+      <a:lightRig rig="threePt" dir="t"/>
+    </dgm:scene3d>
+    <dgm:sp3d/>
+    <dgm:txPr/>
+    <dgm:style>
+      <a:lnRef idx="1">
+        <a:scrgbClr r="0" g="0" b="0"/>
+      </a:lnRef>
+      <a:fillRef idx="0">
+        <a:scrgbClr r="0" g="0" b="0"/>
+      </a:fillRef>
+      <a:effectRef idx="0">
+        <a:scrgbClr r="0" g="0" b="0"/>
+      </a:effectRef>
+      <a:fontRef idx="minor"/>
+    </dgm:style>
+  </dgm:styleLbl>
+  <dgm:styleLbl name="callout">
+    <dgm:scene3d>
+      <a:camera prst="orthographicFront"/>
+      <a:lightRig rig="threePt" dir="t"/>
+    </dgm:scene3d>
+    <dgm:sp3d/>
+    <dgm:txPr/>
+    <dgm:style>
+      <a:lnRef idx="2">
+        <a:scrgbClr r="0" g="0" b="0"/>
+      </a:lnRef>
+      <a:fillRef idx="1">
+        <a:scrgbClr r="0" g="0" b="0"/>
+      </a:fillRef>
+      <a:effectRef idx="0">
+        <a:scrgbClr r="0" g="0" b="0"/>
+      </a:effectRef>
+      <a:fontRef idx="minor"/>
+    </dgm:style>
+  </dgm:styleLbl>
+  <dgm:styleLbl name="asst0">
+    <dgm:scene3d>
+      <a:camera prst="orthographicFront"/>
+      <a:lightRig rig="threePt" dir="t"/>
+    </dgm:scene3d>
+    <dgm:sp3d/>
+    <dgm:txPr/>
+    <dgm:style>
+      <a:lnRef idx="2">
+        <a:scrgbClr r="0" g="0" b="0"/>
+      </a:lnRef>
+      <a:fillRef idx="1">
+        <a:scrgbClr r="0" g="0" b="0"/>
+      </a:fillRef>
+      <a:effectRef idx="0">
+        <a:scrgbClr r="0" g="0" b="0"/>
+      </a:effectRef>
+      <a:fontRef idx="minor">
+        <a:schemeClr val="lt1"/>
+      </a:fontRef>
+    </dgm:style>
+  </dgm:styleLbl>
+  <dgm:styleLbl name="asst1">
+    <dgm:scene3d>
+      <a:camera prst="orthographicFront"/>
+      <a:lightRig rig="threePt" dir="t"/>
+    </dgm:scene3d>
+    <dgm:sp3d/>
+    <dgm:txPr/>
+    <dgm:style>
+      <a:lnRef idx="2">
+        <a:scrgbClr r="0" g="0" b="0"/>
+      </a:lnRef>
+      <a:fillRef idx="1">
+        <a:scrgbClr r="0" g="0" b="0"/>
+      </a:fillRef>
+      <a:effectRef idx="0">
+        <a:scrgbClr r="0" g="0" b="0"/>
+      </a:effectRef>
+      <a:fontRef idx="minor">
+        <a:schemeClr val="lt1"/>
+      </a:fontRef>
+    </dgm:style>
+  </dgm:styleLbl>
+  <dgm:styleLbl name="asst2">
+    <dgm:scene3d>
+      <a:camera prst="orthographicFront"/>
+      <a:lightRig rig="threePt" dir="t"/>
+    </dgm:scene3d>
+    <dgm:sp3d/>
+    <dgm:txPr/>
+    <dgm:style>
+      <a:lnRef idx="2">
+        <a:scrgbClr r="0" g="0" b="0"/>
+      </a:lnRef>
+      <a:fillRef idx="1">
+        <a:scrgbClr r="0" g="0" b="0"/>
+      </a:fillRef>
+      <a:effectRef idx="0">
+        <a:scrgbClr r="0" g="0" b="0"/>
+      </a:effectRef>
+      <a:fontRef idx="minor">
+        <a:schemeClr val="lt1"/>
+      </a:fontRef>
+    </dgm:style>
+  </dgm:styleLbl>
+  <dgm:styleLbl name="asst3">
+    <dgm:scene3d>
+      <a:camera prst="orthographicFront"/>
+      <a:lightRig rig="threePt" dir="t"/>
+    </dgm:scene3d>
+    <dgm:sp3d/>
+    <dgm:txPr/>
+    <dgm:style>
+      <a:lnRef idx="2">
+        <a:scrgbClr r="0" g="0" b="0"/>
+      </a:lnRef>
+      <a:fillRef idx="1">
+        <a:scrgbClr r="0" g="0" b="0"/>
+      </a:fillRef>
+      <a:effectRef idx="0">
+        <a:scrgbClr r="0" g="0" b="0"/>
+      </a:effectRef>
+      <a:fontRef idx="minor">
+        <a:schemeClr val="lt1"/>
+      </a:fontRef>
+    </dgm:style>
+  </dgm:styleLbl>
+  <dgm:styleLbl name="asst4">
+    <dgm:scene3d>
+      <a:camera prst="orthographicFront"/>
+      <a:lightRig rig="threePt" dir="t"/>
+    </dgm:scene3d>
+    <dgm:sp3d/>
+    <dgm:txPr/>
+    <dgm:style>
+      <a:lnRef idx="2">
+        <a:scrgbClr r="0" g="0" b="0"/>
+      </a:lnRef>
+      <a:fillRef idx="1">
+        <a:scrgbClr r="0" g="0" b="0"/>
+      </a:fillRef>
+      <a:effectRef idx="0">
+        <a:scrgbClr r="0" g="0" b="0"/>
+      </a:effectRef>
+      <a:fontRef idx="minor">
+        <a:schemeClr val="lt1"/>
+      </a:fontRef>
+    </dgm:style>
+  </dgm:styleLbl>
+  <dgm:styleLbl name="parChTrans2D1">
+    <dgm:scene3d>
+      <a:camera prst="orthographicFront"/>
+      <a:lightRig rig="threePt" dir="t"/>
+    </dgm:scene3d>
+    <dgm:sp3d/>
+    <dgm:txPr/>
+    <dgm:style>
+      <a:lnRef idx="2">
+        <a:scrgbClr r="0" g="0" b="0"/>
+      </a:lnRef>
+      <a:fillRef idx="1">
+        <a:scrgbClr r="0" g="0" b="0"/>
+      </a:fillRef>
+      <a:effectRef idx="0">
+        <a:scrgbClr r="0" g="0" b="0"/>
+      </a:effectRef>
+      <a:fontRef idx="minor">
+        <a:schemeClr val="lt1"/>
+      </a:fontRef>
+    </dgm:style>
+  </dgm:styleLbl>
+  <dgm:styleLbl name="parChTrans2D2">
+    <dgm:scene3d>
+      <a:camera prst="orthographicFront"/>
+      <a:lightRig rig="threePt" dir="t"/>
+    </dgm:scene3d>
+    <dgm:sp3d/>
+    <dgm:txPr/>
+    <dgm:style>
+      <a:lnRef idx="2">
+        <a:scrgbClr r="0" g="0" b="0"/>
+      </a:lnRef>
+      <a:fillRef idx="1">
+        <a:scrgbClr r="0" g="0" b="0"/>
+      </a:fillRef>
+      <a:effectRef idx="0">
+        <a:scrgbClr r="0" g="0" b="0"/>
+      </a:effectRef>
+      <a:fontRef idx="minor">
+        <a:schemeClr val="lt1"/>
+      </a:fontRef>
+    </dgm:style>
+  </dgm:styleLbl>
+  <dgm:styleLbl name="parChTrans2D3">
+    <dgm:scene3d>
+      <a:camera prst="orthographicFront"/>
+      <a:lightRig rig="threePt" dir="t"/>
+    </dgm:scene3d>
+    <dgm:sp3d/>
+    <dgm:txPr/>
+    <dgm:style>
+      <a:lnRef idx="2">
+        <a:scrgbClr r="0" g="0" b="0"/>
+      </a:lnRef>
+      <a:fillRef idx="1">
+        <a:scrgbClr r="0" g="0" b="0"/>
+      </a:fillRef>
+      <a:effectRef idx="0">
+        <a:scrgbClr r="0" g="0" b="0"/>
+      </a:effectRef>
+      <a:fontRef idx="minor">
+        <a:schemeClr val="lt1"/>
+      </a:fontRef>
+    </dgm:style>
+  </dgm:styleLbl>
+  <dgm:styleLbl name="parChTrans2D4">
+    <dgm:scene3d>
+      <a:camera prst="orthographicFront"/>
+      <a:lightRig rig="threePt" dir="t"/>
+    </dgm:scene3d>
+    <dgm:sp3d/>
+    <dgm:txPr/>
+    <dgm:style>
+      <a:lnRef idx="2">
+        <a:scrgbClr r="0" g="0" b="0"/>
+      </a:lnRef>
+      <a:fillRef idx="1">
+        <a:scrgbClr r="0" g="0" b="0"/>
+      </a:fillRef>
+      <a:effectRef idx="0">
+        <a:scrgbClr r="0" g="0" b="0"/>
+      </a:effectRef>
+      <a:fontRef idx="minor">
+        <a:schemeClr val="lt1"/>
+      </a:fontRef>
+    </dgm:style>
+  </dgm:styleLbl>
+  <dgm:styleLbl name="parChTrans1D1">
+    <dgm:scene3d>
+      <a:camera prst="orthographicFront"/>
+      <a:lightRig rig="threePt" dir="t"/>
+    </dgm:scene3d>
+    <dgm:sp3d/>
+    <dgm:txPr/>
+    <dgm:style>
+      <a:lnRef idx="2">
+        <a:scrgbClr r="0" g="0" b="0"/>
+      </a:lnRef>
+      <a:fillRef idx="0">
+        <a:scrgbClr r="0" g="0" b="0"/>
+      </a:fillRef>
+      <a:effectRef idx="0">
+        <a:scrgbClr r="0" g="0" b="0"/>
+      </a:effectRef>
+      <a:fontRef idx="minor"/>
+    </dgm:style>
+  </dgm:styleLbl>
+  <dgm:styleLbl name="parChTrans1D2">
+    <dgm:scene3d>
+      <a:camera prst="orthographicFront"/>
+      <a:lightRig rig="threePt" dir="t"/>
+    </dgm:scene3d>
+    <dgm:sp3d/>
+    <dgm:txPr/>
+    <dgm:style>
+      <a:lnRef idx="2">
+        <a:scrgbClr r="0" g="0" b="0"/>
+      </a:lnRef>
+      <a:fillRef idx="0">
+        <a:scrgbClr r="0" g="0" b="0"/>
+      </a:fillRef>
+      <a:effectRef idx="0">
+        <a:scrgbClr r="0" g="0" b="0"/>
+      </a:effectRef>
+      <a:fontRef idx="minor"/>
+    </dgm:style>
+  </dgm:styleLbl>
+  <dgm:styleLbl name="parChTrans1D3">
+    <dgm:scene3d>
+      <a:camera prst="orthographicFront"/>
+      <a:lightRig rig="threePt" dir="t"/>
+    </dgm:scene3d>
+    <dgm:sp3d/>
+    <dgm:txPr/>
+    <dgm:style>
+      <a:lnRef idx="2">
+        <a:scrgbClr r="0" g="0" b="0"/>
+      </a:lnRef>
+      <a:fillRef idx="0">
+        <a:scrgbClr r="0" g="0" b="0"/>
+      </a:fillRef>
+      <a:effectRef idx="0">
+        <a:scrgbClr r="0" g="0" b="0"/>
+      </a:effectRef>
+      <a:fontRef idx="minor"/>
+    </dgm:style>
+  </dgm:styleLbl>
+  <dgm:styleLbl name="parChTrans1D4">
+    <dgm:scene3d>
+      <a:camera prst="orthographicFront"/>
+      <a:lightRig rig="threePt" dir="t"/>
+    </dgm:scene3d>
+    <dgm:sp3d/>
+    <dgm:txPr/>
+    <dgm:style>
+      <a:lnRef idx="2">
+        <a:scrgbClr r="0" g="0" b="0"/>
+      </a:lnRef>
+      <a:fillRef idx="0">
+        <a:scrgbClr r="0" g="0" b="0"/>
+      </a:fillRef>
+      <a:effectRef idx="0">
+        <a:scrgbClr r="0" g="0" b="0"/>
+      </a:effectRef>
+      <a:fontRef idx="minor"/>
+    </dgm:style>
+  </dgm:styleLbl>
+  <dgm:styleLbl name="fgAcc1">
+    <dgm:scene3d>
+      <a:camera prst="orthographicFront"/>
+      <a:lightRig rig="threePt" dir="t"/>
+    </dgm:scene3d>
+    <dgm:sp3d/>
+    <dgm:txPr/>
+    <dgm:style>
+      <a:lnRef idx="2">
+        <a:scrgbClr r="0" g="0" b="0"/>
+      </a:lnRef>
+      <a:fillRef idx="1">
+        <a:scrgbClr r="0" g="0" b="0"/>
+      </a:fillRef>
+      <a:effectRef idx="0">
+        <a:scrgbClr r="0" g="0" b="0"/>
+      </a:effectRef>
+      <a:fontRef idx="minor"/>
+    </dgm:style>
+  </dgm:styleLbl>
+  <dgm:styleLbl name="conFgAcc1">
+    <dgm:scene3d>
+      <a:camera prst="orthographicFront"/>
+      <a:lightRig rig="threePt" dir="t"/>
+    </dgm:scene3d>
+    <dgm:sp3d/>
+    <dgm:txPr/>
+    <dgm:style>
+      <a:lnRef idx="2">
+        <a:scrgbClr r="0" g="0" b="0"/>
+      </a:lnRef>
+      <a:fillRef idx="1">
+        <a:scrgbClr r="0" g="0" b="0"/>
+      </a:fillRef>
+      <a:effectRef idx="0">
+        <a:scrgbClr r="0" g="0" b="0"/>
+      </a:effectRef>
+      <a:fontRef idx="minor"/>
+    </dgm:style>
+  </dgm:styleLbl>
+  <dgm:styleLbl name="alignAcc1">
+    <dgm:scene3d>
+      <a:camera prst="orthographicFront"/>
+      <a:lightRig rig="threePt" dir="t"/>
+    </dgm:scene3d>
+    <dgm:sp3d/>
+    <dgm:txPr/>
+    <dgm:style>
+      <a:lnRef idx="2">
+        <a:scrgbClr r="0" g="0" b="0"/>
+      </a:lnRef>
+      <a:fillRef idx="1">
+        <a:scrgbClr r="0" g="0" b="0"/>
+      </a:fillRef>
+      <a:effectRef idx="0">
+        <a:scrgbClr r="0" g="0" b="0"/>
+      </a:effectRef>
+      <a:fontRef idx="minor"/>
+    </dgm:style>
+  </dgm:styleLbl>
+  <dgm:styleLbl name="trAlignAcc1">
+    <dgm:scene3d>
+      <a:camera prst="orthographicFront"/>
+      <a:lightRig rig="threePt" dir="t"/>
+    </dgm:scene3d>
+    <dgm:sp3d/>
+    <dgm:txPr/>
+    <dgm:style>
+      <a:lnRef idx="1">
+        <a:scrgbClr r="0" g="0" b="0"/>
+      </a:lnRef>
+      <a:fillRef idx="1">
+        <a:scrgbClr r="0" g="0" b="0"/>
+      </a:fillRef>
+      <a:effectRef idx="0">
+        <a:scrgbClr r="0" g="0" b="0"/>
+      </a:effectRef>
+      <a:fontRef idx="minor"/>
+    </dgm:style>
+  </dgm:styleLbl>
+  <dgm:styleLbl name="bgAcc1">
+    <dgm:scene3d>
+      <a:camera prst="orthographicFront"/>
+      <a:lightRig rig="threePt" dir="t"/>
+    </dgm:scene3d>
+    <dgm:sp3d/>
+    <dgm:txPr/>
+    <dgm:style>
+      <a:lnRef idx="2">
+        <a:scrgbClr r="0" g="0" b="0"/>
+      </a:lnRef>
+      <a:fillRef idx="1">
+        <a:scrgbClr r="0" g="0" b="0"/>
+      </a:fillRef>
+      <a:effectRef idx="0">
+        <a:scrgbClr r="0" g="0" b="0"/>
+      </a:effectRef>
+      <a:fontRef idx="minor"/>
+    </dgm:style>
+  </dgm:styleLbl>
+  <dgm:styleLbl name="solidFgAcc1">
+    <dgm:scene3d>
+      <a:camera prst="orthographicFront"/>
+      <a:lightRig rig="threePt" dir="t"/>
+    </dgm:scene3d>
+    <dgm:sp3d/>
+    <dgm:txPr/>
+    <dgm:style>
+      <a:lnRef idx="2">
+        <a:scrgbClr r="0" g="0" b="0"/>
+      </a:lnRef>
+      <a:fillRef idx="1">
+        <a:scrgbClr r="0" g="0" b="0"/>
+      </a:fillRef>
+      <a:effectRef idx="0">
+        <a:scrgbClr r="0" g="0" b="0"/>
+      </a:effectRef>
+      <a:fontRef idx="minor"/>
+    </dgm:style>
+  </dgm:styleLbl>
+  <dgm:styleLbl name="solidAlignAcc1">
+    <dgm:scene3d>
+      <a:camera prst="orthographicFront"/>
+      <a:lightRig rig="threePt" dir="t"/>
+    </dgm:scene3d>
+    <dgm:sp3d/>
+    <dgm:txPr/>
+    <dgm:style>
+      <a:lnRef idx="2">
+        <a:scrgbClr r="0" g="0" b="0"/>
+      </a:lnRef>
+      <a:fillRef idx="1">
+        <a:scrgbClr r="0" g="0" b="0"/>
+      </a:fillRef>
+      <a:effectRef idx="0">
+        <a:scrgbClr r="0" g="0" b="0"/>
+      </a:effectRef>
+      <a:fontRef idx="minor"/>
+    </dgm:style>
+  </dgm:styleLbl>
+  <dgm:styleLbl name="solidBgAcc1">
+    <dgm:scene3d>
+      <a:camera prst="orthographicFront"/>
+      <a:lightRig rig="threePt" dir="t"/>
+    </dgm:scene3d>
+    <dgm:sp3d/>
+    <dgm:txPr/>
+    <dgm:style>
+      <a:lnRef idx="2">
+        <a:scrgbClr r="0" g="0" b="0"/>
+      </a:lnRef>
+      <a:fillRef idx="1">
+        <a:scrgbClr r="0" g="0" b="0"/>
+      </a:fillRef>
+      <a:effectRef idx="0">
+        <a:scrgbClr r="0" g="0" b="0"/>
+      </a:effectRef>
+      <a:fontRef idx="minor"/>
+    </dgm:style>
+  </dgm:styleLbl>
+  <dgm:styleLbl name="fgAccFollowNode1">
+    <dgm:scene3d>
+      <a:camera prst="orthographicFront"/>
+      <a:lightRig rig="threePt" dir="t"/>
+    </dgm:scene3d>
+    <dgm:sp3d/>
+    <dgm:txPr/>
+    <dgm:style>
+      <a:lnRef idx="2">
+        <a:scrgbClr r="0" g="0" b="0"/>
+      </a:lnRef>
+      <a:fillRef idx="1">
+        <a:scrgbClr r="0" g="0" b="0"/>
+      </a:fillRef>
+      <a:effectRef idx="0">
+        <a:scrgbClr r="0" g="0" b="0"/>
+      </a:effectRef>
+      <a:fontRef idx="minor"/>
+    </dgm:style>
+  </dgm:styleLbl>
+  <dgm:styleLbl name="alignAccFollowNode1">
+    <dgm:scene3d>
+      <a:camera prst="orthographicFront"/>
+      <a:lightRig rig="threePt" dir="t"/>
+    </dgm:scene3d>
+    <dgm:sp3d/>
+    <dgm:txPr/>
+    <dgm:style>
+      <a:lnRef idx="2">
+        <a:scrgbClr r="0" g="0" b="0"/>
+      </a:lnRef>
+      <a:fillRef idx="1">
+        <a:scrgbClr r="0" g="0" b="0"/>
+      </a:fillRef>
+      <a:effectRef idx="0">
+        <a:scrgbClr r="0" g="0" b="0"/>
+      </a:effectRef>
+      <a:fontRef idx="minor"/>
+    </dgm:style>
+  </dgm:styleLbl>
+  <dgm:styleLbl name="bgAccFollowNode1">
+    <dgm:scene3d>
+      <a:camera prst="orthographicFront"/>
+      <a:lightRig rig="threePt" dir="t"/>
+    </dgm:scene3d>
+    <dgm:sp3d/>
+    <dgm:txPr/>
+    <dgm:style>
+      <a:lnRef idx="2">
+        <a:scrgbClr r="0" g="0" b="0"/>
+      </a:lnRef>
+      <a:fillRef idx="1">
+        <a:scrgbClr r="0" g="0" b="0"/>
+      </a:fillRef>
+      <a:effectRef idx="0">
+        <a:scrgbClr r="0" g="0" b="0"/>
+      </a:effectRef>
+      <a:fontRef idx="minor"/>
+    </dgm:style>
+  </dgm:styleLbl>
+  <dgm:styleLbl name="fgAcc0">
+    <dgm:scene3d>
+      <a:camera prst="orthographicFront"/>
+      <a:lightRig rig="threePt" dir="t"/>
+    </dgm:scene3d>
+    <dgm:sp3d/>
+    <dgm:txPr/>
+    <dgm:style>
+      <a:lnRef idx="2">
+        <a:scrgbClr r="0" g="0" b="0"/>
+      </a:lnRef>
+      <a:fillRef idx="1">
+        <a:scrgbClr r="0" g="0" b="0"/>
+      </a:fillRef>
+      <a:effectRef idx="0">
+        <a:scrgbClr r="0" g="0" b="0"/>
+      </a:effectRef>
+      <a:fontRef idx="minor"/>
+    </dgm:style>
+  </dgm:styleLbl>
+  <dgm:styleLbl name="fgAcc2">
+    <dgm:scene3d>
+      <a:camera prst="orthographicFront"/>
+      <a:lightRig rig="threePt" dir="t"/>
+    </dgm:scene3d>
+    <dgm:sp3d/>
+    <dgm:txPr/>
+    <dgm:style>
+      <a:lnRef idx="2">
+        <a:scrgbClr r="0" g="0" b="0"/>
+      </a:lnRef>
+      <a:fillRef idx="1">
+        <a:scrgbClr r="0" g="0" b="0"/>
+      </a:fillRef>
+      <a:effectRef idx="0">
+        <a:scrgbClr r="0" g="0" b="0"/>
+      </a:effectRef>
+      <a:fontRef idx="minor"/>
+    </dgm:style>
+  </dgm:styleLbl>
+  <dgm:styleLbl name="fgAcc3">
+    <dgm:scene3d>
+      <a:camera prst="orthographicFront"/>
+      <a:lightRig rig="threePt" dir="t"/>
+    </dgm:scene3d>
+    <dgm:sp3d/>
+    <dgm:txPr/>
+    <dgm:style>
+      <a:lnRef idx="2">
+        <a:scrgbClr r="0" g="0" b="0"/>
+      </a:lnRef>
+      <a:fillRef idx="1">
+        <a:scrgbClr r="0" g="0" b="0"/>
+      </a:fillRef>
+      <a:effectRef idx="0">
+        <a:scrgbClr r="0" g="0" b="0"/>
+      </a:effectRef>
+      <a:fontRef idx="minor"/>
+    </dgm:style>
+  </dgm:styleLbl>
+  <dgm:styleLbl name="fgAcc4">
+    <dgm:scene3d>
+      <a:camera prst="orthographicFront"/>
+      <a:lightRig rig="threePt" dir="t"/>
+    </dgm:scene3d>
+    <dgm:sp3d/>
+    <dgm:txPr/>
+    <dgm:style>
+      <a:lnRef idx="2">
+        <a:scrgbClr r="0" g="0" b="0"/>
+      </a:lnRef>
+      <a:fillRef idx="1">
+        <a:scrgbClr r="0" g="0" b="0"/>
+      </a:fillRef>
+      <a:effectRef idx="0">
+        <a:scrgbClr r="0" g="0" b="0"/>
+      </a:effectRef>
+      <a:fontRef idx="minor"/>
+    </dgm:style>
+  </dgm:styleLbl>
+  <dgm:styleLbl name="bgShp">
+    <dgm:scene3d>
+      <a:camera prst="orthographicFront"/>
+      <a:lightRig rig="threePt" dir="t"/>
+    </dgm:scene3d>
+    <dgm:sp3d/>
+    <dgm:txPr/>
+    <dgm:style>
+      <a:lnRef idx="0">
+        <a:scrgbClr r="0" g="0" b="0"/>
+      </a:lnRef>
+      <a:fillRef idx="1">
+        <a:scrgbClr r="0" g="0" b="0"/>
+      </a:fillRef>
+      <a:effectRef idx="0">
+        <a:scrgbClr r="0" g="0" b="0"/>
+      </a:effectRef>
+      <a:fontRef idx="minor"/>
+    </dgm:style>
+  </dgm:styleLbl>
+  <dgm:styleLbl name="dkBgShp">
+    <dgm:scene3d>
+      <a:camera prst="orthographicFront"/>
+      <a:lightRig rig="threePt" dir="t"/>
+    </dgm:scene3d>
+    <dgm:sp3d/>
+    <dgm:txPr/>
+    <dgm:style>
+      <a:lnRef idx="0">
+        <a:scrgbClr r="0" g="0" b="0"/>
+      </a:lnRef>
+      <a:fillRef idx="1">
+        <a:scrgbClr r="0" g="0" b="0"/>
+      </a:fillRef>
+      <a:effectRef idx="0">
+        <a:scrgbClr r="0" g="0" b="0"/>
+      </a:effectRef>
+      <a:fontRef idx="minor"/>
+    </dgm:style>
+  </dgm:styleLbl>
+  <dgm:styleLbl name="trBgShp">
+    <dgm:scene3d>
+      <a:camera prst="orthographicFront"/>
+      <a:lightRig rig="threePt" dir="t"/>
+    </dgm:scene3d>
+    <dgm:sp3d/>
+    <dgm:txPr/>
+    <dgm:style>
+      <a:lnRef idx="0">
+        <a:scrgbClr r="0" g="0" b="0"/>
+      </a:lnRef>
+      <a:fillRef idx="1">
+        <a:scrgbClr r="0" g="0" b="0"/>
+      </a:fillRef>
+      <a:effectRef idx="0">
+        <a:scrgbClr r="0" g="0" b="0"/>
+      </a:effectRef>
+      <a:fontRef idx="minor"/>
+    </dgm:style>
+  </dgm:styleLbl>
+  <dgm:styleLbl name="fgShp">
+    <dgm:scene3d>
+      <a:camera prst="orthographicFront"/>
+      <a:lightRig rig="threePt" dir="t"/>
+    </dgm:scene3d>
+    <dgm:sp3d/>
+    <dgm:txPr/>
+    <dgm:style>
+      <a:lnRef idx="2">
+        <a:scrgbClr r="0" g="0" b="0"/>
+      </a:lnRef>
+      <a:fillRef idx="1">
+        <a:scrgbClr r="0" g="0" b="0"/>
+      </a:fillRef>
+      <a:effectRef idx="0">
+        <a:scrgbClr r="0" g="0" b="0"/>
+      </a:effectRef>
+      <a:fontRef idx="minor"/>
+    </dgm:style>
+  </dgm:styleLbl>
+  <dgm:styleLbl name="revTx">
+    <dgm:scene3d>
+      <a:camera prst="orthographicFront"/>
+      <a:lightRig rig="threePt" dir="t"/>
+    </dgm:scene3d>
+    <dgm:sp3d/>
+    <dgm:txPr/>
+    <dgm:style>
+      <a:lnRef idx="0">
+        <a:scrgbClr r="0" g="0" b="0"/>
+      </a:lnRef>
+      <a:fillRef idx="0">
+        <a:scrgbClr r="0" g="0" b="0"/>
+      </a:fillRef>
+      <a:effectRef idx="0">
+        <a:scrgbClr r="0" g="0" b="0"/>
+      </a:effectRef>
+      <a:fontRef idx="minor"/>
+    </dgm:style>
+  </dgm:styleLbl>
+</dgm:styleDef>
+</file>
+
+<file path=ppt/notesMasters/notesMaster1.xml><?xml version="1.0" encoding="utf-8"?>
+<p:notesMaster xmlns:a="http://schemas.openxmlformats.org/drawingml/2006/main" xmlns:r="http://schemas.openxmlformats.org/officeDocument/2006/relationships" xmlns:p="http://schemas.openxmlformats.org/presentationml/2006/main">
+  <p:cSld>
+    <p:bg>
+      <p:bgRef idx="1001">
+        <a:schemeClr val="bg1"/>
+      </p:bgRef>
+    </p:bg>
+    <p:spTree>
+      <p:nvGrpSpPr>
+        <p:cNvPr id="1" name=""/>
+        <p:cNvGrpSpPr/>
+        <p:nvPr/>
+      </p:nvGrpSpPr>
+      <p:grpSpPr>
+        <a:xfrm>
+          <a:off x="0" y="0"/>
+          <a:ext cx="0" cy="0"/>
+          <a:chOff x="0" y="0"/>
+          <a:chExt cx="0" cy="0"/>
+        </a:xfrm>
+      </p:grpSpPr>
+      <p:sp>
+        <p:nvSpPr>
+          <p:cNvPr id="2" name="Верхний колонтитул 1"/>
+          <p:cNvSpPr>
+            <a:spLocks noGrp="1"/>
+          </p:cNvSpPr>
+          <p:nvPr>
+            <p:ph type="hdr" sz="quarter"/>
+          </p:nvPr>
+        </p:nvSpPr>
+        <p:spPr>
+          <a:xfrm>
+            <a:off x="0" y="0"/>
+            <a:ext cx="2971800" cy="458788"/>
+          </a:xfrm>
+          <a:prstGeom prst="rect">
+            <a:avLst/>
+          </a:prstGeom>
+        </p:spPr>
+        <p:txBody>
+          <a:bodyPr vert="horz" lIns="91440" tIns="45720" rIns="91440" bIns="45720" rtlCol="0"/>
+          <a:lstStyle>
+            <a:lvl1pPr algn="l">
+              <a:defRPr sz="1200"/>
+            </a:lvl1pPr>
+          </a:lstStyle>
+          <a:p>
+            <a:endParaRPr lang="ru-RU"/>
+          </a:p>
+        </p:txBody>
+      </p:sp>
+      <p:sp>
+        <p:nvSpPr>
+          <p:cNvPr id="3" name="Дата 2"/>
+          <p:cNvSpPr>
+            <a:spLocks noGrp="1"/>
+          </p:cNvSpPr>
+          <p:nvPr>
+            <p:ph type="dt" idx="1"/>
+          </p:nvPr>
+        </p:nvSpPr>
+        <p:spPr>
+          <a:xfrm>
+            <a:off x="3884613" y="0"/>
+            <a:ext cx="2971800" cy="458788"/>
+          </a:xfrm>
+          <a:prstGeom prst="rect">
+            <a:avLst/>
+          </a:prstGeom>
+        </p:spPr>
+        <p:txBody>
+          <a:bodyPr vert="horz" lIns="91440" tIns="45720" rIns="91440" bIns="45720" rtlCol="0"/>
+          <a:lstStyle>
+            <a:lvl1pPr algn="r">
+              <a:defRPr sz="1200"/>
+            </a:lvl1pPr>
+          </a:lstStyle>
+          <a:p>
+            <a:fld id="{D7D411B8-925D-4A43-88D4-1AB25980BAD3}" type="datetimeFigureOut">
+              <a:rPr lang="ru-RU" smtClean="0"/>
+              <a:t>21.12.2022</a:t>
+            </a:fld>
+            <a:endParaRPr lang="ru-RU"/>
+          </a:p>
+        </p:txBody>
+      </p:sp>
+      <p:sp>
+        <p:nvSpPr>
+          <p:cNvPr id="4" name="Образ слайда 3"/>
+          <p:cNvSpPr>
+            <a:spLocks noGrp="1" noRot="1" noChangeAspect="1"/>
+          </p:cNvSpPr>
+          <p:nvPr>
+            <p:ph type="sldImg" idx="2"/>
+          </p:nvPr>
+        </p:nvSpPr>
+        <p:spPr>
+          <a:xfrm>
+            <a:off x="685800" y="1143000"/>
+            <a:ext cx="5486400" cy="3086100"/>
+          </a:xfrm>
+          <a:prstGeom prst="rect">
+            <a:avLst/>
+          </a:prstGeom>
+          <a:noFill/>
+          <a:ln w="12700">
+            <a:solidFill>
+              <a:prstClr val="black"/>
+            </a:solidFill>
+          </a:ln>
+        </p:spPr>
+        <p:txBody>
+          <a:bodyPr vert="horz" lIns="91440" tIns="45720" rIns="91440" bIns="45720" rtlCol="0" anchor="ctr"/>
+          <a:lstStyle/>
+          <a:p>
+            <a:endParaRPr lang="ru-RU"/>
+          </a:p>
+        </p:txBody>
+      </p:sp>
+      <p:sp>
+        <p:nvSpPr>
+          <p:cNvPr id="5" name="Заметки 4"/>
+          <p:cNvSpPr>
+            <a:spLocks noGrp="1"/>
+          </p:cNvSpPr>
+          <p:nvPr>
+            <p:ph type="body" sz="quarter" idx="3"/>
+          </p:nvPr>
+        </p:nvSpPr>
+        <p:spPr>
+          <a:xfrm>
+            <a:off x="685800" y="4400550"/>
+            <a:ext cx="5486400" cy="3600450"/>
+          </a:xfrm>
+          <a:prstGeom prst="rect">
+            <a:avLst/>
+          </a:prstGeom>
+        </p:spPr>
+        <p:txBody>
+          <a:bodyPr vert="horz" lIns="91440" tIns="45720" rIns="91440" bIns="45720" rtlCol="0"/>
+          <a:lstStyle/>
+          <a:p>
+            <a:pPr lvl="0"/>
+            <a:r>
+              <a:rPr lang="ru-RU"/>
+              <a:t>Образец текста</a:t>
+            </a:r>
+          </a:p>
+          <a:p>
+            <a:pPr lvl="1"/>
+            <a:r>
+              <a:rPr lang="ru-RU"/>
+              <a:t>Второй уровень</a:t>
+            </a:r>
+          </a:p>
+          <a:p>
+            <a:pPr lvl="2"/>
+            <a:r>
+              <a:rPr lang="ru-RU"/>
+              <a:t>Третий уровень</a:t>
+            </a:r>
+          </a:p>
+          <a:p>
+            <a:pPr lvl="3"/>
+            <a:r>
+              <a:rPr lang="ru-RU"/>
+              <a:t>Четвертый уровень</a:t>
+            </a:r>
+          </a:p>
+          <a:p>
+            <a:pPr lvl="4"/>
+            <a:r>
+              <a:rPr lang="ru-RU"/>
+              <a:t>Пятый уровень</a:t>
+            </a:r>
+          </a:p>
+        </p:txBody>
+      </p:sp>
+      <p:sp>
+        <p:nvSpPr>
+          <p:cNvPr id="6" name="Нижний колонтитул 5"/>
+          <p:cNvSpPr>
+            <a:spLocks noGrp="1"/>
+          </p:cNvSpPr>
+          <p:nvPr>
+            <p:ph type="ftr" sz="quarter" idx="4"/>
+          </p:nvPr>
+        </p:nvSpPr>
+        <p:spPr>
+          <a:xfrm>
+            <a:off x="0" y="8685213"/>
+            <a:ext cx="2971800" cy="458787"/>
+          </a:xfrm>
+          <a:prstGeom prst="rect">
+            <a:avLst/>
+          </a:prstGeom>
+        </p:spPr>
+        <p:txBody>
+          <a:bodyPr vert="horz" lIns="91440" tIns="45720" rIns="91440" bIns="45720" rtlCol="0" anchor="b"/>
+          <a:lstStyle>
+            <a:lvl1pPr algn="l">
+              <a:defRPr sz="1200"/>
+            </a:lvl1pPr>
+          </a:lstStyle>
+          <a:p>
+            <a:endParaRPr lang="ru-RU"/>
+          </a:p>
+        </p:txBody>
+      </p:sp>
+      <p:sp>
+        <p:nvSpPr>
+          <p:cNvPr id="7" name="Номер слайда 6"/>
+          <p:cNvSpPr>
+            <a:spLocks noGrp="1"/>
+          </p:cNvSpPr>
+          <p:nvPr>
+            <p:ph type="sldNum" sz="quarter" idx="5"/>
+          </p:nvPr>
+        </p:nvSpPr>
+        <p:spPr>
+          <a:xfrm>
+            <a:off x="3884613" y="8685213"/>
+            <a:ext cx="2971800" cy="458787"/>
+          </a:xfrm>
+          <a:prstGeom prst="rect">
+            <a:avLst/>
+          </a:prstGeom>
+        </p:spPr>
+        <p:txBody>
+          <a:bodyPr vert="horz" lIns="91440" tIns="45720" rIns="91440" bIns="45720" rtlCol="0" anchor="b"/>
+          <a:lstStyle>
+            <a:lvl1pPr algn="r">
+              <a:defRPr sz="1200"/>
+            </a:lvl1pPr>
+          </a:lstStyle>
+          <a:p>
+            <a:fld id="{23EBC69B-5345-44D2-B112-E91DC9CF7945}" type="slidenum">
+              <a:rPr lang="ru-RU" smtClean="0"/>
+              <a:t>‹#›</a:t>
+            </a:fld>
+            <a:endParaRPr lang="ru-RU"/>
+          </a:p>
+        </p:txBody>
+      </p:sp>
+    </p:spTree>
+    <p:extLst>
+      <p:ext uri="{BB962C8B-B14F-4D97-AF65-F5344CB8AC3E}">
+        <p14:creationId xmlns:p14="http://schemas.microsoft.com/office/powerpoint/2010/main" val="3560782923"/>
+      </p:ext>
+    </p:extLst>
+  </p:cSld>
+  <p:clrMap bg1="lt1" tx1="dk1" bg2="lt2" tx2="dk2" accent1="accent1" accent2="accent2" accent3="accent3" accent4="accent4" accent5="accent5" accent6="accent6" hlink="hlink" folHlink="folHlink"/>
+  <p:notesStyle>
+    <a:lvl1pPr marL="0" algn="l" defTabSz="914400" rtl="0" eaLnBrk="1" latinLnBrk="0" hangingPunct="1">
+      <a:defRPr sz="1200" kern="1200">
+        <a:solidFill>
+          <a:schemeClr val="tx1"/>
+        </a:solidFill>
+        <a:latin typeface="+mn-lt"/>
+        <a:ea typeface="+mn-ea"/>
+        <a:cs typeface="+mn-cs"/>
+      </a:defRPr>
+    </a:lvl1pPr>
+    <a:lvl2pPr marL="457200" algn="l" defTabSz="914400" rtl="0" eaLnBrk="1" latinLnBrk="0" hangingPunct="1">
+      <a:defRPr sz="1200" kern="1200">
+        <a:solidFill>
+          <a:schemeClr val="tx1"/>
+        </a:solidFill>
+        <a:latin typeface="+mn-lt"/>
+        <a:ea typeface="+mn-ea"/>
+        <a:cs typeface="+mn-cs"/>
+      </a:defRPr>
+    </a:lvl2pPr>
+    <a:lvl3pPr marL="914400" algn="l" defTabSz="914400" rtl="0" eaLnBrk="1" latinLnBrk="0" hangingPunct="1">
+      <a:defRPr sz="1200" kern="1200">
+        <a:solidFill>
+          <a:schemeClr val="tx1"/>
+        </a:solidFill>
+        <a:latin typeface="+mn-lt"/>
+        <a:ea typeface="+mn-ea"/>
+        <a:cs typeface="+mn-cs"/>
+      </a:defRPr>
+    </a:lvl3pPr>
+    <a:lvl4pPr marL="1371600" algn="l" defTabSz="914400" rtl="0" eaLnBrk="1" latinLnBrk="0" hangingPunct="1">
+      <a:defRPr sz="1200" kern="1200">
+        <a:solidFill>
+          <a:schemeClr val="tx1"/>
+        </a:solidFill>
+        <a:latin typeface="+mn-lt"/>
+        <a:ea typeface="+mn-ea"/>
+        <a:cs typeface="+mn-cs"/>
+      </a:defRPr>
+    </a:lvl4pPr>
+    <a:lvl5pPr marL="1828800" algn="l" defTabSz="914400" rtl="0" eaLnBrk="1" latinLnBrk="0" hangingPunct="1">
+      <a:defRPr sz="1200" kern="1200">
+        <a:solidFill>
+          <a:schemeClr val="tx1"/>
+        </a:solidFill>
+        <a:latin typeface="+mn-lt"/>
+        <a:ea typeface="+mn-ea"/>
+        <a:cs typeface="+mn-cs"/>
+      </a:defRPr>
+    </a:lvl5pPr>
+    <a:lvl6pPr marL="2286000" algn="l" defTabSz="914400" rtl="0" eaLnBrk="1" latinLnBrk="0" hangingPunct="1">
+      <a:defRPr sz="1200" kern="1200">
+        <a:solidFill>
+          <a:schemeClr val="tx1"/>
+        </a:solidFill>
+        <a:latin typeface="+mn-lt"/>
+        <a:ea typeface="+mn-ea"/>
+        <a:cs typeface="+mn-cs"/>
+      </a:defRPr>
+    </a:lvl6pPr>
+    <a:lvl7pPr marL="2743200" algn="l" defTabSz="914400" rtl="0" eaLnBrk="1" latinLnBrk="0" hangingPunct="1">
+      <a:defRPr sz="1200" kern="1200">
+        <a:solidFill>
+          <a:schemeClr val="tx1"/>
+        </a:solidFill>
+        <a:latin typeface="+mn-lt"/>
+        <a:ea typeface="+mn-ea"/>
+        <a:cs typeface="+mn-cs"/>
+      </a:defRPr>
+    </a:lvl7pPr>
+    <a:lvl8pPr marL="3200400" algn="l" defTabSz="914400" rtl="0" eaLnBrk="1" latinLnBrk="0" hangingPunct="1">
+      <a:defRPr sz="1200" kern="1200">
+        <a:solidFill>
+          <a:schemeClr val="tx1"/>
+        </a:solidFill>
+        <a:latin typeface="+mn-lt"/>
+        <a:ea typeface="+mn-ea"/>
+        <a:cs typeface="+mn-cs"/>
+      </a:defRPr>
+    </a:lvl8pPr>
+    <a:lvl9pPr marL="3657600" algn="l" defTabSz="914400" rtl="0" eaLnBrk="1" latinLnBrk="0" hangingPunct="1">
+      <a:defRPr sz="1200" kern="1200">
+        <a:solidFill>
+          <a:schemeClr val="tx1"/>
+        </a:solidFill>
+        <a:latin typeface="+mn-lt"/>
+        <a:ea typeface="+mn-ea"/>
+        <a:cs typeface="+mn-cs"/>
+      </a:defRPr>
+    </a:lvl9pPr>
+  </p:notesStyle>
+</p:notesMaster>
+</file>
+
+<file path=ppt/notesSlides/notesSlide1.xml><?xml version="1.0" encoding="utf-8"?>
+<p:notes xmlns:a="http://schemas.openxmlformats.org/drawingml/2006/main" xmlns:r="http://schemas.openxmlformats.org/officeDocument/2006/relationships" xmlns:p="http://schemas.openxmlformats.org/presentationml/2006/main">
+  <p:cSld>
+    <p:spTree>
+      <p:nvGrpSpPr>
+        <p:cNvPr id="1" name=""/>
+        <p:cNvGrpSpPr/>
+        <p:nvPr/>
+      </p:nvGrpSpPr>
+      <p:grpSpPr>
+        <a:xfrm>
+          <a:off x="0" y="0"/>
+          <a:ext cx="0" cy="0"/>
+          <a:chOff x="0" y="0"/>
+          <a:chExt cx="0" cy="0"/>
+        </a:xfrm>
+      </p:grpSpPr>
+      <p:sp>
+        <p:nvSpPr>
+          <p:cNvPr id="2" name="Образ слайда 1"/>
+          <p:cNvSpPr>
+            <a:spLocks noGrp="1" noRot="1" noChangeAspect="1"/>
+          </p:cNvSpPr>
+          <p:nvPr>
+            <p:ph type="sldImg"/>
+          </p:nvPr>
+        </p:nvSpPr>
+        <p:spPr/>
+      </p:sp>
+      <p:sp>
+        <p:nvSpPr>
+          <p:cNvPr id="3" name="Заметки 2"/>
+          <p:cNvSpPr>
+            <a:spLocks noGrp="1"/>
+          </p:cNvSpPr>
+          <p:nvPr>
+            <p:ph type="body" idx="1"/>
+          </p:nvPr>
+        </p:nvSpPr>
+        <p:spPr/>
+        <p:txBody>
+          <a:bodyPr/>
+          <a:lstStyle/>
+          <a:p>
+            <a:endParaRPr lang="ru-RU" dirty="0"/>
+          </a:p>
+        </p:txBody>
+      </p:sp>
+      <p:sp>
+        <p:nvSpPr>
+          <p:cNvPr id="4" name="Номер слайда 3"/>
+          <p:cNvSpPr>
+            <a:spLocks noGrp="1"/>
+          </p:cNvSpPr>
+          <p:nvPr>
+            <p:ph type="sldNum" sz="quarter" idx="5"/>
+          </p:nvPr>
+        </p:nvSpPr>
+        <p:spPr/>
+        <p:txBody>
+          <a:bodyPr/>
+          <a:lstStyle/>
+          <a:p>
+            <a:fld id="{23EBC69B-5345-44D2-B112-E91DC9CF7945}" type="slidenum">
+              <a:rPr lang="ru-RU" smtClean="0"/>
+              <a:t>1</a:t>
+            </a:fld>
+            <a:endParaRPr lang="ru-RU"/>
+          </a:p>
+        </p:txBody>
+      </p:sp>
+    </p:spTree>
+    <p:extLst>
+      <p:ext uri="{BB962C8B-B14F-4D97-AF65-F5344CB8AC3E}">
+        <p14:creationId xmlns:p14="http://schemas.microsoft.com/office/powerpoint/2010/main" val="1935088520"/>
+      </p:ext>
+    </p:extLst>
+  </p:cSld>
+  <p:clrMapOvr>
+    <a:masterClrMapping/>
+  </p:clrMapOvr>
+</p:notes>
 </file>
 
 <file path=ppt/slideLayouts/slideLayout1.xml><?xml version="1.0" encoding="utf-8"?>
@@ -275,7 +3748,7 @@
           <a:p>
             <a:fld id="{70FC7955-C5F2-4C3A-BBD7-9F6FA9C85E71}" type="datetimeFigureOut">
               <a:rPr lang="ru-RU" smtClean="0"/>
-              <a:t>19.12.2022</a:t>
+              <a:t>21.12.2022</a:t>
             </a:fld>
             <a:endParaRPr lang="ru-RU"/>
           </a:p>
@@ -473,7 +3946,7 @@
           <a:p>
             <a:fld id="{70FC7955-C5F2-4C3A-BBD7-9F6FA9C85E71}" type="datetimeFigureOut">
               <a:rPr lang="ru-RU" smtClean="0"/>
-              <a:t>19.12.2022</a:t>
+              <a:t>21.12.2022</a:t>
             </a:fld>
             <a:endParaRPr lang="ru-RU"/>
           </a:p>
@@ -681,7 +4154,7 @@
           <a:p>
             <a:fld id="{70FC7955-C5F2-4C3A-BBD7-9F6FA9C85E71}" type="datetimeFigureOut">
               <a:rPr lang="ru-RU" smtClean="0"/>
-              <a:t>19.12.2022</a:t>
+              <a:t>21.12.2022</a:t>
             </a:fld>
             <a:endParaRPr lang="ru-RU"/>
           </a:p>
@@ -879,7 +4352,7 @@
           <a:p>
             <a:fld id="{70FC7955-C5F2-4C3A-BBD7-9F6FA9C85E71}" type="datetimeFigureOut">
               <a:rPr lang="ru-RU" smtClean="0"/>
-              <a:t>19.12.2022</a:t>
+              <a:t>21.12.2022</a:t>
             </a:fld>
             <a:endParaRPr lang="ru-RU"/>
           </a:p>
@@ -1154,7 +4627,7 @@
           <a:p>
             <a:fld id="{70FC7955-C5F2-4C3A-BBD7-9F6FA9C85E71}" type="datetimeFigureOut">
               <a:rPr lang="ru-RU" smtClean="0"/>
-              <a:t>19.12.2022</a:t>
+              <a:t>21.12.2022</a:t>
             </a:fld>
             <a:endParaRPr lang="ru-RU"/>
           </a:p>
@@ -1419,7 +4892,7 @@
           <a:p>
             <a:fld id="{70FC7955-C5F2-4C3A-BBD7-9F6FA9C85E71}" type="datetimeFigureOut">
               <a:rPr lang="ru-RU" smtClean="0"/>
-              <a:t>19.12.2022</a:t>
+              <a:t>21.12.2022</a:t>
             </a:fld>
             <a:endParaRPr lang="ru-RU"/>
           </a:p>
@@ -1831,7 +5304,7 @@
           <a:p>
             <a:fld id="{70FC7955-C5F2-4C3A-BBD7-9F6FA9C85E71}" type="datetimeFigureOut">
               <a:rPr lang="ru-RU" smtClean="0"/>
-              <a:t>19.12.2022</a:t>
+              <a:t>21.12.2022</a:t>
             </a:fld>
             <a:endParaRPr lang="ru-RU"/>
           </a:p>
@@ -1972,7 +5445,7 @@
           <a:p>
             <a:fld id="{70FC7955-C5F2-4C3A-BBD7-9F6FA9C85E71}" type="datetimeFigureOut">
               <a:rPr lang="ru-RU" smtClean="0"/>
-              <a:t>19.12.2022</a:t>
+              <a:t>21.12.2022</a:t>
             </a:fld>
             <a:endParaRPr lang="ru-RU"/>
           </a:p>
@@ -2085,7 +5558,7 @@
           <a:p>
             <a:fld id="{70FC7955-C5F2-4C3A-BBD7-9F6FA9C85E71}" type="datetimeFigureOut">
               <a:rPr lang="ru-RU" smtClean="0"/>
-              <a:t>19.12.2022</a:t>
+              <a:t>21.12.2022</a:t>
             </a:fld>
             <a:endParaRPr lang="ru-RU"/>
           </a:p>
@@ -2396,7 +5869,7 @@
           <a:p>
             <a:fld id="{70FC7955-C5F2-4C3A-BBD7-9F6FA9C85E71}" type="datetimeFigureOut">
               <a:rPr lang="ru-RU" smtClean="0"/>
-              <a:t>19.12.2022</a:t>
+              <a:t>21.12.2022</a:t>
             </a:fld>
             <a:endParaRPr lang="ru-RU"/>
           </a:p>
@@ -2684,7 +6157,7 @@
           <a:p>
             <a:fld id="{70FC7955-C5F2-4C3A-BBD7-9F6FA9C85E71}" type="datetimeFigureOut">
               <a:rPr lang="ru-RU" smtClean="0"/>
-              <a:t>19.12.2022</a:t>
+              <a:t>21.12.2022</a:t>
             </a:fld>
             <a:endParaRPr lang="ru-RU"/>
           </a:p>
@@ -2761,9 +6234,12 @@
 <p:sldMaster xmlns:a="http://schemas.openxmlformats.org/drawingml/2006/main" xmlns:r="http://schemas.openxmlformats.org/officeDocument/2006/relationships" xmlns:p="http://schemas.openxmlformats.org/presentationml/2006/main">
   <p:cSld>
     <p:bg>
-      <p:bgRef idx="1001">
-        <a:schemeClr val="bg1"/>
-      </p:bgRef>
+      <p:bgPr>
+        <a:solidFill>
+          <a:schemeClr val="bg1"/>
+        </a:solidFill>
+        <a:effectLst/>
+      </p:bgPr>
     </p:bg>
     <p:spTree>
       <p:nvGrpSpPr>
@@ -2925,7 +6401,7 @@
           <a:p>
             <a:fld id="{70FC7955-C5F2-4C3A-BBD7-9F6FA9C85E71}" type="datetimeFigureOut">
               <a:rPr lang="ru-RU" smtClean="0"/>
-              <a:t>19.12.2022</a:t>
+              <a:t>21.12.2022</a:t>
             </a:fld>
             <a:endParaRPr lang="ru-RU"/>
           </a:p>
@@ -3366,14 +6842,23 @@
         </p:spPr>
         <p:txBody>
           <a:bodyPr>
-            <a:normAutofit/>
+            <a:normAutofit fontScale="90000"/>
           </a:bodyPr>
           <a:lstStyle/>
           <a:p>
             <a:r>
-              <a:rPr lang="ru-RU" sz="3600" dirty="0"/>
+              <a:rPr lang="ru-RU" sz="3200" dirty="0"/>
               <a:t>Алгоритмы и структуры данных</a:t>
             </a:r>
+            <a:br>
+              <a:rPr lang="ru-RU" sz="3200" dirty="0"/>
+            </a:br>
+            <a:br>
+              <a:rPr lang="ru-RU" sz="3200" dirty="0"/>
+            </a:br>
+            <a:br>
+              <a:rPr lang="ru-RU" sz="3200" dirty="0"/>
+            </a:br>
             <a:br>
               <a:rPr lang="ru-RU" sz="4000" dirty="0"/>
             </a:br>
@@ -3410,12 +6895,14 @@
         </p:nvSpPr>
         <p:spPr>
           <a:xfrm>
-            <a:off x="2713608" y="4596337"/>
-            <a:ext cx="9144000" cy="1655762"/>
+            <a:off x="2713608" y="4323425"/>
+            <a:ext cx="9144000" cy="1928674"/>
           </a:xfrm>
         </p:spPr>
         <p:txBody>
-          <a:bodyPr/>
+          <a:bodyPr>
+            <a:normAutofit fontScale="70000" lnSpcReduction="20000"/>
+          </a:bodyPr>
           <a:lstStyle/>
           <a:p>
             <a:pPr algn="r"/>
@@ -3428,6 +6915,25 @@
             <a:pPr algn="r"/>
             <a:r>
               <a:rPr lang="ru-RU" dirty="0"/>
+              <a:t> 3 подгруппы</a:t>
+            </a:r>
+          </a:p>
+          <a:p>
+            <a:pPr algn="r"/>
+            <a:r>
+              <a:rPr lang="ru-RU" dirty="0"/>
+              <a:t>Направления</a:t>
+            </a:r>
+            <a:r>
+              <a:rPr lang="en-US" dirty="0"/>
+              <a:t>:</a:t>
+            </a:r>
+            <a:endParaRPr lang="ru-RU" dirty="0"/>
+          </a:p>
+          <a:p>
+            <a:pPr algn="r"/>
+            <a:r>
+              <a:rPr lang="ru-RU" dirty="0"/>
               <a:t>Прикладная информатика в компьютерном дизайне</a:t>
             </a:r>
           </a:p>
@@ -3443,7 +6949,14 @@
             </a:r>
             <a:r>
               <a:rPr lang="ru-RU" dirty="0"/>
-              <a:t> </a:t>
+              <a:t>М</a:t>
+            </a:r>
+          </a:p>
+          <a:p>
+            <a:pPr algn="r"/>
+            <a:r>
+              <a:rPr lang="ru-RU" dirty="0"/>
+              <a:t>2022 </a:t>
             </a:r>
           </a:p>
         </p:txBody>
@@ -3533,12 +7046,12 @@
         <p:spPr>
           <a:xfrm>
             <a:off x="5130800" y="4859867"/>
-            <a:ext cx="4207933" cy="1507066"/>
+            <a:ext cx="4714536" cy="1507066"/>
           </a:xfrm>
         </p:spPr>
         <p:txBody>
           <a:bodyPr>
-            <a:normAutofit fontScale="92500"/>
+            <a:normAutofit lnSpcReduction="10000"/>
           </a:bodyPr>
           <a:lstStyle/>
           <a:p>
@@ -3639,14 +7152,6 @@
 <file path=ppt/slides/slide11.xml><?xml version="1.0" encoding="utf-8"?>
 <p:sld xmlns:a="http://schemas.openxmlformats.org/drawingml/2006/main" xmlns:r="http://schemas.openxmlformats.org/officeDocument/2006/relationships" xmlns:p="http://schemas.openxmlformats.org/presentationml/2006/main">
   <p:cSld>
-    <p:bg>
-      <p:bgPr>
-        <a:solidFill>
-          <a:schemeClr val="bg1"/>
-        </a:solidFill>
-        <a:effectLst/>
-      </p:bgPr>
-    </p:bg>
     <p:spTree>
       <p:nvGrpSpPr>
         <p:cNvPr id="1" name=""/>
@@ -3750,8 +7255,8 @@
         </p:nvSpPr>
         <p:spPr>
           <a:xfrm>
-            <a:off x="643465" y="4339757"/>
-            <a:ext cx="6570133" cy="1323439"/>
+            <a:off x="599077" y="4269441"/>
+            <a:ext cx="7026842" cy="1015663"/>
           </a:xfrm>
           <a:prstGeom prst="rect">
             <a:avLst/>
@@ -3813,7 +7318,7 @@
         </p:nvSpPr>
         <p:spPr>
           <a:xfrm>
-            <a:off x="1202264" y="5663196"/>
+            <a:off x="1140120" y="5285104"/>
             <a:ext cx="7552269" cy="707886"/>
           </a:xfrm>
           <a:prstGeom prst="rect">
@@ -4080,8 +7585,8 @@
         </p:nvSpPr>
         <p:spPr>
           <a:xfrm>
-            <a:off x="5633078" y="4300007"/>
-            <a:ext cx="6263561" cy="2369880"/>
+            <a:off x="5633079" y="4300007"/>
+            <a:ext cx="6033988" cy="2062103"/>
           </a:xfrm>
           <a:prstGeom prst="rect">
             <a:avLst/>
@@ -4095,15 +7600,15 @@
           <a:lstStyle/>
           <a:p>
             <a:r>
-              <a:rPr lang="ru-RU" sz="2000" dirty="0"/>
+              <a:rPr lang="ru-RU" sz="2000" b="1" dirty="0"/>
               <a:t>Потенциал</a:t>
             </a:r>
             <a:r>
-              <a:rPr lang="en-US" sz="2000" dirty="0"/>
+              <a:rPr lang="en-US" sz="2000" b="1" dirty="0"/>
               <a:t>:= </a:t>
             </a:r>
             <a:r>
-              <a:rPr lang="ru-RU" sz="2000" dirty="0"/>
+              <a:rPr lang="ru-RU" sz="2000" b="1" dirty="0"/>
               <a:t>вершинная глубина</a:t>
             </a:r>
           </a:p>
@@ -4141,7 +7646,15 @@
             </a:pPr>
             <a:r>
               <a:rPr lang="ru-RU" dirty="0"/>
-              <a:t>При переходе на следующую итерацию потенциал не уменьшается</a:t>
+              <a:t>При переходе на следующую итерацию потенциал </a:t>
+            </a:r>
+            <a:r>
+              <a:rPr lang="en-US" dirty="0"/>
+              <a:t>       </a:t>
+            </a:r>
+            <a:r>
+              <a:rPr lang="ru-RU" dirty="0"/>
+              <a:t>не уменьшается</a:t>
             </a:r>
           </a:p>
           <a:p>
@@ -4171,12 +7684,10 @@
               <a:rPr lang="ru-RU" dirty="0"/>
               <a:t> шагов, на каждом потенциал уменьшается не более, чем на 1</a:t>
             </a:r>
-          </a:p>
-          <a:p>
-            <a:pPr marL="285750" indent="-285750">
-              <a:buFont typeface="Arial" panose="020B0604020202020204" pitchFamily="34" charset="0"/>
-              <a:buChar char="•"/>
-            </a:pPr>
+            <a:r>
+              <a:rPr lang="en-US" dirty="0"/>
+              <a:t> </a:t>
+            </a:r>
             <a:r>
               <a:rPr lang="ru-RU" dirty="0"/>
               <a:t>=</a:t>
@@ -4225,14 +7736,6 @@
 <file path=ppt/slides/slide13.xml><?xml version="1.0" encoding="utf-8"?>
 <p:sld xmlns:a="http://schemas.openxmlformats.org/drawingml/2006/main" xmlns:r="http://schemas.openxmlformats.org/officeDocument/2006/relationships" xmlns:p="http://schemas.openxmlformats.org/presentationml/2006/main">
   <p:cSld>
-    <p:bg>
-      <p:bgPr>
-        <a:solidFill>
-          <a:schemeClr val="bg1"/>
-        </a:solidFill>
-        <a:effectLst/>
-      </p:bgPr>
-    </p:bg>
     <p:spTree>
       <p:nvGrpSpPr>
         <p:cNvPr id="1" name=""/>
@@ -4337,14 +7840,6 @@
 <file path=ppt/slides/slide14.xml><?xml version="1.0" encoding="utf-8"?>
 <p:sld xmlns:a="http://schemas.openxmlformats.org/drawingml/2006/main" xmlns:r="http://schemas.openxmlformats.org/officeDocument/2006/relationships" xmlns:p="http://schemas.openxmlformats.org/presentationml/2006/main">
   <p:cSld>
-    <p:bg>
-      <p:bgPr>
-        <a:solidFill>
-          <a:schemeClr val="bg1"/>
-        </a:solidFill>
-        <a:effectLst/>
-      </p:bgPr>
-    </p:bg>
     <p:spTree>
       <p:nvGrpSpPr>
         <p:cNvPr id="1" name=""/>
@@ -4447,14 +7942,6 @@
 <file path=ppt/slides/slide15.xml><?xml version="1.0" encoding="utf-8"?>
 <p:sld xmlns:a="http://schemas.openxmlformats.org/drawingml/2006/main" xmlns:r="http://schemas.openxmlformats.org/officeDocument/2006/relationships" xmlns:p="http://schemas.openxmlformats.org/presentationml/2006/main">
   <p:cSld>
-    <p:bg>
-      <p:bgPr>
-        <a:solidFill>
-          <a:schemeClr val="bg1"/>
-        </a:solidFill>
-        <a:effectLst/>
-      </p:bgPr>
-    </p:bg>
     <p:spTree>
       <p:nvGrpSpPr>
         <p:cNvPr id="1" name=""/>
@@ -4557,14 +8044,6 @@
 <file path=ppt/slides/slide16.xml><?xml version="1.0" encoding="utf-8"?>
 <p:sld xmlns:a="http://schemas.openxmlformats.org/drawingml/2006/main" xmlns:r="http://schemas.openxmlformats.org/officeDocument/2006/relationships" xmlns:p="http://schemas.openxmlformats.org/presentationml/2006/main">
   <p:cSld>
-    <p:bg>
-      <p:bgPr>
-        <a:solidFill>
-          <a:schemeClr val="bg1"/>
-        </a:solidFill>
-        <a:effectLst/>
-      </p:bgPr>
-    </p:bg>
     <p:spTree>
       <p:nvGrpSpPr>
         <p:cNvPr id="1" name=""/>
@@ -4667,14 +8146,6 @@
 <file path=ppt/slides/slide17.xml><?xml version="1.0" encoding="utf-8"?>
 <p:sld xmlns:a="http://schemas.openxmlformats.org/drawingml/2006/main" xmlns:r="http://schemas.openxmlformats.org/officeDocument/2006/relationships" xmlns:p="http://schemas.openxmlformats.org/presentationml/2006/main">
   <p:cSld>
-    <p:bg>
-      <p:bgPr>
-        <a:solidFill>
-          <a:schemeClr val="bg1"/>
-        </a:solidFill>
-        <a:effectLst/>
-      </p:bgPr>
-    </p:bg>
     <p:spTree>
       <p:nvGrpSpPr>
         <p:cNvPr id="1" name=""/>
@@ -4777,14 +8248,6 @@
 <file path=ppt/slides/slide18.xml><?xml version="1.0" encoding="utf-8"?>
 <p:sld xmlns:a="http://schemas.openxmlformats.org/drawingml/2006/main" xmlns:r="http://schemas.openxmlformats.org/officeDocument/2006/relationships" xmlns:p="http://schemas.openxmlformats.org/presentationml/2006/main">
   <p:cSld>
-    <p:bg>
-      <p:bgPr>
-        <a:solidFill>
-          <a:schemeClr val="bg1"/>
-        </a:solidFill>
-        <a:effectLst/>
-      </p:bgPr>
-    </p:bg>
     <p:spTree>
       <p:nvGrpSpPr>
         <p:cNvPr id="1" name=""/>
@@ -4887,14 +8350,6 @@
 <file path=ppt/slides/slide19.xml><?xml version="1.0" encoding="utf-8"?>
 <p:sld xmlns:a="http://schemas.openxmlformats.org/drawingml/2006/main" xmlns:r="http://schemas.openxmlformats.org/officeDocument/2006/relationships" xmlns:p="http://schemas.openxmlformats.org/presentationml/2006/main">
   <p:cSld>
-    <p:bg>
-      <p:bgPr>
-        <a:solidFill>
-          <a:schemeClr val="bg1"/>
-        </a:solidFill>
-        <a:effectLst/>
-      </p:bgPr>
-    </p:bg>
     <p:spTree>
       <p:nvGrpSpPr>
         <p:cNvPr id="1" name=""/>
@@ -5038,130 +8493,37 @@
             </a:r>
             <a:r>
               <a:rPr lang="ru-RU" dirty="0"/>
-              <a:t>поиск шаблонов в тексте</a:t>
+              <a:t>поиск подстрок в строке</a:t>
             </a:r>
           </a:p>
         </p:txBody>
       </p:sp>
-      <p:sp>
-        <p:nvSpPr>
-          <p:cNvPr id="3" name="Объект 2">
-            <a:extLst>
-              <a:ext uri="{FF2B5EF4-FFF2-40B4-BE49-F238E27FC236}">
-                <a16:creationId xmlns:a16="http://schemas.microsoft.com/office/drawing/2014/main" id="{7CECD818-8377-C88C-7195-BA29FAE46208}"/>
-              </a:ext>
-            </a:extLst>
-          </p:cNvPr>
-          <p:cNvSpPr>
-            <a:spLocks noGrp="1"/>
-          </p:cNvSpPr>
+      <p:graphicFrame>
+        <p:nvGraphicFramePr>
+          <p:cNvPr id="5" name="Объект 2">
+            <a:extLst>
+              <a:ext uri="{FF2B5EF4-FFF2-40B4-BE49-F238E27FC236}">
+                <a16:creationId xmlns:a16="http://schemas.microsoft.com/office/drawing/2014/main" id="{F3E6998B-3003-2E24-E209-50A77B9023A6}"/>
+              </a:ext>
+            </a:extLst>
+          </p:cNvPr>
+          <p:cNvGraphicFramePr>
+            <a:graphicFrameLocks noGrp="1"/>
+          </p:cNvGraphicFramePr>
           <p:nvPr>
             <p:ph idx="1"/>
           </p:nvPr>
-        </p:nvSpPr>
-        <p:spPr/>
-        <p:txBody>
-          <a:bodyPr>
-            <a:normAutofit lnSpcReduction="10000"/>
-          </a:bodyPr>
-          <a:lstStyle/>
-          <a:p>
-            <a:r>
-              <a:rPr lang="ru-RU" dirty="0"/>
-              <a:t>Дан текст Т</a:t>
-            </a:r>
-          </a:p>
-          <a:p>
-            <a:r>
-              <a:rPr lang="ru-RU" dirty="0"/>
-              <a:t>    Можно его предобработать, </a:t>
-            </a:r>
-            <a:r>
-              <a:rPr lang="en-US" dirty="0"/>
-              <a:t>O(T</a:t>
-            </a:r>
-            <a:r>
-              <a:rPr lang="ru-RU" dirty="0"/>
-              <a:t>) на предобработку</a:t>
-            </a:r>
-          </a:p>
-          <a:p>
-            <a:r>
-              <a:rPr lang="ru-RU" dirty="0"/>
-              <a:t>Шаблоны </a:t>
-            </a:r>
-            <a:r>
-              <a:rPr lang="en-US" dirty="0"/>
-              <a:t>P</a:t>
-            </a:r>
-            <a:r>
-              <a:rPr lang="en-US" baseline="-25000" dirty="0"/>
-              <a:t>i  </a:t>
-            </a:r>
-            <a:r>
-              <a:rPr lang="ru-RU" dirty="0"/>
-              <a:t>приходят один за другим</a:t>
-            </a:r>
-          </a:p>
-          <a:p>
-            <a:r>
-              <a:rPr lang="ru-RU" dirty="0"/>
-              <a:t>    Хочется отвечать на запрос за О(</a:t>
-            </a:r>
-            <a:r>
-              <a:rPr lang="en-US" dirty="0"/>
-              <a:t>| P</a:t>
-            </a:r>
-            <a:r>
-              <a:rPr lang="en-US" baseline="-25000" dirty="0"/>
-              <a:t>i </a:t>
-            </a:r>
-            <a:r>
-              <a:rPr lang="en-US" dirty="0"/>
-              <a:t>|</a:t>
-            </a:r>
-            <a:r>
-              <a:rPr lang="ru-RU" dirty="0"/>
-              <a:t>)</a:t>
-            </a:r>
-          </a:p>
-          <a:p>
-            <a:endParaRPr lang="ru-RU" dirty="0"/>
-          </a:p>
-          <a:p>
-            <a:r>
-              <a:rPr lang="ru-RU" dirty="0"/>
-              <a:t>Как предобработать текст?</a:t>
-            </a:r>
-          </a:p>
-          <a:p>
-            <a:r>
-              <a:rPr lang="ru-RU" dirty="0"/>
-              <a:t>    Подстрока - это префикс суффикса</a:t>
-            </a:r>
-          </a:p>
-          <a:p>
-            <a:r>
-              <a:rPr lang="ru-RU" dirty="0"/>
-              <a:t>    Нужно выяснить</a:t>
-            </a:r>
-            <a:r>
-              <a:rPr lang="en-US" dirty="0"/>
-              <a:t>:</a:t>
-            </a:r>
-            <a:r>
-              <a:rPr lang="ru-RU" dirty="0"/>
-              <a:t> Р – префикс какого-либо суффикса за Т?</a:t>
-            </a:r>
-          </a:p>
-          <a:p>
-            <a:r>
-              <a:rPr lang="ru-RU" dirty="0"/>
-              <a:t>         Как эффективно закодировать все суффиксы Т?</a:t>
-            </a:r>
-          </a:p>
-        </p:txBody>
-      </p:sp>
+        </p:nvGraphicFramePr>
+        <p:xfrm>
+          <a:off x="838200" y="1825625"/>
+          <a:ext cx="10515600" cy="4351338"/>
+        </p:xfrm>
+        <a:graphic>
+          <a:graphicData uri="http://schemas.openxmlformats.org/drawingml/2006/diagram">
+            <dgm:relIds xmlns:dgm="http://schemas.openxmlformats.org/drawingml/2006/diagram" xmlns:r="http://schemas.openxmlformats.org/officeDocument/2006/relationships" r:dm="rId2" r:lo="rId3" r:qs="rId4" r:cs="rId5"/>
+          </a:graphicData>
+        </a:graphic>
+      </p:graphicFrame>
     </p:spTree>
     <p:extLst>
       <p:ext uri="{BB962C8B-B14F-4D97-AF65-F5344CB8AC3E}">
@@ -5178,14 +8540,6 @@
 <file path=ppt/slides/slide20.xml><?xml version="1.0" encoding="utf-8"?>
 <p:sld xmlns:a="http://schemas.openxmlformats.org/drawingml/2006/main" xmlns:r="http://schemas.openxmlformats.org/officeDocument/2006/relationships" xmlns:p="http://schemas.openxmlformats.org/presentationml/2006/main">
   <p:cSld>
-    <p:bg>
-      <p:bgPr>
-        <a:solidFill>
-          <a:schemeClr val="bg1"/>
-        </a:solidFill>
-        <a:effectLst/>
-      </p:bgPr>
-    </p:bg>
     <p:spTree>
       <p:nvGrpSpPr>
         <p:cNvPr id="1" name=""/>
@@ -5288,14 +8642,6 @@
 <file path=ppt/slides/slide21.xml><?xml version="1.0" encoding="utf-8"?>
 <p:sld xmlns:a="http://schemas.openxmlformats.org/drawingml/2006/main" xmlns:r="http://schemas.openxmlformats.org/officeDocument/2006/relationships" xmlns:p="http://schemas.openxmlformats.org/presentationml/2006/main">
   <p:cSld>
-    <p:bg>
-      <p:bgPr>
-        <a:solidFill>
-          <a:schemeClr val="bg1"/>
-        </a:solidFill>
-        <a:effectLst/>
-      </p:bgPr>
-    </p:bg>
     <p:spTree>
       <p:nvGrpSpPr>
         <p:cNvPr id="1" name=""/>
@@ -5395,7 +8741,7 @@
 </p:sld>
 </file>
 
-<file path=ppt/slides/slide22.xml><?xml version="1.0" encoding="utf-8"?>
+<file path=ppt/slides/slide3.xml><?xml version="1.0" encoding="utf-8"?>
 <p:sld xmlns:a="http://schemas.openxmlformats.org/drawingml/2006/main" xmlns:r="http://schemas.openxmlformats.org/officeDocument/2006/relationships" xmlns:p="http://schemas.openxmlformats.org/presentationml/2006/main">
   <p:cSld>
     <p:spTree>
@@ -5417,105 +8763,6 @@
           <p:cNvPr id="2" name="Заголовок 1">
             <a:extLst>
               <a:ext uri="{FF2B5EF4-FFF2-40B4-BE49-F238E27FC236}">
-                <a16:creationId xmlns:a16="http://schemas.microsoft.com/office/drawing/2014/main" id="{E586E5FE-44AA-FB18-047F-ACFF4AF486B6}"/>
-              </a:ext>
-            </a:extLst>
-          </p:cNvPr>
-          <p:cNvSpPr>
-            <a:spLocks noGrp="1"/>
-          </p:cNvSpPr>
-          <p:nvPr>
-            <p:ph type="title"/>
-          </p:nvPr>
-        </p:nvSpPr>
-        <p:spPr/>
-        <p:txBody>
-          <a:bodyPr/>
-          <a:lstStyle/>
-          <a:p>
-            <a:r>
-              <a:rPr lang="ru-RU" dirty="0"/>
-              <a:t>Алгоритм Укконена</a:t>
-            </a:r>
-            <a:r>
-              <a:rPr lang="en-US" dirty="0"/>
-              <a:t>:</a:t>
-            </a:r>
-            <a:r>
-              <a:rPr lang="ru-RU" dirty="0"/>
-              <a:t> пример</a:t>
-            </a:r>
-          </a:p>
-        </p:txBody>
-      </p:sp>
-      <p:sp>
-        <p:nvSpPr>
-          <p:cNvPr id="4" name="Объект 3">
-            <a:extLst>
-              <a:ext uri="{FF2B5EF4-FFF2-40B4-BE49-F238E27FC236}">
-                <a16:creationId xmlns:a16="http://schemas.microsoft.com/office/drawing/2014/main" id="{1136E5E5-4B1A-095B-6EF1-B226A1FA3938}"/>
-              </a:ext>
-            </a:extLst>
-          </p:cNvPr>
-          <p:cNvSpPr>
-            <a:spLocks noGrp="1"/>
-          </p:cNvSpPr>
-          <p:nvPr>
-            <p:ph idx="1"/>
-          </p:nvPr>
-        </p:nvSpPr>
-        <p:spPr/>
-        <p:txBody>
-          <a:bodyPr/>
-          <a:lstStyle/>
-          <a:p>
-            <a:endParaRPr lang="ru-RU"/>
-          </a:p>
-        </p:txBody>
-      </p:sp>
-    </p:spTree>
-    <p:extLst>
-      <p:ext uri="{BB962C8B-B14F-4D97-AF65-F5344CB8AC3E}">
-        <p14:creationId xmlns:p14="http://schemas.microsoft.com/office/powerpoint/2010/main" val="2981995629"/>
-      </p:ext>
-    </p:extLst>
-  </p:cSld>
-  <p:clrMapOvr>
-    <a:masterClrMapping/>
-  </p:clrMapOvr>
-</p:sld>
-</file>
-
-<file path=ppt/slides/slide3.xml><?xml version="1.0" encoding="utf-8"?>
-<p:sld xmlns:a="http://schemas.openxmlformats.org/drawingml/2006/main" xmlns:r="http://schemas.openxmlformats.org/officeDocument/2006/relationships" xmlns:p="http://schemas.openxmlformats.org/presentationml/2006/main">
-  <p:cSld>
-    <p:bg>
-      <p:bgPr>
-        <a:solidFill>
-          <a:schemeClr val="bg1"/>
-        </a:solidFill>
-        <a:effectLst/>
-      </p:bgPr>
-    </p:bg>
-    <p:spTree>
-      <p:nvGrpSpPr>
-        <p:cNvPr id="1" name=""/>
-        <p:cNvGrpSpPr/>
-        <p:nvPr/>
-      </p:nvGrpSpPr>
-      <p:grpSpPr>
-        <a:xfrm>
-          <a:off x="0" y="0"/>
-          <a:ext cx="0" cy="0"/>
-          <a:chOff x="0" y="0"/>
-          <a:chExt cx="0" cy="0"/>
-        </a:xfrm>
-      </p:grpSpPr>
-      <p:sp>
-        <p:nvSpPr>
-          <p:cNvPr id="2" name="Заголовок 1">
-            <a:extLst>
-              <a:ext uri="{FF2B5EF4-FFF2-40B4-BE49-F238E27FC236}">
                 <a16:creationId xmlns:a16="http://schemas.microsoft.com/office/drawing/2014/main" id="{7DB29EF7-AEC4-E22E-8E2E-52D81DA3CB98}"/>
               </a:ext>
             </a:extLst>
@@ -5541,7 +8788,11 @@
           <a:p>
             <a:pPr algn="ctr"/>
             <a:r>
-              <a:rPr lang="en-US" sz="5400" kern="1200">
+              <a:rPr lang="ru-RU" sz="5400" dirty="0"/>
+              <a:t>Примение</a:t>
+            </a:r>
+            <a:r>
+              <a:rPr lang="en-US" sz="5400" kern="1200" dirty="0">
                 <a:solidFill>
                   <a:schemeClr val="tx1"/>
                 </a:solidFill>
@@ -5549,8 +8800,49 @@
                 <a:ea typeface="+mj-ea"/>
                 <a:cs typeface="+mj-cs"/>
               </a:rPr>
-              <a:t>Идея: бор на суффиксах Т</a:t>
-            </a:r>
+              <a:t> бор</a:t>
+            </a:r>
+            <a:r>
+              <a:rPr lang="ru-RU" sz="5400" kern="1200" dirty="0">
+                <a:solidFill>
+                  <a:schemeClr val="tx1"/>
+                </a:solidFill>
+                <a:latin typeface="+mj-lt"/>
+                <a:ea typeface="+mj-ea"/>
+                <a:cs typeface="+mj-cs"/>
+              </a:rPr>
+              <a:t>а</a:t>
+            </a:r>
+            <a:r>
+              <a:rPr lang="en-US" sz="5400" kern="1200" dirty="0">
+                <a:solidFill>
+                  <a:schemeClr val="tx1"/>
+                </a:solidFill>
+                <a:latin typeface="+mj-lt"/>
+                <a:ea typeface="+mj-ea"/>
+                <a:cs typeface="+mj-cs"/>
+              </a:rPr>
+              <a:t> на суффиксах</a:t>
+            </a:r>
+            <a:r>
+              <a:rPr lang="ru-RU" sz="5400" kern="1200" dirty="0">
+                <a:solidFill>
+                  <a:schemeClr val="tx1"/>
+                </a:solidFill>
+                <a:latin typeface="+mj-lt"/>
+                <a:ea typeface="+mj-ea"/>
+                <a:cs typeface="+mj-cs"/>
+              </a:rPr>
+              <a:t> </a:t>
+            </a:r>
+            <a:endParaRPr lang="en-US" sz="5400" kern="1200" dirty="0">
+              <a:solidFill>
+                <a:schemeClr val="tx1"/>
+              </a:solidFill>
+              <a:latin typeface="+mj-lt"/>
+              <a:ea typeface="+mj-ea"/>
+              <a:cs typeface="+mj-cs"/>
+            </a:endParaRPr>
           </a:p>
         </p:txBody>
       </p:sp>
@@ -5578,7 +8870,7 @@
         </p:blipFill>
         <p:spPr>
           <a:xfrm>
-            <a:off x="1108106" y="1223778"/>
+            <a:off x="1253724" y="1223778"/>
             <a:ext cx="9975787" cy="4139952"/>
           </a:xfrm>
           <a:prstGeom prst="rect">
@@ -5600,8 +8892,8 @@
         </p:nvSpPr>
         <p:spPr>
           <a:xfrm>
-            <a:off x="1108106" y="5181915"/>
-            <a:ext cx="4622800" cy="1384995"/>
+            <a:off x="717489" y="4911423"/>
+            <a:ext cx="4622800" cy="1261884"/>
           </a:xfrm>
           <a:prstGeom prst="rect">
             <a:avLst/>
@@ -5614,10 +8906,6 @@
           </a:bodyPr>
           <a:lstStyle/>
           <a:p>
-            <a:pPr marL="285750" indent="-285750">
-              <a:buFont typeface="Arial" panose="020B0604020202020204" pitchFamily="34" charset="0"/>
-              <a:buChar char="•"/>
-            </a:pPr>
             <a:r>
               <a:rPr lang="ru-RU" sz="2800" dirty="0"/>
               <a:t>Размер О(</a:t>
@@ -5644,27 +8932,157 @@
             </a:r>
           </a:p>
           <a:p>
-            <a:pPr marL="285750" indent="-285750">
-              <a:buFont typeface="Arial" panose="020B0604020202020204" pitchFamily="34" charset="0"/>
-              <a:buChar char="•"/>
-            </a:pPr>
-            <a:r>
-              <a:rPr lang="ru-RU" sz="2800" dirty="0"/>
-              <a:t>    Как уменьшить?</a:t>
-            </a:r>
-          </a:p>
-          <a:p>
-            <a:pPr marL="285750" indent="-285750">
-              <a:buFont typeface="Arial" panose="020B0604020202020204" pitchFamily="34" charset="0"/>
-              <a:buChar char="•"/>
-            </a:pPr>
-            <a:r>
-              <a:rPr lang="ru-RU" sz="2800" dirty="0"/>
-              <a:t>        Много лишних вершин</a:t>
+            <a:r>
+              <a:rPr lang="ru-RU" sz="2400" dirty="0"/>
+              <a:t>Как уменьшить?</a:t>
+            </a:r>
+          </a:p>
+          <a:p>
+            <a:r>
+              <a:rPr lang="ru-RU" sz="2400" dirty="0"/>
+              <a:t>Много лишних вершин</a:t>
             </a:r>
           </a:p>
         </p:txBody>
       </p:sp>
+      <p:sp>
+        <p:nvSpPr>
+          <p:cNvPr id="3" name="Прямоугольник 2">
+            <a:extLst>
+              <a:ext uri="{FF2B5EF4-FFF2-40B4-BE49-F238E27FC236}">
+                <a16:creationId xmlns:a16="http://schemas.microsoft.com/office/drawing/2014/main" id="{AEBC98A4-D247-B0FD-5CDF-22595E1D7551}"/>
+              </a:ext>
+            </a:extLst>
+          </p:cNvPr>
+          <p:cNvSpPr/>
+          <p:nvPr/>
+        </p:nvSpPr>
+        <p:spPr>
+          <a:xfrm>
+            <a:off x="1253724" y="1793289"/>
+            <a:ext cx="2057647" cy="603682"/>
+          </a:xfrm>
+          <a:prstGeom prst="rect">
+            <a:avLst/>
+          </a:prstGeom>
+          <a:solidFill>
+            <a:schemeClr val="bg1"/>
+          </a:solidFill>
+          <a:ln>
+            <a:solidFill>
+              <a:schemeClr val="bg1"/>
+            </a:solidFill>
+          </a:ln>
+        </p:spPr>
+        <p:style>
+          <a:lnRef idx="2">
+            <a:schemeClr val="accent1">
+              <a:shade val="50000"/>
+            </a:schemeClr>
+          </a:lnRef>
+          <a:fillRef idx="1">
+            <a:schemeClr val="accent1"/>
+          </a:fillRef>
+          <a:effectRef idx="0">
+            <a:schemeClr val="accent1"/>
+          </a:effectRef>
+          <a:fontRef idx="minor">
+            <a:schemeClr val="lt1"/>
+          </a:fontRef>
+        </p:style>
+        <p:txBody>
+          <a:bodyPr rtlCol="0" anchor="ctr"/>
+          <a:lstStyle/>
+          <a:p>
+            <a:pPr algn="ctr"/>
+            <a:endParaRPr lang="ru-RU"/>
+          </a:p>
+        </p:txBody>
+      </p:sp>
+      <p:sp>
+        <p:nvSpPr>
+          <p:cNvPr id="8" name="Прямоугольник 7">
+            <a:extLst>
+              <a:ext uri="{FF2B5EF4-FFF2-40B4-BE49-F238E27FC236}">
+                <a16:creationId xmlns:a16="http://schemas.microsoft.com/office/drawing/2014/main" id="{783285DE-9EC5-9A34-E963-26D0ED84A214}"/>
+              </a:ext>
+            </a:extLst>
+          </p:cNvPr>
+          <p:cNvSpPr/>
+          <p:nvPr/>
+        </p:nvSpPr>
+        <p:spPr>
+          <a:xfrm>
+            <a:off x="1343608" y="2146041"/>
+            <a:ext cx="2827176" cy="820441"/>
+          </a:xfrm>
+          <a:prstGeom prst="rect">
+            <a:avLst/>
+          </a:prstGeom>
+          <a:solidFill>
+            <a:schemeClr val="bg1"/>
+          </a:solidFill>
+          <a:ln>
+            <a:solidFill>
+              <a:schemeClr val="bg1"/>
+            </a:solidFill>
+          </a:ln>
+        </p:spPr>
+        <p:style>
+          <a:lnRef idx="2">
+            <a:schemeClr val="accent1">
+              <a:shade val="50000"/>
+            </a:schemeClr>
+          </a:lnRef>
+          <a:fillRef idx="1">
+            <a:schemeClr val="accent1"/>
+          </a:fillRef>
+          <a:effectRef idx="0">
+            <a:schemeClr val="accent1"/>
+          </a:effectRef>
+          <a:fontRef idx="minor">
+            <a:schemeClr val="lt1"/>
+          </a:fontRef>
+        </p:style>
+        <p:txBody>
+          <a:bodyPr rtlCol="0" anchor="ctr"/>
+          <a:lstStyle/>
+          <a:p>
+            <a:pPr algn="ctr"/>
+            <a:endParaRPr lang="ru-RU"/>
+          </a:p>
+        </p:txBody>
+      </p:sp>
+      <p:pic>
+        <p:nvPicPr>
+          <p:cNvPr id="9" name="Рисунок 8">
+            <a:extLst>
+              <a:ext uri="{FF2B5EF4-FFF2-40B4-BE49-F238E27FC236}">
+                <a16:creationId xmlns:a16="http://schemas.microsoft.com/office/drawing/2014/main" id="{166C2A1F-17C8-D88B-D295-65300B28026C}"/>
+              </a:ext>
+            </a:extLst>
+          </p:cNvPr>
+          <p:cNvPicPr>
+            <a:picLocks noChangeAspect="1"/>
+          </p:cNvPicPr>
+          <p:nvPr/>
+        </p:nvPicPr>
+        <p:blipFill>
+          <a:blip r:embed="rId3"/>
+          <a:stretch>
+            <a:fillRect/>
+          </a:stretch>
+        </p:blipFill>
+        <p:spPr>
+          <a:xfrm>
+            <a:off x="1253724" y="1793289"/>
+            <a:ext cx="2638425" cy="923925"/>
+          </a:xfrm>
+          <a:prstGeom prst="rect">
+            <a:avLst/>
+          </a:prstGeom>
+        </p:spPr>
+      </p:pic>
     </p:spTree>
     <p:extLst>
       <p:ext uri="{BB962C8B-B14F-4D97-AF65-F5344CB8AC3E}">
@@ -5718,15 +9136,7 @@
           <a:p>
             <a:r>
               <a:rPr lang="ru-RU" dirty="0"/>
-              <a:t>Идея</a:t>
-            </a:r>
-            <a:r>
-              <a:rPr lang="en-US" dirty="0"/>
-              <a:t>:</a:t>
-            </a:r>
-            <a:r>
-              <a:rPr lang="ru-RU" dirty="0"/>
-              <a:t> сжатый суффиксный бор</a:t>
+              <a:t>Сжатый суффиксный бор</a:t>
             </a:r>
           </a:p>
         </p:txBody>
@@ -5755,9 +9165,376 @@
         </p:blipFill>
         <p:spPr>
           <a:xfrm>
-            <a:off x="1303868" y="1690688"/>
+            <a:off x="1508055" y="1601912"/>
             <a:ext cx="8026399" cy="4667250"/>
           </a:xfrm>
+        </p:spPr>
+      </p:pic>
+      <p:sp>
+        <p:nvSpPr>
+          <p:cNvPr id="3" name="TextBox 2">
+            <a:extLst>
+              <a:ext uri="{FF2B5EF4-FFF2-40B4-BE49-F238E27FC236}">
+                <a16:creationId xmlns:a16="http://schemas.microsoft.com/office/drawing/2014/main" id="{5B240DB8-7DC2-E371-5CEA-6AE82CAF97DB}"/>
+              </a:ext>
+            </a:extLst>
+          </p:cNvPr>
+          <p:cNvSpPr txBox="1"/>
+          <p:nvPr/>
+        </p:nvSpPr>
+        <p:spPr>
+          <a:xfrm>
+            <a:off x="7305664" y="4796919"/>
+            <a:ext cx="3894174" cy="707886"/>
+          </a:xfrm>
+          <a:prstGeom prst="rect">
+            <a:avLst/>
+          </a:prstGeom>
+          <a:noFill/>
+        </p:spPr>
+        <p:txBody>
+          <a:bodyPr wrap="square" rtlCol="0">
+            <a:spAutoFit/>
+          </a:bodyPr>
+          <a:lstStyle/>
+          <a:p>
+            <a:r>
+              <a:rPr lang="ru-RU" sz="2000" dirty="0"/>
+              <a:t>Где </a:t>
+            </a:r>
+            <a:r>
+              <a:rPr lang="en-US" sz="2000" dirty="0"/>
+              <a:t>N – </a:t>
+            </a:r>
+            <a:r>
+              <a:rPr lang="ru-RU" sz="2000" dirty="0"/>
+              <a:t>количество суффиксов, что так же равняется длине строки </a:t>
+            </a:r>
+          </a:p>
+        </p:txBody>
+      </p:sp>
+      <p:pic>
+        <p:nvPicPr>
+          <p:cNvPr id="6" name="Рисунок 5">
+            <a:extLst>
+              <a:ext uri="{FF2B5EF4-FFF2-40B4-BE49-F238E27FC236}">
+                <a16:creationId xmlns:a16="http://schemas.microsoft.com/office/drawing/2014/main" id="{35EC08A6-961E-F5E5-3197-6048A3CEC2D6}"/>
+              </a:ext>
+            </a:extLst>
+          </p:cNvPr>
+          <p:cNvPicPr>
+            <a:picLocks noChangeAspect="1"/>
+          </p:cNvPicPr>
+          <p:nvPr/>
+        </p:nvPicPr>
+        <p:blipFill>
+          <a:blip r:embed="rId3"/>
+          <a:stretch>
+            <a:fillRect/>
+          </a:stretch>
+        </p:blipFill>
+        <p:spPr>
+          <a:xfrm>
+            <a:off x="1261230" y="1648520"/>
+            <a:ext cx="2638425" cy="923925"/>
+          </a:xfrm>
+          <a:prstGeom prst="rect">
+            <a:avLst/>
+          </a:prstGeom>
+        </p:spPr>
+      </p:pic>
+      <p:sp>
+        <p:nvSpPr>
+          <p:cNvPr id="7" name="TextBox 6">
+            <a:extLst>
+              <a:ext uri="{FF2B5EF4-FFF2-40B4-BE49-F238E27FC236}">
+                <a16:creationId xmlns:a16="http://schemas.microsoft.com/office/drawing/2014/main" id="{0D14FFDD-5B5F-1C9B-CA13-4642B75B9EFE}"/>
+              </a:ext>
+            </a:extLst>
+          </p:cNvPr>
+          <p:cNvSpPr txBox="1"/>
+          <p:nvPr/>
+        </p:nvSpPr>
+        <p:spPr>
+          <a:xfrm>
+            <a:off x="6377948" y="1707138"/>
+            <a:ext cx="1855433" cy="369332"/>
+          </a:xfrm>
+          <a:prstGeom prst="rect">
+            <a:avLst/>
+          </a:prstGeom>
+          <a:noFill/>
+        </p:spPr>
+        <p:txBody>
+          <a:bodyPr wrap="square" rtlCol="0">
+            <a:spAutoFit/>
+          </a:bodyPr>
+          <a:lstStyle/>
+          <a:p>
+            <a:r>
+              <a:rPr lang="en-US" dirty="0"/>
+              <a:t>[1 </a:t>
+            </a:r>
+            <a:r>
+              <a:rPr lang="en-US" dirty="0">
+                <a:sym typeface="Wingdings" panose="05000000000000000000" pitchFamily="2" charset="2"/>
+              </a:rPr>
+              <a:t>: |T|]</a:t>
+            </a:r>
+            <a:endParaRPr lang="ru-RU" dirty="0"/>
+          </a:p>
+        </p:txBody>
+      </p:sp>
+      <p:sp>
+        <p:nvSpPr>
+          <p:cNvPr id="8" name="TextBox 7">
+            <a:extLst>
+              <a:ext uri="{FF2B5EF4-FFF2-40B4-BE49-F238E27FC236}">
+                <a16:creationId xmlns:a16="http://schemas.microsoft.com/office/drawing/2014/main" id="{51203D85-0733-BDBF-7766-33D51942CE9E}"/>
+              </a:ext>
+            </a:extLst>
+          </p:cNvPr>
+          <p:cNvSpPr txBox="1"/>
+          <p:nvPr/>
+        </p:nvSpPr>
+        <p:spPr>
+          <a:xfrm>
+            <a:off x="5450232" y="2462253"/>
+            <a:ext cx="1855433" cy="369332"/>
+          </a:xfrm>
+          <a:prstGeom prst="rect">
+            <a:avLst/>
+          </a:prstGeom>
+          <a:noFill/>
+        </p:spPr>
+        <p:txBody>
+          <a:bodyPr wrap="square" rtlCol="0">
+            <a:spAutoFit/>
+          </a:bodyPr>
+          <a:lstStyle/>
+          <a:p>
+            <a:r>
+              <a:rPr lang="en-US" dirty="0"/>
+              <a:t>[3 </a:t>
+            </a:r>
+            <a:r>
+              <a:rPr lang="en-US" dirty="0">
+                <a:sym typeface="Wingdings" panose="05000000000000000000" pitchFamily="2" charset="2"/>
+              </a:rPr>
+              <a:t>: |T|]</a:t>
+            </a:r>
+            <a:endParaRPr lang="ru-RU" dirty="0"/>
+          </a:p>
+        </p:txBody>
+      </p:sp>
+      <p:sp>
+        <p:nvSpPr>
+          <p:cNvPr id="9" name="TextBox 8">
+            <a:extLst>
+              <a:ext uri="{FF2B5EF4-FFF2-40B4-BE49-F238E27FC236}">
+                <a16:creationId xmlns:a16="http://schemas.microsoft.com/office/drawing/2014/main" id="{11404FE8-2A17-A207-BB60-AE90D1FDEAAC}"/>
+              </a:ext>
+            </a:extLst>
+          </p:cNvPr>
+          <p:cNvSpPr txBox="1"/>
+          <p:nvPr/>
+        </p:nvSpPr>
+        <p:spPr>
+          <a:xfrm>
+            <a:off x="5344357" y="3313257"/>
+            <a:ext cx="1855433" cy="369332"/>
+          </a:xfrm>
+          <a:prstGeom prst="rect">
+            <a:avLst/>
+          </a:prstGeom>
+          <a:noFill/>
+        </p:spPr>
+        <p:txBody>
+          <a:bodyPr wrap="square" rtlCol="0">
+            <a:spAutoFit/>
+          </a:bodyPr>
+          <a:lstStyle/>
+          <a:p>
+            <a:r>
+              <a:rPr lang="en-US" dirty="0"/>
+              <a:t>[1 </a:t>
+            </a:r>
+            <a:r>
+              <a:rPr lang="en-US" dirty="0">
+                <a:sym typeface="Wingdings" panose="05000000000000000000" pitchFamily="2" charset="2"/>
+              </a:rPr>
+              <a:t>: |T|]</a:t>
+            </a:r>
+            <a:endParaRPr lang="ru-RU" dirty="0"/>
+          </a:p>
+        </p:txBody>
+      </p:sp>
+      <p:sp>
+        <p:nvSpPr>
+          <p:cNvPr id="10" name="TextBox 9">
+            <a:extLst>
+              <a:ext uri="{FF2B5EF4-FFF2-40B4-BE49-F238E27FC236}">
+                <a16:creationId xmlns:a16="http://schemas.microsoft.com/office/drawing/2014/main" id="{756476D3-7C2F-DC6B-0210-8CF8F29CF986}"/>
+              </a:ext>
+            </a:extLst>
+          </p:cNvPr>
+          <p:cNvSpPr txBox="1"/>
+          <p:nvPr/>
+        </p:nvSpPr>
+        <p:spPr>
+          <a:xfrm>
+            <a:off x="5344357" y="4164261"/>
+            <a:ext cx="1855433" cy="369332"/>
+          </a:xfrm>
+          <a:prstGeom prst="rect">
+            <a:avLst/>
+          </a:prstGeom>
+          <a:noFill/>
+        </p:spPr>
+        <p:txBody>
+          <a:bodyPr wrap="square" rtlCol="0">
+            <a:spAutoFit/>
+          </a:bodyPr>
+          <a:lstStyle/>
+          <a:p>
+            <a:r>
+              <a:rPr lang="en-US" dirty="0"/>
+              <a:t>[3 </a:t>
+            </a:r>
+            <a:r>
+              <a:rPr lang="en-US" dirty="0">
+                <a:sym typeface="Wingdings" panose="05000000000000000000" pitchFamily="2" charset="2"/>
+              </a:rPr>
+              <a:t>: |T|]</a:t>
+            </a:r>
+            <a:endParaRPr lang="ru-RU" dirty="0"/>
+          </a:p>
+        </p:txBody>
+      </p:sp>
+      <p:sp>
+        <p:nvSpPr>
+          <p:cNvPr id="11" name="TextBox 10">
+            <a:extLst>
+              <a:ext uri="{FF2B5EF4-FFF2-40B4-BE49-F238E27FC236}">
+                <a16:creationId xmlns:a16="http://schemas.microsoft.com/office/drawing/2014/main" id="{0EBC1167-7DE3-DEDD-B3CC-1FF96109B3F5}"/>
+              </a:ext>
+            </a:extLst>
+          </p:cNvPr>
+          <p:cNvSpPr txBox="1"/>
+          <p:nvPr/>
+        </p:nvSpPr>
+        <p:spPr>
+          <a:xfrm>
+            <a:off x="3036163" y="2925432"/>
+            <a:ext cx="1855433" cy="369332"/>
+          </a:xfrm>
+          <a:prstGeom prst="rect">
+            <a:avLst/>
+          </a:prstGeom>
+          <a:noFill/>
+        </p:spPr>
+        <p:txBody>
+          <a:bodyPr wrap="square" rtlCol="0">
+            <a:spAutoFit/>
+          </a:bodyPr>
+          <a:lstStyle/>
+          <a:p>
+            <a:r>
+              <a:rPr lang="en-US" dirty="0"/>
+              <a:t>[0 </a:t>
+            </a:r>
+            <a:r>
+              <a:rPr lang="en-US" dirty="0">
+                <a:sym typeface="Wingdings" panose="05000000000000000000" pitchFamily="2" charset="2"/>
+              </a:rPr>
+              <a:t>:1]</a:t>
+            </a:r>
+            <a:endParaRPr lang="ru-RU" dirty="0"/>
+          </a:p>
+        </p:txBody>
+      </p:sp>
+      <p:sp>
+        <p:nvSpPr>
+          <p:cNvPr id="12" name="Прямоугольник 11">
+            <a:extLst>
+              <a:ext uri="{FF2B5EF4-FFF2-40B4-BE49-F238E27FC236}">
+                <a16:creationId xmlns:a16="http://schemas.microsoft.com/office/drawing/2014/main" id="{02E81B77-2443-83AD-11C5-8920C4F8C9D3}"/>
+              </a:ext>
+            </a:extLst>
+          </p:cNvPr>
+          <p:cNvSpPr/>
+          <p:nvPr/>
+        </p:nvSpPr>
+        <p:spPr>
+          <a:xfrm>
+            <a:off x="1936919" y="5209480"/>
+            <a:ext cx="344642" cy="370764"/>
+          </a:xfrm>
+          <a:prstGeom prst="rect">
+            <a:avLst/>
+          </a:prstGeom>
+          <a:solidFill>
+            <a:schemeClr val="bg1"/>
+          </a:solidFill>
+          <a:ln>
+            <a:solidFill>
+              <a:schemeClr val="bg1"/>
+            </a:solidFill>
+          </a:ln>
+        </p:spPr>
+        <p:style>
+          <a:lnRef idx="2">
+            <a:schemeClr val="accent1">
+              <a:shade val="50000"/>
+            </a:schemeClr>
+          </a:lnRef>
+          <a:fillRef idx="1">
+            <a:schemeClr val="accent1"/>
+          </a:fillRef>
+          <a:effectRef idx="0">
+            <a:schemeClr val="accent1"/>
+          </a:effectRef>
+          <a:fontRef idx="minor">
+            <a:schemeClr val="lt1"/>
+          </a:fontRef>
+        </p:style>
+        <p:txBody>
+          <a:bodyPr rtlCol="0" anchor="ctr"/>
+          <a:lstStyle/>
+          <a:p>
+            <a:pPr algn="ctr"/>
+            <a:endParaRPr lang="ru-RU"/>
+          </a:p>
+        </p:txBody>
+      </p:sp>
+      <p:pic>
+        <p:nvPicPr>
+          <p:cNvPr id="15" name="Рисунок 14">
+            <a:extLst>
+              <a:ext uri="{FF2B5EF4-FFF2-40B4-BE49-F238E27FC236}">
+                <a16:creationId xmlns:a16="http://schemas.microsoft.com/office/drawing/2014/main" id="{AB2D9A09-D0D7-B232-9EF1-40EAA5A5E08D}"/>
+              </a:ext>
+            </a:extLst>
+          </p:cNvPr>
+          <p:cNvPicPr>
+            <a:picLocks noChangeAspect="1"/>
+          </p:cNvPicPr>
+          <p:nvPr/>
+        </p:nvPicPr>
+        <p:blipFill>
+          <a:blip r:embed="rId3"/>
+          <a:stretch>
+            <a:fillRect/>
+          </a:stretch>
+        </p:blipFill>
+        <p:spPr>
+          <a:xfrm>
+            <a:off x="1413630" y="1800920"/>
+            <a:ext cx="2638425" cy="923925"/>
+          </a:xfrm>
+          <a:prstGeom prst="rect">
+            <a:avLst/>
+          </a:prstGeom>
         </p:spPr>
       </p:pic>
     </p:spTree>
@@ -5776,14 +9553,6 @@
 <file path=ppt/slides/slide5.xml><?xml version="1.0" encoding="utf-8"?>
 <p:sld xmlns:a="http://schemas.openxmlformats.org/drawingml/2006/main" xmlns:r="http://schemas.openxmlformats.org/officeDocument/2006/relationships" xmlns:p="http://schemas.openxmlformats.org/presentationml/2006/main">
   <p:cSld>
-    <p:bg>
-      <p:bgPr>
-        <a:solidFill>
-          <a:schemeClr val="bg1"/>
-        </a:solidFill>
-        <a:effectLst/>
-      </p:bgPr>
-    </p:bg>
     <p:spTree>
       <p:nvGrpSpPr>
         <p:cNvPr id="1" name=""/>
@@ -6039,7 +9808,7 @@
         </p:nvSpPr>
         <p:spPr>
           <a:xfrm>
-            <a:off x="643467" y="321734"/>
+            <a:off x="1058415" y="308431"/>
             <a:ext cx="10905066" cy="1135737"/>
           </a:xfrm>
         </p:spPr>
@@ -6078,7 +9847,7 @@
         </p:blipFill>
         <p:spPr>
           <a:xfrm>
-            <a:off x="4435002" y="1935308"/>
+            <a:off x="4568824" y="2394906"/>
             <a:ext cx="7429649" cy="3473361"/>
           </a:xfrm>
           <a:prstGeom prst="rect">
@@ -6104,7 +9873,7 @@
         </p:nvSpPr>
         <p:spPr>
           <a:xfrm>
-            <a:off x="168783" y="1918841"/>
+            <a:off x="643467" y="1890754"/>
             <a:ext cx="5486876" cy="1008304"/>
           </a:xfrm>
         </p:spPr>
@@ -6114,6 +9883,9 @@
           </a:bodyPr>
           <a:lstStyle/>
           <a:p>
+            <a:pPr marL="0" indent="0">
+              <a:buNone/>
+            </a:pPr>
             <a:r>
               <a:rPr lang="ru-RU" sz="2400" dirty="0"/>
               <a:t>Положение в суффиксном дереве</a:t>
@@ -6289,6 +10061,36 @@
           </p:txBody>
         </p:sp>
       </p:grpSp>
+      <p:pic>
+        <p:nvPicPr>
+          <p:cNvPr id="4" name="Рисунок 3">
+            <a:extLst>
+              <a:ext uri="{FF2B5EF4-FFF2-40B4-BE49-F238E27FC236}">
+                <a16:creationId xmlns:a16="http://schemas.microsoft.com/office/drawing/2014/main" id="{E0A8C051-9B6A-CF76-2AF6-59AA5DF569A5}"/>
+              </a:ext>
+            </a:extLst>
+          </p:cNvPr>
+          <p:cNvPicPr>
+            <a:picLocks noChangeAspect="1"/>
+          </p:cNvPicPr>
+          <p:nvPr/>
+        </p:nvPicPr>
+        <p:blipFill>
+          <a:blip r:embed="rId3"/>
+          <a:stretch>
+            <a:fillRect/>
+          </a:stretch>
+        </p:blipFill>
+        <p:spPr>
+          <a:xfrm>
+            <a:off x="1058415" y="3568823"/>
+            <a:ext cx="2638425" cy="923925"/>
+          </a:xfrm>
+          <a:prstGeom prst="rect">
+            <a:avLst/>
+          </a:prstGeom>
+        </p:spPr>
+      </p:pic>
     </p:spTree>
     <p:extLst>
       <p:ext uri="{BB962C8B-B14F-4D97-AF65-F5344CB8AC3E}">
@@ -6305,14 +10107,6 @@
 <file path=ppt/slides/slide6.xml><?xml version="1.0" encoding="utf-8"?>
 <p:sld xmlns:a="http://schemas.openxmlformats.org/drawingml/2006/main" xmlns:r="http://schemas.openxmlformats.org/officeDocument/2006/relationships" xmlns:p="http://schemas.openxmlformats.org/presentationml/2006/main">
   <p:cSld>
-    <p:bg>
-      <p:bgPr>
-        <a:solidFill>
-          <a:schemeClr val="bg1"/>
-        </a:solidFill>
-        <a:effectLst/>
-      </p:bgPr>
-    </p:bg>
     <p:spTree>
       <p:nvGrpSpPr>
         <p:cNvPr id="1" name=""/>
@@ -6419,8 +10213,12 @@
           <a:lstStyle/>
           <a:p>
             <a:r>
-              <a:rPr lang="ru-RU" sz="3600"/>
-              <a:t>Суффиксное дерево</a:t>
+              <a:rPr lang="ru-RU" sz="3600" dirty="0" err="1"/>
+              <a:t>Суффиксное</a:t>
+            </a:r>
+            <a:r>
+              <a:rPr lang="ru-RU" sz="3600" dirty="0"/>
+              <a:t> дерево</a:t>
             </a:r>
           </a:p>
         </p:txBody>
@@ -6453,6 +10251,9 @@
           </a:bodyPr>
           <a:lstStyle/>
           <a:p>
+            <a:pPr marL="0" indent="0">
+              <a:buNone/>
+            </a:pPr>
             <a:r>
               <a:rPr lang="ru-RU" sz="2400" dirty="0"/>
               <a:t>Сделаем положение суффиксов явными</a:t>
@@ -6464,6 +10265,9 @@
             <a:endParaRPr lang="ru-RU" sz="2400" dirty="0"/>
           </a:p>
           <a:p>
+            <a:pPr marL="0" indent="0">
+              <a:buNone/>
+            </a:pPr>
             <a:r>
               <a:rPr lang="ru-RU" sz="2400" dirty="0"/>
               <a:t>Т</a:t>
@@ -6669,7 +10473,7 @@
         </p:blipFill>
         <p:spPr>
           <a:xfrm>
-            <a:off x="4265133" y="2108602"/>
+            <a:off x="4238500" y="2135235"/>
             <a:ext cx="7796356" cy="3625304"/>
           </a:xfrm>
           <a:prstGeom prst="rect">
@@ -6837,6 +10641,42 @@
           </p:txBody>
         </p:sp>
       </p:grpSp>
+      <p:sp>
+        <p:nvSpPr>
+          <p:cNvPr id="6" name="TextBox 5">
+            <a:extLst>
+              <a:ext uri="{FF2B5EF4-FFF2-40B4-BE49-F238E27FC236}">
+                <a16:creationId xmlns:a16="http://schemas.microsoft.com/office/drawing/2014/main" id="{B22E09B0-4DAC-9628-2209-38239E042A0E}"/>
+              </a:ext>
+            </a:extLst>
+          </p:cNvPr>
+          <p:cNvSpPr txBox="1"/>
+          <p:nvPr/>
+        </p:nvSpPr>
+        <p:spPr>
+          <a:xfrm>
+            <a:off x="6960094" y="1412088"/>
+            <a:ext cx="2197076" cy="523220"/>
+          </a:xfrm>
+          <a:prstGeom prst="rect">
+            <a:avLst/>
+          </a:prstGeom>
+          <a:noFill/>
+        </p:spPr>
+        <p:txBody>
+          <a:bodyPr wrap="none" rtlCol="0">
+            <a:spAutoFit/>
+          </a:bodyPr>
+          <a:lstStyle/>
+          <a:p>
+            <a:r>
+              <a:rPr lang="en-US" sz="2800" dirty="0"/>
+              <a:t>T’ = abacaba$</a:t>
+            </a:r>
+            <a:endParaRPr lang="ru-RU" sz="2800" dirty="0"/>
+          </a:p>
+        </p:txBody>
+      </p:sp>
     </p:spTree>
     <p:extLst>
       <p:ext uri="{BB962C8B-B14F-4D97-AF65-F5344CB8AC3E}">
@@ -6853,169 +10693,6 @@
 <file path=ppt/slides/slide7.xml><?xml version="1.0" encoding="utf-8"?>
 <p:sld xmlns:a="http://schemas.openxmlformats.org/drawingml/2006/main" xmlns:r="http://schemas.openxmlformats.org/officeDocument/2006/relationships" xmlns:p="http://schemas.openxmlformats.org/presentationml/2006/main">
   <p:cSld>
-    <p:spTree>
-      <p:nvGrpSpPr>
-        <p:cNvPr id="1" name=""/>
-        <p:cNvGrpSpPr/>
-        <p:nvPr/>
-      </p:nvGrpSpPr>
-      <p:grpSpPr>
-        <a:xfrm>
-          <a:off x="0" y="0"/>
-          <a:ext cx="0" cy="0"/>
-          <a:chOff x="0" y="0"/>
-          <a:chExt cx="0" cy="0"/>
-        </a:xfrm>
-      </p:grpSpPr>
-      <p:sp>
-        <p:nvSpPr>
-          <p:cNvPr id="2" name="Заголовок 1">
-            <a:extLst>
-              <a:ext uri="{FF2B5EF4-FFF2-40B4-BE49-F238E27FC236}">
-                <a16:creationId xmlns:a16="http://schemas.microsoft.com/office/drawing/2014/main" id="{4A435D4F-52D7-DC2A-AA59-6FC59D09DD5A}"/>
-              </a:ext>
-            </a:extLst>
-          </p:cNvPr>
-          <p:cNvSpPr>
-            <a:spLocks noGrp="1"/>
-          </p:cNvSpPr>
-          <p:nvPr>
-            <p:ph type="title"/>
-          </p:nvPr>
-        </p:nvSpPr>
-        <p:spPr/>
-        <p:txBody>
-          <a:bodyPr/>
-          <a:lstStyle/>
-          <a:p>
-            <a:r>
-              <a:rPr lang="ru-RU" dirty="0"/>
-              <a:t>Алгоритм Укконена</a:t>
-            </a:r>
-          </a:p>
-        </p:txBody>
-      </p:sp>
-      <p:sp>
-        <p:nvSpPr>
-          <p:cNvPr id="3" name="Объект 2">
-            <a:extLst>
-              <a:ext uri="{FF2B5EF4-FFF2-40B4-BE49-F238E27FC236}">
-                <a16:creationId xmlns:a16="http://schemas.microsoft.com/office/drawing/2014/main" id="{ACF2D1A9-4338-05BC-EC11-28AB4C68772D}"/>
-              </a:ext>
-            </a:extLst>
-          </p:cNvPr>
-          <p:cNvSpPr>
-            <a:spLocks noGrp="1"/>
-          </p:cNvSpPr>
-          <p:nvPr>
-            <p:ph idx="1"/>
-          </p:nvPr>
-        </p:nvSpPr>
-        <p:spPr/>
-        <p:txBody>
-          <a:bodyPr/>
-          <a:lstStyle/>
-          <a:p>
-            <a:r>
-              <a:rPr lang="ru-RU" dirty="0"/>
-              <a:t>Начинаем с пустого дерева (для пустой строки)</a:t>
-            </a:r>
-          </a:p>
-          <a:p>
-            <a:r>
-              <a:rPr lang="ru-RU" dirty="0"/>
-              <a:t>На каждом шаге добавляем очередной символ строки</a:t>
-            </a:r>
-          </a:p>
-          <a:p>
-            <a:endParaRPr lang="ru-RU" dirty="0"/>
-          </a:p>
-          <a:p>
-            <a:endParaRPr lang="ru-RU" dirty="0"/>
-          </a:p>
-          <a:p>
-            <a:endParaRPr lang="ru-RU" dirty="0"/>
-          </a:p>
-          <a:p>
-            <a:endParaRPr lang="ru-RU" dirty="0"/>
-          </a:p>
-          <a:p>
-            <a:endParaRPr lang="ru-RU" dirty="0"/>
-          </a:p>
-          <a:p>
-            <a:r>
-              <a:rPr lang="en-US" dirty="0"/>
-              <a:t>N</a:t>
-            </a:r>
-            <a:r>
-              <a:rPr lang="ru-RU" dirty="0"/>
-              <a:t>(длина строки)</a:t>
-            </a:r>
-            <a:r>
-              <a:rPr lang="en-US" dirty="0"/>
-              <a:t> </a:t>
-            </a:r>
-            <a:r>
-              <a:rPr lang="ru-RU" dirty="0"/>
-              <a:t>таких шагов</a:t>
-            </a:r>
-          </a:p>
-        </p:txBody>
-      </p:sp>
-      <p:pic>
-        <p:nvPicPr>
-          <p:cNvPr id="5" name="Рисунок 4">
-            <a:extLst>
-              <a:ext uri="{FF2B5EF4-FFF2-40B4-BE49-F238E27FC236}">
-                <a16:creationId xmlns:a16="http://schemas.microsoft.com/office/drawing/2014/main" id="{38DE9068-BDCB-BAA1-F2A9-1B7DB2D5F80C}"/>
-              </a:ext>
-            </a:extLst>
-          </p:cNvPr>
-          <p:cNvPicPr>
-            <a:picLocks noChangeAspect="1"/>
-          </p:cNvPicPr>
-          <p:nvPr/>
-        </p:nvPicPr>
-        <p:blipFill>
-          <a:blip r:embed="rId2"/>
-          <a:stretch>
-            <a:fillRect/>
-          </a:stretch>
-        </p:blipFill>
-        <p:spPr>
-          <a:xfrm>
-            <a:off x="1495425" y="2797704"/>
-            <a:ext cx="5543550" cy="2143125"/>
-          </a:xfrm>
-          <a:prstGeom prst="rect">
-            <a:avLst/>
-          </a:prstGeom>
-        </p:spPr>
-      </p:pic>
-    </p:spTree>
-    <p:extLst>
-      <p:ext uri="{BB962C8B-B14F-4D97-AF65-F5344CB8AC3E}">
-        <p14:creationId xmlns:p14="http://schemas.microsoft.com/office/powerpoint/2010/main" val="3667626061"/>
-      </p:ext>
-    </p:extLst>
-  </p:cSld>
-  <p:clrMapOvr>
-    <a:masterClrMapping/>
-  </p:clrMapOvr>
-</p:sld>
-</file>
-
-<file path=ppt/slides/slide8.xml><?xml version="1.0" encoding="utf-8"?>
-<p:sld xmlns:a="http://schemas.openxmlformats.org/drawingml/2006/main" xmlns:r="http://schemas.openxmlformats.org/officeDocument/2006/relationships" xmlns:p="http://schemas.openxmlformats.org/presentationml/2006/main">
-  <p:cSld>
-    <p:bg>
-      <p:bgPr>
-        <a:solidFill>
-          <a:schemeClr val="bg1"/>
-        </a:solidFill>
-        <a:effectLst/>
-      </p:bgPr>
-    </p:bg>
     <p:spTree>
       <p:nvGrpSpPr>
         <p:cNvPr id="1" name=""/>
@@ -7098,7 +10775,7 @@
           <p:cNvPr id="2" name="Заголовок 1">
             <a:extLst>
               <a:ext uri="{FF2B5EF4-FFF2-40B4-BE49-F238E27FC236}">
-                <a16:creationId xmlns:a16="http://schemas.microsoft.com/office/drawing/2014/main" id="{4B9CB1B9-5B6F-C7C3-6FA1-562FE9C48C8A}"/>
+                <a16:creationId xmlns:a16="http://schemas.microsoft.com/office/drawing/2014/main" id="{4A435D4F-52D7-DC2A-AA59-6FC59D09DD5A}"/>
               </a:ext>
             </a:extLst>
           </p:cNvPr>
@@ -7112,7 +10789,7 @@
         <p:spPr>
           <a:xfrm>
             <a:off x="643467" y="321734"/>
-            <a:ext cx="4970877" cy="1135737"/>
+            <a:ext cx="10905066" cy="1135737"/>
           </a:xfrm>
         </p:spPr>
         <p:txBody>
@@ -7122,15 +10799,615 @@
           <a:lstStyle/>
           <a:p>
             <a:r>
-              <a:rPr lang="ru-RU" sz="3600"/>
+              <a:rPr lang="ru-RU" sz="3600" dirty="0"/>
               <a:t>Алгоритм Укконена</a:t>
             </a:r>
-            <a:r>
-              <a:rPr lang="en-US" sz="3600"/>
+          </a:p>
+        </p:txBody>
+      </p:sp>
+      <p:sp>
+        <p:nvSpPr>
+          <p:cNvPr id="3" name="Объект 2">
+            <a:extLst>
+              <a:ext uri="{FF2B5EF4-FFF2-40B4-BE49-F238E27FC236}">
+                <a16:creationId xmlns:a16="http://schemas.microsoft.com/office/drawing/2014/main" id="{ACF2D1A9-4338-05BC-EC11-28AB4C68772D}"/>
+              </a:ext>
+            </a:extLst>
+          </p:cNvPr>
+          <p:cNvSpPr>
+            <a:spLocks noGrp="1"/>
+          </p:cNvSpPr>
+          <p:nvPr>
+            <p:ph idx="1"/>
+          </p:nvPr>
+        </p:nvSpPr>
+        <p:spPr>
+          <a:xfrm>
+            <a:off x="1091626" y="1779204"/>
+            <a:ext cx="4008384" cy="4393982"/>
+          </a:xfrm>
+        </p:spPr>
+        <p:txBody>
+          <a:bodyPr>
+            <a:normAutofit/>
+          </a:bodyPr>
+          <a:lstStyle/>
+          <a:p>
+            <a:pPr marL="0" indent="0">
+              <a:buNone/>
+            </a:pPr>
+            <a:r>
+              <a:rPr lang="ru-RU" sz="2000" dirty="0"/>
+              <a:t>Начинаем с пустого дерева (для пустой строки)</a:t>
+            </a:r>
+          </a:p>
+          <a:p>
+            <a:pPr marL="0" indent="0">
+              <a:buNone/>
+            </a:pPr>
+            <a:r>
+              <a:rPr lang="ru-RU" sz="2000" dirty="0"/>
+              <a:t>На каждом шаге добавляем очередной символ строки</a:t>
+            </a:r>
+          </a:p>
+          <a:p>
+            <a:pPr marL="0" indent="0">
+              <a:buNone/>
+            </a:pPr>
+            <a:r>
+              <a:rPr lang="en-US" sz="2000" dirty="0"/>
+              <a:t>N</a:t>
+            </a:r>
+            <a:r>
+              <a:rPr lang="ru-RU" sz="2000" dirty="0"/>
+              <a:t>(длина строки)</a:t>
+            </a:r>
+            <a:r>
+              <a:rPr lang="en-US" sz="2000" dirty="0"/>
+              <a:t> </a:t>
+            </a:r>
+            <a:r>
+              <a:rPr lang="ru-RU" sz="2000" dirty="0"/>
+              <a:t>таких шагов</a:t>
+            </a:r>
+          </a:p>
+        </p:txBody>
+      </p:sp>
+      <p:grpSp>
+        <p:nvGrpSpPr>
+          <p:cNvPr id="12" name="Group 11">
+            <a:extLst>
+              <a:ext uri="{FF2B5EF4-FFF2-40B4-BE49-F238E27FC236}">
+                <a16:creationId xmlns:a16="http://schemas.microsoft.com/office/drawing/2014/main" id="{828A5161-06F1-46CF-8AD7-844680A59E13}"/>
+              </a:ext>
+              <a:ext uri="{C183D7F6-B498-43B3-948B-1728B52AA6E4}">
+                <adec:decorative xmlns:adec="http://schemas.microsoft.com/office/drawing/2017/decorative" val="1"/>
+              </a:ext>
+            </a:extLst>
+          </p:cNvPr>
+          <p:cNvGrpSpPr>
+            <a:grpSpLocks noGrp="1" noUngrp="1" noRot="1" noChangeAspect="1" noMove="1" noResize="1"/>
+          </p:cNvGrpSpPr>
+          <p:nvPr>
+            <p:extLst>
+              <p:ext uri="{386F3935-93C4-4BCD-93E2-E3B085C9AB24}">
+                <p16:designElem xmlns:p16="http://schemas.microsoft.com/office/powerpoint/2015/main" val="1"/>
+              </p:ext>
+            </p:extLst>
+          </p:nvPr>
+        </p:nvGrpSpPr>
+        <p:grpSpPr>
+          <a:xfrm>
+            <a:off x="0" y="4601497"/>
+            <a:ext cx="1014060" cy="2017580"/>
+            <a:chOff x="0" y="4601497"/>
+            <a:chExt cx="1014060" cy="2017580"/>
+          </a:xfrm>
+        </p:grpSpPr>
+        <p:sp>
+          <p:nvSpPr>
+            <p:cNvPr id="13" name="Isosceles Triangle 12">
+              <a:extLst>
+                <a:ext uri="{FF2B5EF4-FFF2-40B4-BE49-F238E27FC236}">
+                  <a16:creationId xmlns:a16="http://schemas.microsoft.com/office/drawing/2014/main" id="{D3F51FEB-38FB-4F6C-9F7B-2F2AFAB65463}"/>
+                </a:ext>
+                <a:ext uri="{C183D7F6-B498-43B3-948B-1728B52AA6E4}">
+                  <adec:decorative xmlns:adec="http://schemas.microsoft.com/office/drawing/2017/decorative" val="1"/>
+                </a:ext>
+              </a:extLst>
+            </p:cNvPr>
+            <p:cNvSpPr/>
+            <p:nvPr>
+              <p:extLst>
+                <p:ext uri="{386F3935-93C4-4BCD-93E2-E3B085C9AB24}">
+                  <p16:designElem xmlns:p16="http://schemas.microsoft.com/office/powerpoint/2015/main" val="1"/>
+                </p:ext>
+              </p:extLst>
+            </p:nvPr>
+          </p:nvSpPr>
+          <p:spPr>
+            <a:xfrm rot="5400000">
+              <a:off x="-501760" y="5103257"/>
+              <a:ext cx="2017580" cy="1014060"/>
+            </a:xfrm>
+            <a:prstGeom prst="triangle">
+              <a:avLst>
+                <a:gd name="adj" fmla="val 50000"/>
+              </a:avLst>
+            </a:prstGeom>
+            <a:solidFill>
+              <a:schemeClr val="accent1">
+                <a:alpha val="30000"/>
+              </a:schemeClr>
+            </a:solidFill>
+            <a:ln>
+              <a:noFill/>
+            </a:ln>
+          </p:spPr>
+          <p:style>
+            <a:lnRef idx="2">
+              <a:schemeClr val="accent1">
+                <a:shade val="50000"/>
+              </a:schemeClr>
+            </a:lnRef>
+            <a:fillRef idx="1">
+              <a:schemeClr val="accent1"/>
+            </a:fillRef>
+            <a:effectRef idx="0">
+              <a:schemeClr val="accent1"/>
+            </a:effectRef>
+            <a:fontRef idx="minor">
+              <a:schemeClr val="lt1"/>
+            </a:fontRef>
+          </p:style>
+          <p:txBody>
+            <a:bodyPr rtlCol="0" anchor="ctr"/>
+            <a:lstStyle/>
+            <a:p>
+              <a:pPr algn="ctr"/>
+              <a:endParaRPr lang="en-US"/>
+            </a:p>
+          </p:txBody>
+        </p:sp>
+        <p:sp>
+          <p:nvSpPr>
+            <p:cNvPr id="14" name="Rectangle 13">
+              <a:extLst>
+                <a:ext uri="{FF2B5EF4-FFF2-40B4-BE49-F238E27FC236}">
+                  <a16:creationId xmlns:a16="http://schemas.microsoft.com/office/drawing/2014/main" id="{1E547BA6-BAE0-43BB-A7CA-60F69CE252F0}"/>
+                </a:ext>
+                <a:ext uri="{C183D7F6-B498-43B3-948B-1728B52AA6E4}">
+                  <adec:decorative xmlns:adec="http://schemas.microsoft.com/office/drawing/2017/decorative" val="1"/>
+                </a:ext>
+              </a:extLst>
+            </p:cNvPr>
+            <p:cNvSpPr/>
+            <p:nvPr>
+              <p:extLst>
+                <p:ext uri="{386F3935-93C4-4BCD-93E2-E3B085C9AB24}">
+                  <p16:designElem xmlns:p16="http://schemas.microsoft.com/office/powerpoint/2015/main" val="1"/>
+                </p:ext>
+              </p:extLst>
+            </p:nvPr>
+          </p:nvSpPr>
+          <p:spPr>
+            <a:xfrm rot="2700000">
+              <a:off x="427916" y="5728708"/>
+              <a:ext cx="485578" cy="485578"/>
+            </a:xfrm>
+            <a:prstGeom prst="rect">
+              <a:avLst/>
+            </a:prstGeom>
+            <a:solidFill>
+              <a:schemeClr val="accent1">
+                <a:alpha val="30000"/>
+              </a:schemeClr>
+            </a:solidFill>
+            <a:ln>
+              <a:noFill/>
+            </a:ln>
+          </p:spPr>
+          <p:style>
+            <a:lnRef idx="2">
+              <a:schemeClr val="accent1">
+                <a:shade val="50000"/>
+              </a:schemeClr>
+            </a:lnRef>
+            <a:fillRef idx="1">
+              <a:schemeClr val="accent1"/>
+            </a:fillRef>
+            <a:effectRef idx="0">
+              <a:schemeClr val="accent1"/>
+            </a:effectRef>
+            <a:fontRef idx="minor">
+              <a:schemeClr val="lt1"/>
+            </a:fontRef>
+          </p:style>
+          <p:txBody>
+            <a:bodyPr rtlCol="0" anchor="ctr"/>
+            <a:lstStyle/>
+            <a:p>
+              <a:pPr algn="ctr"/>
+              <a:endParaRPr lang="en-US"/>
+            </a:p>
+          </p:txBody>
+        </p:sp>
+      </p:grpSp>
+      <p:pic>
+        <p:nvPicPr>
+          <p:cNvPr id="5" name="Рисунок 4" descr="Изображение выглядит как стол&#10;&#10;Автоматически созданное описание">
+            <a:extLst>
+              <a:ext uri="{FF2B5EF4-FFF2-40B4-BE49-F238E27FC236}">
+                <a16:creationId xmlns:a16="http://schemas.microsoft.com/office/drawing/2014/main" id="{38DE9068-BDCB-BAA1-F2A9-1B7DB2D5F80C}"/>
+              </a:ext>
+            </a:extLst>
+          </p:cNvPr>
+          <p:cNvPicPr>
+            <a:picLocks noChangeAspect="1"/>
+          </p:cNvPicPr>
+          <p:nvPr/>
+        </p:nvPicPr>
+        <p:blipFill>
+          <a:blip r:embed="rId2"/>
+          <a:stretch>
+            <a:fillRect/>
+          </a:stretch>
+        </p:blipFill>
+        <p:spPr>
+          <a:xfrm>
+            <a:off x="5452432" y="2108602"/>
+            <a:ext cx="6253212" cy="2417478"/>
+          </a:xfrm>
+          <a:prstGeom prst="rect">
+            <a:avLst/>
+          </a:prstGeom>
+        </p:spPr>
+      </p:pic>
+      <p:grpSp>
+        <p:nvGrpSpPr>
+          <p:cNvPr id="16" name="Group 15">
+            <a:extLst>
+              <a:ext uri="{FF2B5EF4-FFF2-40B4-BE49-F238E27FC236}">
+                <a16:creationId xmlns:a16="http://schemas.microsoft.com/office/drawing/2014/main" id="{5995D10D-E9C9-47DB-AE7E-801FEF38F5C9}"/>
+              </a:ext>
+              <a:ext uri="{C183D7F6-B498-43B3-948B-1728B52AA6E4}">
+                <adec:decorative xmlns:adec="http://schemas.microsoft.com/office/drawing/2017/decorative" val="1"/>
+              </a:ext>
+            </a:extLst>
+          </p:cNvPr>
+          <p:cNvGrpSpPr>
+            <a:grpSpLocks noGrp="1" noUngrp="1" noRot="1" noChangeAspect="1" noMove="1" noResize="1"/>
+          </p:cNvGrpSpPr>
+          <p:nvPr>
+            <p:extLst>
+              <p:ext uri="{386F3935-93C4-4BCD-93E2-E3B085C9AB24}">
+                <p16:designElem xmlns:p16="http://schemas.microsoft.com/office/powerpoint/2015/main" val="1"/>
+              </p:ext>
+            </p:extLst>
+          </p:nvPr>
+        </p:nvGrpSpPr>
+        <p:grpSpPr>
+          <a:xfrm>
+            <a:off x="11219290" y="1"/>
+            <a:ext cx="972709" cy="1935307"/>
+            <a:chOff x="10918968" y="713127"/>
+            <a:chExt cx="1273032" cy="2532832"/>
+          </a:xfrm>
+        </p:grpSpPr>
+        <p:sp>
+          <p:nvSpPr>
+            <p:cNvPr id="17" name="Rectangle 16">
+              <a:extLst>
+                <a:ext uri="{FF2B5EF4-FFF2-40B4-BE49-F238E27FC236}">
+                  <a16:creationId xmlns:a16="http://schemas.microsoft.com/office/drawing/2014/main" id="{CC1A72C6-3DE4-4EC3-9AD5-9E0D40D8CE8A}"/>
+                </a:ext>
+                <a:ext uri="{C183D7F6-B498-43B3-948B-1728B52AA6E4}">
+                  <adec:decorative xmlns:adec="http://schemas.microsoft.com/office/drawing/2017/decorative" val="1"/>
+                </a:ext>
+              </a:extLst>
+            </p:cNvPr>
+            <p:cNvSpPr/>
+            <p:nvPr>
+              <p:extLst>
+                <p:ext uri="{386F3935-93C4-4BCD-93E2-E3B085C9AB24}">
+                  <p16:designElem xmlns:p16="http://schemas.microsoft.com/office/powerpoint/2015/main" val="1"/>
+                </p:ext>
+              </p:extLst>
+            </p:nvPr>
+          </p:nvSpPr>
+          <p:spPr>
+            <a:xfrm rot="2700000">
+              <a:off x="11052629" y="2120024"/>
+              <a:ext cx="645368" cy="645368"/>
+            </a:xfrm>
+            <a:prstGeom prst="rect">
+              <a:avLst/>
+            </a:prstGeom>
+            <a:solidFill>
+              <a:schemeClr val="accent4">
+                <a:alpha val="30000"/>
+              </a:schemeClr>
+            </a:solidFill>
+            <a:ln>
+              <a:noFill/>
+            </a:ln>
+          </p:spPr>
+          <p:style>
+            <a:lnRef idx="2">
+              <a:schemeClr val="accent1">
+                <a:shade val="50000"/>
+              </a:schemeClr>
+            </a:lnRef>
+            <a:fillRef idx="1">
+              <a:schemeClr val="accent1"/>
+            </a:fillRef>
+            <a:effectRef idx="0">
+              <a:schemeClr val="accent1"/>
+            </a:effectRef>
+            <a:fontRef idx="minor">
+              <a:schemeClr val="lt1"/>
+            </a:fontRef>
+          </p:style>
+          <p:txBody>
+            <a:bodyPr rtlCol="0" anchor="ctr"/>
+            <a:lstStyle/>
+            <a:p>
+              <a:pPr algn="ctr"/>
+              <a:endParaRPr lang="en-US"/>
+            </a:p>
+          </p:txBody>
+        </p:sp>
+        <p:sp>
+          <p:nvSpPr>
+            <p:cNvPr id="18" name="Isosceles Triangle 17">
+              <a:extLst>
+                <a:ext uri="{FF2B5EF4-FFF2-40B4-BE49-F238E27FC236}">
+                  <a16:creationId xmlns:a16="http://schemas.microsoft.com/office/drawing/2014/main" id="{0B0DA1F1-C391-4EDF-9FE0-23E86E137765}"/>
+                </a:ext>
+                <a:ext uri="{C183D7F6-B498-43B3-948B-1728B52AA6E4}">
+                  <adec:decorative xmlns:adec="http://schemas.microsoft.com/office/drawing/2017/decorative" val="1"/>
+                </a:ext>
+              </a:extLst>
+            </p:cNvPr>
+            <p:cNvSpPr/>
+            <p:nvPr>
+              <p:extLst>
+                <p:ext uri="{386F3935-93C4-4BCD-93E2-E3B085C9AB24}">
+                  <p16:designElem xmlns:p16="http://schemas.microsoft.com/office/powerpoint/2015/main" val="1"/>
+                </p:ext>
+              </p:extLst>
+            </p:nvPr>
+          </p:nvSpPr>
+          <p:spPr>
+            <a:xfrm rot="16200000">
+              <a:off x="10289068" y="1343027"/>
+              <a:ext cx="2532832" cy="1273032"/>
+            </a:xfrm>
+            <a:prstGeom prst="triangle">
+              <a:avLst>
+                <a:gd name="adj" fmla="val 50000"/>
+              </a:avLst>
+            </a:prstGeom>
+            <a:solidFill>
+              <a:schemeClr val="accent4">
+                <a:alpha val="30000"/>
+              </a:schemeClr>
+            </a:solidFill>
+            <a:ln>
+              <a:noFill/>
+            </a:ln>
+          </p:spPr>
+          <p:style>
+            <a:lnRef idx="2">
+              <a:schemeClr val="accent1">
+                <a:shade val="50000"/>
+              </a:schemeClr>
+            </a:lnRef>
+            <a:fillRef idx="1">
+              <a:schemeClr val="accent1"/>
+            </a:fillRef>
+            <a:effectRef idx="0">
+              <a:schemeClr val="accent1"/>
+            </a:effectRef>
+            <a:fontRef idx="minor">
+              <a:schemeClr val="lt1"/>
+            </a:fontRef>
+          </p:style>
+          <p:txBody>
+            <a:bodyPr rtlCol="0" anchor="ctr"/>
+            <a:lstStyle/>
+            <a:p>
+              <a:pPr algn="ctr"/>
+              <a:endParaRPr lang="en-US" dirty="0"/>
+            </a:p>
+          </p:txBody>
+        </p:sp>
+      </p:grpSp>
+      <p:sp>
+        <p:nvSpPr>
+          <p:cNvPr id="4" name="Прямоугольник 3">
+            <a:extLst>
+              <a:ext uri="{FF2B5EF4-FFF2-40B4-BE49-F238E27FC236}">
+                <a16:creationId xmlns:a16="http://schemas.microsoft.com/office/drawing/2014/main" id="{4EAD4F5B-C189-4F75-A99D-DC334E936863}"/>
+              </a:ext>
+            </a:extLst>
+          </p:cNvPr>
+          <p:cNvSpPr/>
+          <p:nvPr/>
+        </p:nvSpPr>
+        <p:spPr>
+          <a:xfrm>
+            <a:off x="5452432" y="2108601"/>
+            <a:ext cx="344642" cy="370764"/>
+          </a:xfrm>
+          <a:prstGeom prst="rect">
+            <a:avLst/>
+          </a:prstGeom>
+          <a:solidFill>
+            <a:schemeClr val="bg1"/>
+          </a:solidFill>
+          <a:ln>
+            <a:solidFill>
+              <a:schemeClr val="bg1"/>
+            </a:solidFill>
+          </a:ln>
+        </p:spPr>
+        <p:style>
+          <a:lnRef idx="2">
+            <a:schemeClr val="accent1">
+              <a:shade val="50000"/>
+            </a:schemeClr>
+          </a:lnRef>
+          <a:fillRef idx="1">
+            <a:schemeClr val="accent1"/>
+          </a:fillRef>
+          <a:effectRef idx="0">
+            <a:schemeClr val="accent1"/>
+          </a:effectRef>
+          <a:fontRef idx="minor">
+            <a:schemeClr val="lt1"/>
+          </a:fontRef>
+        </p:style>
+        <p:txBody>
+          <a:bodyPr rtlCol="0" anchor="ctr"/>
+          <a:lstStyle/>
+          <a:p>
+            <a:pPr algn="ctr"/>
+            <a:endParaRPr lang="ru-RU"/>
+          </a:p>
+        </p:txBody>
+      </p:sp>
+    </p:spTree>
+    <p:extLst>
+      <p:ext uri="{BB962C8B-B14F-4D97-AF65-F5344CB8AC3E}">
+        <p14:creationId xmlns:p14="http://schemas.microsoft.com/office/powerpoint/2010/main" val="3667626061"/>
+      </p:ext>
+    </p:extLst>
+  </p:cSld>
+  <p:clrMapOvr>
+    <a:masterClrMapping/>
+  </p:clrMapOvr>
+</p:sld>
+</file>
+
+<file path=ppt/slides/slide8.xml><?xml version="1.0" encoding="utf-8"?>
+<p:sld xmlns:a="http://schemas.openxmlformats.org/drawingml/2006/main" xmlns:r="http://schemas.openxmlformats.org/officeDocument/2006/relationships" xmlns:p="http://schemas.openxmlformats.org/presentationml/2006/main">
+  <p:cSld>
+    <p:spTree>
+      <p:nvGrpSpPr>
+        <p:cNvPr id="1" name=""/>
+        <p:cNvGrpSpPr/>
+        <p:nvPr/>
+      </p:nvGrpSpPr>
+      <p:grpSpPr>
+        <a:xfrm>
+          <a:off x="0" y="0"/>
+          <a:ext cx="0" cy="0"/>
+          <a:chOff x="0" y="0"/>
+          <a:chExt cx="0" cy="0"/>
+        </a:xfrm>
+      </p:grpSpPr>
+      <p:sp>
+        <p:nvSpPr>
+          <p:cNvPr id="10" name="Rectangle 9">
+            <a:extLst>
+              <a:ext uri="{FF2B5EF4-FFF2-40B4-BE49-F238E27FC236}">
+                <a16:creationId xmlns:a16="http://schemas.microsoft.com/office/drawing/2014/main" id="{2B566528-1B12-4246-9431-5C2D7D081168}"/>
+              </a:ext>
+              <a:ext uri="{C183D7F6-B498-43B3-948B-1728B52AA6E4}">
+                <adec:decorative xmlns:adec="http://schemas.microsoft.com/office/drawing/2017/decorative" val="1"/>
+              </a:ext>
+            </a:extLst>
+          </p:cNvPr>
+          <p:cNvSpPr>
+            <a:spLocks noGrp="1" noRot="1" noChangeAspect="1" noMove="1" noResize="1" noEditPoints="1" noAdjustHandles="1" noChangeArrowheads="1" noChangeShapeType="1" noTextEdit="1"/>
+          </p:cNvSpPr>
+          <p:nvPr>
+            <p:extLst>
+              <p:ext uri="{386F3935-93C4-4BCD-93E2-E3B085C9AB24}">
+                <p16:designElem xmlns:p16="http://schemas.microsoft.com/office/powerpoint/2015/main" val="1"/>
+              </p:ext>
+            </p:extLst>
+          </p:nvPr>
+        </p:nvSpPr>
+        <p:spPr>
+          <a:xfrm>
+            <a:off x="0" y="0"/>
+            <a:ext cx="12192000" cy="6858000"/>
+          </a:xfrm>
+          <a:prstGeom prst="rect">
+            <a:avLst/>
+          </a:prstGeom>
+          <a:solidFill>
+            <a:schemeClr val="bg1"/>
+          </a:solidFill>
+          <a:ln>
+            <a:noFill/>
+          </a:ln>
+        </p:spPr>
+        <p:style>
+          <a:lnRef idx="2">
+            <a:schemeClr val="accent1">
+              <a:shade val="50000"/>
+            </a:schemeClr>
+          </a:lnRef>
+          <a:fillRef idx="1">
+            <a:schemeClr val="accent1"/>
+          </a:fillRef>
+          <a:effectRef idx="0">
+            <a:schemeClr val="accent1"/>
+          </a:effectRef>
+          <a:fontRef idx="minor">
+            <a:schemeClr val="lt1"/>
+          </a:fontRef>
+        </p:style>
+        <p:txBody>
+          <a:bodyPr rtlCol="0" anchor="ctr"/>
+          <a:lstStyle/>
+          <a:p>
+            <a:pPr algn="ctr"/>
+            <a:endParaRPr lang="en-US" dirty="0"/>
+          </a:p>
+        </p:txBody>
+      </p:sp>
+      <p:sp>
+        <p:nvSpPr>
+          <p:cNvPr id="2" name="Заголовок 1">
+            <a:extLst>
+              <a:ext uri="{FF2B5EF4-FFF2-40B4-BE49-F238E27FC236}">
+                <a16:creationId xmlns:a16="http://schemas.microsoft.com/office/drawing/2014/main" id="{4B9CB1B9-5B6F-C7C3-6FA1-562FE9C48C8A}"/>
+              </a:ext>
+            </a:extLst>
+          </p:cNvPr>
+          <p:cNvSpPr>
+            <a:spLocks noGrp="1"/>
+          </p:cNvSpPr>
+          <p:nvPr>
+            <p:ph type="title"/>
+          </p:nvPr>
+        </p:nvSpPr>
+        <p:spPr>
+          <a:xfrm>
+            <a:off x="643467" y="321734"/>
+            <a:ext cx="8704719" cy="1135737"/>
+          </a:xfrm>
+        </p:spPr>
+        <p:txBody>
+          <a:bodyPr>
+            <a:normAutofit/>
+          </a:bodyPr>
+          <a:lstStyle/>
+          <a:p>
+            <a:r>
+              <a:rPr lang="ru-RU" sz="3600" dirty="0"/>
+              <a:t>Алгоритм Укконена</a:t>
+            </a:r>
+            <a:r>
+              <a:rPr lang="en-US" sz="3600" dirty="0"/>
               <a:t>:</a:t>
             </a:r>
             <a:r>
-              <a:rPr lang="ru-RU" sz="3600"/>
+              <a:rPr lang="ru-RU" sz="3600" dirty="0"/>
               <a:t> добавления символа</a:t>
             </a:r>
           </a:p>
@@ -7164,66 +11441,83 @@
           </a:bodyPr>
           <a:lstStyle/>
           <a:p>
-            <a:r>
-              <a:rPr lang="ru-RU" sz="2000" dirty="0"/>
+            <a:pPr marL="0" indent="0">
+              <a:buNone/>
+            </a:pPr>
+            <a:r>
+              <a:rPr lang="ru-RU" sz="2400" dirty="0"/>
               <a:t>Шаг </a:t>
             </a:r>
             <a:r>
-              <a:rPr lang="en-US" sz="2000" dirty="0"/>
-              <a:t>I:</a:t>
-            </a:r>
-            <a:r>
-              <a:rPr lang="ru-RU" sz="2000" dirty="0"/>
+              <a:rPr lang="en-US" sz="2400" b="1" dirty="0"/>
+              <a:t>i</a:t>
+            </a:r>
+            <a:r>
+              <a:rPr lang="en-US" sz="2400" dirty="0"/>
+              <a:t>:</a:t>
+            </a:r>
+            <a:r>
+              <a:rPr lang="ru-RU" sz="2400" dirty="0"/>
               <a:t> добавляем символ </a:t>
             </a:r>
             <a:r>
-              <a:rPr lang="en-US" sz="2000" dirty="0"/>
-              <a:t>a </a:t>
-            </a:r>
-            <a:r>
-              <a:rPr lang="ru-RU" sz="2000" dirty="0"/>
+              <a:rPr lang="en-US" sz="2400" dirty="0"/>
+              <a:t>‘</a:t>
+            </a:r>
+            <a:r>
+              <a:rPr lang="en-US" sz="2400" b="1" dirty="0"/>
+              <a:t>a</a:t>
+            </a:r>
+            <a:r>
+              <a:rPr lang="en-US" sz="2400" dirty="0"/>
+              <a:t>’ </a:t>
+            </a:r>
+            <a:r>
+              <a:rPr lang="ru-RU" sz="2400" dirty="0"/>
               <a:t>к </a:t>
             </a:r>
             <a:r>
-              <a:rPr lang="en-US" sz="2000" dirty="0" err="1"/>
+              <a:rPr lang="en-US" sz="2400" b="1" dirty="0" err="1"/>
               <a:t>i</a:t>
             </a:r>
             <a:r>
-              <a:rPr lang="en-US" sz="2000" dirty="0"/>
+              <a:rPr lang="en-US" sz="2400" dirty="0"/>
               <a:t> </a:t>
             </a:r>
             <a:r>
-              <a:rPr lang="ru-RU" sz="2000" dirty="0"/>
+              <a:rPr lang="ru-RU" sz="2400" dirty="0"/>
               <a:t> суффиксам</a:t>
             </a:r>
-            <a:endParaRPr lang="en-US" sz="2000" dirty="0"/>
-          </a:p>
-          <a:p>
-            <a:r>
-              <a:rPr lang="en-US" sz="2000" dirty="0"/>
-              <a:t>   </a:t>
-            </a:r>
-            <a:r>
-              <a:rPr lang="ru-RU" sz="2000" dirty="0"/>
+            <a:endParaRPr lang="en-US" sz="2400" dirty="0"/>
+          </a:p>
+          <a:p>
+            <a:pPr marL="0" indent="0">
+              <a:buNone/>
+            </a:pPr>
+            <a:r>
+              <a:rPr lang="ru-RU" sz="2400" dirty="0"/>
               <a:t>Требуется добавить его в </a:t>
             </a:r>
             <a:r>
-              <a:rPr lang="en-US" sz="2000" dirty="0" err="1"/>
+              <a:rPr lang="en-US" sz="2400" b="1" dirty="0" err="1"/>
               <a:t>i</a:t>
             </a:r>
             <a:r>
-              <a:rPr lang="en-US" sz="2000" dirty="0"/>
+              <a:rPr lang="en-US" sz="2400" dirty="0"/>
               <a:t> </a:t>
             </a:r>
             <a:r>
-              <a:rPr lang="ru-RU" sz="2000" dirty="0"/>
+              <a:rPr lang="ru-RU" sz="2400" dirty="0"/>
               <a:t>положение в дереве</a:t>
             </a:r>
           </a:p>
           <a:p>
-            <a:r>
-              <a:rPr lang="ru-RU" sz="2000" dirty="0"/>
-              <a:t>         Перебираем эти положения в порядке уменьшения глубины дерева</a:t>
+            <a:pPr marL="0" indent="0">
+              <a:buNone/>
+            </a:pPr>
+            <a:r>
+              <a:rPr lang="ru-RU" sz="2400" dirty="0"/>
+              <a:t>Перебираем эти положения в порядке уменьшения глубины дерева</a:t>
             </a:r>
           </a:p>
         </p:txBody>
@@ -7550,6 +11844,36 @@
           </a:prstGeom>
         </p:spPr>
       </p:pic>
+      <p:pic>
+        <p:nvPicPr>
+          <p:cNvPr id="6" name="Рисунок 5">
+            <a:extLst>
+              <a:ext uri="{FF2B5EF4-FFF2-40B4-BE49-F238E27FC236}">
+                <a16:creationId xmlns:a16="http://schemas.microsoft.com/office/drawing/2014/main" id="{C807CF31-D36A-F8BD-4E78-4A7EAC9D87AF}"/>
+              </a:ext>
+            </a:extLst>
+          </p:cNvPr>
+          <p:cNvPicPr>
+            <a:picLocks noChangeAspect="1"/>
+          </p:cNvPicPr>
+          <p:nvPr/>
+        </p:nvPicPr>
+        <p:blipFill>
+          <a:blip r:embed="rId3"/>
+          <a:stretch>
+            <a:fillRect/>
+          </a:stretch>
+        </p:blipFill>
+        <p:spPr>
+          <a:xfrm>
+            <a:off x="5650911" y="2137061"/>
+            <a:ext cx="1905000" cy="447675"/>
+          </a:xfrm>
+          <a:prstGeom prst="rect">
+            <a:avLst/>
+          </a:prstGeom>
+        </p:spPr>
+      </p:pic>
     </p:spTree>
     <p:extLst>
       <p:ext uri="{BB962C8B-B14F-4D97-AF65-F5344CB8AC3E}">
@@ -7616,34 +11940,6 @@
           </a:p>
         </p:txBody>
       </p:sp>
-      <p:sp>
-        <p:nvSpPr>
-          <p:cNvPr id="3" name="Объект 2">
-            <a:extLst>
-              <a:ext uri="{FF2B5EF4-FFF2-40B4-BE49-F238E27FC236}">
-                <a16:creationId xmlns:a16="http://schemas.microsoft.com/office/drawing/2014/main" id="{6864E8BE-6712-DA2F-091F-5C04D0FD4DD1}"/>
-              </a:ext>
-            </a:extLst>
-          </p:cNvPr>
-          <p:cNvSpPr>
-            <a:spLocks noGrp="1"/>
-          </p:cNvSpPr>
-          <p:nvPr>
-            <p:ph idx="1"/>
-          </p:nvPr>
-        </p:nvSpPr>
-        <p:spPr/>
-        <p:txBody>
-          <a:bodyPr/>
-          <a:lstStyle/>
-          <a:p>
-            <a:pPr marL="0" indent="0">
-              <a:buNone/>
-            </a:pPr>
-            <a:endParaRPr lang="ru-RU" dirty="0"/>
-          </a:p>
-        </p:txBody>
-      </p:sp>
       <p:pic>
         <p:nvPicPr>
           <p:cNvPr id="7" name="Рисунок 6">
@@ -7666,7 +11962,7 @@
         </p:blipFill>
         <p:spPr>
           <a:xfrm>
-            <a:off x="789431" y="2643716"/>
+            <a:off x="789431" y="2075545"/>
             <a:ext cx="10564369" cy="3668184"/>
           </a:xfrm>
           <a:prstGeom prst="rect">
@@ -7980,4 +12276,299 @@
     </a:ext>
   </a:extLst>
 </a:theme>
+</file>
+
+<file path=ppt/theme/theme2.xml><?xml version="1.0" encoding="utf-8"?>
+<a:theme xmlns:a="http://schemas.openxmlformats.org/drawingml/2006/main" name="Тема Office">
+  <a:themeElements>
+    <a:clrScheme name="Стандартная">
+      <a:dk1>
+        <a:sysClr val="windowText" lastClr="000000"/>
+      </a:dk1>
+      <a:lt1>
+        <a:sysClr val="window" lastClr="FFFFFF"/>
+      </a:lt1>
+      <a:dk2>
+        <a:srgbClr val="44546A"/>
+      </a:dk2>
+      <a:lt2>
+        <a:srgbClr val="E7E6E6"/>
+      </a:lt2>
+      <a:accent1>
+        <a:srgbClr val="4472C4"/>
+      </a:accent1>
+      <a:accent2>
+        <a:srgbClr val="ED7D31"/>
+      </a:accent2>
+      <a:accent3>
+        <a:srgbClr val="A5A5A5"/>
+      </a:accent3>
+      <a:accent4>
+        <a:srgbClr val="FFC000"/>
+      </a:accent4>
+      <a:accent5>
+        <a:srgbClr val="5B9BD5"/>
+      </a:accent5>
+      <a:accent6>
+        <a:srgbClr val="70AD47"/>
+      </a:accent6>
+      <a:hlink>
+        <a:srgbClr val="0563C1"/>
+      </a:hlink>
+      <a:folHlink>
+        <a:srgbClr val="954F72"/>
+      </a:folHlink>
+    </a:clrScheme>
+    <a:fontScheme name="Стандартная">
+      <a:majorFont>
+        <a:latin typeface="Calibri Light" panose="020F0302020204030204"/>
+        <a:ea typeface=""/>
+        <a:cs typeface=""/>
+        <a:font script="Jpan" typeface="游ゴシック Light"/>
+        <a:font script="Hang" typeface="맑은 고딕"/>
+        <a:font script="Hans" typeface="等线 Light"/>
+        <a:font script="Hant" typeface="新細明體"/>
+        <a:font script="Arab" typeface="Times New Roman"/>
+        <a:font script="Hebr" typeface="Times New Roman"/>
+        <a:font script="Thai" typeface="Angsana New"/>
+        <a:font script="Ethi" typeface="Nyala"/>
+        <a:font script="Beng" typeface="Vrinda"/>
+        <a:font script="Gujr" typeface="Shruti"/>
+        <a:font script="Khmr" typeface="MoolBoran"/>
+        <a:font script="Knda" typeface="Tunga"/>
+        <a:font script="Guru" typeface="Raavi"/>
+        <a:font script="Cans" typeface="Euphemia"/>
+        <a:font script="Cher" typeface="Plantagenet Cherokee"/>
+        <a:font script="Yiii" typeface="Microsoft Yi Baiti"/>
+        <a:font script="Tibt" typeface="Microsoft Himalaya"/>
+        <a:font script="Thaa" typeface="MV Boli"/>
+        <a:font script="Deva" typeface="Mangal"/>
+        <a:font script="Telu" typeface="Gautami"/>
+        <a:font script="Taml" typeface="Latha"/>
+        <a:font script="Syrc" typeface="Estrangelo Edessa"/>
+        <a:font script="Orya" typeface="Kalinga"/>
+        <a:font script="Mlym" typeface="Kartika"/>
+        <a:font script="Laoo" typeface="DokChampa"/>
+        <a:font script="Sinh" typeface="Iskoola Pota"/>
+        <a:font script="Mong" typeface="Mongolian Baiti"/>
+        <a:font script="Viet" typeface="Times New Roman"/>
+        <a:font script="Uigh" typeface="Microsoft Uighur"/>
+        <a:font script="Geor" typeface="Sylfaen"/>
+        <a:font script="Armn" typeface="Arial"/>
+        <a:font script="Bugi" typeface="Leelawadee UI"/>
+        <a:font script="Bopo" typeface="Microsoft JhengHei"/>
+        <a:font script="Java" typeface="Javanese Text"/>
+        <a:font script="Lisu" typeface="Segoe UI"/>
+        <a:font script="Mymr" typeface="Myanmar Text"/>
+        <a:font script="Nkoo" typeface="Ebrima"/>
+        <a:font script="Olck" typeface="Nirmala UI"/>
+        <a:font script="Osma" typeface="Ebrima"/>
+        <a:font script="Phag" typeface="Phagspa"/>
+        <a:font script="Syrn" typeface="Estrangelo Edessa"/>
+        <a:font script="Syrj" typeface="Estrangelo Edessa"/>
+        <a:font script="Syre" typeface="Estrangelo Edessa"/>
+        <a:font script="Sora" typeface="Nirmala UI"/>
+        <a:font script="Tale" typeface="Microsoft Tai Le"/>
+        <a:font script="Talu" typeface="Microsoft New Tai Lue"/>
+        <a:font script="Tfng" typeface="Ebrima"/>
+      </a:majorFont>
+      <a:minorFont>
+        <a:latin typeface="Calibri" panose="020F0502020204030204"/>
+        <a:ea typeface=""/>
+        <a:cs typeface=""/>
+        <a:font script="Jpan" typeface="游ゴシック"/>
+        <a:font script="Hang" typeface="맑은 고딕"/>
+        <a:font script="Hans" typeface="等线"/>
+        <a:font script="Hant" typeface="新細明體"/>
+        <a:font script="Arab" typeface="Arial"/>
+        <a:font script="Hebr" typeface="Arial"/>
+        <a:font script="Thai" typeface="Cordia New"/>
+        <a:font script="Ethi" typeface="Nyala"/>
+        <a:font script="Beng" typeface="Vrinda"/>
+        <a:font script="Gujr" typeface="Shruti"/>
+        <a:font script="Khmr" typeface="DaunPenh"/>
+        <a:font script="Knda" typeface="Tunga"/>
+        <a:font script="Guru" typeface="Raavi"/>
+        <a:font script="Cans" typeface="Euphemia"/>
+        <a:font script="Cher" typeface="Plantagenet Cherokee"/>
+        <a:font script="Yiii" typeface="Microsoft Yi Baiti"/>
+        <a:font script="Tibt" typeface="Microsoft Himalaya"/>
+        <a:font script="Thaa" typeface="MV Boli"/>
+        <a:font script="Deva" typeface="Mangal"/>
+        <a:font script="Telu" typeface="Gautami"/>
+        <a:font script="Taml" typeface="Latha"/>
+        <a:font script="Syrc" typeface="Estrangelo Edessa"/>
+        <a:font script="Orya" typeface="Kalinga"/>
+        <a:font script="Mlym" typeface="Kartika"/>
+        <a:font script="Laoo" typeface="DokChampa"/>
+        <a:font script="Sinh" typeface="Iskoola Pota"/>
+        <a:font script="Mong" typeface="Mongolian Baiti"/>
+        <a:font script="Viet" typeface="Arial"/>
+        <a:font script="Uigh" typeface="Microsoft Uighur"/>
+        <a:font script="Geor" typeface="Sylfaen"/>
+        <a:font script="Armn" typeface="Arial"/>
+        <a:font script="Bugi" typeface="Leelawadee UI"/>
+        <a:font script="Bopo" typeface="Microsoft JhengHei"/>
+        <a:font script="Java" typeface="Javanese Text"/>
+        <a:font script="Lisu" typeface="Segoe UI"/>
+        <a:font script="Mymr" typeface="Myanmar Text"/>
+        <a:font script="Nkoo" typeface="Ebrima"/>
+        <a:font script="Olck" typeface="Nirmala UI"/>
+        <a:font script="Osma" typeface="Ebrima"/>
+        <a:font script="Phag" typeface="Phagspa"/>
+        <a:font script="Syrn" typeface="Estrangelo Edessa"/>
+        <a:font script="Syrj" typeface="Estrangelo Edessa"/>
+        <a:font script="Syre" typeface="Estrangelo Edessa"/>
+        <a:font script="Sora" typeface="Nirmala UI"/>
+        <a:font script="Tale" typeface="Microsoft Tai Le"/>
+        <a:font script="Talu" typeface="Microsoft New Tai Lue"/>
+        <a:font script="Tfng" typeface="Ebrima"/>
+      </a:minorFont>
+    </a:fontScheme>
+    <a:fmtScheme name="Стандартная">
+      <a:fillStyleLst>
+        <a:solidFill>
+          <a:schemeClr val="phClr"/>
+        </a:solidFill>
+        <a:gradFill rotWithShape="1">
+          <a:gsLst>
+            <a:gs pos="0">
+              <a:schemeClr val="phClr">
+                <a:lumMod val="110000"/>
+                <a:satMod val="105000"/>
+                <a:tint val="67000"/>
+              </a:schemeClr>
+            </a:gs>
+            <a:gs pos="50000">
+              <a:schemeClr val="phClr">
+                <a:lumMod val="105000"/>
+                <a:satMod val="103000"/>
+                <a:tint val="73000"/>
+              </a:schemeClr>
+            </a:gs>
+            <a:gs pos="100000">
+              <a:schemeClr val="phClr">
+                <a:lumMod val="105000"/>
+                <a:satMod val="109000"/>
+                <a:tint val="81000"/>
+              </a:schemeClr>
+            </a:gs>
+          </a:gsLst>
+          <a:lin ang="5400000" scaled="0"/>
+        </a:gradFill>
+        <a:gradFill rotWithShape="1">
+          <a:gsLst>
+            <a:gs pos="0">
+              <a:schemeClr val="phClr">
+                <a:satMod val="103000"/>
+                <a:lumMod val="102000"/>
+                <a:tint val="94000"/>
+              </a:schemeClr>
+            </a:gs>
+            <a:gs pos="50000">
+              <a:schemeClr val="phClr">
+                <a:satMod val="110000"/>
+                <a:lumMod val="100000"/>
+                <a:shade val="100000"/>
+              </a:schemeClr>
+            </a:gs>
+            <a:gs pos="100000">
+              <a:schemeClr val="phClr">
+                <a:lumMod val="99000"/>
+                <a:satMod val="120000"/>
+                <a:shade val="78000"/>
+              </a:schemeClr>
+            </a:gs>
+          </a:gsLst>
+          <a:lin ang="5400000" scaled="0"/>
+        </a:gradFill>
+      </a:fillStyleLst>
+      <a:lnStyleLst>
+        <a:ln w="6350" cap="flat" cmpd="sng" algn="ctr">
+          <a:solidFill>
+            <a:schemeClr val="phClr"/>
+          </a:solidFill>
+          <a:prstDash val="solid"/>
+          <a:miter lim="800000"/>
+        </a:ln>
+        <a:ln w="12700" cap="flat" cmpd="sng" algn="ctr">
+          <a:solidFill>
+            <a:schemeClr val="phClr"/>
+          </a:solidFill>
+          <a:prstDash val="solid"/>
+          <a:miter lim="800000"/>
+        </a:ln>
+        <a:ln w="19050" cap="flat" cmpd="sng" algn="ctr">
+          <a:solidFill>
+            <a:schemeClr val="phClr"/>
+          </a:solidFill>
+          <a:prstDash val="solid"/>
+          <a:miter lim="800000"/>
+        </a:ln>
+      </a:lnStyleLst>
+      <a:effectStyleLst>
+        <a:effectStyle>
+          <a:effectLst/>
+        </a:effectStyle>
+        <a:effectStyle>
+          <a:effectLst/>
+        </a:effectStyle>
+        <a:effectStyle>
+          <a:effectLst>
+            <a:outerShdw blurRad="57150" dist="19050" dir="5400000" algn="ctr" rotWithShape="0">
+              <a:srgbClr val="000000">
+                <a:alpha val="63000"/>
+              </a:srgbClr>
+            </a:outerShdw>
+          </a:effectLst>
+        </a:effectStyle>
+      </a:effectStyleLst>
+      <a:bgFillStyleLst>
+        <a:solidFill>
+          <a:schemeClr val="phClr"/>
+        </a:solidFill>
+        <a:solidFill>
+          <a:schemeClr val="phClr">
+            <a:tint val="95000"/>
+            <a:satMod val="170000"/>
+          </a:schemeClr>
+        </a:solidFill>
+        <a:gradFill rotWithShape="1">
+          <a:gsLst>
+            <a:gs pos="0">
+              <a:schemeClr val="phClr">
+                <a:tint val="93000"/>
+                <a:satMod val="150000"/>
+                <a:shade val="98000"/>
+                <a:lumMod val="102000"/>
+              </a:schemeClr>
+            </a:gs>
+            <a:gs pos="50000">
+              <a:schemeClr val="phClr">
+                <a:tint val="98000"/>
+                <a:satMod val="130000"/>
+                <a:shade val="90000"/>
+                <a:lumMod val="103000"/>
+              </a:schemeClr>
+            </a:gs>
+            <a:gs pos="100000">
+              <a:schemeClr val="phClr">
+                <a:shade val="63000"/>
+                <a:satMod val="120000"/>
+              </a:schemeClr>
+            </a:gs>
+          </a:gsLst>
+          <a:lin ang="5400000" scaled="0"/>
+        </a:gradFill>
+      </a:bgFillStyleLst>
+    </a:fmtScheme>
+  </a:themeElements>
+  <a:objectDefaults/>
+  <a:extraClrSchemeLst/>
+  <a:extLst>
+    <a:ext uri="{05A4C25C-085E-4340-85A3-A5531E510DB2}">
+      <thm15:themeFamily xmlns:thm15="http://schemas.microsoft.com/office/thememl/2012/main" name="Office Theme" id="{62F939B6-93AF-4DB8-9C6B-D6C7DFDC589F}" vid="{4A3C46E8-61CC-4603-A589-7422A47A8E4A}"/>
+    </a:ext>
+  </a:extLst>
+</a:theme>
 </file>
--- a/Algorithm Ykkonena.pptx
+++ b/Algorithm Ykkonena.pptx
@@ -5,30 +5,31 @@
     <p:sldMasterId id="2147483648" r:id="rId1"/>
   </p:sldMasterIdLst>
   <p:notesMasterIdLst>
-    <p:notesMasterId r:id="rId23"/>
+    <p:notesMasterId r:id="rId24"/>
   </p:notesMasterIdLst>
   <p:sldIdLst>
     <p:sldId id="256" r:id="rId2"/>
     <p:sldId id="257" r:id="rId3"/>
-    <p:sldId id="258" r:id="rId4"/>
-    <p:sldId id="259" r:id="rId5"/>
-    <p:sldId id="260" r:id="rId6"/>
-    <p:sldId id="261" r:id="rId7"/>
-    <p:sldId id="262" r:id="rId8"/>
-    <p:sldId id="263" r:id="rId9"/>
-    <p:sldId id="264" r:id="rId10"/>
-    <p:sldId id="265" r:id="rId11"/>
-    <p:sldId id="266" r:id="rId12"/>
-    <p:sldId id="267" r:id="rId13"/>
-    <p:sldId id="268" r:id="rId14"/>
-    <p:sldId id="274" r:id="rId15"/>
-    <p:sldId id="275" r:id="rId16"/>
-    <p:sldId id="276" r:id="rId17"/>
-    <p:sldId id="277" r:id="rId18"/>
-    <p:sldId id="278" r:id="rId19"/>
-    <p:sldId id="279" r:id="rId20"/>
-    <p:sldId id="280" r:id="rId21"/>
-    <p:sldId id="281" r:id="rId22"/>
+    <p:sldId id="282" r:id="rId4"/>
+    <p:sldId id="258" r:id="rId5"/>
+    <p:sldId id="259" r:id="rId6"/>
+    <p:sldId id="260" r:id="rId7"/>
+    <p:sldId id="261" r:id="rId8"/>
+    <p:sldId id="262" r:id="rId9"/>
+    <p:sldId id="263" r:id="rId10"/>
+    <p:sldId id="264" r:id="rId11"/>
+    <p:sldId id="265" r:id="rId12"/>
+    <p:sldId id="266" r:id="rId13"/>
+    <p:sldId id="267" r:id="rId14"/>
+    <p:sldId id="268" r:id="rId15"/>
+    <p:sldId id="274" r:id="rId16"/>
+    <p:sldId id="275" r:id="rId17"/>
+    <p:sldId id="276" r:id="rId18"/>
+    <p:sldId id="277" r:id="rId19"/>
+    <p:sldId id="278" r:id="rId20"/>
+    <p:sldId id="279" r:id="rId21"/>
+    <p:sldId id="280" r:id="rId22"/>
+    <p:sldId id="281" r:id="rId23"/>
   </p:sldIdLst>
   <p:sldSz cx="12192000" cy="6858000"/>
   <p:notesSz cx="6858000" cy="9144000"/>
@@ -904,10 +905,10 @@
         <a:lstStyle/>
         <a:p>
           <a:r>
-            <a:rPr lang="ru-RU"/>
+            <a:rPr lang="ru-RU" dirty="0"/>
             <a:t>Дана строка Т</a:t>
           </a:r>
-          <a:endParaRPr lang="en-US"/>
+          <a:endParaRPr lang="en-US" dirty="0"/>
         </a:p>
       </dgm:t>
     </dgm:pt>
@@ -1246,7 +1247,7 @@
       <dgm:spPr/>
     </dgm:pt>
     <dgm:pt modelId="{3EBDB24F-A150-430D-8285-DC9082797A97}" type="pres">
-      <dgm:prSet presAssocID="{6C905DD4-CA3D-4124-948E-076C5E88C88E}" presName="parentText" presStyleLbl="node1" presStyleIdx="0" presStyleCnt="4">
+      <dgm:prSet presAssocID="{6C905DD4-CA3D-4124-948E-076C5E88C88E}" presName="parentText" presStyleLbl="node1" presStyleIdx="0" presStyleCnt="4" custLinFactNeighborY="2062">
         <dgm:presLayoutVars>
           <dgm:chMax val="0"/>
           <dgm:bulletEnabled val="1"/>
@@ -1366,7 +1367,7 @@
       </dsp:nvSpPr>
       <dsp:spPr>
         <a:xfrm>
-          <a:off x="0" y="67328"/>
+          <a:off x="0" y="76207"/>
           <a:ext cx="10515600" cy="623610"/>
         </a:xfrm>
         <a:prstGeom prst="roundRect">
@@ -1427,14 +1428,14 @@
             <a:buNone/>
           </a:pPr>
           <a:r>
-            <a:rPr lang="ru-RU" sz="2600" kern="1200"/>
+            <a:rPr lang="ru-RU" sz="2600" kern="1200" dirty="0"/>
             <a:t>Дана строка Т</a:t>
           </a:r>
-          <a:endParaRPr lang="en-US" sz="2600" kern="1200"/>
+          <a:endParaRPr lang="en-US" sz="2600" kern="1200" dirty="0"/>
         </a:p>
       </dsp:txBody>
       <dsp:txXfrm>
-        <a:off x="30442" y="97770"/>
+        <a:off x="30442" y="106649"/>
         <a:ext cx="10454716" cy="562726"/>
       </dsp:txXfrm>
     </dsp:sp>
@@ -3250,7 +3251,7 @@
           <a:p>
             <a:fld id="{D7D411B8-925D-4A43-88D4-1AB25980BAD3}" type="datetimeFigureOut">
               <a:rPr lang="ru-RU" smtClean="0"/>
-              <a:t>21.12.2022</a:t>
+              <a:t>10.01.2023</a:t>
             </a:fld>
             <a:endParaRPr lang="ru-RU"/>
           </a:p>
@@ -3748,7 +3749,7 @@
           <a:p>
             <a:fld id="{70FC7955-C5F2-4C3A-BBD7-9F6FA9C85E71}" type="datetimeFigureOut">
               <a:rPr lang="ru-RU" smtClean="0"/>
-              <a:t>21.12.2022</a:t>
+              <a:t>10.01.2023</a:t>
             </a:fld>
             <a:endParaRPr lang="ru-RU"/>
           </a:p>
@@ -3946,7 +3947,7 @@
           <a:p>
             <a:fld id="{70FC7955-C5F2-4C3A-BBD7-9F6FA9C85E71}" type="datetimeFigureOut">
               <a:rPr lang="ru-RU" smtClean="0"/>
-              <a:t>21.12.2022</a:t>
+              <a:t>10.01.2023</a:t>
             </a:fld>
             <a:endParaRPr lang="ru-RU"/>
           </a:p>
@@ -4154,7 +4155,7 @@
           <a:p>
             <a:fld id="{70FC7955-C5F2-4C3A-BBD7-9F6FA9C85E71}" type="datetimeFigureOut">
               <a:rPr lang="ru-RU" smtClean="0"/>
-              <a:t>21.12.2022</a:t>
+              <a:t>10.01.2023</a:t>
             </a:fld>
             <a:endParaRPr lang="ru-RU"/>
           </a:p>
@@ -4352,7 +4353,7 @@
           <a:p>
             <a:fld id="{70FC7955-C5F2-4C3A-BBD7-9F6FA9C85E71}" type="datetimeFigureOut">
               <a:rPr lang="ru-RU" smtClean="0"/>
-              <a:t>21.12.2022</a:t>
+              <a:t>10.01.2023</a:t>
             </a:fld>
             <a:endParaRPr lang="ru-RU"/>
           </a:p>
@@ -4627,7 +4628,7 @@
           <a:p>
             <a:fld id="{70FC7955-C5F2-4C3A-BBD7-9F6FA9C85E71}" type="datetimeFigureOut">
               <a:rPr lang="ru-RU" smtClean="0"/>
-              <a:t>21.12.2022</a:t>
+              <a:t>10.01.2023</a:t>
             </a:fld>
             <a:endParaRPr lang="ru-RU"/>
           </a:p>
@@ -4892,7 +4893,7 @@
           <a:p>
             <a:fld id="{70FC7955-C5F2-4C3A-BBD7-9F6FA9C85E71}" type="datetimeFigureOut">
               <a:rPr lang="ru-RU" smtClean="0"/>
-              <a:t>21.12.2022</a:t>
+              <a:t>10.01.2023</a:t>
             </a:fld>
             <a:endParaRPr lang="ru-RU"/>
           </a:p>
@@ -5304,7 +5305,7 @@
           <a:p>
             <a:fld id="{70FC7955-C5F2-4C3A-BBD7-9F6FA9C85E71}" type="datetimeFigureOut">
               <a:rPr lang="ru-RU" smtClean="0"/>
-              <a:t>21.12.2022</a:t>
+              <a:t>10.01.2023</a:t>
             </a:fld>
             <a:endParaRPr lang="ru-RU"/>
           </a:p>
@@ -5445,7 +5446,7 @@
           <a:p>
             <a:fld id="{70FC7955-C5F2-4C3A-BBD7-9F6FA9C85E71}" type="datetimeFigureOut">
               <a:rPr lang="ru-RU" smtClean="0"/>
-              <a:t>21.12.2022</a:t>
+              <a:t>10.01.2023</a:t>
             </a:fld>
             <a:endParaRPr lang="ru-RU"/>
           </a:p>
@@ -5558,7 +5559,7 @@
           <a:p>
             <a:fld id="{70FC7955-C5F2-4C3A-BBD7-9F6FA9C85E71}" type="datetimeFigureOut">
               <a:rPr lang="ru-RU" smtClean="0"/>
-              <a:t>21.12.2022</a:t>
+              <a:t>10.01.2023</a:t>
             </a:fld>
             <a:endParaRPr lang="ru-RU"/>
           </a:p>
@@ -5869,7 +5870,7 @@
           <a:p>
             <a:fld id="{70FC7955-C5F2-4C3A-BBD7-9F6FA9C85E71}" type="datetimeFigureOut">
               <a:rPr lang="ru-RU" smtClean="0"/>
-              <a:t>21.12.2022</a:t>
+              <a:t>10.01.2023</a:t>
             </a:fld>
             <a:endParaRPr lang="ru-RU"/>
           </a:p>
@@ -6157,7 +6158,7 @@
           <a:p>
             <a:fld id="{70FC7955-C5F2-4C3A-BBD7-9F6FA9C85E71}" type="datetimeFigureOut">
               <a:rPr lang="ru-RU" smtClean="0"/>
-              <a:t>21.12.2022</a:t>
+              <a:t>10.01.2023</a:t>
             </a:fld>
             <a:endParaRPr lang="ru-RU"/>
           </a:p>
@@ -6401,7 +6402,7 @@
           <a:p>
             <a:fld id="{70FC7955-C5F2-4C3A-BBD7-9F6FA9C85E71}" type="datetimeFigureOut">
               <a:rPr lang="ru-RU" smtClean="0"/>
-              <a:t>21.12.2022</a:t>
+              <a:t>10.01.2023</a:t>
             </a:fld>
             <a:endParaRPr lang="ru-RU"/>
           </a:p>
@@ -6836,29 +6837,26 @@
         </p:nvSpPr>
         <p:spPr>
           <a:xfrm>
-            <a:off x="1524000" y="605901"/>
+            <a:off x="1524000" y="867158"/>
             <a:ext cx="9144000" cy="2387600"/>
           </a:xfrm>
         </p:spPr>
         <p:txBody>
           <a:bodyPr>
-            <a:normAutofit fontScale="90000"/>
+            <a:normAutofit/>
           </a:bodyPr>
           <a:lstStyle/>
           <a:p>
-            <a:r>
-              <a:rPr lang="ru-RU" sz="3200" dirty="0"/>
-              <a:t>Алгоритмы и структуры данных</a:t>
-            </a:r>
             <a:br>
               <a:rPr lang="ru-RU" sz="3200" dirty="0"/>
             </a:br>
             <a:br>
               <a:rPr lang="ru-RU" sz="3200" dirty="0"/>
             </a:br>
-            <a:br>
+            <a:r>
               <a:rPr lang="ru-RU" sz="3200" dirty="0"/>
-            </a:br>
+              <a:t>Алгоритмы и структуры данных</a:t>
+            </a:r>
             <a:br>
               <a:rPr lang="ru-RU" sz="4000" dirty="0"/>
             </a:br>
@@ -6895,69 +6893,110 @@
         </p:nvSpPr>
         <p:spPr>
           <a:xfrm>
-            <a:off x="2713608" y="4323425"/>
+            <a:off x="2920240" y="4532685"/>
             <a:ext cx="9144000" cy="1928674"/>
           </a:xfrm>
         </p:spPr>
         <p:txBody>
           <a:bodyPr>
-            <a:normAutofit fontScale="70000" lnSpcReduction="20000"/>
+            <a:normAutofit/>
           </a:bodyPr>
           <a:lstStyle/>
           <a:p>
             <a:pPr algn="r"/>
             <a:r>
               <a:rPr lang="ru-RU" dirty="0"/>
-              <a:t>Подготовил студент 2 курса</a:t>
+              <a:t>Студент </a:t>
             </a:r>
           </a:p>
           <a:p>
             <a:pPr algn="r"/>
             <a:r>
               <a:rPr lang="ru-RU" dirty="0"/>
-              <a:t> 3 подгруппы</a:t>
+              <a:t>Группы Б9121-09.03.03</a:t>
             </a:r>
           </a:p>
           <a:p>
             <a:pPr algn="r"/>
             <a:r>
               <a:rPr lang="ru-RU" dirty="0"/>
-              <a:t>Направления</a:t>
-            </a:r>
-            <a:r>
-              <a:rPr lang="en-US" dirty="0"/>
-              <a:t>:</a:t>
-            </a:r>
-            <a:endParaRPr lang="ru-RU" dirty="0"/>
-          </a:p>
-          <a:p>
-            <a:pPr algn="r"/>
-            <a:r>
-              <a:rPr lang="ru-RU" dirty="0"/>
-              <a:t>Прикладная информатика в компьютерном дизайне</a:t>
-            </a:r>
-          </a:p>
-          <a:p>
-            <a:pPr algn="r"/>
-            <a:r>
-              <a:rPr lang="ru-RU" dirty="0"/>
-              <a:t>Рыжков Д</a:t>
-            </a:r>
-            <a:r>
-              <a:rPr lang="en-US" dirty="0"/>
-              <a:t>.</a:t>
-            </a:r>
-            <a:r>
-              <a:rPr lang="ru-RU" dirty="0"/>
-              <a:t>М</a:t>
-            </a:r>
-          </a:p>
-          <a:p>
-            <a:pPr algn="r"/>
+              <a:t>Рыжков Данил Максимович</a:t>
+            </a:r>
+          </a:p>
+        </p:txBody>
+      </p:sp>
+      <p:pic>
+        <p:nvPicPr>
+          <p:cNvPr id="5" name="Рисунок 4">
+            <a:extLst>
+              <a:ext uri="{FF2B5EF4-FFF2-40B4-BE49-F238E27FC236}">
+                <a16:creationId xmlns:a16="http://schemas.microsoft.com/office/drawing/2014/main" id="{6991377D-7323-B140-87FC-283F9785BE99}"/>
+              </a:ext>
+            </a:extLst>
+          </p:cNvPr>
+          <p:cNvPicPr>
+            <a:picLocks noChangeAspect="1"/>
+          </p:cNvPicPr>
+          <p:nvPr/>
+        </p:nvPicPr>
+        <p:blipFill>
+          <a:blip r:embed="rId3">
+            <a:extLst>
+              <a:ext uri="{28A0092B-C50C-407E-A947-70E740481C1C}">
+                <a14:useLocalDpi xmlns:a14="http://schemas.microsoft.com/office/drawing/2010/main" val="0"/>
+              </a:ext>
+            </a:extLst>
+          </a:blip>
+          <a:stretch>
+            <a:fillRect/>
+          </a:stretch>
+        </p:blipFill>
+        <p:spPr>
+          <a:xfrm>
+            <a:off x="4188957" y="248177"/>
+            <a:ext cx="2584192" cy="1640904"/>
+          </a:xfrm>
+          <a:prstGeom prst="rect">
+            <a:avLst/>
+          </a:prstGeom>
+        </p:spPr>
+      </p:pic>
+      <p:sp>
+        <p:nvSpPr>
+          <p:cNvPr id="4" name="TextBox 3">
+            <a:extLst>
+              <a:ext uri="{FF2B5EF4-FFF2-40B4-BE49-F238E27FC236}">
+                <a16:creationId xmlns:a16="http://schemas.microsoft.com/office/drawing/2014/main" id="{7016704C-C301-73F4-3472-88536A095C92}"/>
+              </a:ext>
+            </a:extLst>
+          </p:cNvPr>
+          <p:cNvSpPr txBox="1"/>
+          <p:nvPr/>
+        </p:nvSpPr>
+        <p:spPr>
+          <a:xfrm>
+            <a:off x="0" y="6286657"/>
+            <a:ext cx="12192000" cy="646331"/>
+          </a:xfrm>
+          <a:prstGeom prst="rect">
+            <a:avLst/>
+          </a:prstGeom>
+          <a:noFill/>
+        </p:spPr>
+        <p:txBody>
+          <a:bodyPr wrap="square" rtlCol="0">
+            <a:spAutoFit/>
+          </a:bodyPr>
+          <a:lstStyle/>
+          <a:p>
+            <a:pPr algn="ctr"/>
             <a:r>
               <a:rPr lang="ru-RU" dirty="0"/>
               <a:t>2022 </a:t>
             </a:r>
+          </a:p>
+          <a:p>
+            <a:endParaRPr lang="ru-RU" dirty="0"/>
           </a:p>
         </p:txBody>
       </p:sp>
@@ -6996,7 +7035,7 @@
           <p:cNvPr id="2" name="Заголовок 1">
             <a:extLst>
               <a:ext uri="{FF2B5EF4-FFF2-40B4-BE49-F238E27FC236}">
-                <a16:creationId xmlns:a16="http://schemas.microsoft.com/office/drawing/2014/main" id="{3AF93409-C70A-BD65-4B61-9D8017FC03C7}"/>
+                <a16:creationId xmlns:a16="http://schemas.microsoft.com/office/drawing/2014/main" id="{AE5A2081-94BA-FF42-5646-02EC83B3935C}"/>
               </a:ext>
             </a:extLst>
           </p:cNvPr>
@@ -7022,66 +7061,17 @@
             </a:r>
             <a:r>
               <a:rPr lang="ru-RU" dirty="0"/>
-              <a:t> типы положений</a:t>
-            </a:r>
-          </a:p>
-        </p:txBody>
-      </p:sp>
-      <p:sp>
-        <p:nvSpPr>
-          <p:cNvPr id="3" name="Объект 2">
-            <a:extLst>
-              <a:ext uri="{FF2B5EF4-FFF2-40B4-BE49-F238E27FC236}">
-                <a16:creationId xmlns:a16="http://schemas.microsoft.com/office/drawing/2014/main" id="{DD4067A0-B352-DE5F-6890-448BAAB47CBA}"/>
-              </a:ext>
-            </a:extLst>
-          </p:cNvPr>
-          <p:cNvSpPr>
-            <a:spLocks noGrp="1"/>
-          </p:cNvSpPr>
-          <p:nvPr>
-            <p:ph idx="1"/>
-          </p:nvPr>
-        </p:nvSpPr>
-        <p:spPr>
-          <a:xfrm>
-            <a:off x="5130800" y="4859867"/>
-            <a:ext cx="4714536" cy="1507066"/>
-          </a:xfrm>
-        </p:spPr>
-        <p:txBody>
-          <a:bodyPr>
-            <a:normAutofit lnSpcReduction="10000"/>
-          </a:bodyPr>
-          <a:lstStyle/>
-          <a:p>
-            <a:r>
-              <a:rPr lang="ru-RU" sz="2400" dirty="0"/>
-              <a:t>Пришли в положение типа 3 =</a:t>
-            </a:r>
-            <a:r>
-              <a:rPr lang="en-US" sz="2400" dirty="0"/>
-              <a:t>&gt;</a:t>
-            </a:r>
-            <a:r>
-              <a:rPr lang="ru-RU" sz="2400" dirty="0"/>
-              <a:t> все следующие положения не требуют изменений</a:t>
-            </a:r>
-          </a:p>
-          <a:p>
-            <a:r>
-              <a:rPr lang="ru-RU" sz="2400" dirty="0"/>
-              <a:t>Можно заканчивать итерацию</a:t>
+              <a:t> добавления символа</a:t>
             </a:r>
           </a:p>
         </p:txBody>
       </p:sp>
       <p:pic>
         <p:nvPicPr>
-          <p:cNvPr id="5" name="Рисунок 4">
-            <a:extLst>
-              <a:ext uri="{FF2B5EF4-FFF2-40B4-BE49-F238E27FC236}">
-                <a16:creationId xmlns:a16="http://schemas.microsoft.com/office/drawing/2014/main" id="{0846E7D6-651B-5810-8A65-9058C18AA7EC}"/>
+          <p:cNvPr id="7" name="Рисунок 6">
+            <a:extLst>
+              <a:ext uri="{FF2B5EF4-FFF2-40B4-BE49-F238E27FC236}">
+                <a16:creationId xmlns:a16="http://schemas.microsoft.com/office/drawing/2014/main" id="{6BD5CF4B-10A2-7F38-7427-065E7AFBB6F9}"/>
               </a:ext>
             </a:extLst>
           </p:cNvPr>
@@ -7098,48 +7088,54 @@
         </p:blipFill>
         <p:spPr>
           <a:xfrm>
-            <a:off x="838200" y="1827213"/>
-            <a:ext cx="10990016" cy="3032654"/>
+            <a:off x="789431" y="2075545"/>
+            <a:ext cx="10564369" cy="3668184"/>
           </a:xfrm>
           <a:prstGeom prst="rect">
             <a:avLst/>
           </a:prstGeom>
         </p:spPr>
       </p:pic>
-      <p:pic>
-        <p:nvPicPr>
-          <p:cNvPr id="7" name="Рисунок 6">
-            <a:extLst>
-              <a:ext uri="{FF2B5EF4-FFF2-40B4-BE49-F238E27FC236}">
-                <a16:creationId xmlns:a16="http://schemas.microsoft.com/office/drawing/2014/main" id="{48F92D6C-9E89-65E8-82CA-8E298ABB669C}"/>
-              </a:ext>
-            </a:extLst>
-          </p:cNvPr>
-          <p:cNvPicPr>
-            <a:picLocks noChangeAspect="1"/>
-          </p:cNvPicPr>
+      <p:sp>
+        <p:nvSpPr>
+          <p:cNvPr id="3" name="TextBox 2">
+            <a:extLst>
+              <a:ext uri="{FF2B5EF4-FFF2-40B4-BE49-F238E27FC236}">
+                <a16:creationId xmlns:a16="http://schemas.microsoft.com/office/drawing/2014/main" id="{DCCE1ED9-E01C-436A-AD47-2B23CBA0F6AF}"/>
+              </a:ext>
+            </a:extLst>
+          </p:cNvPr>
+          <p:cNvSpPr txBox="1"/>
           <p:nvPr/>
-        </p:nvPicPr>
-        <p:blipFill>
-          <a:blip r:embed="rId3"/>
-          <a:stretch>
-            <a:fillRect/>
-          </a:stretch>
-        </p:blipFill>
+        </p:nvSpPr>
         <p:spPr>
           <a:xfrm>
-            <a:off x="2454113" y="4737629"/>
-            <a:ext cx="2082680" cy="1507065"/>
+            <a:off x="11833934" y="6506423"/>
+            <a:ext cx="237997" cy="369332"/>
           </a:xfrm>
           <a:prstGeom prst="rect">
             <a:avLst/>
           </a:prstGeom>
+          <a:noFill/>
         </p:spPr>
-      </p:pic>
+        <p:txBody>
+          <a:bodyPr wrap="square" rtlCol="0">
+            <a:spAutoFit/>
+          </a:bodyPr>
+          <a:lstStyle/>
+          <a:p>
+            <a:pPr algn="ctr"/>
+            <a:r>
+              <a:rPr lang="ru-RU" dirty="0"/>
+              <a:t>9</a:t>
+            </a:r>
+          </a:p>
+        </p:txBody>
+      </p:sp>
     </p:spTree>
     <p:extLst>
       <p:ext uri="{BB962C8B-B14F-4D97-AF65-F5344CB8AC3E}">
-        <p14:creationId xmlns:p14="http://schemas.microsoft.com/office/powerpoint/2010/main" val="1639454488"/>
+        <p14:creationId xmlns:p14="http://schemas.microsoft.com/office/powerpoint/2010/main" val="3534209888"/>
       </p:ext>
     </p:extLst>
   </p:cSld>
@@ -7171,7 +7167,7 @@
           <p:cNvPr id="2" name="Заголовок 1">
             <a:extLst>
               <a:ext uri="{FF2B5EF4-FFF2-40B4-BE49-F238E27FC236}">
-                <a16:creationId xmlns:a16="http://schemas.microsoft.com/office/drawing/2014/main" id="{D57BF4F7-C59B-17EF-85D0-F153A341FF20}"/>
+                <a16:creationId xmlns:a16="http://schemas.microsoft.com/office/drawing/2014/main" id="{3AF93409-C70A-BD65-4B61-9D8017FC03C7}"/>
               </a:ext>
             </a:extLst>
           </p:cNvPr>
@@ -7182,48 +7178,88 @@
             <p:ph type="title"/>
           </p:nvPr>
         </p:nvSpPr>
-        <p:spPr>
-          <a:xfrm>
-            <a:off x="838199" y="291090"/>
-            <a:ext cx="10515599" cy="932688"/>
-          </a:xfrm>
-        </p:spPr>
-        <p:txBody>
-          <a:bodyPr vert="horz" lIns="91440" tIns="45720" rIns="91440" bIns="45720" rtlCol="0" anchor="b">
-            <a:normAutofit/>
-          </a:bodyPr>
+        <p:spPr/>
+        <p:txBody>
+          <a:bodyPr/>
           <a:lstStyle/>
           <a:p>
-            <a:pPr algn="ctr"/>
-            <a:r>
-              <a:rPr lang="en-US" sz="3800" kern="1200">
-                <a:solidFill>
-                  <a:schemeClr val="tx1"/>
-                </a:solidFill>
-                <a:latin typeface="+mj-lt"/>
-                <a:ea typeface="+mj-ea"/>
-                <a:cs typeface="+mj-cs"/>
-              </a:rPr>
-              <a:t>Алгоритм Укконена: изменение типов положений</a:t>
-            </a:r>
-          </a:p>
-        </p:txBody>
-      </p:sp>
-      <p:pic>
-        <p:nvPicPr>
-          <p:cNvPr id="5" name="Объект 4">
-            <a:extLst>
-              <a:ext uri="{FF2B5EF4-FFF2-40B4-BE49-F238E27FC236}">
-                <a16:creationId xmlns:a16="http://schemas.microsoft.com/office/drawing/2014/main" id="{297D274A-2D38-81D1-005E-6E9406945ECA}"/>
-              </a:ext>
-            </a:extLst>
-          </p:cNvPr>
-          <p:cNvPicPr>
-            <a:picLocks noGrp="1" noChangeAspect="1"/>
-          </p:cNvPicPr>
+            <a:r>
+              <a:rPr lang="ru-RU" dirty="0"/>
+              <a:t>Алгоритм Укконена</a:t>
+            </a:r>
+            <a:r>
+              <a:rPr lang="en-US" dirty="0"/>
+              <a:t>:</a:t>
+            </a:r>
+            <a:r>
+              <a:rPr lang="ru-RU" dirty="0"/>
+              <a:t> типы положений</a:t>
+            </a:r>
+          </a:p>
+        </p:txBody>
+      </p:sp>
+      <p:sp>
+        <p:nvSpPr>
+          <p:cNvPr id="3" name="Объект 2">
+            <a:extLst>
+              <a:ext uri="{FF2B5EF4-FFF2-40B4-BE49-F238E27FC236}">
+                <a16:creationId xmlns:a16="http://schemas.microsoft.com/office/drawing/2014/main" id="{DD4067A0-B352-DE5F-6890-448BAAB47CBA}"/>
+              </a:ext>
+            </a:extLst>
+          </p:cNvPr>
+          <p:cNvSpPr>
+            <a:spLocks noGrp="1"/>
+          </p:cNvSpPr>
           <p:nvPr>
             <p:ph idx="1"/>
           </p:nvPr>
+        </p:nvSpPr>
+        <p:spPr>
+          <a:xfrm>
+            <a:off x="5130800" y="4859867"/>
+            <a:ext cx="4714536" cy="1507066"/>
+          </a:xfrm>
+        </p:spPr>
+        <p:txBody>
+          <a:bodyPr>
+            <a:normAutofit lnSpcReduction="10000"/>
+          </a:bodyPr>
+          <a:lstStyle/>
+          <a:p>
+            <a:r>
+              <a:rPr lang="ru-RU" sz="2400" dirty="0"/>
+              <a:t>Пришли в положение типа 3 =</a:t>
+            </a:r>
+            <a:r>
+              <a:rPr lang="en-US" sz="2400" dirty="0"/>
+              <a:t>&gt;</a:t>
+            </a:r>
+            <a:r>
+              <a:rPr lang="ru-RU" sz="2400" dirty="0"/>
+              <a:t> все следующие положения не требуют изменений</a:t>
+            </a:r>
+          </a:p>
+          <a:p>
+            <a:r>
+              <a:rPr lang="ru-RU" sz="2400" dirty="0"/>
+              <a:t>Можно заканчивать итерацию</a:t>
+            </a:r>
+          </a:p>
+        </p:txBody>
+      </p:sp>
+      <p:pic>
+        <p:nvPicPr>
+          <p:cNvPr id="5" name="Рисунок 4">
+            <a:extLst>
+              <a:ext uri="{FF2B5EF4-FFF2-40B4-BE49-F238E27FC236}">
+                <a16:creationId xmlns:a16="http://schemas.microsoft.com/office/drawing/2014/main" id="{0846E7D6-651B-5810-8A65-9058C18AA7EC}"/>
+              </a:ext>
+            </a:extLst>
+          </p:cNvPr>
+          <p:cNvPicPr>
+            <a:picLocks noChangeAspect="1"/>
+          </p:cNvPicPr>
+          <p:nvPr/>
         </p:nvPicPr>
         <p:blipFill>
           <a:blip r:embed="rId2"/>
@@ -7233,20 +7269,50 @@
         </p:blipFill>
         <p:spPr>
           <a:xfrm>
-            <a:off x="211666" y="1374778"/>
-            <a:ext cx="10515599" cy="3759326"/>
+            <a:off x="838200" y="1827213"/>
+            <a:ext cx="10990016" cy="3032654"/>
           </a:xfrm>
           <a:prstGeom prst="rect">
             <a:avLst/>
           </a:prstGeom>
         </p:spPr>
       </p:pic>
-      <p:sp>
-        <p:nvSpPr>
-          <p:cNvPr id="6" name="TextBox 5">
-            <a:extLst>
-              <a:ext uri="{FF2B5EF4-FFF2-40B4-BE49-F238E27FC236}">
-                <a16:creationId xmlns:a16="http://schemas.microsoft.com/office/drawing/2014/main" id="{D144F7C0-A24F-A297-DBA3-65222299E7C7}"/>
+      <p:pic>
+        <p:nvPicPr>
+          <p:cNvPr id="7" name="Рисунок 6">
+            <a:extLst>
+              <a:ext uri="{FF2B5EF4-FFF2-40B4-BE49-F238E27FC236}">
+                <a16:creationId xmlns:a16="http://schemas.microsoft.com/office/drawing/2014/main" id="{48F92D6C-9E89-65E8-82CA-8E298ABB669C}"/>
+              </a:ext>
+            </a:extLst>
+          </p:cNvPr>
+          <p:cNvPicPr>
+            <a:picLocks noChangeAspect="1"/>
+          </p:cNvPicPr>
+          <p:nvPr/>
+        </p:nvPicPr>
+        <p:blipFill>
+          <a:blip r:embed="rId3"/>
+          <a:stretch>
+            <a:fillRect/>
+          </a:stretch>
+        </p:blipFill>
+        <p:spPr>
+          <a:xfrm>
+            <a:off x="2454113" y="4737629"/>
+            <a:ext cx="2082680" cy="1507065"/>
+          </a:xfrm>
+          <a:prstGeom prst="rect">
+            <a:avLst/>
+          </a:prstGeom>
+        </p:spPr>
+      </p:pic>
+      <p:sp>
+        <p:nvSpPr>
+          <p:cNvPr id="4" name="TextBox 3">
+            <a:extLst>
+              <a:ext uri="{FF2B5EF4-FFF2-40B4-BE49-F238E27FC236}">
+                <a16:creationId xmlns:a16="http://schemas.microsoft.com/office/drawing/2014/main" id="{A2A84866-086A-7F30-3F0B-34F7E42E2663}"/>
               </a:ext>
             </a:extLst>
           </p:cNvPr>
@@ -7255,8 +7321,8 @@
         </p:nvSpPr>
         <p:spPr>
           <a:xfrm>
-            <a:off x="599077" y="4269441"/>
-            <a:ext cx="7026842" cy="1015663"/>
+            <a:off x="11588318" y="6488668"/>
+            <a:ext cx="603682" cy="369332"/>
           </a:xfrm>
           <a:prstGeom prst="rect">
             <a:avLst/>
@@ -7269,118 +7335,10 @@
           </a:bodyPr>
           <a:lstStyle/>
           <a:p>
-            <a:r>
-              <a:rPr lang="ru-RU" sz="2000" b="1" dirty="0"/>
-              <a:t>Потенциал </a:t>
-            </a:r>
-            <a:r>
-              <a:rPr lang="en-US" sz="2000" b="1" dirty="0"/>
-              <a:t>:=</a:t>
-            </a:r>
-            <a:r>
-              <a:rPr lang="ru-RU" sz="2000" b="1" dirty="0"/>
-              <a:t> символьная глубина</a:t>
-            </a:r>
-          </a:p>
-          <a:p>
-            <a:pPr marL="285750" indent="-285750">
-              <a:buFont typeface="Arial" panose="020B0604020202020204" pitchFamily="34" charset="0"/>
-              <a:buChar char="•"/>
-            </a:pPr>
-            <a:r>
-              <a:rPr lang="ru-RU" sz="2000" dirty="0"/>
-              <a:t>Уменьшается на 1 при переходе к следующему положению</a:t>
-            </a:r>
-          </a:p>
-          <a:p>
-            <a:pPr marL="285750" indent="-285750">
-              <a:buFont typeface="Arial" panose="020B0604020202020204" pitchFamily="34" charset="0"/>
-              <a:buChar char="•"/>
-            </a:pPr>
-            <a:r>
-              <a:rPr lang="ru-RU" sz="2000" dirty="0"/>
-              <a:t>Растёт на 1 при переходе на следующую итерацию</a:t>
-            </a:r>
-          </a:p>
-        </p:txBody>
-      </p:sp>
-      <p:sp>
-        <p:nvSpPr>
-          <p:cNvPr id="7" name="TextBox 6">
-            <a:extLst>
-              <a:ext uri="{FF2B5EF4-FFF2-40B4-BE49-F238E27FC236}">
-                <a16:creationId xmlns:a16="http://schemas.microsoft.com/office/drawing/2014/main" id="{3EC22CDF-A89E-6BFC-E7B8-02692FEBF873}"/>
-              </a:ext>
-            </a:extLst>
-          </p:cNvPr>
-          <p:cNvSpPr txBox="1"/>
-          <p:nvPr/>
-        </p:nvSpPr>
-        <p:spPr>
-          <a:xfrm>
-            <a:off x="1140120" y="5285104"/>
-            <a:ext cx="7552269" cy="707886"/>
-          </a:xfrm>
-          <a:prstGeom prst="rect">
-            <a:avLst/>
-          </a:prstGeom>
-          <a:noFill/>
-        </p:spPr>
-        <p:txBody>
-          <a:bodyPr wrap="square" rtlCol="0">
-            <a:spAutoFit/>
-          </a:bodyPr>
-          <a:lstStyle/>
-          <a:p>
-            <a:pPr marL="342900" indent="-342900">
-              <a:buFont typeface="Arial" panose="020B0604020202020204" pitchFamily="34" charset="0"/>
-              <a:buChar char="•"/>
-            </a:pPr>
-            <a:r>
-              <a:rPr lang="ru-RU" sz="2000" dirty="0"/>
-              <a:t>Растёт не более </a:t>
-            </a:r>
-            <a:r>
-              <a:rPr lang="en-US" sz="2000" dirty="0"/>
-              <a:t>N </a:t>
-            </a:r>
-            <a:r>
-              <a:rPr lang="ru-RU" sz="2000" dirty="0"/>
-              <a:t>раз =</a:t>
-            </a:r>
-            <a:r>
-              <a:rPr lang="en-US" sz="2000" dirty="0"/>
-              <a:t>&gt;</a:t>
-            </a:r>
-            <a:r>
-              <a:rPr lang="ru-RU" sz="2000" dirty="0"/>
-              <a:t> уменьшается не более </a:t>
-            </a:r>
-            <a:r>
-              <a:rPr lang="en-US" sz="2000" dirty="0"/>
-              <a:t>N </a:t>
-            </a:r>
-            <a:r>
-              <a:rPr lang="ru-RU" sz="2000" dirty="0"/>
-              <a:t>раз</a:t>
-            </a:r>
-          </a:p>
-          <a:p>
-            <a:pPr marL="342900" indent="-342900">
-              <a:buFont typeface="Arial" panose="020B0604020202020204" pitchFamily="34" charset="0"/>
-              <a:buChar char="•"/>
-            </a:pPr>
-            <a:r>
-              <a:rPr lang="ru-RU" sz="2000" dirty="0"/>
-              <a:t>Посетим в сумме положений по итерациям не более чем О(</a:t>
-            </a:r>
-            <a:r>
-              <a:rPr lang="en-US" sz="2000" dirty="0"/>
-              <a:t>N</a:t>
-            </a:r>
-            <a:r>
-              <a:rPr lang="ru-RU" sz="2000" dirty="0"/>
-              <a:t>)</a:t>
+            <a:pPr algn="ctr"/>
+            <a:r>
+              <a:rPr lang="ru-RU" dirty="0"/>
+              <a:t>10</a:t>
             </a:r>
           </a:p>
         </p:txBody>
@@ -7388,7 +7346,7 @@
     </p:spTree>
     <p:extLst>
       <p:ext uri="{BB962C8B-B14F-4D97-AF65-F5344CB8AC3E}">
-        <p14:creationId xmlns:p14="http://schemas.microsoft.com/office/powerpoint/2010/main" val="174665663"/>
+        <p14:creationId xmlns:p14="http://schemas.microsoft.com/office/powerpoint/2010/main" val="1639454488"/>
       </p:ext>
     </p:extLst>
   </p:cSld>
@@ -7420,6 +7378,291 @@
           <p:cNvPr id="2" name="Заголовок 1">
             <a:extLst>
               <a:ext uri="{FF2B5EF4-FFF2-40B4-BE49-F238E27FC236}">
+                <a16:creationId xmlns:a16="http://schemas.microsoft.com/office/drawing/2014/main" id="{D57BF4F7-C59B-17EF-85D0-F153A341FF20}"/>
+              </a:ext>
+            </a:extLst>
+          </p:cNvPr>
+          <p:cNvSpPr>
+            <a:spLocks noGrp="1"/>
+          </p:cNvSpPr>
+          <p:nvPr>
+            <p:ph type="title"/>
+          </p:nvPr>
+        </p:nvSpPr>
+        <p:spPr>
+          <a:xfrm>
+            <a:off x="838199" y="291090"/>
+            <a:ext cx="10515599" cy="932688"/>
+          </a:xfrm>
+        </p:spPr>
+        <p:txBody>
+          <a:bodyPr vert="horz" lIns="91440" tIns="45720" rIns="91440" bIns="45720" rtlCol="0" anchor="b">
+            <a:normAutofit/>
+          </a:bodyPr>
+          <a:lstStyle/>
+          <a:p>
+            <a:pPr algn="ctr"/>
+            <a:r>
+              <a:rPr lang="en-US" sz="3800" kern="1200">
+                <a:solidFill>
+                  <a:schemeClr val="tx1"/>
+                </a:solidFill>
+                <a:latin typeface="+mj-lt"/>
+                <a:ea typeface="+mj-ea"/>
+                <a:cs typeface="+mj-cs"/>
+              </a:rPr>
+              <a:t>Алгоритм Укконена: изменение типов положений</a:t>
+            </a:r>
+          </a:p>
+        </p:txBody>
+      </p:sp>
+      <p:pic>
+        <p:nvPicPr>
+          <p:cNvPr id="5" name="Объект 4">
+            <a:extLst>
+              <a:ext uri="{FF2B5EF4-FFF2-40B4-BE49-F238E27FC236}">
+                <a16:creationId xmlns:a16="http://schemas.microsoft.com/office/drawing/2014/main" id="{297D274A-2D38-81D1-005E-6E9406945ECA}"/>
+              </a:ext>
+            </a:extLst>
+          </p:cNvPr>
+          <p:cNvPicPr>
+            <a:picLocks noGrp="1" noChangeAspect="1"/>
+          </p:cNvPicPr>
+          <p:nvPr>
+            <p:ph idx="1"/>
+          </p:nvPr>
+        </p:nvPicPr>
+        <p:blipFill>
+          <a:blip r:embed="rId2"/>
+          <a:stretch>
+            <a:fillRect/>
+          </a:stretch>
+        </p:blipFill>
+        <p:spPr>
+          <a:xfrm>
+            <a:off x="211666" y="1374778"/>
+            <a:ext cx="10515599" cy="3759326"/>
+          </a:xfrm>
+          <a:prstGeom prst="rect">
+            <a:avLst/>
+          </a:prstGeom>
+        </p:spPr>
+      </p:pic>
+      <p:sp>
+        <p:nvSpPr>
+          <p:cNvPr id="6" name="TextBox 5">
+            <a:extLst>
+              <a:ext uri="{FF2B5EF4-FFF2-40B4-BE49-F238E27FC236}">
+                <a16:creationId xmlns:a16="http://schemas.microsoft.com/office/drawing/2014/main" id="{D144F7C0-A24F-A297-DBA3-65222299E7C7}"/>
+              </a:ext>
+            </a:extLst>
+          </p:cNvPr>
+          <p:cNvSpPr txBox="1"/>
+          <p:nvPr/>
+        </p:nvSpPr>
+        <p:spPr>
+          <a:xfrm>
+            <a:off x="599077" y="4269441"/>
+            <a:ext cx="7026842" cy="1015663"/>
+          </a:xfrm>
+          <a:prstGeom prst="rect">
+            <a:avLst/>
+          </a:prstGeom>
+          <a:noFill/>
+        </p:spPr>
+        <p:txBody>
+          <a:bodyPr wrap="square" rtlCol="0">
+            <a:spAutoFit/>
+          </a:bodyPr>
+          <a:lstStyle/>
+          <a:p>
+            <a:r>
+              <a:rPr lang="ru-RU" sz="2000" b="1" dirty="0"/>
+              <a:t>Потенциал </a:t>
+            </a:r>
+            <a:r>
+              <a:rPr lang="en-US" sz="2000" b="1" dirty="0"/>
+              <a:t>:=</a:t>
+            </a:r>
+            <a:r>
+              <a:rPr lang="ru-RU" sz="2000" b="1" dirty="0"/>
+              <a:t> символьная глубина</a:t>
+            </a:r>
+          </a:p>
+          <a:p>
+            <a:pPr marL="285750" indent="-285750">
+              <a:buFont typeface="Arial" panose="020B0604020202020204" pitchFamily="34" charset="0"/>
+              <a:buChar char="•"/>
+            </a:pPr>
+            <a:r>
+              <a:rPr lang="ru-RU" sz="2000" dirty="0"/>
+              <a:t>Уменьшается на 1 при переходе к следующему положению</a:t>
+            </a:r>
+          </a:p>
+          <a:p>
+            <a:pPr marL="285750" indent="-285750">
+              <a:buFont typeface="Arial" panose="020B0604020202020204" pitchFamily="34" charset="0"/>
+              <a:buChar char="•"/>
+            </a:pPr>
+            <a:r>
+              <a:rPr lang="ru-RU" sz="2000" dirty="0"/>
+              <a:t>Растёт на 1 при переходе на следующую итерацию</a:t>
+            </a:r>
+          </a:p>
+        </p:txBody>
+      </p:sp>
+      <p:sp>
+        <p:nvSpPr>
+          <p:cNvPr id="7" name="TextBox 6">
+            <a:extLst>
+              <a:ext uri="{FF2B5EF4-FFF2-40B4-BE49-F238E27FC236}">
+                <a16:creationId xmlns:a16="http://schemas.microsoft.com/office/drawing/2014/main" id="{3EC22CDF-A89E-6BFC-E7B8-02692FEBF873}"/>
+              </a:ext>
+            </a:extLst>
+          </p:cNvPr>
+          <p:cNvSpPr txBox="1"/>
+          <p:nvPr/>
+        </p:nvSpPr>
+        <p:spPr>
+          <a:xfrm>
+            <a:off x="1140120" y="5285104"/>
+            <a:ext cx="7552269" cy="707886"/>
+          </a:xfrm>
+          <a:prstGeom prst="rect">
+            <a:avLst/>
+          </a:prstGeom>
+          <a:noFill/>
+        </p:spPr>
+        <p:txBody>
+          <a:bodyPr wrap="square" rtlCol="0">
+            <a:spAutoFit/>
+          </a:bodyPr>
+          <a:lstStyle/>
+          <a:p>
+            <a:pPr marL="342900" indent="-342900">
+              <a:buFont typeface="Arial" panose="020B0604020202020204" pitchFamily="34" charset="0"/>
+              <a:buChar char="•"/>
+            </a:pPr>
+            <a:r>
+              <a:rPr lang="ru-RU" sz="2000" dirty="0"/>
+              <a:t>Растёт не более </a:t>
+            </a:r>
+            <a:r>
+              <a:rPr lang="en-US" sz="2000" dirty="0"/>
+              <a:t>N </a:t>
+            </a:r>
+            <a:r>
+              <a:rPr lang="ru-RU" sz="2000" dirty="0"/>
+              <a:t>раз =</a:t>
+            </a:r>
+            <a:r>
+              <a:rPr lang="en-US" sz="2000" dirty="0"/>
+              <a:t>&gt;</a:t>
+            </a:r>
+            <a:r>
+              <a:rPr lang="ru-RU" sz="2000" dirty="0"/>
+              <a:t> уменьшается не более </a:t>
+            </a:r>
+            <a:r>
+              <a:rPr lang="en-US" sz="2000" dirty="0"/>
+              <a:t>N </a:t>
+            </a:r>
+            <a:r>
+              <a:rPr lang="ru-RU" sz="2000" dirty="0"/>
+              <a:t>раз</a:t>
+            </a:r>
+          </a:p>
+          <a:p>
+            <a:pPr marL="342900" indent="-342900">
+              <a:buFont typeface="Arial" panose="020B0604020202020204" pitchFamily="34" charset="0"/>
+              <a:buChar char="•"/>
+            </a:pPr>
+            <a:r>
+              <a:rPr lang="ru-RU" sz="2000" dirty="0"/>
+              <a:t>Посетим в сумме положений по итерациям не более чем О(</a:t>
+            </a:r>
+            <a:r>
+              <a:rPr lang="en-US" sz="2000" dirty="0"/>
+              <a:t>N</a:t>
+            </a:r>
+            <a:r>
+              <a:rPr lang="ru-RU" sz="2000" dirty="0"/>
+              <a:t>)</a:t>
+            </a:r>
+          </a:p>
+        </p:txBody>
+      </p:sp>
+      <p:sp>
+        <p:nvSpPr>
+          <p:cNvPr id="3" name="TextBox 2">
+            <a:extLst>
+              <a:ext uri="{FF2B5EF4-FFF2-40B4-BE49-F238E27FC236}">
+                <a16:creationId xmlns:a16="http://schemas.microsoft.com/office/drawing/2014/main" id="{40B713A3-7606-BDD4-943E-CFF4A9926037}"/>
+              </a:ext>
+            </a:extLst>
+          </p:cNvPr>
+          <p:cNvSpPr txBox="1"/>
+          <p:nvPr/>
+        </p:nvSpPr>
+        <p:spPr>
+          <a:xfrm>
+            <a:off x="11585360" y="6506423"/>
+            <a:ext cx="486572" cy="369332"/>
+          </a:xfrm>
+          <a:prstGeom prst="rect">
+            <a:avLst/>
+          </a:prstGeom>
+          <a:noFill/>
+        </p:spPr>
+        <p:txBody>
+          <a:bodyPr wrap="square" rtlCol="0">
+            <a:spAutoFit/>
+          </a:bodyPr>
+          <a:lstStyle/>
+          <a:p>
+            <a:pPr algn="ctr"/>
+            <a:r>
+              <a:rPr lang="ru-RU" dirty="0"/>
+              <a:t>11</a:t>
+            </a:r>
+          </a:p>
+        </p:txBody>
+      </p:sp>
+    </p:spTree>
+    <p:extLst>
+      <p:ext uri="{BB962C8B-B14F-4D97-AF65-F5344CB8AC3E}">
+        <p14:creationId xmlns:p14="http://schemas.microsoft.com/office/powerpoint/2010/main" val="174665663"/>
+      </p:ext>
+    </p:extLst>
+  </p:cSld>
+  <p:clrMapOvr>
+    <a:masterClrMapping/>
+  </p:clrMapOvr>
+</p:sld>
+</file>
+
+<file path=ppt/slides/slide13.xml><?xml version="1.0" encoding="utf-8"?>
+<p:sld xmlns:a="http://schemas.openxmlformats.org/drawingml/2006/main" xmlns:r="http://schemas.openxmlformats.org/officeDocument/2006/relationships" xmlns:p="http://schemas.openxmlformats.org/presentationml/2006/main">
+  <p:cSld>
+    <p:spTree>
+      <p:nvGrpSpPr>
+        <p:cNvPr id="1" name=""/>
+        <p:cNvGrpSpPr/>
+        <p:nvPr/>
+      </p:nvGrpSpPr>
+      <p:grpSpPr>
+        <a:xfrm>
+          <a:off x="0" y="0"/>
+          <a:ext cx="0" cy="0"/>
+          <a:chOff x="0" y="0"/>
+          <a:chExt cx="0" cy="0"/>
+        </a:xfrm>
+      </p:grpSpPr>
+      <p:sp>
+        <p:nvSpPr>
+          <p:cNvPr id="2" name="Заголовок 1">
+            <a:extLst>
+              <a:ext uri="{FF2B5EF4-FFF2-40B4-BE49-F238E27FC236}">
                 <a16:creationId xmlns:a16="http://schemas.microsoft.com/office/drawing/2014/main" id="{C678DA08-8767-1866-3AEE-12D3A73C6B0F}"/>
               </a:ext>
             </a:extLst>
@@ -7720,6 +7963,42 @@
           </a:p>
         </p:txBody>
       </p:sp>
+      <p:sp>
+        <p:nvSpPr>
+          <p:cNvPr id="4" name="TextBox 3">
+            <a:extLst>
+              <a:ext uri="{FF2B5EF4-FFF2-40B4-BE49-F238E27FC236}">
+                <a16:creationId xmlns:a16="http://schemas.microsoft.com/office/drawing/2014/main" id="{9A637199-B451-B72E-191E-DF61B5EA9520}"/>
+              </a:ext>
+            </a:extLst>
+          </p:cNvPr>
+          <p:cNvSpPr txBox="1"/>
+          <p:nvPr/>
+        </p:nvSpPr>
+        <p:spPr>
+          <a:xfrm>
+            <a:off x="11523216" y="6506423"/>
+            <a:ext cx="548715" cy="369332"/>
+          </a:xfrm>
+          <a:prstGeom prst="rect">
+            <a:avLst/>
+          </a:prstGeom>
+          <a:noFill/>
+        </p:spPr>
+        <p:txBody>
+          <a:bodyPr wrap="square" rtlCol="0">
+            <a:spAutoFit/>
+          </a:bodyPr>
+          <a:lstStyle/>
+          <a:p>
+            <a:pPr algn="ctr"/>
+            <a:r>
+              <a:rPr lang="ru-RU" dirty="0"/>
+              <a:t>12</a:t>
+            </a:r>
+          </a:p>
+        </p:txBody>
+      </p:sp>
     </p:spTree>
     <p:extLst>
       <p:ext uri="{BB962C8B-B14F-4D97-AF65-F5344CB8AC3E}">
@@ -7733,7 +8012,7 @@
 </p:sld>
 </file>
 
-<file path=ppt/slides/slide13.xml><?xml version="1.0" encoding="utf-8"?>
+<file path=ppt/slides/slide14.xml><?xml version="1.0" encoding="utf-8"?>
 <p:sld xmlns:a="http://schemas.openxmlformats.org/drawingml/2006/main" xmlns:r="http://schemas.openxmlformats.org/officeDocument/2006/relationships" xmlns:p="http://schemas.openxmlformats.org/presentationml/2006/main">
   <p:cSld>
     <p:spTree>
@@ -7837,7 +8116,7 @@
 </p:sld>
 </file>
 
-<file path=ppt/slides/slide14.xml><?xml version="1.0" encoding="utf-8"?>
+<file path=ppt/slides/slide15.xml><?xml version="1.0" encoding="utf-8"?>
 <p:sld xmlns:a="http://schemas.openxmlformats.org/drawingml/2006/main" xmlns:r="http://schemas.openxmlformats.org/officeDocument/2006/relationships" xmlns:p="http://schemas.openxmlformats.org/presentationml/2006/main">
   <p:cSld>
     <p:spTree>
@@ -7939,7 +8218,7 @@
 </p:sld>
 </file>
 
-<file path=ppt/slides/slide15.xml><?xml version="1.0" encoding="utf-8"?>
+<file path=ppt/slides/slide16.xml><?xml version="1.0" encoding="utf-8"?>
 <p:sld xmlns:a="http://schemas.openxmlformats.org/drawingml/2006/main" xmlns:r="http://schemas.openxmlformats.org/officeDocument/2006/relationships" xmlns:p="http://schemas.openxmlformats.org/presentationml/2006/main">
   <p:cSld>
     <p:spTree>
@@ -8041,7 +8320,7 @@
 </p:sld>
 </file>
 
-<file path=ppt/slides/slide16.xml><?xml version="1.0" encoding="utf-8"?>
+<file path=ppt/slides/slide17.xml><?xml version="1.0" encoding="utf-8"?>
 <p:sld xmlns:a="http://schemas.openxmlformats.org/drawingml/2006/main" xmlns:r="http://schemas.openxmlformats.org/officeDocument/2006/relationships" xmlns:p="http://schemas.openxmlformats.org/presentationml/2006/main">
   <p:cSld>
     <p:spTree>
@@ -8143,7 +8422,7 @@
 </p:sld>
 </file>
 
-<file path=ppt/slides/slide17.xml><?xml version="1.0" encoding="utf-8"?>
+<file path=ppt/slides/slide18.xml><?xml version="1.0" encoding="utf-8"?>
 <p:sld xmlns:a="http://schemas.openxmlformats.org/drawingml/2006/main" xmlns:r="http://schemas.openxmlformats.org/officeDocument/2006/relationships" xmlns:p="http://schemas.openxmlformats.org/presentationml/2006/main">
   <p:cSld>
     <p:spTree>
@@ -8245,7 +8524,7 @@
 </p:sld>
 </file>
 
-<file path=ppt/slides/slide18.xml><?xml version="1.0" encoding="utf-8"?>
+<file path=ppt/slides/slide19.xml><?xml version="1.0" encoding="utf-8"?>
 <p:sld xmlns:a="http://schemas.openxmlformats.org/drawingml/2006/main" xmlns:r="http://schemas.openxmlformats.org/officeDocument/2006/relationships" xmlns:p="http://schemas.openxmlformats.org/presentationml/2006/main">
   <p:cSld>
     <p:spTree>
@@ -8347,7 +8626,147 @@
 </p:sld>
 </file>
 
-<file path=ppt/slides/slide19.xml><?xml version="1.0" encoding="utf-8"?>
+<file path=ppt/slides/slide2.xml><?xml version="1.0" encoding="utf-8"?>
+<p:sld xmlns:a="http://schemas.openxmlformats.org/drawingml/2006/main" xmlns:r="http://schemas.openxmlformats.org/officeDocument/2006/relationships" xmlns:p="http://schemas.openxmlformats.org/presentationml/2006/main">
+  <p:cSld>
+    <p:spTree>
+      <p:nvGrpSpPr>
+        <p:cNvPr id="1" name=""/>
+        <p:cNvGrpSpPr/>
+        <p:nvPr/>
+      </p:nvGrpSpPr>
+      <p:grpSpPr>
+        <a:xfrm>
+          <a:off x="0" y="0"/>
+          <a:ext cx="0" cy="0"/>
+          <a:chOff x="0" y="0"/>
+          <a:chExt cx="0" cy="0"/>
+        </a:xfrm>
+      </p:grpSpPr>
+      <p:sp>
+        <p:nvSpPr>
+          <p:cNvPr id="2" name="Заголовок 1">
+            <a:extLst>
+              <a:ext uri="{FF2B5EF4-FFF2-40B4-BE49-F238E27FC236}">
+                <a16:creationId xmlns:a16="http://schemas.microsoft.com/office/drawing/2014/main" id="{C9DD5936-6EAC-559D-8450-8CFC714C675A}"/>
+              </a:ext>
+            </a:extLst>
+          </p:cNvPr>
+          <p:cNvSpPr>
+            <a:spLocks noGrp="1"/>
+          </p:cNvSpPr>
+          <p:nvPr>
+            <p:ph type="title"/>
+          </p:nvPr>
+        </p:nvSpPr>
+        <p:spPr/>
+        <p:txBody>
+          <a:bodyPr/>
+          <a:lstStyle/>
+          <a:p>
+            <a:r>
+              <a:rPr lang="ru-RU" dirty="0"/>
+              <a:t>Формальная постановка задачи</a:t>
+            </a:r>
+            <a:r>
+              <a:rPr lang="en-US" dirty="0"/>
+              <a:t>:</a:t>
+            </a:r>
+            <a:br>
+              <a:rPr lang="ru-RU" dirty="0"/>
+            </a:br>
+            <a:r>
+              <a:rPr lang="en-US" dirty="0"/>
+              <a:t>Online </a:t>
+            </a:r>
+            <a:r>
+              <a:rPr lang="ru-RU" dirty="0"/>
+              <a:t>поиск подстрок в строке</a:t>
+            </a:r>
+          </a:p>
+        </p:txBody>
+      </p:sp>
+      <p:graphicFrame>
+        <p:nvGraphicFramePr>
+          <p:cNvPr id="5" name="Объект 2">
+            <a:extLst>
+              <a:ext uri="{FF2B5EF4-FFF2-40B4-BE49-F238E27FC236}">
+                <a16:creationId xmlns:a16="http://schemas.microsoft.com/office/drawing/2014/main" id="{F3E6998B-3003-2E24-E209-50A77B9023A6}"/>
+              </a:ext>
+            </a:extLst>
+          </p:cNvPr>
+          <p:cNvGraphicFramePr>
+            <a:graphicFrameLocks noGrp="1"/>
+          </p:cNvGraphicFramePr>
+          <p:nvPr>
+            <p:ph idx="1"/>
+            <p:extLst>
+              <p:ext uri="{D42A27DB-BD31-4B8C-83A1-F6EECF244321}">
+                <p14:modId xmlns:p14="http://schemas.microsoft.com/office/powerpoint/2010/main" val="3786040545"/>
+              </p:ext>
+            </p:extLst>
+          </p:nvPr>
+        </p:nvGraphicFramePr>
+        <p:xfrm>
+          <a:off x="838200" y="1825625"/>
+          <a:ext cx="10515600" cy="4351338"/>
+        </p:xfrm>
+        <a:graphic>
+          <a:graphicData uri="http://schemas.openxmlformats.org/drawingml/2006/diagram">
+            <dgm:relIds xmlns:dgm="http://schemas.openxmlformats.org/drawingml/2006/diagram" xmlns:r="http://schemas.openxmlformats.org/officeDocument/2006/relationships" r:dm="rId2" r:lo="rId3" r:qs="rId4" r:cs="rId5"/>
+          </a:graphicData>
+        </a:graphic>
+      </p:graphicFrame>
+      <p:sp>
+        <p:nvSpPr>
+          <p:cNvPr id="4" name="TextBox 3">
+            <a:extLst>
+              <a:ext uri="{FF2B5EF4-FFF2-40B4-BE49-F238E27FC236}">
+                <a16:creationId xmlns:a16="http://schemas.microsoft.com/office/drawing/2014/main" id="{A5182898-B787-FE7E-5544-BC35C9D37D45}"/>
+              </a:ext>
+            </a:extLst>
+          </p:cNvPr>
+          <p:cNvSpPr txBox="1"/>
+          <p:nvPr/>
+        </p:nvSpPr>
+        <p:spPr>
+          <a:xfrm>
+            <a:off x="11833934" y="6506423"/>
+            <a:ext cx="237997" cy="369332"/>
+          </a:xfrm>
+          <a:prstGeom prst="rect">
+            <a:avLst/>
+          </a:prstGeom>
+          <a:noFill/>
+        </p:spPr>
+        <p:txBody>
+          <a:bodyPr wrap="square" rtlCol="0">
+            <a:spAutoFit/>
+          </a:bodyPr>
+          <a:lstStyle/>
+          <a:p>
+            <a:pPr algn="ctr"/>
+            <a:r>
+              <a:rPr lang="ru-RU" dirty="0"/>
+              <a:t>1</a:t>
+            </a:r>
+          </a:p>
+        </p:txBody>
+      </p:sp>
+    </p:spTree>
+    <p:extLst>
+      <p:ext uri="{BB962C8B-B14F-4D97-AF65-F5344CB8AC3E}">
+        <p14:creationId xmlns:p14="http://schemas.microsoft.com/office/powerpoint/2010/main" val="899005541"/>
+      </p:ext>
+    </p:extLst>
+  </p:cSld>
+  <p:clrMapOvr>
+    <a:masterClrMapping/>
+  </p:clrMapOvr>
+</p:sld>
+</file>
+
+<file path=ppt/slides/slide20.xml><?xml version="1.0" encoding="utf-8"?>
 <p:sld xmlns:a="http://schemas.openxmlformats.org/drawingml/2006/main" xmlns:r="http://schemas.openxmlformats.org/officeDocument/2006/relationships" xmlns:p="http://schemas.openxmlformats.org/presentationml/2006/main">
   <p:cSld>
     <p:spTree>
@@ -8449,95 +8868,7 @@
 </p:sld>
 </file>
 
-<file path=ppt/slides/slide2.xml><?xml version="1.0" encoding="utf-8"?>
-<p:sld xmlns:a="http://schemas.openxmlformats.org/drawingml/2006/main" xmlns:r="http://schemas.openxmlformats.org/officeDocument/2006/relationships" xmlns:p="http://schemas.openxmlformats.org/presentationml/2006/main">
-  <p:cSld>
-    <p:spTree>
-      <p:nvGrpSpPr>
-        <p:cNvPr id="1" name=""/>
-        <p:cNvGrpSpPr/>
-        <p:nvPr/>
-      </p:nvGrpSpPr>
-      <p:grpSpPr>
-        <a:xfrm>
-          <a:off x="0" y="0"/>
-          <a:ext cx="0" cy="0"/>
-          <a:chOff x="0" y="0"/>
-          <a:chExt cx="0" cy="0"/>
-        </a:xfrm>
-      </p:grpSpPr>
-      <p:sp>
-        <p:nvSpPr>
-          <p:cNvPr id="2" name="Заголовок 1">
-            <a:extLst>
-              <a:ext uri="{FF2B5EF4-FFF2-40B4-BE49-F238E27FC236}">
-                <a16:creationId xmlns:a16="http://schemas.microsoft.com/office/drawing/2014/main" id="{C9DD5936-6EAC-559D-8450-8CFC714C675A}"/>
-              </a:ext>
-            </a:extLst>
-          </p:cNvPr>
-          <p:cNvSpPr>
-            <a:spLocks noGrp="1"/>
-          </p:cNvSpPr>
-          <p:nvPr>
-            <p:ph type="title"/>
-          </p:nvPr>
-        </p:nvSpPr>
-        <p:spPr/>
-        <p:txBody>
-          <a:bodyPr/>
-          <a:lstStyle/>
-          <a:p>
-            <a:r>
-              <a:rPr lang="en-US" dirty="0"/>
-              <a:t>Online </a:t>
-            </a:r>
-            <a:r>
-              <a:rPr lang="ru-RU" dirty="0"/>
-              <a:t>поиск подстрок в строке</a:t>
-            </a:r>
-          </a:p>
-        </p:txBody>
-      </p:sp>
-      <p:graphicFrame>
-        <p:nvGraphicFramePr>
-          <p:cNvPr id="5" name="Объект 2">
-            <a:extLst>
-              <a:ext uri="{FF2B5EF4-FFF2-40B4-BE49-F238E27FC236}">
-                <a16:creationId xmlns:a16="http://schemas.microsoft.com/office/drawing/2014/main" id="{F3E6998B-3003-2E24-E209-50A77B9023A6}"/>
-              </a:ext>
-            </a:extLst>
-          </p:cNvPr>
-          <p:cNvGraphicFramePr>
-            <a:graphicFrameLocks noGrp="1"/>
-          </p:cNvGraphicFramePr>
-          <p:nvPr>
-            <p:ph idx="1"/>
-          </p:nvPr>
-        </p:nvGraphicFramePr>
-        <p:xfrm>
-          <a:off x="838200" y="1825625"/>
-          <a:ext cx="10515600" cy="4351338"/>
-        </p:xfrm>
-        <a:graphic>
-          <a:graphicData uri="http://schemas.openxmlformats.org/drawingml/2006/diagram">
-            <dgm:relIds xmlns:dgm="http://schemas.openxmlformats.org/drawingml/2006/diagram" xmlns:r="http://schemas.openxmlformats.org/officeDocument/2006/relationships" r:dm="rId2" r:lo="rId3" r:qs="rId4" r:cs="rId5"/>
-          </a:graphicData>
-        </a:graphic>
-      </p:graphicFrame>
-    </p:spTree>
-    <p:extLst>
-      <p:ext uri="{BB962C8B-B14F-4D97-AF65-F5344CB8AC3E}">
-        <p14:creationId xmlns:p14="http://schemas.microsoft.com/office/powerpoint/2010/main" val="899005541"/>
-      </p:ext>
-    </p:extLst>
-  </p:cSld>
-  <p:clrMapOvr>
-    <a:masterClrMapping/>
-  </p:clrMapOvr>
-</p:sld>
-</file>
-
-<file path=ppt/slides/slide20.xml><?xml version="1.0" encoding="utf-8"?>
+<file path=ppt/slides/slide21.xml><?xml version="1.0" encoding="utf-8"?>
 <p:sld xmlns:a="http://schemas.openxmlformats.org/drawingml/2006/main" xmlns:r="http://schemas.openxmlformats.org/officeDocument/2006/relationships" xmlns:p="http://schemas.openxmlformats.org/presentationml/2006/main">
   <p:cSld>
     <p:spTree>
@@ -8639,7 +8970,7 @@
 </p:sld>
 </file>
 
-<file path=ppt/slides/slide21.xml><?xml version="1.0" encoding="utf-8"?>
+<file path=ppt/slides/slide22.xml><?xml version="1.0" encoding="utf-8"?>
 <p:sld xmlns:a="http://schemas.openxmlformats.org/drawingml/2006/main" xmlns:r="http://schemas.openxmlformats.org/officeDocument/2006/relationships" xmlns:p="http://schemas.openxmlformats.org/presentationml/2006/main">
   <p:cSld>
     <p:spTree>
@@ -8763,6 +9094,340 @@
           <p:cNvPr id="2" name="Заголовок 1">
             <a:extLst>
               <a:ext uri="{FF2B5EF4-FFF2-40B4-BE49-F238E27FC236}">
+                <a16:creationId xmlns:a16="http://schemas.microsoft.com/office/drawing/2014/main" id="{5C3D208E-29B6-0633-FDD9-7CB75B416567}"/>
+              </a:ext>
+            </a:extLst>
+          </p:cNvPr>
+          <p:cNvSpPr>
+            <a:spLocks noGrp="1"/>
+          </p:cNvSpPr>
+          <p:nvPr>
+            <p:ph type="title"/>
+          </p:nvPr>
+        </p:nvSpPr>
+        <p:spPr/>
+        <p:txBody>
+          <a:bodyPr/>
+          <a:lstStyle/>
+          <a:p>
+            <a:r>
+              <a:rPr lang="ru-RU" dirty="0"/>
+              <a:t>История и  Алгоритма Укконена</a:t>
+            </a:r>
+          </a:p>
+        </p:txBody>
+      </p:sp>
+      <p:sp>
+        <p:nvSpPr>
+          <p:cNvPr id="3" name="Объект 2">
+            <a:extLst>
+              <a:ext uri="{FF2B5EF4-FFF2-40B4-BE49-F238E27FC236}">
+                <a16:creationId xmlns:a16="http://schemas.microsoft.com/office/drawing/2014/main" id="{0C00D144-24C2-2D46-F6A9-2B6F9098620D}"/>
+              </a:ext>
+            </a:extLst>
+          </p:cNvPr>
+          <p:cNvSpPr>
+            <a:spLocks noGrp="1"/>
+          </p:cNvSpPr>
+          <p:nvPr>
+            <p:ph idx="1"/>
+          </p:nvPr>
+        </p:nvSpPr>
+        <p:spPr/>
+        <p:txBody>
+          <a:bodyPr>
+            <a:normAutofit/>
+          </a:bodyPr>
+          <a:lstStyle/>
+          <a:p>
+            <a:pPr marL="0" indent="0">
+              <a:buNone/>
+            </a:pPr>
+            <a:r>
+              <a:rPr lang="ru-RU" sz="2000" b="1" i="0" dirty="0">
+                <a:solidFill>
+                  <a:srgbClr val="202122"/>
+                </a:solidFill>
+                <a:effectLst/>
+              </a:rPr>
+              <a:t>Эско Юхани </a:t>
+            </a:r>
+            <a:r>
+              <a:rPr lang="ru-RU" sz="2000" b="1" i="0" dirty="0" err="1">
+                <a:solidFill>
+                  <a:srgbClr val="202122"/>
+                </a:solidFill>
+                <a:effectLst/>
+              </a:rPr>
+              <a:t>Укконен</a:t>
+            </a:r>
+            <a:r>
+              <a:rPr lang="ru-RU" sz="2000" dirty="0"/>
+              <a:t> (р. 1950) - финский </a:t>
+            </a:r>
+            <a:r>
+              <a:rPr lang="ru-RU" sz="2000" b="0" i="0" u="none" strike="noStrike" dirty="0">
+                <a:solidFill>
+                  <a:srgbClr val="0645AD"/>
+                </a:solidFill>
+                <a:effectLst/>
+                <a:hlinkClick r:id="rId2" tooltip="Теоретическая информатика"/>
+              </a:rPr>
+              <a:t>ученый-теоретик информатики</a:t>
+            </a:r>
+            <a:r>
+              <a:rPr lang="ru-RU" sz="2000" dirty="0"/>
+              <a:t>, известный своим вкладом в </a:t>
+            </a:r>
+            <a:r>
+              <a:rPr lang="ru-RU" sz="2000" b="0" i="0" u="none" strike="noStrike" dirty="0">
+                <a:solidFill>
+                  <a:srgbClr val="0645AD"/>
+                </a:solidFill>
+                <a:effectLst/>
+                <a:hlinkClick r:id="rId3" tooltip="Строковые алгоритмы"/>
+              </a:rPr>
+              <a:t>строковые алгоритмы</a:t>
+            </a:r>
+            <a:r>
+              <a:rPr lang="ru-RU" sz="2000" dirty="0"/>
+              <a:t>, и в частности, алгоритмом </a:t>
+            </a:r>
+            <a:r>
+              <a:rPr lang="ru-RU" sz="2000" b="0" i="0" u="none" strike="noStrike" dirty="0">
+                <a:solidFill>
+                  <a:srgbClr val="0645AD"/>
+                </a:solidFill>
+                <a:effectLst/>
+                <a:hlinkClick r:id="rId4" tooltip="Алгоритм Укконена"/>
+              </a:rPr>
+              <a:t>Укконена</a:t>
+            </a:r>
+            <a:r>
+              <a:rPr lang="ru-RU" sz="2000" b="0" i="0" u="none" strike="noStrike" baseline="30000" dirty="0">
+                <a:solidFill>
+                  <a:srgbClr val="0645AD"/>
+                </a:solidFill>
+                <a:effectLst/>
+                <a:hlinkClick r:id="rId5"/>
+              </a:rPr>
+              <a:t>[1]</a:t>
+            </a:r>
+            <a:r>
+              <a:rPr lang="ru-RU" sz="2000" dirty="0"/>
+              <a:t> для построения </a:t>
+            </a:r>
+            <a:r>
+              <a:rPr lang="ru-RU" sz="2000" b="0" i="0" u="none" strike="noStrike" dirty="0">
+                <a:solidFill>
+                  <a:srgbClr val="0645AD"/>
+                </a:solidFill>
+                <a:effectLst/>
+                <a:hlinkClick r:id="rId6" tooltip="Дерево суффиксов"/>
+              </a:rPr>
+              <a:t>дерева суффиксов</a:t>
+            </a:r>
+            <a:r>
+              <a:rPr lang="ru-RU" sz="2000" b="0" i="0" u="none" strike="noStrike" dirty="0">
+                <a:solidFill>
+                  <a:srgbClr val="0645AD"/>
+                </a:solidFill>
+                <a:effectLst/>
+              </a:rPr>
+              <a:t> </a:t>
+            </a:r>
+            <a:r>
+              <a:rPr lang="ru-RU" sz="2000" b="0" i="0" u="none" strike="noStrike" dirty="0">
+                <a:effectLst/>
+              </a:rPr>
+              <a:t>предложенный им в 1995 году</a:t>
+            </a:r>
+            <a:r>
+              <a:rPr lang="ru-RU" sz="2000" dirty="0"/>
+              <a:t>. Он является почетным профессором </a:t>
+            </a:r>
+            <a:r>
+              <a:rPr lang="ru-RU" sz="2000" b="0" i="0" u="none" strike="noStrike" dirty="0">
+                <a:solidFill>
+                  <a:srgbClr val="0645AD"/>
+                </a:solidFill>
+                <a:effectLst/>
+                <a:hlinkClick r:id="rId7" tooltip="Хельсинкский университет"/>
+              </a:rPr>
+              <a:t>Хельсинкского университета</a:t>
+            </a:r>
+            <a:r>
+              <a:rPr lang="ru-RU" sz="2000" dirty="0"/>
+              <a:t>.</a:t>
+            </a:r>
+          </a:p>
+          <a:p>
+            <a:pPr marL="0" indent="0">
+              <a:buNone/>
+            </a:pPr>
+            <a:endParaRPr lang="ru-RU" sz="2000" dirty="0"/>
+          </a:p>
+          <a:p>
+            <a:pPr marL="0" indent="0">
+              <a:buNone/>
+            </a:pPr>
+            <a:endParaRPr lang="ru-RU" sz="2000" dirty="0"/>
+          </a:p>
+        </p:txBody>
+      </p:sp>
+      <p:sp>
+        <p:nvSpPr>
+          <p:cNvPr id="4" name="TextBox 3">
+            <a:extLst>
+              <a:ext uri="{FF2B5EF4-FFF2-40B4-BE49-F238E27FC236}">
+                <a16:creationId xmlns:a16="http://schemas.microsoft.com/office/drawing/2014/main" id="{7D76F9A8-2540-EEB1-715E-785F959B17C0}"/>
+              </a:ext>
+            </a:extLst>
+          </p:cNvPr>
+          <p:cNvSpPr txBox="1"/>
+          <p:nvPr/>
+        </p:nvSpPr>
+        <p:spPr>
+          <a:xfrm>
+            <a:off x="11833934" y="6506423"/>
+            <a:ext cx="237997" cy="369332"/>
+          </a:xfrm>
+          <a:prstGeom prst="rect">
+            <a:avLst/>
+          </a:prstGeom>
+          <a:noFill/>
+        </p:spPr>
+        <p:txBody>
+          <a:bodyPr wrap="square" rtlCol="0">
+            <a:spAutoFit/>
+          </a:bodyPr>
+          <a:lstStyle/>
+          <a:p>
+            <a:pPr algn="ctr"/>
+            <a:r>
+              <a:rPr lang="ru-RU" dirty="0"/>
+              <a:t>2</a:t>
+            </a:r>
+          </a:p>
+        </p:txBody>
+      </p:sp>
+      <p:pic>
+        <p:nvPicPr>
+          <p:cNvPr id="1028" name="Picture 4">
+            <a:extLst>
+              <a:ext uri="{FF2B5EF4-FFF2-40B4-BE49-F238E27FC236}">
+                <a16:creationId xmlns:a16="http://schemas.microsoft.com/office/drawing/2014/main" id="{A052091C-4FFB-E513-3328-D24DDFD2741A}"/>
+              </a:ext>
+            </a:extLst>
+          </p:cNvPr>
+          <p:cNvPicPr>
+            <a:picLocks noChangeAspect="1" noChangeArrowheads="1"/>
+          </p:cNvPicPr>
+          <p:nvPr/>
+        </p:nvPicPr>
+        <p:blipFill>
+          <a:blip r:embed="rId8">
+            <a:extLst>
+              <a:ext uri="{28A0092B-C50C-407E-A947-70E740481C1C}">
+                <a14:useLocalDpi xmlns:a14="http://schemas.microsoft.com/office/drawing/2010/main" val="0"/>
+              </a:ext>
+            </a:extLst>
+          </a:blip>
+          <a:srcRect/>
+          <a:stretch>
+            <a:fillRect/>
+          </a:stretch>
+        </p:blipFill>
+        <p:spPr bwMode="auto">
+          <a:xfrm>
+            <a:off x="949912" y="3041153"/>
+            <a:ext cx="4432998" cy="3069982"/>
+          </a:xfrm>
+          <a:prstGeom prst="rect">
+            <a:avLst/>
+          </a:prstGeom>
+          <a:noFill/>
+          <a:extLst>
+            <a:ext uri="{909E8E84-426E-40DD-AFC4-6F175D3DCCD1}">
+              <a14:hiddenFill xmlns:a14="http://schemas.microsoft.com/office/drawing/2010/main">
+                <a:solidFill>
+                  <a:srgbClr val="FFFFFF"/>
+                </a:solidFill>
+              </a14:hiddenFill>
+            </a:ext>
+          </a:extLst>
+        </p:spPr>
+      </p:pic>
+      <p:sp>
+        <p:nvSpPr>
+          <p:cNvPr id="5" name="TextBox 4">
+            <a:extLst>
+              <a:ext uri="{FF2B5EF4-FFF2-40B4-BE49-F238E27FC236}">
+                <a16:creationId xmlns:a16="http://schemas.microsoft.com/office/drawing/2014/main" id="{958B18CB-12AC-D896-3527-4EFF0E9E3C55}"/>
+              </a:ext>
+            </a:extLst>
+          </p:cNvPr>
+          <p:cNvSpPr txBox="1"/>
+          <p:nvPr/>
+        </p:nvSpPr>
+        <p:spPr>
+          <a:xfrm>
+            <a:off x="6096000" y="3701988"/>
+            <a:ext cx="1378998" cy="369332"/>
+          </a:xfrm>
+          <a:prstGeom prst="rect">
+            <a:avLst/>
+          </a:prstGeom>
+          <a:noFill/>
+        </p:spPr>
+        <p:txBody>
+          <a:bodyPr wrap="square" rtlCol="0">
+            <a:spAutoFit/>
+          </a:bodyPr>
+          <a:lstStyle/>
+          <a:p>
+            <a:r>
+              <a:rPr lang="ru-RU" dirty="0"/>
+              <a:t>	</a:t>
+            </a:r>
+          </a:p>
+        </p:txBody>
+      </p:sp>
+    </p:spTree>
+    <p:extLst>
+      <p:ext uri="{BB962C8B-B14F-4D97-AF65-F5344CB8AC3E}">
+        <p14:creationId xmlns:p14="http://schemas.microsoft.com/office/powerpoint/2010/main" val="4134274443"/>
+      </p:ext>
+    </p:extLst>
+  </p:cSld>
+  <p:clrMapOvr>
+    <a:masterClrMapping/>
+  </p:clrMapOvr>
+</p:sld>
+</file>
+
+<file path=ppt/slides/slide4.xml><?xml version="1.0" encoding="utf-8"?>
+<p:sld xmlns:a="http://schemas.openxmlformats.org/drawingml/2006/main" xmlns:r="http://schemas.openxmlformats.org/officeDocument/2006/relationships" xmlns:p="http://schemas.openxmlformats.org/presentationml/2006/main">
+  <p:cSld>
+    <p:spTree>
+      <p:nvGrpSpPr>
+        <p:cNvPr id="1" name=""/>
+        <p:cNvGrpSpPr/>
+        <p:nvPr/>
+      </p:nvGrpSpPr>
+      <p:grpSpPr>
+        <a:xfrm>
+          <a:off x="0" y="0"/>
+          <a:ext cx="0" cy="0"/>
+          <a:chOff x="0" y="0"/>
+          <a:chExt cx="0" cy="0"/>
+        </a:xfrm>
+      </p:grpSpPr>
+      <p:sp>
+        <p:nvSpPr>
+          <p:cNvPr id="2" name="Заголовок 1">
+            <a:extLst>
+              <a:ext uri="{FF2B5EF4-FFF2-40B4-BE49-F238E27FC236}">
                 <a16:creationId xmlns:a16="http://schemas.microsoft.com/office/drawing/2014/main" id="{7DB29EF7-AEC4-E22E-8E2E-52D81DA3CB98}"/>
               </a:ext>
             </a:extLst>
@@ -9083,6 +9748,42 @@
           </a:prstGeom>
         </p:spPr>
       </p:pic>
+      <p:sp>
+        <p:nvSpPr>
+          <p:cNvPr id="4" name="TextBox 3">
+            <a:extLst>
+              <a:ext uri="{FF2B5EF4-FFF2-40B4-BE49-F238E27FC236}">
+                <a16:creationId xmlns:a16="http://schemas.microsoft.com/office/drawing/2014/main" id="{F2F6815D-6088-0CD9-4E69-5EBFB910E82D}"/>
+              </a:ext>
+            </a:extLst>
+          </p:cNvPr>
+          <p:cNvSpPr txBox="1"/>
+          <p:nvPr/>
+        </p:nvSpPr>
+        <p:spPr>
+          <a:xfrm>
+            <a:off x="11833934" y="6506423"/>
+            <a:ext cx="237997" cy="369332"/>
+          </a:xfrm>
+          <a:prstGeom prst="rect">
+            <a:avLst/>
+          </a:prstGeom>
+          <a:noFill/>
+        </p:spPr>
+        <p:txBody>
+          <a:bodyPr wrap="square" rtlCol="0">
+            <a:spAutoFit/>
+          </a:bodyPr>
+          <a:lstStyle/>
+          <a:p>
+            <a:pPr algn="ctr"/>
+            <a:r>
+              <a:rPr lang="ru-RU" dirty="0"/>
+              <a:t>3</a:t>
+            </a:r>
+          </a:p>
+        </p:txBody>
+      </p:sp>
     </p:spTree>
     <p:extLst>
       <p:ext uri="{BB962C8B-B14F-4D97-AF65-F5344CB8AC3E}">
@@ -9096,7 +9797,7 @@
 </p:sld>
 </file>
 
-<file path=ppt/slides/slide4.xml><?xml version="1.0" encoding="utf-8"?>
+<file path=ppt/slides/slide5.xml><?xml version="1.0" encoding="utf-8"?>
 <p:sld xmlns:a="http://schemas.openxmlformats.org/drawingml/2006/main" xmlns:r="http://schemas.openxmlformats.org/officeDocument/2006/relationships" xmlns:p="http://schemas.openxmlformats.org/presentationml/2006/main">
   <p:cSld>
     <p:spTree>
@@ -9537,6 +10238,42 @@
           </a:prstGeom>
         </p:spPr>
       </p:pic>
+      <p:sp>
+        <p:nvSpPr>
+          <p:cNvPr id="4" name="TextBox 3">
+            <a:extLst>
+              <a:ext uri="{FF2B5EF4-FFF2-40B4-BE49-F238E27FC236}">
+                <a16:creationId xmlns:a16="http://schemas.microsoft.com/office/drawing/2014/main" id="{600CD7F3-4C47-0698-A5C9-FD0FEF61DC22}"/>
+              </a:ext>
+            </a:extLst>
+          </p:cNvPr>
+          <p:cNvSpPr txBox="1"/>
+          <p:nvPr/>
+        </p:nvSpPr>
+        <p:spPr>
+          <a:xfrm>
+            <a:off x="11833934" y="6506423"/>
+            <a:ext cx="237997" cy="369332"/>
+          </a:xfrm>
+          <a:prstGeom prst="rect">
+            <a:avLst/>
+          </a:prstGeom>
+          <a:noFill/>
+        </p:spPr>
+        <p:txBody>
+          <a:bodyPr wrap="square" rtlCol="0">
+            <a:spAutoFit/>
+          </a:bodyPr>
+          <a:lstStyle/>
+          <a:p>
+            <a:pPr algn="ctr"/>
+            <a:r>
+              <a:rPr lang="ru-RU" dirty="0"/>
+              <a:t>4</a:t>
+            </a:r>
+          </a:p>
+        </p:txBody>
+      </p:sp>
     </p:spTree>
     <p:extLst>
       <p:ext uri="{BB962C8B-B14F-4D97-AF65-F5344CB8AC3E}">
@@ -9550,7 +10287,7 @@
 </p:sld>
 </file>
 
-<file path=ppt/slides/slide5.xml><?xml version="1.0" encoding="utf-8"?>
+<file path=ppt/slides/slide6.xml><?xml version="1.0" encoding="utf-8"?>
 <p:sld xmlns:a="http://schemas.openxmlformats.org/drawingml/2006/main" xmlns:r="http://schemas.openxmlformats.org/officeDocument/2006/relationships" xmlns:p="http://schemas.openxmlformats.org/presentationml/2006/main">
   <p:cSld>
     <p:spTree>
@@ -10091,6 +10828,42 @@
           </a:prstGeom>
         </p:spPr>
       </p:pic>
+      <p:sp>
+        <p:nvSpPr>
+          <p:cNvPr id="6" name="TextBox 5">
+            <a:extLst>
+              <a:ext uri="{FF2B5EF4-FFF2-40B4-BE49-F238E27FC236}">
+                <a16:creationId xmlns:a16="http://schemas.microsoft.com/office/drawing/2014/main" id="{1C62F81C-9643-6499-247E-988D98853247}"/>
+              </a:ext>
+            </a:extLst>
+          </p:cNvPr>
+          <p:cNvSpPr txBox="1"/>
+          <p:nvPr/>
+        </p:nvSpPr>
+        <p:spPr>
+          <a:xfrm>
+            <a:off x="11833934" y="6506423"/>
+            <a:ext cx="237997" cy="369332"/>
+          </a:xfrm>
+          <a:prstGeom prst="rect">
+            <a:avLst/>
+          </a:prstGeom>
+          <a:noFill/>
+        </p:spPr>
+        <p:txBody>
+          <a:bodyPr wrap="square" rtlCol="0">
+            <a:spAutoFit/>
+          </a:bodyPr>
+          <a:lstStyle/>
+          <a:p>
+            <a:pPr algn="ctr"/>
+            <a:r>
+              <a:rPr lang="ru-RU" dirty="0"/>
+              <a:t>5</a:t>
+            </a:r>
+          </a:p>
+        </p:txBody>
+      </p:sp>
     </p:spTree>
     <p:extLst>
       <p:ext uri="{BB962C8B-B14F-4D97-AF65-F5344CB8AC3E}">
@@ -10104,7 +10877,7 @@
 </p:sld>
 </file>
 
-<file path=ppt/slides/slide6.xml><?xml version="1.0" encoding="utf-8"?>
+<file path=ppt/slides/slide7.xml><?xml version="1.0" encoding="utf-8"?>
 <p:sld xmlns:a="http://schemas.openxmlformats.org/drawingml/2006/main" xmlns:r="http://schemas.openxmlformats.org/officeDocument/2006/relationships" xmlns:p="http://schemas.openxmlformats.org/presentationml/2006/main">
   <p:cSld>
     <p:spTree>
@@ -10677,6 +11450,42 @@
           </a:p>
         </p:txBody>
       </p:sp>
+      <p:sp>
+        <p:nvSpPr>
+          <p:cNvPr id="4" name="TextBox 3">
+            <a:extLst>
+              <a:ext uri="{FF2B5EF4-FFF2-40B4-BE49-F238E27FC236}">
+                <a16:creationId xmlns:a16="http://schemas.microsoft.com/office/drawing/2014/main" id="{B494CA3C-CEE8-B8CB-C683-E61853D2CB61}"/>
+              </a:ext>
+            </a:extLst>
+          </p:cNvPr>
+          <p:cNvSpPr txBox="1"/>
+          <p:nvPr/>
+        </p:nvSpPr>
+        <p:spPr>
+          <a:xfrm>
+            <a:off x="11833934" y="6506423"/>
+            <a:ext cx="237997" cy="369332"/>
+          </a:xfrm>
+          <a:prstGeom prst="rect">
+            <a:avLst/>
+          </a:prstGeom>
+          <a:noFill/>
+        </p:spPr>
+        <p:txBody>
+          <a:bodyPr wrap="square" rtlCol="0">
+            <a:spAutoFit/>
+          </a:bodyPr>
+          <a:lstStyle/>
+          <a:p>
+            <a:pPr algn="ctr"/>
+            <a:r>
+              <a:rPr lang="ru-RU" dirty="0"/>
+              <a:t>6</a:t>
+            </a:r>
+          </a:p>
+        </p:txBody>
+      </p:sp>
     </p:spTree>
     <p:extLst>
       <p:ext uri="{BB962C8B-B14F-4D97-AF65-F5344CB8AC3E}">
@@ -10690,7 +11499,7 @@
 </p:sld>
 </file>
 
-<file path=ppt/slides/slide7.xml><?xml version="1.0" encoding="utf-8"?>
+<file path=ppt/slides/slide8.xml><?xml version="1.0" encoding="utf-8"?>
 <p:sld xmlns:a="http://schemas.openxmlformats.org/drawingml/2006/main" xmlns:r="http://schemas.openxmlformats.org/officeDocument/2006/relationships" xmlns:p="http://schemas.openxmlformats.org/presentationml/2006/main">
   <p:cSld>
     <p:spTree>
@@ -11277,6 +12086,42 @@
           </a:p>
         </p:txBody>
       </p:sp>
+      <p:sp>
+        <p:nvSpPr>
+          <p:cNvPr id="6" name="TextBox 5">
+            <a:extLst>
+              <a:ext uri="{FF2B5EF4-FFF2-40B4-BE49-F238E27FC236}">
+                <a16:creationId xmlns:a16="http://schemas.microsoft.com/office/drawing/2014/main" id="{4C9CD654-1BB1-086F-5179-81A2B1BE1ABB}"/>
+              </a:ext>
+            </a:extLst>
+          </p:cNvPr>
+          <p:cNvSpPr txBox="1"/>
+          <p:nvPr/>
+        </p:nvSpPr>
+        <p:spPr>
+          <a:xfrm>
+            <a:off x="11833934" y="6506423"/>
+            <a:ext cx="237997" cy="369332"/>
+          </a:xfrm>
+          <a:prstGeom prst="rect">
+            <a:avLst/>
+          </a:prstGeom>
+          <a:noFill/>
+        </p:spPr>
+        <p:txBody>
+          <a:bodyPr wrap="square" rtlCol="0">
+            <a:spAutoFit/>
+          </a:bodyPr>
+          <a:lstStyle/>
+          <a:p>
+            <a:pPr algn="ctr"/>
+            <a:r>
+              <a:rPr lang="ru-RU" dirty="0"/>
+              <a:t>7</a:t>
+            </a:r>
+          </a:p>
+        </p:txBody>
+      </p:sp>
     </p:spTree>
     <p:extLst>
       <p:ext uri="{BB962C8B-B14F-4D97-AF65-F5344CB8AC3E}">
@@ -11290,7 +12135,7 @@
 </p:sld>
 </file>
 
-<file path=ppt/slides/slide8.xml><?xml version="1.0" encoding="utf-8"?>
+<file path=ppt/slides/slide9.xml><?xml version="1.0" encoding="utf-8"?>
 <p:sld xmlns:a="http://schemas.openxmlformats.org/drawingml/2006/main" xmlns:r="http://schemas.openxmlformats.org/officeDocument/2006/relationships" xmlns:p="http://schemas.openxmlformats.org/presentationml/2006/main">
   <p:cSld>
     <p:spTree>
@@ -11874,106 +12719,46 @@
           </a:prstGeom>
         </p:spPr>
       </p:pic>
+      <p:sp>
+        <p:nvSpPr>
+          <p:cNvPr id="4" name="TextBox 3">
+            <a:extLst>
+              <a:ext uri="{FF2B5EF4-FFF2-40B4-BE49-F238E27FC236}">
+                <a16:creationId xmlns:a16="http://schemas.microsoft.com/office/drawing/2014/main" id="{8F2FDC62-6876-3460-09F4-342026DBF5B8}"/>
+              </a:ext>
+            </a:extLst>
+          </p:cNvPr>
+          <p:cNvSpPr txBox="1"/>
+          <p:nvPr/>
+        </p:nvSpPr>
+        <p:spPr>
+          <a:xfrm>
+            <a:off x="11833934" y="6506423"/>
+            <a:ext cx="237997" cy="369332"/>
+          </a:xfrm>
+          <a:prstGeom prst="rect">
+            <a:avLst/>
+          </a:prstGeom>
+          <a:noFill/>
+        </p:spPr>
+        <p:txBody>
+          <a:bodyPr wrap="square" rtlCol="0">
+            <a:spAutoFit/>
+          </a:bodyPr>
+          <a:lstStyle/>
+          <a:p>
+            <a:pPr algn="ctr"/>
+            <a:r>
+              <a:rPr lang="ru-RU" dirty="0"/>
+              <a:t>8</a:t>
+            </a:r>
+          </a:p>
+        </p:txBody>
+      </p:sp>
     </p:spTree>
     <p:extLst>
       <p:ext uri="{BB962C8B-B14F-4D97-AF65-F5344CB8AC3E}">
         <p14:creationId xmlns:p14="http://schemas.microsoft.com/office/powerpoint/2010/main" val="1183899479"/>
-      </p:ext>
-    </p:extLst>
-  </p:cSld>
-  <p:clrMapOvr>
-    <a:masterClrMapping/>
-  </p:clrMapOvr>
-</p:sld>
-</file>
-
-<file path=ppt/slides/slide9.xml><?xml version="1.0" encoding="utf-8"?>
-<p:sld xmlns:a="http://schemas.openxmlformats.org/drawingml/2006/main" xmlns:r="http://schemas.openxmlformats.org/officeDocument/2006/relationships" xmlns:p="http://schemas.openxmlformats.org/presentationml/2006/main">
-  <p:cSld>
-    <p:spTree>
-      <p:nvGrpSpPr>
-        <p:cNvPr id="1" name=""/>
-        <p:cNvGrpSpPr/>
-        <p:nvPr/>
-      </p:nvGrpSpPr>
-      <p:grpSpPr>
-        <a:xfrm>
-          <a:off x="0" y="0"/>
-          <a:ext cx="0" cy="0"/>
-          <a:chOff x="0" y="0"/>
-          <a:chExt cx="0" cy="0"/>
-        </a:xfrm>
-      </p:grpSpPr>
-      <p:sp>
-        <p:nvSpPr>
-          <p:cNvPr id="2" name="Заголовок 1">
-            <a:extLst>
-              <a:ext uri="{FF2B5EF4-FFF2-40B4-BE49-F238E27FC236}">
-                <a16:creationId xmlns:a16="http://schemas.microsoft.com/office/drawing/2014/main" id="{AE5A2081-94BA-FF42-5646-02EC83B3935C}"/>
-              </a:ext>
-            </a:extLst>
-          </p:cNvPr>
-          <p:cNvSpPr>
-            <a:spLocks noGrp="1"/>
-          </p:cNvSpPr>
-          <p:nvPr>
-            <p:ph type="title"/>
-          </p:nvPr>
-        </p:nvSpPr>
-        <p:spPr/>
-        <p:txBody>
-          <a:bodyPr/>
-          <a:lstStyle/>
-          <a:p>
-            <a:r>
-              <a:rPr lang="ru-RU" dirty="0"/>
-              <a:t>Алгоритм Укконена</a:t>
-            </a:r>
-            <a:r>
-              <a:rPr lang="en-US" dirty="0"/>
-              <a:t>:</a:t>
-            </a:r>
-            <a:r>
-              <a:rPr lang="ru-RU" dirty="0"/>
-              <a:t> добавления символа</a:t>
-            </a:r>
-          </a:p>
-        </p:txBody>
-      </p:sp>
-      <p:pic>
-        <p:nvPicPr>
-          <p:cNvPr id="7" name="Рисунок 6">
-            <a:extLst>
-              <a:ext uri="{FF2B5EF4-FFF2-40B4-BE49-F238E27FC236}">
-                <a16:creationId xmlns:a16="http://schemas.microsoft.com/office/drawing/2014/main" id="{6BD5CF4B-10A2-7F38-7427-065E7AFBB6F9}"/>
-              </a:ext>
-            </a:extLst>
-          </p:cNvPr>
-          <p:cNvPicPr>
-            <a:picLocks noChangeAspect="1"/>
-          </p:cNvPicPr>
-          <p:nvPr/>
-        </p:nvPicPr>
-        <p:blipFill>
-          <a:blip r:embed="rId2"/>
-          <a:stretch>
-            <a:fillRect/>
-          </a:stretch>
-        </p:blipFill>
-        <p:spPr>
-          <a:xfrm>
-            <a:off x="789431" y="2075545"/>
-            <a:ext cx="10564369" cy="3668184"/>
-          </a:xfrm>
-          <a:prstGeom prst="rect">
-            <a:avLst/>
-          </a:prstGeom>
-        </p:spPr>
-      </p:pic>
-    </p:spTree>
-    <p:extLst>
-      <p:ext uri="{BB962C8B-B14F-4D97-AF65-F5344CB8AC3E}">
-        <p14:creationId xmlns:p14="http://schemas.microsoft.com/office/powerpoint/2010/main" val="3534209888"/>
       </p:ext>
     </p:extLst>
   </p:cSld>

--- a/Algorithm Ykkonena.pptx
+++ b/Algorithm Ykkonena.pptx
@@ -5,12 +5,12 @@
     <p:sldMasterId id="2147483648" r:id="rId1"/>
   </p:sldMasterIdLst>
   <p:notesMasterIdLst>
-    <p:notesMasterId r:id="rId24"/>
+    <p:notesMasterId r:id="rId25"/>
   </p:notesMasterIdLst>
   <p:sldIdLst>
     <p:sldId id="256" r:id="rId2"/>
-    <p:sldId id="257" r:id="rId3"/>
-    <p:sldId id="282" r:id="rId4"/>
+    <p:sldId id="282" r:id="rId3"/>
+    <p:sldId id="257" r:id="rId4"/>
     <p:sldId id="258" r:id="rId5"/>
     <p:sldId id="259" r:id="rId6"/>
     <p:sldId id="260" r:id="rId7"/>
@@ -21,15 +21,16 @@
     <p:sldId id="265" r:id="rId12"/>
     <p:sldId id="266" r:id="rId13"/>
     <p:sldId id="267" r:id="rId14"/>
-    <p:sldId id="268" r:id="rId15"/>
-    <p:sldId id="274" r:id="rId16"/>
-    <p:sldId id="275" r:id="rId17"/>
-    <p:sldId id="276" r:id="rId18"/>
-    <p:sldId id="277" r:id="rId19"/>
-    <p:sldId id="278" r:id="rId20"/>
-    <p:sldId id="279" r:id="rId21"/>
-    <p:sldId id="280" r:id="rId22"/>
-    <p:sldId id="281" r:id="rId23"/>
+    <p:sldId id="283" r:id="rId15"/>
+    <p:sldId id="268" r:id="rId16"/>
+    <p:sldId id="274" r:id="rId17"/>
+    <p:sldId id="275" r:id="rId18"/>
+    <p:sldId id="276" r:id="rId19"/>
+    <p:sldId id="277" r:id="rId20"/>
+    <p:sldId id="278" r:id="rId21"/>
+    <p:sldId id="279" r:id="rId22"/>
+    <p:sldId id="280" r:id="rId23"/>
+    <p:sldId id="281" r:id="rId24"/>
   </p:sldIdLst>
   <p:sldSz cx="12192000" cy="6858000"/>
   <p:notesSz cx="6858000" cy="9144000"/>
@@ -1331,8 +1332,8 @@
     <dgm:cxn modelId="{130E26AE-5078-4327-A0B6-BD41DEFBDCDC}" srcId="{430D2A41-4096-48FB-AC9A-ABC421E551AA}" destId="{60FB0EF1-8906-41E0-B83D-5278835EE39E}" srcOrd="1" destOrd="0" parTransId="{49717DCB-B828-42DA-843B-EF1D18A17E0E}" sibTransId="{145B1491-06F8-4D1D-8FA4-8B664CEA8183}"/>
     <dgm:cxn modelId="{01A7F8AE-08AC-4ED7-BA0C-3B2630252BF6}" type="presOf" srcId="{430D2A41-4096-48FB-AC9A-ABC421E551AA}" destId="{5C3F36AE-6A64-46DF-B628-A091161949CA}" srcOrd="0" destOrd="0" presId="urn:microsoft.com/office/officeart/2005/8/layout/vList2"/>
     <dgm:cxn modelId="{C40AF7BA-C6C1-409A-B2B6-4BD4C6E999AB}" type="presOf" srcId="{B2FCE55C-64CC-4095-89E5-AC6EE35CCECE}" destId="{B8B73F11-5DA3-497C-BC08-8A91A3589049}" srcOrd="0" destOrd="0" presId="urn:microsoft.com/office/officeart/2005/8/layout/vList2"/>
+    <dgm:cxn modelId="{24C3D8E4-064E-4CD2-8821-D0DE50A1B8DA}" type="presOf" srcId="{0017F1B2-D95F-4F71-A3D6-5C2774B0ECA2}" destId="{6BA81DAA-A1D8-4DB0-A077-907865576BA1}" srcOrd="0" destOrd="0" presId="urn:microsoft.com/office/officeart/2005/8/layout/vList2"/>
     <dgm:cxn modelId="{8DE590D6-A48E-4BAB-BEC6-F9009A8951BA}" type="presOf" srcId="{20977FF0-9868-4FC9-90FD-6F847EC24436}" destId="{BA1DA39A-1217-4B11-A746-5D160FDA5879}" srcOrd="0" destOrd="0" presId="urn:microsoft.com/office/officeart/2005/8/layout/vList2"/>
-    <dgm:cxn modelId="{24C3D8E4-064E-4CD2-8821-D0DE50A1B8DA}" type="presOf" srcId="{0017F1B2-D95F-4F71-A3D6-5C2774B0ECA2}" destId="{6BA81DAA-A1D8-4DB0-A077-907865576BA1}" srcOrd="0" destOrd="0" presId="urn:microsoft.com/office/officeart/2005/8/layout/vList2"/>
     <dgm:cxn modelId="{3373C87D-97B0-4A4B-A36D-16D1032E7BC6}" type="presParOf" srcId="{5C3F36AE-6A64-46DF-B628-A091161949CA}" destId="{3EBDB24F-A150-430D-8285-DC9082797A97}" srcOrd="0" destOrd="0" presId="urn:microsoft.com/office/officeart/2005/8/layout/vList2"/>
     <dgm:cxn modelId="{D528A201-0590-464F-97FC-2919F81CA71B}" type="presParOf" srcId="{5C3F36AE-6A64-46DF-B628-A091161949CA}" destId="{A9FCC314-7387-4D47-AE3D-35AD8C083328}" srcOrd="1" destOrd="0" presId="urn:microsoft.com/office/officeart/2005/8/layout/vList2"/>
     <dgm:cxn modelId="{1CECFAEE-2C31-4A66-8144-E65768026AA1}" type="presParOf" srcId="{5C3F36AE-6A64-46DF-B628-A091161949CA}" destId="{54B347B8-8D4C-41F1-B8D8-1914A868290F}" srcOrd="2" destOrd="0" presId="urn:microsoft.com/office/officeart/2005/8/layout/vList2"/>
@@ -3251,7 +3252,7 @@
           <a:p>
             <a:fld id="{D7D411B8-925D-4A43-88D4-1AB25980BAD3}" type="datetimeFigureOut">
               <a:rPr lang="ru-RU" smtClean="0"/>
-              <a:t>10.01.2023</a:t>
+              <a:t>25.01.2023</a:t>
             </a:fld>
             <a:endParaRPr lang="ru-RU"/>
           </a:p>
@@ -3602,6 +3603,90 @@
 </p:notes>
 </file>
 
+<file path=ppt/notesSlides/notesSlide2.xml><?xml version="1.0" encoding="utf-8"?>
+<p:notes xmlns:a="http://schemas.openxmlformats.org/drawingml/2006/main" xmlns:r="http://schemas.openxmlformats.org/officeDocument/2006/relationships" xmlns:p="http://schemas.openxmlformats.org/presentationml/2006/main">
+  <p:cSld>
+    <p:spTree>
+      <p:nvGrpSpPr>
+        <p:cNvPr id="1" name=""/>
+        <p:cNvGrpSpPr/>
+        <p:nvPr/>
+      </p:nvGrpSpPr>
+      <p:grpSpPr>
+        <a:xfrm>
+          <a:off x="0" y="0"/>
+          <a:ext cx="0" cy="0"/>
+          <a:chOff x="0" y="0"/>
+          <a:chExt cx="0" cy="0"/>
+        </a:xfrm>
+      </p:grpSpPr>
+      <p:sp>
+        <p:nvSpPr>
+          <p:cNvPr id="2" name="Образ слайда 1"/>
+          <p:cNvSpPr>
+            <a:spLocks noGrp="1" noRot="1" noChangeAspect="1"/>
+          </p:cNvSpPr>
+          <p:nvPr>
+            <p:ph type="sldImg"/>
+          </p:nvPr>
+        </p:nvSpPr>
+        <p:spPr/>
+      </p:sp>
+      <p:sp>
+        <p:nvSpPr>
+          <p:cNvPr id="3" name="Заметки 2"/>
+          <p:cNvSpPr>
+            <a:spLocks noGrp="1"/>
+          </p:cNvSpPr>
+          <p:nvPr>
+            <p:ph type="body" idx="1"/>
+          </p:nvPr>
+        </p:nvSpPr>
+        <p:spPr/>
+        <p:txBody>
+          <a:bodyPr/>
+          <a:lstStyle/>
+          <a:p>
+            <a:endParaRPr lang="ru-RU" dirty="0"/>
+          </a:p>
+        </p:txBody>
+      </p:sp>
+      <p:sp>
+        <p:nvSpPr>
+          <p:cNvPr id="4" name="Номер слайда 3"/>
+          <p:cNvSpPr>
+            <a:spLocks noGrp="1"/>
+          </p:cNvSpPr>
+          <p:nvPr>
+            <p:ph type="sldNum" sz="quarter" idx="5"/>
+          </p:nvPr>
+        </p:nvSpPr>
+        <p:spPr/>
+        <p:txBody>
+          <a:bodyPr/>
+          <a:lstStyle/>
+          <a:p>
+            <a:fld id="{23EBC69B-5345-44D2-B112-E91DC9CF7945}" type="slidenum">
+              <a:rPr lang="ru-RU" smtClean="0"/>
+              <a:t>14</a:t>
+            </a:fld>
+            <a:endParaRPr lang="ru-RU"/>
+          </a:p>
+        </p:txBody>
+      </p:sp>
+    </p:spTree>
+    <p:extLst>
+      <p:ext uri="{BB962C8B-B14F-4D97-AF65-F5344CB8AC3E}">
+        <p14:creationId xmlns:p14="http://schemas.microsoft.com/office/powerpoint/2010/main" val="3546356467"/>
+      </p:ext>
+    </p:extLst>
+  </p:cSld>
+  <p:clrMapOvr>
+    <a:masterClrMapping/>
+  </p:clrMapOvr>
+</p:notes>
+</file>
+
 <file path=ppt/slideLayouts/slideLayout1.xml><?xml version="1.0" encoding="utf-8"?>
 <p:sldLayout xmlns:a="http://schemas.openxmlformats.org/drawingml/2006/main" xmlns:r="http://schemas.openxmlformats.org/officeDocument/2006/relationships" xmlns:p="http://schemas.openxmlformats.org/presentationml/2006/main" type="title" preserve="1">
   <p:cSld name="Титульный слайд">
@@ -3749,7 +3834,7 @@
           <a:p>
             <a:fld id="{70FC7955-C5F2-4C3A-BBD7-9F6FA9C85E71}" type="datetimeFigureOut">
               <a:rPr lang="ru-RU" smtClean="0"/>
-              <a:t>10.01.2023</a:t>
+              <a:t>25.01.2023</a:t>
             </a:fld>
             <a:endParaRPr lang="ru-RU"/>
           </a:p>
@@ -3947,7 +4032,7 @@
           <a:p>
             <a:fld id="{70FC7955-C5F2-4C3A-BBD7-9F6FA9C85E71}" type="datetimeFigureOut">
               <a:rPr lang="ru-RU" smtClean="0"/>
-              <a:t>10.01.2023</a:t>
+              <a:t>25.01.2023</a:t>
             </a:fld>
             <a:endParaRPr lang="ru-RU"/>
           </a:p>
@@ -4155,7 +4240,7 @@
           <a:p>
             <a:fld id="{70FC7955-C5F2-4C3A-BBD7-9F6FA9C85E71}" type="datetimeFigureOut">
               <a:rPr lang="ru-RU" smtClean="0"/>
-              <a:t>10.01.2023</a:t>
+              <a:t>25.01.2023</a:t>
             </a:fld>
             <a:endParaRPr lang="ru-RU"/>
           </a:p>
@@ -4353,7 +4438,7 @@
           <a:p>
             <a:fld id="{70FC7955-C5F2-4C3A-BBD7-9F6FA9C85E71}" type="datetimeFigureOut">
               <a:rPr lang="ru-RU" smtClean="0"/>
-              <a:t>10.01.2023</a:t>
+              <a:t>25.01.2023</a:t>
             </a:fld>
             <a:endParaRPr lang="ru-RU"/>
           </a:p>
@@ -4628,7 +4713,7 @@
           <a:p>
             <a:fld id="{70FC7955-C5F2-4C3A-BBD7-9F6FA9C85E71}" type="datetimeFigureOut">
               <a:rPr lang="ru-RU" smtClean="0"/>
-              <a:t>10.01.2023</a:t>
+              <a:t>25.01.2023</a:t>
             </a:fld>
             <a:endParaRPr lang="ru-RU"/>
           </a:p>
@@ -4893,7 +4978,7 @@
           <a:p>
             <a:fld id="{70FC7955-C5F2-4C3A-BBD7-9F6FA9C85E71}" type="datetimeFigureOut">
               <a:rPr lang="ru-RU" smtClean="0"/>
-              <a:t>10.01.2023</a:t>
+              <a:t>25.01.2023</a:t>
             </a:fld>
             <a:endParaRPr lang="ru-RU"/>
           </a:p>
@@ -5305,7 +5390,7 @@
           <a:p>
             <a:fld id="{70FC7955-C5F2-4C3A-BBD7-9F6FA9C85E71}" type="datetimeFigureOut">
               <a:rPr lang="ru-RU" smtClean="0"/>
-              <a:t>10.01.2023</a:t>
+              <a:t>25.01.2023</a:t>
             </a:fld>
             <a:endParaRPr lang="ru-RU"/>
           </a:p>
@@ -5446,7 +5531,7 @@
           <a:p>
             <a:fld id="{70FC7955-C5F2-4C3A-BBD7-9F6FA9C85E71}" type="datetimeFigureOut">
               <a:rPr lang="ru-RU" smtClean="0"/>
-              <a:t>10.01.2023</a:t>
+              <a:t>25.01.2023</a:t>
             </a:fld>
             <a:endParaRPr lang="ru-RU"/>
           </a:p>
@@ -5559,7 +5644,7 @@
           <a:p>
             <a:fld id="{70FC7955-C5F2-4C3A-BBD7-9F6FA9C85E71}" type="datetimeFigureOut">
               <a:rPr lang="ru-RU" smtClean="0"/>
-              <a:t>10.01.2023</a:t>
+              <a:t>25.01.2023</a:t>
             </a:fld>
             <a:endParaRPr lang="ru-RU"/>
           </a:p>
@@ -5870,7 +5955,7 @@
           <a:p>
             <a:fld id="{70FC7955-C5F2-4C3A-BBD7-9F6FA9C85E71}" type="datetimeFigureOut">
               <a:rPr lang="ru-RU" smtClean="0"/>
-              <a:t>10.01.2023</a:t>
+              <a:t>25.01.2023</a:t>
             </a:fld>
             <a:endParaRPr lang="ru-RU"/>
           </a:p>
@@ -6158,7 +6243,7 @@
           <a:p>
             <a:fld id="{70FC7955-C5F2-4C3A-BBD7-9F6FA9C85E71}" type="datetimeFigureOut">
               <a:rPr lang="ru-RU" smtClean="0"/>
-              <a:t>10.01.2023</a:t>
+              <a:t>25.01.2023</a:t>
             </a:fld>
             <a:endParaRPr lang="ru-RU"/>
           </a:p>
@@ -6402,7 +6487,7 @@
           <a:p>
             <a:fld id="{70FC7955-C5F2-4C3A-BBD7-9F6FA9C85E71}" type="datetimeFigureOut">
               <a:rPr lang="ru-RU" smtClean="0"/>
-              <a:t>10.01.2023</a:t>
+              <a:t>25.01.2023</a:t>
             </a:fld>
             <a:endParaRPr lang="ru-RU"/>
           </a:p>
@@ -6837,7 +6922,7 @@
         </p:nvSpPr>
         <p:spPr>
           <a:xfrm>
-            <a:off x="1524000" y="867158"/>
+            <a:off x="1524000" y="695281"/>
             <a:ext cx="9144000" cy="2387600"/>
           </a:xfrm>
         </p:spPr>
@@ -6893,35 +6978,62 @@
         </p:nvSpPr>
         <p:spPr>
           <a:xfrm>
-            <a:off x="2920240" y="4532685"/>
-            <a:ext cx="9144000" cy="1928674"/>
+            <a:off x="2902485" y="4062167"/>
+            <a:ext cx="9144000" cy="2303121"/>
           </a:xfrm>
         </p:spPr>
         <p:txBody>
           <a:bodyPr>
-            <a:normAutofit/>
+            <a:normAutofit fontScale="32500" lnSpcReduction="20000"/>
           </a:bodyPr>
           <a:lstStyle/>
           <a:p>
             <a:pPr algn="r"/>
             <a:r>
-              <a:rPr lang="ru-RU" dirty="0"/>
+              <a:rPr lang="ru-RU" sz="7400" dirty="0"/>
               <a:t>Студент </a:t>
             </a:r>
           </a:p>
           <a:p>
             <a:pPr algn="r"/>
             <a:r>
-              <a:rPr lang="ru-RU" dirty="0"/>
+              <a:rPr lang="ru-RU" sz="7400" dirty="0"/>
               <a:t>Группы Б9121-09.03.03</a:t>
             </a:r>
           </a:p>
           <a:p>
             <a:pPr algn="r"/>
             <a:r>
-              <a:rPr lang="ru-RU" dirty="0"/>
+              <a:rPr lang="ru-RU" sz="7400" b="1" dirty="0"/>
               <a:t>Рыжков Данил Максимович</a:t>
             </a:r>
+          </a:p>
+          <a:p>
+            <a:pPr algn="r"/>
+            <a:endParaRPr lang="ru-RU" sz="7400" b="1" dirty="0"/>
+          </a:p>
+          <a:p>
+            <a:pPr algn="r"/>
+            <a:r>
+              <a:rPr lang="ru-RU" sz="7400" dirty="0"/>
+              <a:t>Руководитель</a:t>
+            </a:r>
+            <a:r>
+              <a:rPr lang="en-US" sz="7400" dirty="0"/>
+              <a:t>:</a:t>
+            </a:r>
+          </a:p>
+          <a:p>
+            <a:pPr algn="r"/>
+            <a:r>
+              <a:rPr lang="ru-RU" sz="7400" b="1" dirty="0"/>
+              <a:t>Кленин Александр Сергеевич</a:t>
+            </a:r>
+            <a:endParaRPr lang="en-US" sz="7400" b="1" dirty="0"/>
+          </a:p>
+          <a:p>
+            <a:pPr algn="r"/>
+            <a:endParaRPr lang="ru-RU" b="1" dirty="0"/>
           </a:p>
         </p:txBody>
       </p:sp>
@@ -6953,7 +7065,7 @@
         </p:blipFill>
         <p:spPr>
           <a:xfrm>
-            <a:off x="4188957" y="248177"/>
+            <a:off x="4322122" y="150522"/>
             <a:ext cx="2584192" cy="1640904"/>
           </a:xfrm>
           <a:prstGeom prst="rect">
@@ -6992,7 +7104,7 @@
             <a:pPr algn="ctr"/>
             <a:r>
               <a:rPr lang="ru-RU" dirty="0"/>
-              <a:t>2022 </a:t>
+              <a:t>2023 </a:t>
             </a:r>
           </a:p>
           <a:p>
@@ -8013,6 +8125,689 @@
 </file>
 
 <file path=ppt/slides/slide14.xml><?xml version="1.0" encoding="utf-8"?>
+<p:sld xmlns:a="http://schemas.openxmlformats.org/drawingml/2006/main" xmlns:r="http://schemas.openxmlformats.org/officeDocument/2006/relationships" xmlns:p="http://schemas.openxmlformats.org/presentationml/2006/main">
+  <p:cSld>
+    <p:bg>
+      <p:bgPr>
+        <a:noFill/>
+        <a:effectLst/>
+      </p:bgPr>
+    </p:bg>
+    <p:spTree>
+      <p:nvGrpSpPr>
+        <p:cNvPr id="1" name=""/>
+        <p:cNvGrpSpPr/>
+        <p:nvPr/>
+      </p:nvGrpSpPr>
+      <p:grpSpPr>
+        <a:xfrm>
+          <a:off x="0" y="0"/>
+          <a:ext cx="0" cy="0"/>
+          <a:chOff x="0" y="0"/>
+          <a:chExt cx="0" cy="0"/>
+        </a:xfrm>
+      </p:grpSpPr>
+      <p:sp>
+        <p:nvSpPr>
+          <p:cNvPr id="2" name="Заголовок 1">
+            <a:extLst>
+              <a:ext uri="{FF2B5EF4-FFF2-40B4-BE49-F238E27FC236}">
+                <a16:creationId xmlns:a16="http://schemas.microsoft.com/office/drawing/2014/main" id="{42666BCF-7B21-ED2A-F380-99E241ED3BF0}"/>
+              </a:ext>
+            </a:extLst>
+          </p:cNvPr>
+          <p:cNvSpPr>
+            <a:spLocks noGrp="1"/>
+          </p:cNvSpPr>
+          <p:nvPr>
+            <p:ph type="title"/>
+          </p:nvPr>
+        </p:nvSpPr>
+        <p:spPr/>
+        <p:txBody>
+          <a:bodyPr/>
+          <a:lstStyle/>
+          <a:p>
+            <a:r>
+              <a:rPr lang="ru-RU" dirty="0"/>
+              <a:t>Итоговая оценка времени работы</a:t>
+            </a:r>
+          </a:p>
+        </p:txBody>
+      </p:sp>
+      <p:sp>
+        <p:nvSpPr>
+          <p:cNvPr id="5" name="Rectangle 2">
+            <a:extLst>
+              <a:ext uri="{FF2B5EF4-FFF2-40B4-BE49-F238E27FC236}">
+                <a16:creationId xmlns:a16="http://schemas.microsoft.com/office/drawing/2014/main" id="{97D0C92F-1F93-54BC-C5C1-A047CE722A7F}"/>
+              </a:ext>
+            </a:extLst>
+          </p:cNvPr>
+          <p:cNvSpPr>
+            <a:spLocks noGrp="1" noChangeArrowheads="1"/>
+          </p:cNvSpPr>
+          <p:nvPr>
+            <p:ph idx="1"/>
+          </p:nvPr>
+        </p:nvSpPr>
+        <p:spPr bwMode="auto">
+          <a:xfrm>
+            <a:off x="314870" y="1583759"/>
+            <a:ext cx="6485425" cy="3495172"/>
+          </a:xfrm>
+          <a:prstGeom prst="rect">
+            <a:avLst/>
+          </a:prstGeom>
+          <a:noFill/>
+          <a:ln>
+            <a:noFill/>
+          </a:ln>
+          <a:effectLst/>
+          <a:extLst>
+            <a:ext uri="{909E8E84-426E-40DD-AFC4-6F175D3DCCD1}">
+              <a14:hiddenFill xmlns:a14="http://schemas.microsoft.com/office/drawing/2010/main">
+                <a:solidFill>
+                  <a:schemeClr val="accent1"/>
+                </a:solidFill>
+              </a14:hiddenFill>
+            </a:ext>
+            <a:ext uri="{91240B29-F687-4F45-9708-019B960494DF}">
+              <a14:hiddenLine xmlns:a14="http://schemas.microsoft.com/office/drawing/2010/main" w="9525">
+                <a:solidFill>
+                  <a:schemeClr val="tx1"/>
+                </a:solidFill>
+                <a:miter lim="800000"/>
+                <a:headEnd/>
+                <a:tailEnd/>
+              </a14:hiddenLine>
+            </a:ext>
+            <a:ext uri="{AF507438-7753-43E0-B8FC-AC1667EBCBE1}">
+              <a14:hiddenEffects xmlns:a14="http://schemas.microsoft.com/office/drawing/2010/main">
+                <a:effectLst>
+                  <a:outerShdw dist="35921" dir="2700000" algn="ctr" rotWithShape="0">
+                    <a:schemeClr val="bg2"/>
+                  </a:outerShdw>
+                </a:effectLst>
+              </a14:hiddenEffects>
+            </a:ext>
+          </a:extLst>
+        </p:spPr>
+        <p:txBody>
+          <a:bodyPr vert="horz" wrap="square" lIns="0" tIns="47610" rIns="0" bIns="0" numCol="1" anchor="ctr" anchorCtr="0" compatLnSpc="1">
+            <a:prstTxWarp prst="textNoShape">
+              <a:avLst/>
+            </a:prstTxWarp>
+            <a:spAutoFit/>
+          </a:bodyPr>
+          <a:lstStyle>
+            <a:lvl1pPr eaLnBrk="0" fontAlgn="base" hangingPunct="0">
+              <a:spcBef>
+                <a:spcPct val="0"/>
+              </a:spcBef>
+              <a:spcAft>
+                <a:spcPct val="0"/>
+              </a:spcAft>
+              <a:defRPr>
+                <a:solidFill>
+                  <a:schemeClr val="tx1"/>
+                </a:solidFill>
+                <a:latin typeface="Arial" panose="020B0604020202020204" pitchFamily="34" charset="0"/>
+              </a:defRPr>
+            </a:lvl1pPr>
+            <a:lvl2pPr eaLnBrk="0" fontAlgn="base" hangingPunct="0">
+              <a:spcBef>
+                <a:spcPct val="0"/>
+              </a:spcBef>
+              <a:spcAft>
+                <a:spcPct val="0"/>
+              </a:spcAft>
+              <a:defRPr>
+                <a:solidFill>
+                  <a:schemeClr val="tx1"/>
+                </a:solidFill>
+                <a:latin typeface="Arial" panose="020B0604020202020204" pitchFamily="34" charset="0"/>
+              </a:defRPr>
+            </a:lvl2pPr>
+            <a:lvl3pPr eaLnBrk="0" fontAlgn="base" hangingPunct="0">
+              <a:spcBef>
+                <a:spcPct val="0"/>
+              </a:spcBef>
+              <a:spcAft>
+                <a:spcPct val="0"/>
+              </a:spcAft>
+              <a:defRPr>
+                <a:solidFill>
+                  <a:schemeClr val="tx1"/>
+                </a:solidFill>
+                <a:latin typeface="Arial" panose="020B0604020202020204" pitchFamily="34" charset="0"/>
+              </a:defRPr>
+            </a:lvl3pPr>
+            <a:lvl4pPr eaLnBrk="0" fontAlgn="base" hangingPunct="0">
+              <a:spcBef>
+                <a:spcPct val="0"/>
+              </a:spcBef>
+              <a:spcAft>
+                <a:spcPct val="0"/>
+              </a:spcAft>
+              <a:defRPr>
+                <a:solidFill>
+                  <a:schemeClr val="tx1"/>
+                </a:solidFill>
+                <a:latin typeface="Arial" panose="020B0604020202020204" pitchFamily="34" charset="0"/>
+              </a:defRPr>
+            </a:lvl4pPr>
+            <a:lvl5pPr eaLnBrk="0" fontAlgn="base" hangingPunct="0">
+              <a:spcBef>
+                <a:spcPct val="0"/>
+              </a:spcBef>
+              <a:spcAft>
+                <a:spcPct val="0"/>
+              </a:spcAft>
+              <a:defRPr>
+                <a:solidFill>
+                  <a:schemeClr val="tx1"/>
+                </a:solidFill>
+                <a:latin typeface="Arial" panose="020B0604020202020204" pitchFamily="34" charset="0"/>
+              </a:defRPr>
+            </a:lvl5pPr>
+            <a:lvl6pPr eaLnBrk="0" fontAlgn="base" hangingPunct="0">
+              <a:spcBef>
+                <a:spcPct val="0"/>
+              </a:spcBef>
+              <a:spcAft>
+                <a:spcPct val="0"/>
+              </a:spcAft>
+              <a:defRPr>
+                <a:solidFill>
+                  <a:schemeClr val="tx1"/>
+                </a:solidFill>
+                <a:latin typeface="Arial" panose="020B0604020202020204" pitchFamily="34" charset="0"/>
+              </a:defRPr>
+            </a:lvl6pPr>
+            <a:lvl7pPr eaLnBrk="0" fontAlgn="base" hangingPunct="0">
+              <a:spcBef>
+                <a:spcPct val="0"/>
+              </a:spcBef>
+              <a:spcAft>
+                <a:spcPct val="0"/>
+              </a:spcAft>
+              <a:defRPr>
+                <a:solidFill>
+                  <a:schemeClr val="tx1"/>
+                </a:solidFill>
+                <a:latin typeface="Arial" panose="020B0604020202020204" pitchFamily="34" charset="0"/>
+              </a:defRPr>
+            </a:lvl7pPr>
+            <a:lvl8pPr eaLnBrk="0" fontAlgn="base" hangingPunct="0">
+              <a:spcBef>
+                <a:spcPct val="0"/>
+              </a:spcBef>
+              <a:spcAft>
+                <a:spcPct val="0"/>
+              </a:spcAft>
+              <a:defRPr>
+                <a:solidFill>
+                  <a:schemeClr val="tx1"/>
+                </a:solidFill>
+                <a:latin typeface="Arial" panose="020B0604020202020204" pitchFamily="34" charset="0"/>
+              </a:defRPr>
+            </a:lvl8pPr>
+            <a:lvl9pPr eaLnBrk="0" fontAlgn="base" hangingPunct="0">
+              <a:spcBef>
+                <a:spcPct val="0"/>
+              </a:spcBef>
+              <a:spcAft>
+                <a:spcPct val="0"/>
+              </a:spcAft>
+              <a:defRPr>
+                <a:solidFill>
+                  <a:schemeClr val="tx1"/>
+                </a:solidFill>
+                <a:latin typeface="Arial" panose="020B0604020202020204" pitchFamily="34" charset="0"/>
+              </a:defRPr>
+            </a:lvl9pPr>
+          </a:lstStyle>
+          <a:p>
+            <a:pPr marL="0" marR="0" lvl="0" indent="0" algn="l" defTabSz="914400" rtl="0" eaLnBrk="0" fontAlgn="base" latinLnBrk="0" hangingPunct="0">
+              <a:lnSpc>
+                <a:spcPct val="100000"/>
+              </a:lnSpc>
+              <a:spcBef>
+                <a:spcPct val="0"/>
+              </a:spcBef>
+              <a:spcAft>
+                <a:spcPct val="0"/>
+              </a:spcAft>
+              <a:buClrTx/>
+              <a:buSzTx/>
+              <a:buFontTx/>
+              <a:buNone/>
+              <a:tabLst/>
+            </a:pPr>
+            <a:r>
+              <a:rPr kumimoji="0" lang="ru-RU" altLang="ru-RU" sz="1400" b="0" i="0" u="none" strike="noStrike" cap="none" normalizeH="0" baseline="0" dirty="0">
+                <a:ln>
+                  <a:noFill/>
+                </a:ln>
+                <a:solidFill>
+                  <a:srgbClr val="222222"/>
+                </a:solidFill>
+                <a:effectLst/>
+                <a:latin typeface="Times New Roman" panose="02020603050405020304" pitchFamily="18" charset="0"/>
+                <a:cs typeface="Times New Roman" panose="02020603050405020304" pitchFamily="18" charset="0"/>
+              </a:rPr>
+              <a:t>В течение работы алгоритма создается не более O(n) вершин. Все суффиксы, которые заканчиваются в листах, благодаря </a:t>
+            </a:r>
+            <a:r>
+              <a:rPr kumimoji="0" lang="ru-RU" altLang="ru-RU" sz="1400" b="0" i="0" u="none" strike="noStrike" cap="none" normalizeH="0" dirty="0">
+                <a:ln>
+                  <a:noFill/>
+                </a:ln>
+                <a:solidFill>
+                  <a:srgbClr val="222222"/>
+                </a:solidFill>
+                <a:effectLst/>
+                <a:latin typeface="Times New Roman" panose="02020603050405020304" pitchFamily="18" charset="0"/>
+                <a:cs typeface="Times New Roman" panose="02020603050405020304" pitchFamily="18" charset="0"/>
+              </a:rPr>
+              <a:t> первому правилу </a:t>
+            </a:r>
+            <a:r>
+              <a:rPr kumimoji="0" lang="ru-RU" altLang="ru-RU" sz="1400" b="0" i="0" u="none" strike="noStrike" cap="none" normalizeH="0" baseline="0" dirty="0">
+                <a:ln>
+                  <a:noFill/>
+                </a:ln>
+                <a:solidFill>
+                  <a:srgbClr val="222222"/>
+                </a:solidFill>
+                <a:effectLst/>
+                <a:latin typeface="Times New Roman" panose="02020603050405020304" pitchFamily="18" charset="0"/>
+                <a:cs typeface="Times New Roman" panose="02020603050405020304" pitchFamily="18" charset="0"/>
+              </a:rPr>
+              <a:t>на каждой итерации мы увеличиваем на текущий символ по умолчанию за O(1).</a:t>
+            </a:r>
+          </a:p>
+          <a:p>
+            <a:pPr marL="0" marR="0" lvl="0" indent="0" algn="l" defTabSz="914400" rtl="0" eaLnBrk="0" fontAlgn="base" latinLnBrk="0" hangingPunct="0">
+              <a:lnSpc>
+                <a:spcPct val="100000"/>
+              </a:lnSpc>
+              <a:spcBef>
+                <a:spcPct val="0"/>
+              </a:spcBef>
+              <a:spcAft>
+                <a:spcPct val="0"/>
+              </a:spcAft>
+              <a:buClrTx/>
+              <a:buSzTx/>
+              <a:buFontTx/>
+              <a:buNone/>
+              <a:tabLst/>
+            </a:pPr>
+            <a:endParaRPr kumimoji="0" lang="ru-RU" altLang="ru-RU" sz="1400" b="0" i="0" u="none" strike="noStrike" cap="none" normalizeH="0" baseline="0" dirty="0">
+              <a:ln>
+                <a:noFill/>
+              </a:ln>
+              <a:solidFill>
+                <a:srgbClr val="222222"/>
+              </a:solidFill>
+              <a:effectLst/>
+              <a:latin typeface="Times New Roman" panose="02020603050405020304" pitchFamily="18" charset="0"/>
+              <a:cs typeface="Times New Roman" panose="02020603050405020304" pitchFamily="18" charset="0"/>
+            </a:endParaRPr>
+          </a:p>
+          <a:p>
+            <a:pPr marL="0" marR="0" lvl="0" indent="0" algn="l" defTabSz="914400" rtl="0" eaLnBrk="0" fontAlgn="base" latinLnBrk="0" hangingPunct="0">
+              <a:lnSpc>
+                <a:spcPct val="100000"/>
+              </a:lnSpc>
+              <a:spcBef>
+                <a:spcPct val="0"/>
+              </a:spcBef>
+              <a:spcAft>
+                <a:spcPct val="0"/>
+              </a:spcAft>
+              <a:buClrTx/>
+              <a:buSzTx/>
+              <a:buFontTx/>
+              <a:buNone/>
+              <a:tabLst/>
+            </a:pPr>
+            <a:r>
+              <a:rPr kumimoji="0" lang="ru-RU" altLang="ru-RU" sz="1400" b="0" i="0" u="none" strike="noStrike" cap="none" normalizeH="0" baseline="0" dirty="0">
+                <a:ln>
+                  <a:noFill/>
+                </a:ln>
+                <a:solidFill>
+                  <a:srgbClr val="222222"/>
+                </a:solidFill>
+                <a:effectLst/>
+                <a:latin typeface="Times New Roman" panose="02020603050405020304" pitchFamily="18" charset="0"/>
+                <a:cs typeface="Times New Roman" panose="02020603050405020304" pitchFamily="18" charset="0"/>
+              </a:rPr>
+              <a:t> Текущая фаза алгоритма будет продолжаться, пока не будет использовано правило продления 3. Сначала неявно продлятся все листовые суффиксы, а потом по правилу</a:t>
+            </a:r>
+            <a:r>
+              <a:rPr kumimoji="0" lang="ru-RU" altLang="ru-RU" sz="1400" b="0" i="0" u="none" strike="noStrike" cap="none" normalizeH="0" dirty="0">
+                <a:ln>
+                  <a:noFill/>
+                </a:ln>
+                <a:solidFill>
+                  <a:srgbClr val="222222"/>
+                </a:solidFill>
+                <a:effectLst/>
+                <a:latin typeface="Times New Roman" panose="02020603050405020304" pitchFamily="18" charset="0"/>
+                <a:cs typeface="Times New Roman" panose="02020603050405020304" pitchFamily="18" charset="0"/>
+              </a:rPr>
+              <a:t> 2 </a:t>
+            </a:r>
+            <a:r>
+              <a:rPr kumimoji="0" lang="ru-RU" altLang="ru-RU" sz="1400" b="0" i="0" u="none" strike="noStrike" cap="none" normalizeH="0" baseline="0" dirty="0">
+                <a:ln>
+                  <a:noFill/>
+                </a:ln>
+                <a:solidFill>
+                  <a:srgbClr val="222222"/>
+                </a:solidFill>
+                <a:effectLst/>
+                <a:latin typeface="Times New Roman" panose="02020603050405020304" pitchFamily="18" charset="0"/>
+                <a:cs typeface="Times New Roman" panose="02020603050405020304" pitchFamily="18" charset="0"/>
+              </a:rPr>
+              <a:t>будет создано несколько новых внутренних вершин. Так как вершин не может быть создано больше, чем их есть, то </a:t>
+            </a:r>
+            <a:r>
+              <a:rPr kumimoji="0" lang="ru-RU" altLang="ru-RU" sz="1400" b="0" i="0" u="none" strike="noStrike" cap="none" normalizeH="0" baseline="0" dirty="0" err="1">
+                <a:ln>
+                  <a:noFill/>
+                </a:ln>
+                <a:solidFill>
+                  <a:srgbClr val="222222"/>
+                </a:solidFill>
+                <a:effectLst/>
+                <a:latin typeface="Times New Roman" panose="02020603050405020304" pitchFamily="18" charset="0"/>
+                <a:cs typeface="Times New Roman" panose="02020603050405020304" pitchFamily="18" charset="0"/>
+              </a:rPr>
+              <a:t>амортизационно</a:t>
+            </a:r>
+            <a:r>
+              <a:rPr kumimoji="0" lang="ru-RU" altLang="ru-RU" sz="1400" b="0" i="0" u="none" strike="noStrike" cap="none" normalizeH="0" baseline="0" dirty="0">
+                <a:ln>
+                  <a:noFill/>
+                </a:ln>
+                <a:solidFill>
+                  <a:srgbClr val="222222"/>
+                </a:solidFill>
+                <a:effectLst/>
+                <a:latin typeface="Times New Roman" panose="02020603050405020304" pitchFamily="18" charset="0"/>
+                <a:cs typeface="Times New Roman" panose="02020603050405020304" pitchFamily="18" charset="0"/>
+              </a:rPr>
+              <a:t> на каждой фазе будет создано O(1) вершин.</a:t>
+            </a:r>
+          </a:p>
+          <a:p>
+            <a:pPr marL="0" marR="0" lvl="0" indent="0" algn="l" defTabSz="914400" rtl="0" eaLnBrk="0" fontAlgn="base" latinLnBrk="0" hangingPunct="0">
+              <a:lnSpc>
+                <a:spcPct val="100000"/>
+              </a:lnSpc>
+              <a:spcBef>
+                <a:spcPct val="0"/>
+              </a:spcBef>
+              <a:spcAft>
+                <a:spcPct val="0"/>
+              </a:spcAft>
+              <a:buClrTx/>
+              <a:buSzTx/>
+              <a:buFontTx/>
+              <a:buNone/>
+              <a:tabLst/>
+            </a:pPr>
+            <a:endParaRPr kumimoji="0" lang="ru-RU" altLang="ru-RU" sz="1400" b="0" i="0" u="none" strike="noStrike" cap="none" normalizeH="0" baseline="0" dirty="0">
+              <a:ln>
+                <a:noFill/>
+              </a:ln>
+              <a:solidFill>
+                <a:srgbClr val="222222"/>
+              </a:solidFill>
+              <a:effectLst/>
+              <a:latin typeface="Times New Roman" panose="02020603050405020304" pitchFamily="18" charset="0"/>
+              <a:cs typeface="Times New Roman" panose="02020603050405020304" pitchFamily="18" charset="0"/>
+            </a:endParaRPr>
+          </a:p>
+          <a:p>
+            <a:pPr marL="0" marR="0" lvl="0" indent="0" algn="l" defTabSz="914400" rtl="0" eaLnBrk="0" fontAlgn="base" latinLnBrk="0" hangingPunct="0">
+              <a:lnSpc>
+                <a:spcPct val="100000"/>
+              </a:lnSpc>
+              <a:spcBef>
+                <a:spcPct val="0"/>
+              </a:spcBef>
+              <a:spcAft>
+                <a:spcPct val="0"/>
+              </a:spcAft>
+              <a:buClrTx/>
+              <a:buSzTx/>
+              <a:buFontTx/>
+              <a:buNone/>
+              <a:tabLst/>
+            </a:pPr>
+            <a:r>
+              <a:rPr kumimoji="0" lang="ru-RU" altLang="ru-RU" sz="1400" b="0" i="0" u="none" strike="noStrike" cap="none" normalizeH="0" baseline="0" dirty="0">
+                <a:ln>
+                  <a:noFill/>
+                </a:ln>
+                <a:solidFill>
+                  <a:srgbClr val="222222"/>
+                </a:solidFill>
+                <a:effectLst/>
+                <a:latin typeface="Times New Roman" panose="02020603050405020304" pitchFamily="18" charset="0"/>
+                <a:cs typeface="Times New Roman" panose="02020603050405020304" pitchFamily="18" charset="0"/>
+              </a:rPr>
+              <a:t> Так как мы на каждой фазе начинаем добавление суффикса не с корня, а с индекса j∗, на котором в прошлой фазе было применено правило 3, то</a:t>
+            </a:r>
+            <a:r>
+              <a:rPr kumimoji="0" lang="ru-RU" altLang="ru-RU" sz="1400" b="0" i="0" u="none" strike="noStrike" cap="none" normalizeH="0" dirty="0">
+                <a:ln>
+                  <a:noFill/>
+                </a:ln>
+                <a:solidFill>
+                  <a:srgbClr val="222222"/>
+                </a:solidFill>
+                <a:effectLst/>
+                <a:latin typeface="Times New Roman" panose="02020603050405020304" pitchFamily="18" charset="0"/>
+                <a:cs typeface="Times New Roman" panose="02020603050405020304" pitchFamily="18" charset="0"/>
+              </a:rPr>
+              <a:t> есть </a:t>
+            </a:r>
+            <a:r>
+              <a:rPr kumimoji="0" lang="ru-RU" altLang="ru-RU" sz="1400" b="0" i="0" u="none" strike="noStrike" cap="none" normalizeH="0" baseline="0" dirty="0">
+                <a:ln>
+                  <a:noFill/>
+                </a:ln>
+                <a:solidFill>
+                  <a:srgbClr val="222222"/>
+                </a:solidFill>
+                <a:effectLst/>
+                <a:latin typeface="Times New Roman" panose="02020603050405020304" pitchFamily="18" charset="0"/>
+                <a:cs typeface="Times New Roman" panose="02020603050405020304" pitchFamily="18" charset="0"/>
+              </a:rPr>
+              <a:t>суммарное число переходов по рёбрам за все n фаз равно O(n).</a:t>
+            </a:r>
+          </a:p>
+          <a:p>
+            <a:pPr marL="0" marR="0" lvl="0" indent="0" algn="l" defTabSz="914400" rtl="0" eaLnBrk="0" fontAlgn="base" latinLnBrk="0" hangingPunct="0">
+              <a:lnSpc>
+                <a:spcPct val="100000"/>
+              </a:lnSpc>
+              <a:spcBef>
+                <a:spcPct val="0"/>
+              </a:spcBef>
+              <a:spcAft>
+                <a:spcPct val="0"/>
+              </a:spcAft>
+              <a:buClrTx/>
+              <a:buSzTx/>
+              <a:buFontTx/>
+              <a:buNone/>
+              <a:tabLst/>
+            </a:pPr>
+            <a:endParaRPr kumimoji="0" lang="ru-RU" altLang="ru-RU" sz="1400" b="0" i="0" u="none" strike="noStrike" cap="none" normalizeH="0" baseline="0" dirty="0">
+              <a:ln>
+                <a:noFill/>
+              </a:ln>
+              <a:solidFill>
+                <a:schemeClr val="tx1"/>
+              </a:solidFill>
+              <a:effectLst/>
+              <a:latin typeface="Times New Roman" panose="02020603050405020304" pitchFamily="18" charset="0"/>
+              <a:cs typeface="Times New Roman" panose="02020603050405020304" pitchFamily="18" charset="0"/>
+            </a:endParaRPr>
+          </a:p>
+          <a:p>
+            <a:pPr marL="0" marR="0" lvl="0" indent="0" algn="l" defTabSz="914400" rtl="0" eaLnBrk="0" fontAlgn="base" latinLnBrk="0" hangingPunct="0">
+              <a:lnSpc>
+                <a:spcPct val="100000"/>
+              </a:lnSpc>
+              <a:spcBef>
+                <a:spcPct val="0"/>
+              </a:spcBef>
+              <a:spcAft>
+                <a:spcPct val="0"/>
+              </a:spcAft>
+              <a:buClrTx/>
+              <a:buSzTx/>
+              <a:buFontTx/>
+              <a:buNone/>
+              <a:tabLst/>
+            </a:pPr>
+            <a:r>
+              <a:rPr kumimoji="0" lang="ru-RU" altLang="ru-RU" sz="1400" b="0" i="0" u="none" strike="noStrike" cap="none" normalizeH="0" baseline="0" dirty="0">
+                <a:ln>
+                  <a:noFill/>
+                </a:ln>
+                <a:solidFill>
+                  <a:srgbClr val="222222"/>
+                </a:solidFill>
+                <a:effectLst/>
+                <a:latin typeface="Times New Roman" panose="02020603050405020304" pitchFamily="18" charset="0"/>
+                <a:cs typeface="Times New Roman" panose="02020603050405020304" pitchFamily="18" charset="0"/>
+              </a:rPr>
+              <a:t>Таким образом, при использовании всех приведённых эвристик алгоритм Укконена работает за O(n).</a:t>
+            </a:r>
+            <a:endParaRPr kumimoji="0" lang="ru-RU" altLang="ru-RU" sz="1400" b="0" i="0" u="none" strike="noStrike" cap="none" normalizeH="0" baseline="0" dirty="0">
+              <a:ln>
+                <a:noFill/>
+              </a:ln>
+              <a:solidFill>
+                <a:schemeClr val="tx1"/>
+              </a:solidFill>
+              <a:effectLst/>
+              <a:latin typeface="Times New Roman" panose="02020603050405020304" pitchFamily="18" charset="0"/>
+              <a:cs typeface="Times New Roman" panose="02020603050405020304" pitchFamily="18" charset="0"/>
+            </a:endParaRPr>
+          </a:p>
+        </p:txBody>
+      </p:sp>
+      <p:grpSp>
+        <p:nvGrpSpPr>
+          <p:cNvPr id="7" name="Группа 6">
+            <a:extLst>
+              <a:ext uri="{FF2B5EF4-FFF2-40B4-BE49-F238E27FC236}">
+                <a16:creationId xmlns:a16="http://schemas.microsoft.com/office/drawing/2014/main" id="{42838482-28B5-343C-5968-6DB7421F4EE3}"/>
+              </a:ext>
+            </a:extLst>
+          </p:cNvPr>
+          <p:cNvGrpSpPr/>
+          <p:nvPr/>
+        </p:nvGrpSpPr>
+        <p:grpSpPr>
+          <a:xfrm>
+            <a:off x="6879742" y="1690688"/>
+            <a:ext cx="4760198" cy="3124963"/>
+            <a:chOff x="7366699" y="1246846"/>
+            <a:chExt cx="4760198" cy="3124963"/>
+          </a:xfrm>
+        </p:grpSpPr>
+        <p:pic>
+          <p:nvPicPr>
+            <p:cNvPr id="4" name="Рисунок 3">
+              <a:extLst>
+                <a:ext uri="{FF2B5EF4-FFF2-40B4-BE49-F238E27FC236}">
+                  <a16:creationId xmlns:a16="http://schemas.microsoft.com/office/drawing/2014/main" id="{C976C4CE-6029-A2FD-D98F-7960F4CDC60B}"/>
+                </a:ext>
+              </a:extLst>
+            </p:cNvPr>
+            <p:cNvPicPr>
+              <a:picLocks noChangeAspect="1"/>
+            </p:cNvPicPr>
+            <p:nvPr/>
+          </p:nvPicPr>
+          <p:blipFill>
+            <a:blip r:embed="rId3"/>
+            <a:stretch>
+              <a:fillRect/>
+            </a:stretch>
+          </p:blipFill>
+          <p:spPr>
+            <a:xfrm>
+              <a:off x="7366699" y="1616178"/>
+              <a:ext cx="4578493" cy="2755631"/>
+            </a:xfrm>
+            <a:prstGeom prst="rect">
+              <a:avLst/>
+            </a:prstGeom>
+          </p:spPr>
+        </p:pic>
+        <p:sp>
+          <p:nvSpPr>
+            <p:cNvPr id="6" name="TextBox 5">
+              <a:extLst>
+                <a:ext uri="{FF2B5EF4-FFF2-40B4-BE49-F238E27FC236}">
+                  <a16:creationId xmlns:a16="http://schemas.microsoft.com/office/drawing/2014/main" id="{B789E15B-C4C6-517A-03E6-F12A53D7A985}"/>
+                </a:ext>
+              </a:extLst>
+            </p:cNvPr>
+            <p:cNvSpPr txBox="1"/>
+            <p:nvPr/>
+          </p:nvSpPr>
+          <p:spPr>
+            <a:xfrm>
+              <a:off x="7548404" y="1246846"/>
+              <a:ext cx="4578493" cy="369332"/>
+            </a:xfrm>
+            <a:prstGeom prst="rect">
+              <a:avLst/>
+            </a:prstGeom>
+            <a:noFill/>
+          </p:spPr>
+          <p:txBody>
+            <a:bodyPr wrap="square" rtlCol="0">
+              <a:spAutoFit/>
+            </a:bodyPr>
+            <a:lstStyle/>
+            <a:p>
+              <a:r>
+                <a:rPr lang="ru-RU" dirty="0"/>
+                <a:t>Время работы алгоритма в микросекундах</a:t>
+              </a:r>
+            </a:p>
+          </p:txBody>
+        </p:sp>
+      </p:grpSp>
+    </p:spTree>
+    <p:extLst>
+      <p:ext uri="{BB962C8B-B14F-4D97-AF65-F5344CB8AC3E}">
+        <p14:creationId xmlns:p14="http://schemas.microsoft.com/office/powerpoint/2010/main" val="3855171655"/>
+      </p:ext>
+    </p:extLst>
+  </p:cSld>
+  <p:clrMapOvr>
+    <a:masterClrMapping/>
+  </p:clrMapOvr>
+</p:sld>
+</file>
+
+<file path=ppt/slides/slide15.xml><?xml version="1.0" encoding="utf-8"?>
 <p:sld xmlns:a="http://schemas.openxmlformats.org/drawingml/2006/main" xmlns:r="http://schemas.openxmlformats.org/officeDocument/2006/relationships" xmlns:p="http://schemas.openxmlformats.org/presentationml/2006/main">
   <p:cSld>
     <p:spTree>
@@ -8116,7 +8911,7 @@
 </p:sld>
 </file>
 
-<file path=ppt/slides/slide15.xml><?xml version="1.0" encoding="utf-8"?>
+<file path=ppt/slides/slide16.xml><?xml version="1.0" encoding="utf-8"?>
 <p:sld xmlns:a="http://schemas.openxmlformats.org/drawingml/2006/main" xmlns:r="http://schemas.openxmlformats.org/officeDocument/2006/relationships" xmlns:p="http://schemas.openxmlformats.org/presentationml/2006/main">
   <p:cSld>
     <p:spTree>
@@ -8218,7 +9013,7 @@
 </p:sld>
 </file>
 
-<file path=ppt/slides/slide16.xml><?xml version="1.0" encoding="utf-8"?>
+<file path=ppt/slides/slide17.xml><?xml version="1.0" encoding="utf-8"?>
 <p:sld xmlns:a="http://schemas.openxmlformats.org/drawingml/2006/main" xmlns:r="http://schemas.openxmlformats.org/officeDocument/2006/relationships" xmlns:p="http://schemas.openxmlformats.org/presentationml/2006/main">
   <p:cSld>
     <p:spTree>
@@ -8320,7 +9115,7 @@
 </p:sld>
 </file>
 
-<file path=ppt/slides/slide17.xml><?xml version="1.0" encoding="utf-8"?>
+<file path=ppt/slides/slide18.xml><?xml version="1.0" encoding="utf-8"?>
 <p:sld xmlns:a="http://schemas.openxmlformats.org/drawingml/2006/main" xmlns:r="http://schemas.openxmlformats.org/officeDocument/2006/relationships" xmlns:p="http://schemas.openxmlformats.org/presentationml/2006/main">
   <p:cSld>
     <p:spTree>
@@ -8422,7 +9217,7 @@
 </p:sld>
 </file>
 
-<file path=ppt/slides/slide18.xml><?xml version="1.0" encoding="utf-8"?>
+<file path=ppt/slides/slide19.xml><?xml version="1.0" encoding="utf-8"?>
 <p:sld xmlns:a="http://schemas.openxmlformats.org/drawingml/2006/main" xmlns:r="http://schemas.openxmlformats.org/officeDocument/2006/relationships" xmlns:p="http://schemas.openxmlformats.org/presentationml/2006/main">
   <p:cSld>
     <p:spTree>
@@ -8524,7 +9319,346 @@
 </p:sld>
 </file>
 
-<file path=ppt/slides/slide19.xml><?xml version="1.0" encoding="utf-8"?>
+<file path=ppt/slides/slide2.xml><?xml version="1.0" encoding="utf-8"?>
+<p:sld xmlns:a="http://schemas.openxmlformats.org/drawingml/2006/main" xmlns:r="http://schemas.openxmlformats.org/officeDocument/2006/relationships" xmlns:p="http://schemas.openxmlformats.org/presentationml/2006/main">
+  <p:cSld>
+    <p:spTree>
+      <p:nvGrpSpPr>
+        <p:cNvPr id="1" name=""/>
+        <p:cNvGrpSpPr/>
+        <p:nvPr/>
+      </p:nvGrpSpPr>
+      <p:grpSpPr>
+        <a:xfrm>
+          <a:off x="0" y="0"/>
+          <a:ext cx="0" cy="0"/>
+          <a:chOff x="0" y="0"/>
+          <a:chExt cx="0" cy="0"/>
+        </a:xfrm>
+      </p:grpSpPr>
+      <p:sp>
+        <p:nvSpPr>
+          <p:cNvPr id="2" name="Заголовок 1">
+            <a:extLst>
+              <a:ext uri="{FF2B5EF4-FFF2-40B4-BE49-F238E27FC236}">
+                <a16:creationId xmlns:a16="http://schemas.microsoft.com/office/drawing/2014/main" id="{5C3D208E-29B6-0633-FDD9-7CB75B416567}"/>
+              </a:ext>
+            </a:extLst>
+          </p:cNvPr>
+          <p:cNvSpPr>
+            <a:spLocks noGrp="1"/>
+          </p:cNvSpPr>
+          <p:nvPr>
+            <p:ph type="title"/>
+          </p:nvPr>
+        </p:nvSpPr>
+        <p:spPr/>
+        <p:txBody>
+          <a:bodyPr/>
+          <a:lstStyle/>
+          <a:p>
+            <a:r>
+              <a:rPr lang="ru-RU" dirty="0"/>
+              <a:t>История Алгоритма Укконена</a:t>
+            </a:r>
+          </a:p>
+        </p:txBody>
+      </p:sp>
+      <p:sp>
+        <p:nvSpPr>
+          <p:cNvPr id="3" name="Объект 2">
+            <a:extLst>
+              <a:ext uri="{FF2B5EF4-FFF2-40B4-BE49-F238E27FC236}">
+                <a16:creationId xmlns:a16="http://schemas.microsoft.com/office/drawing/2014/main" id="{0C00D144-24C2-2D46-F6A9-2B6F9098620D}"/>
+              </a:ext>
+            </a:extLst>
+          </p:cNvPr>
+          <p:cNvSpPr>
+            <a:spLocks noGrp="1"/>
+          </p:cNvSpPr>
+          <p:nvPr>
+            <p:ph idx="1"/>
+          </p:nvPr>
+        </p:nvSpPr>
+        <p:spPr>
+          <a:xfrm>
+            <a:off x="6365288" y="1890944"/>
+            <a:ext cx="4988511" cy="4286019"/>
+          </a:xfrm>
+        </p:spPr>
+        <p:txBody>
+          <a:bodyPr>
+            <a:normAutofit/>
+          </a:bodyPr>
+          <a:lstStyle/>
+          <a:p>
+            <a:pPr marL="0" indent="0">
+              <a:buNone/>
+            </a:pPr>
+            <a:r>
+              <a:rPr lang="ru-RU" sz="2000" b="1" i="0" dirty="0">
+                <a:solidFill>
+                  <a:srgbClr val="202122"/>
+                </a:solidFill>
+                <a:effectLst/>
+              </a:rPr>
+              <a:t>Эско Юхани </a:t>
+            </a:r>
+            <a:r>
+              <a:rPr lang="ru-RU" sz="2000" b="1" i="0" dirty="0" err="1">
+                <a:solidFill>
+                  <a:srgbClr val="202122"/>
+                </a:solidFill>
+                <a:effectLst/>
+              </a:rPr>
+              <a:t>Укконен</a:t>
+            </a:r>
+            <a:r>
+              <a:rPr lang="ru-RU" sz="2000" dirty="0"/>
+              <a:t> (р. 1950) - финский </a:t>
+            </a:r>
+            <a:r>
+              <a:rPr lang="ru-RU" sz="2000" b="0" i="0" u="none" strike="noStrike" dirty="0">
+                <a:solidFill>
+                  <a:srgbClr val="0645AD"/>
+                </a:solidFill>
+                <a:effectLst/>
+                <a:hlinkClick r:id="rId2" tooltip="Теоретическая информатика"/>
+              </a:rPr>
+              <a:t>ученый-теоретик информатики</a:t>
+            </a:r>
+            <a:r>
+              <a:rPr lang="ru-RU" sz="2000" dirty="0"/>
+              <a:t>, известный своим вкладом в </a:t>
+            </a:r>
+            <a:r>
+              <a:rPr lang="ru-RU" sz="2000" b="0" i="0" u="none" strike="noStrike" dirty="0">
+                <a:solidFill>
+                  <a:srgbClr val="0645AD"/>
+                </a:solidFill>
+                <a:effectLst/>
+                <a:hlinkClick r:id="rId3" tooltip="Строковые алгоритмы"/>
+              </a:rPr>
+              <a:t>строковые алгоритмы</a:t>
+            </a:r>
+            <a:r>
+              <a:rPr lang="ru-RU" sz="2000" dirty="0"/>
+              <a:t>, и в частности, алгоритмом </a:t>
+            </a:r>
+            <a:r>
+              <a:rPr lang="ru-RU" sz="2000" b="0" i="0" u="none" strike="noStrike" dirty="0">
+                <a:solidFill>
+                  <a:srgbClr val="0645AD"/>
+                </a:solidFill>
+                <a:effectLst/>
+                <a:hlinkClick r:id="rId4" tooltip="Алгоритм Укконена"/>
+              </a:rPr>
+              <a:t>Укконена</a:t>
+            </a:r>
+            <a:r>
+              <a:rPr lang="ru-RU" sz="2000" b="0" i="0" u="none" strike="noStrike" baseline="30000" dirty="0">
+                <a:solidFill>
+                  <a:srgbClr val="0645AD"/>
+                </a:solidFill>
+                <a:effectLst/>
+                <a:hlinkClick r:id="rId5"/>
+              </a:rPr>
+              <a:t>[1]</a:t>
+            </a:r>
+            <a:r>
+              <a:rPr lang="ru-RU" sz="2000" dirty="0"/>
+              <a:t> для построения </a:t>
+            </a:r>
+            <a:r>
+              <a:rPr lang="ru-RU" sz="2000" b="0" i="0" u="none" strike="noStrike" dirty="0">
+                <a:solidFill>
+                  <a:srgbClr val="0645AD"/>
+                </a:solidFill>
+                <a:effectLst/>
+                <a:hlinkClick r:id="rId6" tooltip="Дерево суффиксов"/>
+              </a:rPr>
+              <a:t>дерева суффиксов</a:t>
+            </a:r>
+            <a:r>
+              <a:rPr lang="ru-RU" sz="2000" b="0" i="0" u="none" strike="noStrike" dirty="0">
+                <a:solidFill>
+                  <a:srgbClr val="0645AD"/>
+                </a:solidFill>
+                <a:effectLst/>
+              </a:rPr>
+              <a:t> </a:t>
+            </a:r>
+            <a:r>
+              <a:rPr lang="ru-RU" sz="2000" b="0" i="0" u="none" strike="noStrike" dirty="0">
+                <a:effectLst/>
+              </a:rPr>
+              <a:t>предложенный им в 1995 году</a:t>
+            </a:r>
+            <a:r>
+              <a:rPr lang="ru-RU" sz="2000" dirty="0"/>
+              <a:t>. Он является почетным профессором </a:t>
+            </a:r>
+            <a:r>
+              <a:rPr lang="ru-RU" sz="2000" b="0" i="0" u="none" strike="noStrike" dirty="0">
+                <a:solidFill>
+                  <a:srgbClr val="0645AD"/>
+                </a:solidFill>
+                <a:effectLst/>
+                <a:hlinkClick r:id="rId7" tooltip="Хельсинкский университет"/>
+              </a:rPr>
+              <a:t>Хельсинкского университета</a:t>
+            </a:r>
+            <a:r>
+              <a:rPr lang="ru-RU" sz="2000" dirty="0"/>
+              <a:t>.</a:t>
+            </a:r>
+          </a:p>
+          <a:p>
+            <a:pPr marL="0" indent="0">
+              <a:buNone/>
+            </a:pPr>
+            <a:endParaRPr lang="ru-RU" sz="2000" dirty="0"/>
+          </a:p>
+          <a:p>
+            <a:pPr marL="0" indent="0">
+              <a:buNone/>
+            </a:pPr>
+            <a:endParaRPr lang="ru-RU" sz="2000" dirty="0"/>
+          </a:p>
+        </p:txBody>
+      </p:sp>
+      <p:sp>
+        <p:nvSpPr>
+          <p:cNvPr id="4" name="TextBox 3">
+            <a:extLst>
+              <a:ext uri="{FF2B5EF4-FFF2-40B4-BE49-F238E27FC236}">
+                <a16:creationId xmlns:a16="http://schemas.microsoft.com/office/drawing/2014/main" id="{7D76F9A8-2540-EEB1-715E-785F959B17C0}"/>
+              </a:ext>
+            </a:extLst>
+          </p:cNvPr>
+          <p:cNvSpPr txBox="1"/>
+          <p:nvPr/>
+        </p:nvSpPr>
+        <p:spPr>
+          <a:xfrm>
+            <a:off x="11833934" y="6506423"/>
+            <a:ext cx="237997" cy="369332"/>
+          </a:xfrm>
+          <a:prstGeom prst="rect">
+            <a:avLst/>
+          </a:prstGeom>
+          <a:noFill/>
+        </p:spPr>
+        <p:txBody>
+          <a:bodyPr wrap="square" rtlCol="0">
+            <a:spAutoFit/>
+          </a:bodyPr>
+          <a:lstStyle/>
+          <a:p>
+            <a:pPr algn="ctr"/>
+            <a:r>
+              <a:rPr lang="ru-RU" dirty="0"/>
+              <a:t>2</a:t>
+            </a:r>
+          </a:p>
+        </p:txBody>
+      </p:sp>
+      <p:pic>
+        <p:nvPicPr>
+          <p:cNvPr id="1028" name="Picture 4">
+            <a:extLst>
+              <a:ext uri="{FF2B5EF4-FFF2-40B4-BE49-F238E27FC236}">
+                <a16:creationId xmlns:a16="http://schemas.microsoft.com/office/drawing/2014/main" id="{A052091C-4FFB-E513-3328-D24DDFD2741A}"/>
+              </a:ext>
+            </a:extLst>
+          </p:cNvPr>
+          <p:cNvPicPr>
+            <a:picLocks noChangeAspect="1" noChangeArrowheads="1"/>
+          </p:cNvPicPr>
+          <p:nvPr/>
+        </p:nvPicPr>
+        <p:blipFill>
+          <a:blip r:embed="rId8">
+            <a:extLst>
+              <a:ext uri="{28A0092B-C50C-407E-A947-70E740481C1C}">
+                <a14:useLocalDpi xmlns:a14="http://schemas.microsoft.com/office/drawing/2010/main" val="0"/>
+              </a:ext>
+            </a:extLst>
+          </a:blip>
+          <a:srcRect/>
+          <a:stretch>
+            <a:fillRect/>
+          </a:stretch>
+        </p:blipFill>
+        <p:spPr bwMode="auto">
+          <a:xfrm>
+            <a:off x="1038688" y="1690688"/>
+            <a:ext cx="4432998" cy="3069982"/>
+          </a:xfrm>
+          <a:prstGeom prst="rect">
+            <a:avLst/>
+          </a:prstGeom>
+          <a:noFill/>
+          <a:extLst>
+            <a:ext uri="{909E8E84-426E-40DD-AFC4-6F175D3DCCD1}">
+              <a14:hiddenFill xmlns:a14="http://schemas.microsoft.com/office/drawing/2010/main">
+                <a:solidFill>
+                  <a:srgbClr val="FFFFFF"/>
+                </a:solidFill>
+              </a14:hiddenFill>
+            </a:ext>
+          </a:extLst>
+        </p:spPr>
+      </p:pic>
+      <p:sp>
+        <p:nvSpPr>
+          <p:cNvPr id="5" name="TextBox 4">
+            <a:extLst>
+              <a:ext uri="{FF2B5EF4-FFF2-40B4-BE49-F238E27FC236}">
+                <a16:creationId xmlns:a16="http://schemas.microsoft.com/office/drawing/2014/main" id="{958B18CB-12AC-D896-3527-4EFF0E9E3C55}"/>
+              </a:ext>
+            </a:extLst>
+          </p:cNvPr>
+          <p:cNvSpPr txBox="1"/>
+          <p:nvPr/>
+        </p:nvSpPr>
+        <p:spPr>
+          <a:xfrm>
+            <a:off x="6096000" y="3701988"/>
+            <a:ext cx="1378998" cy="369332"/>
+          </a:xfrm>
+          <a:prstGeom prst="rect">
+            <a:avLst/>
+          </a:prstGeom>
+          <a:noFill/>
+        </p:spPr>
+        <p:txBody>
+          <a:bodyPr wrap="square" rtlCol="0">
+            <a:spAutoFit/>
+          </a:bodyPr>
+          <a:lstStyle/>
+          <a:p>
+            <a:r>
+              <a:rPr lang="ru-RU" dirty="0"/>
+              <a:t>	</a:t>
+            </a:r>
+          </a:p>
+        </p:txBody>
+      </p:sp>
+    </p:spTree>
+    <p:extLst>
+      <p:ext uri="{BB962C8B-B14F-4D97-AF65-F5344CB8AC3E}">
+        <p14:creationId xmlns:p14="http://schemas.microsoft.com/office/powerpoint/2010/main" val="4134274443"/>
+      </p:ext>
+    </p:extLst>
+  </p:cSld>
+  <p:clrMapOvr>
+    <a:masterClrMapping/>
+  </p:clrMapOvr>
+</p:sld>
+</file>
+
+<file path=ppt/slides/slide20.xml><?xml version="1.0" encoding="utf-8"?>
 <p:sld xmlns:a="http://schemas.openxmlformats.org/drawingml/2006/main" xmlns:r="http://schemas.openxmlformats.org/officeDocument/2006/relationships" xmlns:p="http://schemas.openxmlformats.org/presentationml/2006/main">
   <p:cSld>
     <p:spTree>
@@ -8626,147 +9760,7 @@
 </p:sld>
 </file>
 
-<file path=ppt/slides/slide2.xml><?xml version="1.0" encoding="utf-8"?>
-<p:sld xmlns:a="http://schemas.openxmlformats.org/drawingml/2006/main" xmlns:r="http://schemas.openxmlformats.org/officeDocument/2006/relationships" xmlns:p="http://schemas.openxmlformats.org/presentationml/2006/main">
-  <p:cSld>
-    <p:spTree>
-      <p:nvGrpSpPr>
-        <p:cNvPr id="1" name=""/>
-        <p:cNvGrpSpPr/>
-        <p:nvPr/>
-      </p:nvGrpSpPr>
-      <p:grpSpPr>
-        <a:xfrm>
-          <a:off x="0" y="0"/>
-          <a:ext cx="0" cy="0"/>
-          <a:chOff x="0" y="0"/>
-          <a:chExt cx="0" cy="0"/>
-        </a:xfrm>
-      </p:grpSpPr>
-      <p:sp>
-        <p:nvSpPr>
-          <p:cNvPr id="2" name="Заголовок 1">
-            <a:extLst>
-              <a:ext uri="{FF2B5EF4-FFF2-40B4-BE49-F238E27FC236}">
-                <a16:creationId xmlns:a16="http://schemas.microsoft.com/office/drawing/2014/main" id="{C9DD5936-6EAC-559D-8450-8CFC714C675A}"/>
-              </a:ext>
-            </a:extLst>
-          </p:cNvPr>
-          <p:cNvSpPr>
-            <a:spLocks noGrp="1"/>
-          </p:cNvSpPr>
-          <p:nvPr>
-            <p:ph type="title"/>
-          </p:nvPr>
-        </p:nvSpPr>
-        <p:spPr/>
-        <p:txBody>
-          <a:bodyPr/>
-          <a:lstStyle/>
-          <a:p>
-            <a:r>
-              <a:rPr lang="ru-RU" dirty="0"/>
-              <a:t>Формальная постановка задачи</a:t>
-            </a:r>
-            <a:r>
-              <a:rPr lang="en-US" dirty="0"/>
-              <a:t>:</a:t>
-            </a:r>
-            <a:br>
-              <a:rPr lang="ru-RU" dirty="0"/>
-            </a:br>
-            <a:r>
-              <a:rPr lang="en-US" dirty="0"/>
-              <a:t>Online </a:t>
-            </a:r>
-            <a:r>
-              <a:rPr lang="ru-RU" dirty="0"/>
-              <a:t>поиск подстрок в строке</a:t>
-            </a:r>
-          </a:p>
-        </p:txBody>
-      </p:sp>
-      <p:graphicFrame>
-        <p:nvGraphicFramePr>
-          <p:cNvPr id="5" name="Объект 2">
-            <a:extLst>
-              <a:ext uri="{FF2B5EF4-FFF2-40B4-BE49-F238E27FC236}">
-                <a16:creationId xmlns:a16="http://schemas.microsoft.com/office/drawing/2014/main" id="{F3E6998B-3003-2E24-E209-50A77B9023A6}"/>
-              </a:ext>
-            </a:extLst>
-          </p:cNvPr>
-          <p:cNvGraphicFramePr>
-            <a:graphicFrameLocks noGrp="1"/>
-          </p:cNvGraphicFramePr>
-          <p:nvPr>
-            <p:ph idx="1"/>
-            <p:extLst>
-              <p:ext uri="{D42A27DB-BD31-4B8C-83A1-F6EECF244321}">
-                <p14:modId xmlns:p14="http://schemas.microsoft.com/office/powerpoint/2010/main" val="3786040545"/>
-              </p:ext>
-            </p:extLst>
-          </p:nvPr>
-        </p:nvGraphicFramePr>
-        <p:xfrm>
-          <a:off x="838200" y="1825625"/>
-          <a:ext cx="10515600" cy="4351338"/>
-        </p:xfrm>
-        <a:graphic>
-          <a:graphicData uri="http://schemas.openxmlformats.org/drawingml/2006/diagram">
-            <dgm:relIds xmlns:dgm="http://schemas.openxmlformats.org/drawingml/2006/diagram" xmlns:r="http://schemas.openxmlformats.org/officeDocument/2006/relationships" r:dm="rId2" r:lo="rId3" r:qs="rId4" r:cs="rId5"/>
-          </a:graphicData>
-        </a:graphic>
-      </p:graphicFrame>
-      <p:sp>
-        <p:nvSpPr>
-          <p:cNvPr id="4" name="TextBox 3">
-            <a:extLst>
-              <a:ext uri="{FF2B5EF4-FFF2-40B4-BE49-F238E27FC236}">
-                <a16:creationId xmlns:a16="http://schemas.microsoft.com/office/drawing/2014/main" id="{A5182898-B787-FE7E-5544-BC35C9D37D45}"/>
-              </a:ext>
-            </a:extLst>
-          </p:cNvPr>
-          <p:cNvSpPr txBox="1"/>
-          <p:nvPr/>
-        </p:nvSpPr>
-        <p:spPr>
-          <a:xfrm>
-            <a:off x="11833934" y="6506423"/>
-            <a:ext cx="237997" cy="369332"/>
-          </a:xfrm>
-          <a:prstGeom prst="rect">
-            <a:avLst/>
-          </a:prstGeom>
-          <a:noFill/>
-        </p:spPr>
-        <p:txBody>
-          <a:bodyPr wrap="square" rtlCol="0">
-            <a:spAutoFit/>
-          </a:bodyPr>
-          <a:lstStyle/>
-          <a:p>
-            <a:pPr algn="ctr"/>
-            <a:r>
-              <a:rPr lang="ru-RU" dirty="0"/>
-              <a:t>1</a:t>
-            </a:r>
-          </a:p>
-        </p:txBody>
-      </p:sp>
-    </p:spTree>
-    <p:extLst>
-      <p:ext uri="{BB962C8B-B14F-4D97-AF65-F5344CB8AC3E}">
-        <p14:creationId xmlns:p14="http://schemas.microsoft.com/office/powerpoint/2010/main" val="899005541"/>
-      </p:ext>
-    </p:extLst>
-  </p:cSld>
-  <p:clrMapOvr>
-    <a:masterClrMapping/>
-  </p:clrMapOvr>
-</p:sld>
-</file>
-
-<file path=ppt/slides/slide20.xml><?xml version="1.0" encoding="utf-8"?>
+<file path=ppt/slides/slide21.xml><?xml version="1.0" encoding="utf-8"?>
 <p:sld xmlns:a="http://schemas.openxmlformats.org/drawingml/2006/main" xmlns:r="http://schemas.openxmlformats.org/officeDocument/2006/relationships" xmlns:p="http://schemas.openxmlformats.org/presentationml/2006/main">
   <p:cSld>
     <p:spTree>
@@ -8868,7 +9862,7 @@
 </p:sld>
 </file>
 
-<file path=ppt/slides/slide21.xml><?xml version="1.0" encoding="utf-8"?>
+<file path=ppt/slides/slide22.xml><?xml version="1.0" encoding="utf-8"?>
 <p:sld xmlns:a="http://schemas.openxmlformats.org/drawingml/2006/main" xmlns:r="http://schemas.openxmlformats.org/officeDocument/2006/relationships" xmlns:p="http://schemas.openxmlformats.org/presentationml/2006/main">
   <p:cSld>
     <p:spTree>
@@ -8970,7 +9964,7 @@
 </p:sld>
 </file>
 
-<file path=ppt/slides/slide22.xml><?xml version="1.0" encoding="utf-8"?>
+<file path=ppt/slides/slide23.xml><?xml version="1.0" encoding="utf-8"?>
 <p:sld xmlns:a="http://schemas.openxmlformats.org/drawingml/2006/main" xmlns:r="http://schemas.openxmlformats.org/officeDocument/2006/relationships" xmlns:p="http://schemas.openxmlformats.org/presentationml/2006/main">
   <p:cSld>
     <p:spTree>
@@ -9094,7 +10088,7 @@
           <p:cNvPr id="2" name="Заголовок 1">
             <a:extLst>
               <a:ext uri="{FF2B5EF4-FFF2-40B4-BE49-F238E27FC236}">
-                <a16:creationId xmlns:a16="http://schemas.microsoft.com/office/drawing/2014/main" id="{5C3D208E-29B6-0633-FDD9-7CB75B416567}"/>
+                <a16:creationId xmlns:a16="http://schemas.microsoft.com/office/drawing/2014/main" id="{C9DD5936-6EAC-559D-8450-8CFC714C675A}"/>
               </a:ext>
             </a:extLst>
           </p:cNvPr>
@@ -9112,175 +10106,63 @@
           <a:p>
             <a:r>
               <a:rPr lang="ru-RU" dirty="0"/>
-              <a:t>История и  Алгоритма Укконена</a:t>
+              <a:t>Формальная постановка задачи</a:t>
+            </a:r>
+            <a:r>
+              <a:rPr lang="en-US" dirty="0"/>
+              <a:t>:</a:t>
+            </a:r>
+            <a:br>
+              <a:rPr lang="ru-RU" dirty="0"/>
+            </a:br>
+            <a:r>
+              <a:rPr lang="en-US" dirty="0"/>
+              <a:t>Online </a:t>
+            </a:r>
+            <a:r>
+              <a:rPr lang="ru-RU" dirty="0"/>
+              <a:t>поиск подстрок в строке</a:t>
             </a:r>
           </a:p>
         </p:txBody>
       </p:sp>
-      <p:sp>
-        <p:nvSpPr>
-          <p:cNvPr id="3" name="Объект 2">
-            <a:extLst>
-              <a:ext uri="{FF2B5EF4-FFF2-40B4-BE49-F238E27FC236}">
-                <a16:creationId xmlns:a16="http://schemas.microsoft.com/office/drawing/2014/main" id="{0C00D144-24C2-2D46-F6A9-2B6F9098620D}"/>
-              </a:ext>
-            </a:extLst>
-          </p:cNvPr>
-          <p:cNvSpPr>
-            <a:spLocks noGrp="1"/>
-          </p:cNvSpPr>
+      <p:graphicFrame>
+        <p:nvGraphicFramePr>
+          <p:cNvPr id="5" name="Объект 2">
+            <a:extLst>
+              <a:ext uri="{FF2B5EF4-FFF2-40B4-BE49-F238E27FC236}">
+                <a16:creationId xmlns:a16="http://schemas.microsoft.com/office/drawing/2014/main" id="{F3E6998B-3003-2E24-E209-50A77B9023A6}"/>
+              </a:ext>
+            </a:extLst>
+          </p:cNvPr>
+          <p:cNvGraphicFramePr>
+            <a:graphicFrameLocks noGrp="1"/>
+          </p:cNvGraphicFramePr>
           <p:nvPr>
             <p:ph idx="1"/>
+            <p:extLst>
+              <p:ext uri="{D42A27DB-BD31-4B8C-83A1-F6EECF244321}">
+                <p14:modId xmlns:p14="http://schemas.microsoft.com/office/powerpoint/2010/main" val="3786040545"/>
+              </p:ext>
+            </p:extLst>
           </p:nvPr>
-        </p:nvSpPr>
-        <p:spPr/>
-        <p:txBody>
-          <a:bodyPr>
-            <a:normAutofit/>
-          </a:bodyPr>
-          <a:lstStyle/>
-          <a:p>
-            <a:pPr marL="0" indent="0">
-              <a:buNone/>
-            </a:pPr>
-            <a:r>
-              <a:rPr lang="ru-RU" sz="2000" b="1" i="0" dirty="0">
-                <a:solidFill>
-                  <a:srgbClr val="202122"/>
-                </a:solidFill>
-                <a:effectLst/>
-              </a:rPr>
-              <a:t>Эско Юхани </a:t>
-            </a:r>
-            <a:r>
-              <a:rPr lang="ru-RU" sz="2000" b="1" i="0" dirty="0" err="1">
-                <a:solidFill>
-                  <a:srgbClr val="202122"/>
-                </a:solidFill>
-                <a:effectLst/>
-              </a:rPr>
-              <a:t>Укконен</a:t>
-            </a:r>
-            <a:r>
-              <a:rPr lang="ru-RU" sz="2000" dirty="0"/>
-              <a:t> (р. 1950) - финский </a:t>
-            </a:r>
-            <a:r>
-              <a:rPr lang="ru-RU" sz="2000" b="0" i="0" u="none" strike="noStrike" dirty="0">
-                <a:solidFill>
-                  <a:srgbClr val="0645AD"/>
-                </a:solidFill>
-                <a:effectLst/>
-                <a:hlinkClick r:id="rId2" tooltip="Теоретическая информатика"/>
-              </a:rPr>
-              <a:t>ученый-теоретик информатики</a:t>
-            </a:r>
-            <a:r>
-              <a:rPr lang="ru-RU" sz="2000" dirty="0"/>
-              <a:t>, известный своим вкладом в </a:t>
-            </a:r>
-            <a:r>
-              <a:rPr lang="ru-RU" sz="2000" b="0" i="0" u="none" strike="noStrike" dirty="0">
-                <a:solidFill>
-                  <a:srgbClr val="0645AD"/>
-                </a:solidFill>
-                <a:effectLst/>
-                <a:hlinkClick r:id="rId3" tooltip="Строковые алгоритмы"/>
-              </a:rPr>
-              <a:t>строковые алгоритмы</a:t>
-            </a:r>
-            <a:r>
-              <a:rPr lang="ru-RU" sz="2000" dirty="0"/>
-              <a:t>, и в частности, алгоритмом </a:t>
-            </a:r>
-            <a:r>
-              <a:rPr lang="ru-RU" sz="2000" b="0" i="0" u="none" strike="noStrike" dirty="0">
-                <a:solidFill>
-                  <a:srgbClr val="0645AD"/>
-                </a:solidFill>
-                <a:effectLst/>
-                <a:hlinkClick r:id="rId4" tooltip="Алгоритм Укконена"/>
-              </a:rPr>
-              <a:t>Укконена</a:t>
-            </a:r>
-            <a:r>
-              <a:rPr lang="ru-RU" sz="2000" b="0" i="0" u="none" strike="noStrike" baseline="30000" dirty="0">
-                <a:solidFill>
-                  <a:srgbClr val="0645AD"/>
-                </a:solidFill>
-                <a:effectLst/>
-                <a:hlinkClick r:id="rId5"/>
-              </a:rPr>
-              <a:t>[1]</a:t>
-            </a:r>
-            <a:r>
-              <a:rPr lang="ru-RU" sz="2000" dirty="0"/>
-              <a:t> для построения </a:t>
-            </a:r>
-            <a:r>
-              <a:rPr lang="ru-RU" sz="2000" b="0" i="0" u="none" strike="noStrike" dirty="0">
-                <a:solidFill>
-                  <a:srgbClr val="0645AD"/>
-                </a:solidFill>
-                <a:effectLst/>
-                <a:hlinkClick r:id="rId6" tooltip="Дерево суффиксов"/>
-              </a:rPr>
-              <a:t>дерева суффиксов</a:t>
-            </a:r>
-            <a:r>
-              <a:rPr lang="ru-RU" sz="2000" b="0" i="0" u="none" strike="noStrike" dirty="0">
-                <a:solidFill>
-                  <a:srgbClr val="0645AD"/>
-                </a:solidFill>
-                <a:effectLst/>
-              </a:rPr>
-              <a:t> </a:t>
-            </a:r>
-            <a:r>
-              <a:rPr lang="ru-RU" sz="2000" b="0" i="0" u="none" strike="noStrike" dirty="0">
-                <a:effectLst/>
-              </a:rPr>
-              <a:t>предложенный им в 1995 году</a:t>
-            </a:r>
-            <a:r>
-              <a:rPr lang="ru-RU" sz="2000" dirty="0"/>
-              <a:t>. Он является почетным профессором </a:t>
-            </a:r>
-            <a:r>
-              <a:rPr lang="ru-RU" sz="2000" b="0" i="0" u="none" strike="noStrike" dirty="0">
-                <a:solidFill>
-                  <a:srgbClr val="0645AD"/>
-                </a:solidFill>
-                <a:effectLst/>
-                <a:hlinkClick r:id="rId7" tooltip="Хельсинкский университет"/>
-              </a:rPr>
-              <a:t>Хельсинкского университета</a:t>
-            </a:r>
-            <a:r>
-              <a:rPr lang="ru-RU" sz="2000" dirty="0"/>
-              <a:t>.</a:t>
-            </a:r>
-          </a:p>
-          <a:p>
-            <a:pPr marL="0" indent="0">
-              <a:buNone/>
-            </a:pPr>
-            <a:endParaRPr lang="ru-RU" sz="2000" dirty="0"/>
-          </a:p>
-          <a:p>
-            <a:pPr marL="0" indent="0">
-              <a:buNone/>
-            </a:pPr>
-            <a:endParaRPr lang="ru-RU" sz="2000" dirty="0"/>
-          </a:p>
-        </p:txBody>
-      </p:sp>
+        </p:nvGraphicFramePr>
+        <p:xfrm>
+          <a:off x="838200" y="1825625"/>
+          <a:ext cx="10515600" cy="4351338"/>
+        </p:xfrm>
+        <a:graphic>
+          <a:graphicData uri="http://schemas.openxmlformats.org/drawingml/2006/diagram">
+            <dgm:relIds xmlns:dgm="http://schemas.openxmlformats.org/drawingml/2006/diagram" xmlns:r="http://schemas.openxmlformats.org/officeDocument/2006/relationships" r:dm="rId2" r:lo="rId3" r:qs="rId4" r:cs="rId5"/>
+          </a:graphicData>
+        </a:graphic>
+      </p:graphicFrame>
       <p:sp>
         <p:nvSpPr>
           <p:cNvPr id="4" name="TextBox 3">
             <a:extLst>
               <a:ext uri="{FF2B5EF4-FFF2-40B4-BE49-F238E27FC236}">
-                <a16:creationId xmlns:a16="http://schemas.microsoft.com/office/drawing/2014/main" id="{7D76F9A8-2540-EEB1-715E-785F959B17C0}"/>
+                <a16:creationId xmlns:a16="http://schemas.microsoft.com/office/drawing/2014/main" id="{A5182898-B787-FE7E-5544-BC35C9D37D45}"/>
               </a:ext>
             </a:extLst>
           </p:cNvPr>
@@ -9306,89 +10188,7 @@
             <a:pPr algn="ctr"/>
             <a:r>
               <a:rPr lang="ru-RU" dirty="0"/>
-              <a:t>2</a:t>
-            </a:r>
-          </a:p>
-        </p:txBody>
-      </p:sp>
-      <p:pic>
-        <p:nvPicPr>
-          <p:cNvPr id="1028" name="Picture 4">
-            <a:extLst>
-              <a:ext uri="{FF2B5EF4-FFF2-40B4-BE49-F238E27FC236}">
-                <a16:creationId xmlns:a16="http://schemas.microsoft.com/office/drawing/2014/main" id="{A052091C-4FFB-E513-3328-D24DDFD2741A}"/>
-              </a:ext>
-            </a:extLst>
-          </p:cNvPr>
-          <p:cNvPicPr>
-            <a:picLocks noChangeAspect="1" noChangeArrowheads="1"/>
-          </p:cNvPicPr>
-          <p:nvPr/>
-        </p:nvPicPr>
-        <p:blipFill>
-          <a:blip r:embed="rId8">
-            <a:extLst>
-              <a:ext uri="{28A0092B-C50C-407E-A947-70E740481C1C}">
-                <a14:useLocalDpi xmlns:a14="http://schemas.microsoft.com/office/drawing/2010/main" val="0"/>
-              </a:ext>
-            </a:extLst>
-          </a:blip>
-          <a:srcRect/>
-          <a:stretch>
-            <a:fillRect/>
-          </a:stretch>
-        </p:blipFill>
-        <p:spPr bwMode="auto">
-          <a:xfrm>
-            <a:off x="949912" y="3041153"/>
-            <a:ext cx="4432998" cy="3069982"/>
-          </a:xfrm>
-          <a:prstGeom prst="rect">
-            <a:avLst/>
-          </a:prstGeom>
-          <a:noFill/>
-          <a:extLst>
-            <a:ext uri="{909E8E84-426E-40DD-AFC4-6F175D3DCCD1}">
-              <a14:hiddenFill xmlns:a14="http://schemas.microsoft.com/office/drawing/2010/main">
-                <a:solidFill>
-                  <a:srgbClr val="FFFFFF"/>
-                </a:solidFill>
-              </a14:hiddenFill>
-            </a:ext>
-          </a:extLst>
-        </p:spPr>
-      </p:pic>
-      <p:sp>
-        <p:nvSpPr>
-          <p:cNvPr id="5" name="TextBox 4">
-            <a:extLst>
-              <a:ext uri="{FF2B5EF4-FFF2-40B4-BE49-F238E27FC236}">
-                <a16:creationId xmlns:a16="http://schemas.microsoft.com/office/drawing/2014/main" id="{958B18CB-12AC-D896-3527-4EFF0E9E3C55}"/>
-              </a:ext>
-            </a:extLst>
-          </p:cNvPr>
-          <p:cNvSpPr txBox="1"/>
-          <p:nvPr/>
-        </p:nvSpPr>
-        <p:spPr>
-          <a:xfrm>
-            <a:off x="6096000" y="3701988"/>
-            <a:ext cx="1378998" cy="369332"/>
-          </a:xfrm>
-          <a:prstGeom prst="rect">
-            <a:avLst/>
-          </a:prstGeom>
-          <a:noFill/>
-        </p:spPr>
-        <p:txBody>
-          <a:bodyPr wrap="square" rtlCol="0">
-            <a:spAutoFit/>
-          </a:bodyPr>
-          <a:lstStyle/>
-          <a:p>
-            <a:r>
-              <a:rPr lang="ru-RU" dirty="0"/>
-              <a:t>	</a:t>
+              <a:t>1</a:t>
             </a:r>
           </a:p>
         </p:txBody>
@@ -9396,7 +10196,7 @@
     </p:spTree>
     <p:extLst>
       <p:ext uri="{BB962C8B-B14F-4D97-AF65-F5344CB8AC3E}">
-        <p14:creationId xmlns:p14="http://schemas.microsoft.com/office/powerpoint/2010/main" val="4134274443"/>
+        <p14:creationId xmlns:p14="http://schemas.microsoft.com/office/powerpoint/2010/main" val="899005541"/>
       </p:ext>
     </p:extLst>
   </p:cSld>
